--- a/image1.pptx
+++ b/image1.pptx
@@ -12,6 +12,7 @@
     <p:sldId id="260" r:id="rId6"/>
     <p:sldId id="261" r:id="rId7"/>
     <p:sldId id="262" r:id="rId8"/>
+    <p:sldId id="263" r:id="rId9"/>
   </p:sldIdLst>
   <p:sldSz cx="12192000" cy="6858000"/>
   <p:notesSz cx="6858000" cy="9144000"/>
@@ -4127,6 +4128,64 @@
           </a:p>
         </p:txBody>
       </p:sp>
+      <p:sp>
+        <p:nvSpPr>
+          <p:cNvPr id="23" name="사각형: 둥근 모서리 22">
+            <a:extLst>
+              <a:ext uri="{FF2B5EF4-FFF2-40B4-BE49-F238E27FC236}">
+                <a16:creationId xmlns:a16="http://schemas.microsoft.com/office/drawing/2014/main" id="{1237DC12-5E37-4763-919A-905FC12FA482}"/>
+              </a:ext>
+            </a:extLst>
+          </p:cNvPr>
+          <p:cNvSpPr/>
+          <p:nvPr/>
+        </p:nvSpPr>
+        <p:spPr>
+          <a:xfrm>
+            <a:off x="10363200" y="241299"/>
+            <a:ext cx="1549400" cy="1549400"/>
+          </a:xfrm>
+          <a:prstGeom prst="roundRect">
+            <a:avLst/>
+          </a:prstGeom>
+          <a:solidFill>
+            <a:srgbClr val="FFC000">
+              <a:alpha val="70000"/>
+            </a:srgbClr>
+          </a:solidFill>
+          <a:ln w="76200">
+            <a:noFill/>
+          </a:ln>
+        </p:spPr>
+        <p:style>
+          <a:lnRef idx="2">
+            <a:schemeClr val="accent1">
+              <a:shade val="50000"/>
+            </a:schemeClr>
+          </a:lnRef>
+          <a:fillRef idx="1">
+            <a:schemeClr val="accent1"/>
+          </a:fillRef>
+          <a:effectRef idx="0">
+            <a:schemeClr val="accent1"/>
+          </a:effectRef>
+          <a:fontRef idx="minor">
+            <a:schemeClr val="lt1"/>
+          </a:fontRef>
+        </p:style>
+        <p:txBody>
+          <a:bodyPr rtlCol="0" anchor="ctr"/>
+          <a:lstStyle/>
+          <a:p>
+            <a:pPr algn="ctr"/>
+            <a:endParaRPr lang="ko-KR" altLang="en-US" sz="8800" dirty="0">
+              <a:solidFill>
+                <a:schemeClr val="tx1"/>
+              </a:solidFill>
+            </a:endParaRPr>
+          </a:p>
+        </p:txBody>
+      </p:sp>
     </p:spTree>
     <p:extLst>
       <p:ext uri="{BB962C8B-B14F-4D97-AF65-F5344CB8AC3E}">
@@ -10908,6 +10967,321 @@
           </a:prstGeom>
         </p:spPr>
       </p:pic>
+      <p:sp>
+        <p:nvSpPr>
+          <p:cNvPr id="2" name="사각형: 잘린 위쪽 모서리 1">
+            <a:extLst>
+              <a:ext uri="{FF2B5EF4-FFF2-40B4-BE49-F238E27FC236}">
+                <a16:creationId xmlns:a16="http://schemas.microsoft.com/office/drawing/2014/main" id="{C163720D-AEA6-438B-9BE0-F582BCA3725C}"/>
+              </a:ext>
+            </a:extLst>
+          </p:cNvPr>
+          <p:cNvSpPr/>
+          <p:nvPr/>
+        </p:nvSpPr>
+        <p:spPr>
+          <a:xfrm flipV="1">
+            <a:off x="1460500" y="1257300"/>
+            <a:ext cx="2959100" cy="876300"/>
+          </a:xfrm>
+          <a:prstGeom prst="snip2SameRect">
+            <a:avLst/>
+          </a:prstGeom>
+          <a:solidFill>
+            <a:schemeClr val="bg1">
+              <a:lumMod val="85000"/>
+            </a:schemeClr>
+          </a:solidFill>
+          <a:ln w="76200">
+            <a:solidFill>
+              <a:schemeClr val="tx1"/>
+            </a:solidFill>
+          </a:ln>
+        </p:spPr>
+        <p:style>
+          <a:lnRef idx="2">
+            <a:schemeClr val="accent1">
+              <a:shade val="50000"/>
+            </a:schemeClr>
+          </a:lnRef>
+          <a:fillRef idx="1">
+            <a:schemeClr val="accent1"/>
+          </a:fillRef>
+          <a:effectRef idx="0">
+            <a:schemeClr val="accent1"/>
+          </a:effectRef>
+          <a:fontRef idx="minor">
+            <a:schemeClr val="lt1"/>
+          </a:fontRef>
+        </p:style>
+        <p:txBody>
+          <a:bodyPr rtlCol="0" anchor="ctr"/>
+          <a:lstStyle/>
+          <a:p>
+            <a:pPr algn="ctr"/>
+            <a:endParaRPr lang="ko-KR" altLang="en-US"/>
+          </a:p>
+        </p:txBody>
+      </p:sp>
+      <p:sp>
+        <p:nvSpPr>
+          <p:cNvPr id="3" name="직사각형 2">
+            <a:extLst>
+              <a:ext uri="{FF2B5EF4-FFF2-40B4-BE49-F238E27FC236}">
+                <a16:creationId xmlns:a16="http://schemas.microsoft.com/office/drawing/2014/main" id="{4DB9C1D0-912D-45A4-9D3E-FA657C72B143}"/>
+              </a:ext>
+            </a:extLst>
+          </p:cNvPr>
+          <p:cNvSpPr/>
+          <p:nvPr/>
+        </p:nvSpPr>
+        <p:spPr>
+          <a:xfrm>
+            <a:off x="863600" y="2844800"/>
+            <a:ext cx="1028700" cy="1028700"/>
+          </a:xfrm>
+          <a:prstGeom prst="rect">
+            <a:avLst/>
+          </a:prstGeom>
+          <a:solidFill>
+            <a:schemeClr val="bg1"/>
+          </a:solidFill>
+          <a:ln w="76200">
+            <a:solidFill>
+              <a:schemeClr val="tx1"/>
+            </a:solidFill>
+          </a:ln>
+        </p:spPr>
+        <p:style>
+          <a:lnRef idx="2">
+            <a:schemeClr val="accent1">
+              <a:shade val="50000"/>
+            </a:schemeClr>
+          </a:lnRef>
+          <a:fillRef idx="1">
+            <a:schemeClr val="accent1"/>
+          </a:fillRef>
+          <a:effectRef idx="0">
+            <a:schemeClr val="accent1"/>
+          </a:effectRef>
+          <a:fontRef idx="minor">
+            <a:schemeClr val="lt1"/>
+          </a:fontRef>
+        </p:style>
+        <p:txBody>
+          <a:bodyPr rtlCol="0" anchor="ctr"/>
+          <a:lstStyle/>
+          <a:p>
+            <a:pPr algn="ctr"/>
+            <a:r>
+              <a:rPr lang="en-US" altLang="ko-KR" dirty="0">
+                <a:solidFill>
+                  <a:sysClr val="windowText" lastClr="000000"/>
+                </a:solidFill>
+              </a:rPr>
+              <a:t>Undo</a:t>
+            </a:r>
+            <a:endParaRPr lang="ko-KR" altLang="en-US" dirty="0">
+              <a:solidFill>
+                <a:sysClr val="windowText" lastClr="000000"/>
+              </a:solidFill>
+            </a:endParaRPr>
+          </a:p>
+        </p:txBody>
+      </p:sp>
+      <p:sp>
+        <p:nvSpPr>
+          <p:cNvPr id="5" name="직사각형 4">
+            <a:extLst>
+              <a:ext uri="{FF2B5EF4-FFF2-40B4-BE49-F238E27FC236}">
+                <a16:creationId xmlns:a16="http://schemas.microsoft.com/office/drawing/2014/main" id="{BE834B85-E9E0-495D-9438-207925EA90B5}"/>
+              </a:ext>
+            </a:extLst>
+          </p:cNvPr>
+          <p:cNvSpPr/>
+          <p:nvPr/>
+        </p:nvSpPr>
+        <p:spPr>
+          <a:xfrm>
+            <a:off x="2406650" y="2844800"/>
+            <a:ext cx="1028700" cy="1028700"/>
+          </a:xfrm>
+          <a:prstGeom prst="rect">
+            <a:avLst/>
+          </a:prstGeom>
+          <a:solidFill>
+            <a:schemeClr val="bg1"/>
+          </a:solidFill>
+          <a:ln w="76200">
+            <a:solidFill>
+              <a:schemeClr val="tx1"/>
+            </a:solidFill>
+          </a:ln>
+        </p:spPr>
+        <p:style>
+          <a:lnRef idx="2">
+            <a:schemeClr val="accent1">
+              <a:shade val="50000"/>
+            </a:schemeClr>
+          </a:lnRef>
+          <a:fillRef idx="1">
+            <a:schemeClr val="accent1"/>
+          </a:fillRef>
+          <a:effectRef idx="0">
+            <a:schemeClr val="accent1"/>
+          </a:effectRef>
+          <a:fontRef idx="minor">
+            <a:schemeClr val="lt1"/>
+          </a:fontRef>
+        </p:style>
+        <p:txBody>
+          <a:bodyPr rtlCol="0" anchor="ctr"/>
+          <a:lstStyle/>
+          <a:p>
+            <a:pPr algn="ctr"/>
+            <a:r>
+              <a:rPr lang="en-US" altLang="ko-KR" dirty="0">
+                <a:solidFill>
+                  <a:sysClr val="windowText" lastClr="000000"/>
+                </a:solidFill>
+              </a:rPr>
+              <a:t>Reset</a:t>
+            </a:r>
+          </a:p>
+        </p:txBody>
+      </p:sp>
+      <p:grpSp>
+        <p:nvGrpSpPr>
+          <p:cNvPr id="8" name="그룹 7">
+            <a:extLst>
+              <a:ext uri="{FF2B5EF4-FFF2-40B4-BE49-F238E27FC236}">
+                <a16:creationId xmlns:a16="http://schemas.microsoft.com/office/drawing/2014/main" id="{24B7600D-3741-4E6D-B0DF-AF2770AE7C96}"/>
+              </a:ext>
+            </a:extLst>
+          </p:cNvPr>
+          <p:cNvGrpSpPr/>
+          <p:nvPr/>
+        </p:nvGrpSpPr>
+        <p:grpSpPr>
+          <a:xfrm>
+            <a:off x="844550" y="4115700"/>
+            <a:ext cx="2724150" cy="1217402"/>
+            <a:chOff x="844550" y="4115700"/>
+            <a:chExt cx="2724150" cy="1217402"/>
+          </a:xfrm>
+        </p:grpSpPr>
+        <p:sp>
+          <p:nvSpPr>
+            <p:cNvPr id="6" name="직사각형 5">
+              <a:extLst>
+                <a:ext uri="{FF2B5EF4-FFF2-40B4-BE49-F238E27FC236}">
+                  <a16:creationId xmlns:a16="http://schemas.microsoft.com/office/drawing/2014/main" id="{0506703E-9738-4132-BBF1-1EADA644A6D7}"/>
+                </a:ext>
+              </a:extLst>
+            </p:cNvPr>
+            <p:cNvSpPr/>
+            <p:nvPr/>
+          </p:nvSpPr>
+          <p:spPr>
+            <a:xfrm>
+              <a:off x="844550" y="4115700"/>
+              <a:ext cx="2724150" cy="608701"/>
+            </a:xfrm>
+            <a:prstGeom prst="rect">
+              <a:avLst/>
+            </a:prstGeom>
+            <a:solidFill>
+              <a:schemeClr val="tx1"/>
+            </a:solidFill>
+            <a:ln w="76200">
+              <a:solidFill>
+                <a:schemeClr val="tx1"/>
+              </a:solidFill>
+            </a:ln>
+          </p:spPr>
+          <p:style>
+            <a:lnRef idx="2">
+              <a:schemeClr val="accent1">
+                <a:shade val="50000"/>
+              </a:schemeClr>
+            </a:lnRef>
+            <a:fillRef idx="1">
+              <a:schemeClr val="accent1"/>
+            </a:fillRef>
+            <a:effectRef idx="0">
+              <a:schemeClr val="accent1"/>
+            </a:effectRef>
+            <a:fontRef idx="minor">
+              <a:schemeClr val="lt1"/>
+            </a:fontRef>
+          </p:style>
+          <p:txBody>
+            <a:bodyPr rtlCol="0" anchor="ctr"/>
+            <a:lstStyle/>
+            <a:p>
+              <a:pPr algn="ctr"/>
+              <a:r>
+                <a:rPr lang="ko-KR" altLang="en-US" dirty="0"/>
+                <a:t>남은 횟수</a:t>
+              </a:r>
+            </a:p>
+          </p:txBody>
+        </p:sp>
+        <p:sp>
+          <p:nvSpPr>
+            <p:cNvPr id="7" name="직사각형 6">
+              <a:extLst>
+                <a:ext uri="{FF2B5EF4-FFF2-40B4-BE49-F238E27FC236}">
+                  <a16:creationId xmlns:a16="http://schemas.microsoft.com/office/drawing/2014/main" id="{4720324A-FCBF-40F3-B60E-FF99526484E8}"/>
+                </a:ext>
+              </a:extLst>
+            </p:cNvPr>
+            <p:cNvSpPr/>
+            <p:nvPr/>
+          </p:nvSpPr>
+          <p:spPr>
+            <a:xfrm>
+              <a:off x="844550" y="4724401"/>
+              <a:ext cx="2724150" cy="608701"/>
+            </a:xfrm>
+            <a:prstGeom prst="rect">
+              <a:avLst/>
+            </a:prstGeom>
+            <a:solidFill>
+              <a:schemeClr val="bg1"/>
+            </a:solidFill>
+            <a:ln w="76200">
+              <a:solidFill>
+                <a:schemeClr val="tx1"/>
+              </a:solidFill>
+            </a:ln>
+          </p:spPr>
+          <p:style>
+            <a:lnRef idx="2">
+              <a:schemeClr val="accent1">
+                <a:shade val="50000"/>
+              </a:schemeClr>
+            </a:lnRef>
+            <a:fillRef idx="1">
+              <a:schemeClr val="accent1"/>
+            </a:fillRef>
+            <a:effectRef idx="0">
+              <a:schemeClr val="accent1"/>
+            </a:effectRef>
+            <a:fontRef idx="minor">
+              <a:schemeClr val="lt1"/>
+            </a:fontRef>
+          </p:style>
+          <p:txBody>
+            <a:bodyPr rtlCol="0" anchor="ctr"/>
+            <a:lstStyle/>
+            <a:p>
+              <a:pPr algn="ctr"/>
+              <a:endParaRPr lang="ko-KR" altLang="en-US"/>
+            </a:p>
+          </p:txBody>
+        </p:sp>
+      </p:grpSp>
     </p:spTree>
     <p:extLst>
       <p:ext uri="{BB962C8B-B14F-4D97-AF65-F5344CB8AC3E}">
@@ -11780,6 +12154,656 @@
 </p:sld>
 </file>
 
+<file path=ppt/slides/slide8.xml><?xml version="1.0" encoding="utf-8"?>
+<p:sld xmlns:a="http://schemas.openxmlformats.org/drawingml/2006/main" xmlns:r="http://schemas.openxmlformats.org/officeDocument/2006/relationships" xmlns:p="http://schemas.openxmlformats.org/presentationml/2006/main">
+  <p:cSld>
+    <p:spTree>
+      <p:nvGrpSpPr>
+        <p:cNvPr id="1" name=""/>
+        <p:cNvGrpSpPr/>
+        <p:nvPr/>
+      </p:nvGrpSpPr>
+      <p:grpSpPr>
+        <a:xfrm>
+          <a:off x="0" y="0"/>
+          <a:ext cx="0" cy="0"/>
+          <a:chOff x="0" y="0"/>
+          <a:chExt cx="0" cy="0"/>
+        </a:xfrm>
+      </p:grpSpPr>
+      <p:sp>
+        <p:nvSpPr>
+          <p:cNvPr id="4" name="직사각형 3">
+            <a:extLst>
+              <a:ext uri="{FF2B5EF4-FFF2-40B4-BE49-F238E27FC236}">
+                <a16:creationId xmlns:a16="http://schemas.microsoft.com/office/drawing/2014/main" id="{4E6C5393-99F0-4B04-BE49-4D5CAA7AAB2F}"/>
+              </a:ext>
+            </a:extLst>
+          </p:cNvPr>
+          <p:cNvSpPr/>
+          <p:nvPr/>
+        </p:nvSpPr>
+        <p:spPr>
+          <a:xfrm>
+            <a:off x="1485900" y="1054100"/>
+            <a:ext cx="203200" cy="215900"/>
+          </a:xfrm>
+          <a:prstGeom prst="rect">
+            <a:avLst/>
+          </a:prstGeom>
+          <a:noFill/>
+          <a:ln>
+            <a:noFill/>
+          </a:ln>
+        </p:spPr>
+        <p:style>
+          <a:lnRef idx="2">
+            <a:schemeClr val="accent1">
+              <a:shade val="50000"/>
+            </a:schemeClr>
+          </a:lnRef>
+          <a:fillRef idx="1">
+            <a:schemeClr val="accent1"/>
+          </a:fillRef>
+          <a:effectRef idx="0">
+            <a:schemeClr val="accent1"/>
+          </a:effectRef>
+          <a:fontRef idx="minor">
+            <a:schemeClr val="lt1"/>
+          </a:fontRef>
+        </p:style>
+        <p:txBody>
+          <a:bodyPr rtlCol="0" anchor="ctr"/>
+          <a:lstStyle/>
+          <a:p>
+            <a:pPr algn="ctr"/>
+            <a:r>
+              <a:rPr lang="en-US" altLang="ko-KR" dirty="0">
+                <a:solidFill>
+                  <a:sysClr val="windowText" lastClr="000000"/>
+                </a:solidFill>
+              </a:rPr>
+              <a:t>1</a:t>
+            </a:r>
+            <a:endParaRPr lang="ko-KR" altLang="en-US" dirty="0">
+              <a:solidFill>
+                <a:sysClr val="windowText" lastClr="000000"/>
+              </a:solidFill>
+            </a:endParaRPr>
+          </a:p>
+        </p:txBody>
+      </p:sp>
+      <p:sp>
+        <p:nvSpPr>
+          <p:cNvPr id="5" name="직사각형 4">
+            <a:extLst>
+              <a:ext uri="{FF2B5EF4-FFF2-40B4-BE49-F238E27FC236}">
+                <a16:creationId xmlns:a16="http://schemas.microsoft.com/office/drawing/2014/main" id="{C658EC9F-40AE-40D1-A58F-B7BD7842E021}"/>
+              </a:ext>
+            </a:extLst>
+          </p:cNvPr>
+          <p:cNvSpPr/>
+          <p:nvPr/>
+        </p:nvSpPr>
+        <p:spPr>
+          <a:xfrm>
+            <a:off x="2057400" y="1054100"/>
+            <a:ext cx="203200" cy="215900"/>
+          </a:xfrm>
+          <a:prstGeom prst="rect">
+            <a:avLst/>
+          </a:prstGeom>
+          <a:noFill/>
+          <a:ln>
+            <a:noFill/>
+          </a:ln>
+        </p:spPr>
+        <p:style>
+          <a:lnRef idx="2">
+            <a:schemeClr val="accent1">
+              <a:shade val="50000"/>
+            </a:schemeClr>
+          </a:lnRef>
+          <a:fillRef idx="1">
+            <a:schemeClr val="accent1"/>
+          </a:fillRef>
+          <a:effectRef idx="0">
+            <a:schemeClr val="accent1"/>
+          </a:effectRef>
+          <a:fontRef idx="minor">
+            <a:schemeClr val="lt1"/>
+          </a:fontRef>
+        </p:style>
+        <p:txBody>
+          <a:bodyPr rtlCol="0" anchor="ctr"/>
+          <a:lstStyle/>
+          <a:p>
+            <a:pPr algn="ctr"/>
+            <a:r>
+              <a:rPr lang="en-US" altLang="ko-KR" dirty="0">
+                <a:solidFill>
+                  <a:sysClr val="windowText" lastClr="000000"/>
+                </a:solidFill>
+              </a:rPr>
+              <a:t>2</a:t>
+            </a:r>
+            <a:endParaRPr lang="ko-KR" altLang="en-US" dirty="0">
+              <a:solidFill>
+                <a:sysClr val="windowText" lastClr="000000"/>
+              </a:solidFill>
+            </a:endParaRPr>
+          </a:p>
+        </p:txBody>
+      </p:sp>
+      <p:sp>
+        <p:nvSpPr>
+          <p:cNvPr id="7" name="직사각형 6">
+            <a:extLst>
+              <a:ext uri="{FF2B5EF4-FFF2-40B4-BE49-F238E27FC236}">
+                <a16:creationId xmlns:a16="http://schemas.microsoft.com/office/drawing/2014/main" id="{7240B1B3-1FBD-43BC-80EB-45971869F8D3}"/>
+              </a:ext>
+            </a:extLst>
+          </p:cNvPr>
+          <p:cNvSpPr/>
+          <p:nvPr/>
+        </p:nvSpPr>
+        <p:spPr>
+          <a:xfrm>
+            <a:off x="2641600" y="1054100"/>
+            <a:ext cx="203200" cy="215900"/>
+          </a:xfrm>
+          <a:prstGeom prst="rect">
+            <a:avLst/>
+          </a:prstGeom>
+          <a:noFill/>
+          <a:ln>
+            <a:noFill/>
+          </a:ln>
+        </p:spPr>
+        <p:style>
+          <a:lnRef idx="2">
+            <a:schemeClr val="accent1">
+              <a:shade val="50000"/>
+            </a:schemeClr>
+          </a:lnRef>
+          <a:fillRef idx="1">
+            <a:schemeClr val="accent1"/>
+          </a:fillRef>
+          <a:effectRef idx="0">
+            <a:schemeClr val="accent1"/>
+          </a:effectRef>
+          <a:fontRef idx="minor">
+            <a:schemeClr val="lt1"/>
+          </a:fontRef>
+        </p:style>
+        <p:txBody>
+          <a:bodyPr rtlCol="0" anchor="ctr"/>
+          <a:lstStyle/>
+          <a:p>
+            <a:pPr algn="ctr"/>
+            <a:r>
+              <a:rPr lang="en-US" altLang="ko-KR" dirty="0">
+                <a:solidFill>
+                  <a:sysClr val="windowText" lastClr="000000"/>
+                </a:solidFill>
+              </a:rPr>
+              <a:t>3</a:t>
+            </a:r>
+            <a:endParaRPr lang="ko-KR" altLang="en-US" dirty="0">
+              <a:solidFill>
+                <a:sysClr val="windowText" lastClr="000000"/>
+              </a:solidFill>
+            </a:endParaRPr>
+          </a:p>
+        </p:txBody>
+      </p:sp>
+      <p:sp>
+        <p:nvSpPr>
+          <p:cNvPr id="8" name="직사각형 7">
+            <a:extLst>
+              <a:ext uri="{FF2B5EF4-FFF2-40B4-BE49-F238E27FC236}">
+                <a16:creationId xmlns:a16="http://schemas.microsoft.com/office/drawing/2014/main" id="{F17AAC9F-F8D1-4604-90F2-3A1C0A264A92}"/>
+              </a:ext>
+            </a:extLst>
+          </p:cNvPr>
+          <p:cNvSpPr/>
+          <p:nvPr/>
+        </p:nvSpPr>
+        <p:spPr>
+          <a:xfrm>
+            <a:off x="3200400" y="1054100"/>
+            <a:ext cx="203200" cy="215900"/>
+          </a:xfrm>
+          <a:prstGeom prst="rect">
+            <a:avLst/>
+          </a:prstGeom>
+          <a:noFill/>
+          <a:ln>
+            <a:noFill/>
+          </a:ln>
+        </p:spPr>
+        <p:style>
+          <a:lnRef idx="2">
+            <a:schemeClr val="accent1">
+              <a:shade val="50000"/>
+            </a:schemeClr>
+          </a:lnRef>
+          <a:fillRef idx="1">
+            <a:schemeClr val="accent1"/>
+          </a:fillRef>
+          <a:effectRef idx="0">
+            <a:schemeClr val="accent1"/>
+          </a:effectRef>
+          <a:fontRef idx="minor">
+            <a:schemeClr val="lt1"/>
+          </a:fontRef>
+        </p:style>
+        <p:txBody>
+          <a:bodyPr rtlCol="0" anchor="ctr"/>
+          <a:lstStyle/>
+          <a:p>
+            <a:pPr algn="ctr"/>
+            <a:r>
+              <a:rPr lang="en-US" altLang="ko-KR" dirty="0">
+                <a:solidFill>
+                  <a:sysClr val="windowText" lastClr="000000"/>
+                </a:solidFill>
+              </a:rPr>
+              <a:t>4</a:t>
+            </a:r>
+            <a:endParaRPr lang="ko-KR" altLang="en-US" dirty="0">
+              <a:solidFill>
+                <a:sysClr val="windowText" lastClr="000000"/>
+              </a:solidFill>
+            </a:endParaRPr>
+          </a:p>
+        </p:txBody>
+      </p:sp>
+      <p:sp>
+        <p:nvSpPr>
+          <p:cNvPr id="9" name="직사각형 8">
+            <a:extLst>
+              <a:ext uri="{FF2B5EF4-FFF2-40B4-BE49-F238E27FC236}">
+                <a16:creationId xmlns:a16="http://schemas.microsoft.com/office/drawing/2014/main" id="{1B76570A-B408-450D-BB81-B4F03932B777}"/>
+              </a:ext>
+            </a:extLst>
+          </p:cNvPr>
+          <p:cNvSpPr/>
+          <p:nvPr/>
+        </p:nvSpPr>
+        <p:spPr>
+          <a:xfrm>
+            <a:off x="3759200" y="1054100"/>
+            <a:ext cx="203200" cy="215900"/>
+          </a:xfrm>
+          <a:prstGeom prst="rect">
+            <a:avLst/>
+          </a:prstGeom>
+          <a:noFill/>
+          <a:ln>
+            <a:noFill/>
+          </a:ln>
+        </p:spPr>
+        <p:style>
+          <a:lnRef idx="2">
+            <a:schemeClr val="accent1">
+              <a:shade val="50000"/>
+            </a:schemeClr>
+          </a:lnRef>
+          <a:fillRef idx="1">
+            <a:schemeClr val="accent1"/>
+          </a:fillRef>
+          <a:effectRef idx="0">
+            <a:schemeClr val="accent1"/>
+          </a:effectRef>
+          <a:fontRef idx="minor">
+            <a:schemeClr val="lt1"/>
+          </a:fontRef>
+        </p:style>
+        <p:txBody>
+          <a:bodyPr rtlCol="0" anchor="ctr"/>
+          <a:lstStyle/>
+          <a:p>
+            <a:pPr algn="ctr"/>
+            <a:r>
+              <a:rPr lang="en-US" altLang="ko-KR" dirty="0">
+                <a:solidFill>
+                  <a:sysClr val="windowText" lastClr="000000"/>
+                </a:solidFill>
+              </a:rPr>
+              <a:t>5</a:t>
+            </a:r>
+            <a:endParaRPr lang="ko-KR" altLang="en-US" dirty="0">
+              <a:solidFill>
+                <a:sysClr val="windowText" lastClr="000000"/>
+              </a:solidFill>
+            </a:endParaRPr>
+          </a:p>
+        </p:txBody>
+      </p:sp>
+      <p:sp>
+        <p:nvSpPr>
+          <p:cNvPr id="10" name="직사각형 9">
+            <a:extLst>
+              <a:ext uri="{FF2B5EF4-FFF2-40B4-BE49-F238E27FC236}">
+                <a16:creationId xmlns:a16="http://schemas.microsoft.com/office/drawing/2014/main" id="{512158AA-BA0A-46BB-8C20-B302BD9FBB62}"/>
+              </a:ext>
+            </a:extLst>
+          </p:cNvPr>
+          <p:cNvSpPr/>
+          <p:nvPr/>
+        </p:nvSpPr>
+        <p:spPr>
+          <a:xfrm>
+            <a:off x="4318000" y="1054100"/>
+            <a:ext cx="203200" cy="215900"/>
+          </a:xfrm>
+          <a:prstGeom prst="rect">
+            <a:avLst/>
+          </a:prstGeom>
+          <a:noFill/>
+          <a:ln>
+            <a:noFill/>
+          </a:ln>
+        </p:spPr>
+        <p:style>
+          <a:lnRef idx="2">
+            <a:schemeClr val="accent1">
+              <a:shade val="50000"/>
+            </a:schemeClr>
+          </a:lnRef>
+          <a:fillRef idx="1">
+            <a:schemeClr val="accent1"/>
+          </a:fillRef>
+          <a:effectRef idx="0">
+            <a:schemeClr val="accent1"/>
+          </a:effectRef>
+          <a:fontRef idx="minor">
+            <a:schemeClr val="lt1"/>
+          </a:fontRef>
+        </p:style>
+        <p:txBody>
+          <a:bodyPr rtlCol="0" anchor="ctr"/>
+          <a:lstStyle/>
+          <a:p>
+            <a:pPr algn="ctr"/>
+            <a:r>
+              <a:rPr lang="en-US" altLang="ko-KR" dirty="0">
+                <a:solidFill>
+                  <a:sysClr val="windowText" lastClr="000000"/>
+                </a:solidFill>
+              </a:rPr>
+              <a:t>6</a:t>
+            </a:r>
+            <a:endParaRPr lang="ko-KR" altLang="en-US" dirty="0">
+              <a:solidFill>
+                <a:sysClr val="windowText" lastClr="000000"/>
+              </a:solidFill>
+            </a:endParaRPr>
+          </a:p>
+        </p:txBody>
+      </p:sp>
+      <p:sp>
+        <p:nvSpPr>
+          <p:cNvPr id="12" name="직사각형 11">
+            <a:extLst>
+              <a:ext uri="{FF2B5EF4-FFF2-40B4-BE49-F238E27FC236}">
+                <a16:creationId xmlns:a16="http://schemas.microsoft.com/office/drawing/2014/main" id="{4412B1A6-203D-4B6E-AFEB-989158657C40}"/>
+              </a:ext>
+            </a:extLst>
+          </p:cNvPr>
+          <p:cNvSpPr/>
+          <p:nvPr/>
+        </p:nvSpPr>
+        <p:spPr>
+          <a:xfrm>
+            <a:off x="4876800" y="1054100"/>
+            <a:ext cx="203200" cy="215900"/>
+          </a:xfrm>
+          <a:prstGeom prst="rect">
+            <a:avLst/>
+          </a:prstGeom>
+          <a:noFill/>
+          <a:ln>
+            <a:noFill/>
+          </a:ln>
+        </p:spPr>
+        <p:style>
+          <a:lnRef idx="2">
+            <a:schemeClr val="accent1">
+              <a:shade val="50000"/>
+            </a:schemeClr>
+          </a:lnRef>
+          <a:fillRef idx="1">
+            <a:schemeClr val="accent1"/>
+          </a:fillRef>
+          <a:effectRef idx="0">
+            <a:schemeClr val="accent1"/>
+          </a:effectRef>
+          <a:fontRef idx="minor">
+            <a:schemeClr val="lt1"/>
+          </a:fontRef>
+        </p:style>
+        <p:txBody>
+          <a:bodyPr rtlCol="0" anchor="ctr"/>
+          <a:lstStyle/>
+          <a:p>
+            <a:pPr algn="ctr"/>
+            <a:r>
+              <a:rPr lang="en-US" altLang="ko-KR" dirty="0">
+                <a:solidFill>
+                  <a:sysClr val="windowText" lastClr="000000"/>
+                </a:solidFill>
+              </a:rPr>
+              <a:t>7</a:t>
+            </a:r>
+            <a:endParaRPr lang="ko-KR" altLang="en-US" dirty="0">
+              <a:solidFill>
+                <a:sysClr val="windowText" lastClr="000000"/>
+              </a:solidFill>
+            </a:endParaRPr>
+          </a:p>
+        </p:txBody>
+      </p:sp>
+      <p:sp>
+        <p:nvSpPr>
+          <p:cNvPr id="13" name="직사각형 12">
+            <a:extLst>
+              <a:ext uri="{FF2B5EF4-FFF2-40B4-BE49-F238E27FC236}">
+                <a16:creationId xmlns:a16="http://schemas.microsoft.com/office/drawing/2014/main" id="{4B8CFA77-BAEA-4B3A-A6C8-E4554D862E7C}"/>
+              </a:ext>
+            </a:extLst>
+          </p:cNvPr>
+          <p:cNvSpPr/>
+          <p:nvPr/>
+        </p:nvSpPr>
+        <p:spPr>
+          <a:xfrm>
+            <a:off x="1485900" y="1676400"/>
+            <a:ext cx="203200" cy="215900"/>
+          </a:xfrm>
+          <a:prstGeom prst="rect">
+            <a:avLst/>
+          </a:prstGeom>
+          <a:noFill/>
+          <a:ln>
+            <a:noFill/>
+          </a:ln>
+        </p:spPr>
+        <p:style>
+          <a:lnRef idx="2">
+            <a:schemeClr val="accent1">
+              <a:shade val="50000"/>
+            </a:schemeClr>
+          </a:lnRef>
+          <a:fillRef idx="1">
+            <a:schemeClr val="accent1"/>
+          </a:fillRef>
+          <a:effectRef idx="0">
+            <a:schemeClr val="accent1"/>
+          </a:effectRef>
+          <a:fontRef idx="minor">
+            <a:schemeClr val="lt1"/>
+          </a:fontRef>
+        </p:style>
+        <p:txBody>
+          <a:bodyPr rtlCol="0" anchor="ctr"/>
+          <a:lstStyle/>
+          <a:p>
+            <a:pPr algn="ctr"/>
+            <a:r>
+              <a:rPr lang="en-US" altLang="ko-KR" dirty="0">
+                <a:solidFill>
+                  <a:sysClr val="windowText" lastClr="000000"/>
+                </a:solidFill>
+              </a:rPr>
+              <a:t>8</a:t>
+            </a:r>
+            <a:endParaRPr lang="ko-KR" altLang="en-US" dirty="0">
+              <a:solidFill>
+                <a:sysClr val="windowText" lastClr="000000"/>
+              </a:solidFill>
+            </a:endParaRPr>
+          </a:p>
+        </p:txBody>
+      </p:sp>
+      <p:sp>
+        <p:nvSpPr>
+          <p:cNvPr id="14" name="직사각형 13">
+            <a:extLst>
+              <a:ext uri="{FF2B5EF4-FFF2-40B4-BE49-F238E27FC236}">
+                <a16:creationId xmlns:a16="http://schemas.microsoft.com/office/drawing/2014/main" id="{91763476-712D-4268-9DA6-4C12D6CF768A}"/>
+              </a:ext>
+            </a:extLst>
+          </p:cNvPr>
+          <p:cNvSpPr/>
+          <p:nvPr/>
+        </p:nvSpPr>
+        <p:spPr>
+          <a:xfrm>
+            <a:off x="2044700" y="1676400"/>
+            <a:ext cx="203200" cy="215900"/>
+          </a:xfrm>
+          <a:prstGeom prst="rect">
+            <a:avLst/>
+          </a:prstGeom>
+          <a:noFill/>
+          <a:ln>
+            <a:noFill/>
+          </a:ln>
+        </p:spPr>
+        <p:style>
+          <a:lnRef idx="2">
+            <a:schemeClr val="accent1">
+              <a:shade val="50000"/>
+            </a:schemeClr>
+          </a:lnRef>
+          <a:fillRef idx="1">
+            <a:schemeClr val="accent1"/>
+          </a:fillRef>
+          <a:effectRef idx="0">
+            <a:schemeClr val="accent1"/>
+          </a:effectRef>
+          <a:fontRef idx="minor">
+            <a:schemeClr val="lt1"/>
+          </a:fontRef>
+        </p:style>
+        <p:txBody>
+          <a:bodyPr rtlCol="0" anchor="ctr"/>
+          <a:lstStyle/>
+          <a:p>
+            <a:pPr algn="ctr"/>
+            <a:r>
+              <a:rPr lang="en-US" altLang="ko-KR" dirty="0">
+                <a:solidFill>
+                  <a:sysClr val="windowText" lastClr="000000"/>
+                </a:solidFill>
+              </a:rPr>
+              <a:t>9</a:t>
+            </a:r>
+            <a:endParaRPr lang="ko-KR" altLang="en-US" dirty="0">
+              <a:solidFill>
+                <a:sysClr val="windowText" lastClr="000000"/>
+              </a:solidFill>
+            </a:endParaRPr>
+          </a:p>
+        </p:txBody>
+      </p:sp>
+      <p:sp>
+        <p:nvSpPr>
+          <p:cNvPr id="16" name="직사각형 15">
+            <a:extLst>
+              <a:ext uri="{FF2B5EF4-FFF2-40B4-BE49-F238E27FC236}">
+                <a16:creationId xmlns:a16="http://schemas.microsoft.com/office/drawing/2014/main" id="{351CF8DC-5AC6-45DA-BC0F-CC028786B1E5}"/>
+              </a:ext>
+            </a:extLst>
+          </p:cNvPr>
+          <p:cNvSpPr/>
+          <p:nvPr/>
+        </p:nvSpPr>
+        <p:spPr>
+          <a:xfrm>
+            <a:off x="2641600" y="1676400"/>
+            <a:ext cx="203200" cy="215900"/>
+          </a:xfrm>
+          <a:prstGeom prst="rect">
+            <a:avLst/>
+          </a:prstGeom>
+          <a:noFill/>
+          <a:ln>
+            <a:noFill/>
+          </a:ln>
+        </p:spPr>
+        <p:style>
+          <a:lnRef idx="2">
+            <a:schemeClr val="accent1">
+              <a:shade val="50000"/>
+            </a:schemeClr>
+          </a:lnRef>
+          <a:fillRef idx="1">
+            <a:schemeClr val="accent1"/>
+          </a:fillRef>
+          <a:effectRef idx="0">
+            <a:schemeClr val="accent1"/>
+          </a:effectRef>
+          <a:fontRef idx="minor">
+            <a:schemeClr val="lt1"/>
+          </a:fontRef>
+        </p:style>
+        <p:txBody>
+          <a:bodyPr rtlCol="0" anchor="ctr"/>
+          <a:lstStyle/>
+          <a:p>
+            <a:pPr algn="ctr"/>
+            <a:r>
+              <a:rPr lang="en-US" altLang="ko-KR" dirty="0">
+                <a:solidFill>
+                  <a:sysClr val="windowText" lastClr="000000"/>
+                </a:solidFill>
+              </a:rPr>
+              <a:t>0</a:t>
+            </a:r>
+            <a:endParaRPr lang="ko-KR" altLang="en-US" dirty="0">
+              <a:solidFill>
+                <a:sysClr val="windowText" lastClr="000000"/>
+              </a:solidFill>
+            </a:endParaRPr>
+          </a:p>
+        </p:txBody>
+      </p:sp>
+    </p:spTree>
+    <p:extLst>
+      <p:ext uri="{BB962C8B-B14F-4D97-AF65-F5344CB8AC3E}">
+        <p14:creationId xmlns:p14="http://schemas.microsoft.com/office/powerpoint/2010/main" val="3366064612"/>
+      </p:ext>
+    </p:extLst>
+  </p:cSld>
+  <p:clrMapOvr>
+    <a:masterClrMapping/>
+  </p:clrMapOvr>
+</p:sld>
+</file>
+
 <file path=ppt/theme/theme1.xml><?xml version="1.0" encoding="utf-8"?>
 <a:theme xmlns:a="http://schemas.openxmlformats.org/drawingml/2006/main" name="Office 테마">
   <a:themeElements>

--- a/image1.pptx
+++ b/image1.pptx
@@ -13,6 +13,7 @@
     <p:sldId id="261" r:id="rId7"/>
     <p:sldId id="262" r:id="rId8"/>
     <p:sldId id="263" r:id="rId9"/>
+    <p:sldId id="264" r:id="rId10"/>
   </p:sldIdLst>
   <p:sldSz cx="12192000" cy="6858000"/>
   <p:notesSz cx="6858000" cy="9144000"/>
@@ -266,7 +267,7 @@
           <a:p>
             <a:fld id="{5660B926-7AC7-45A0-B1C2-692220D8726F}" type="datetimeFigureOut">
               <a:rPr lang="ko-KR" altLang="en-US" smtClean="0"/>
-              <a:t>2018-11-25</a:t>
+              <a:t>2018-11-27</a:t>
             </a:fld>
             <a:endParaRPr lang="ko-KR" altLang="en-US"/>
           </a:p>
@@ -464,7 +465,7 @@
           <a:p>
             <a:fld id="{5660B926-7AC7-45A0-B1C2-692220D8726F}" type="datetimeFigureOut">
               <a:rPr lang="ko-KR" altLang="en-US" smtClean="0"/>
-              <a:t>2018-11-25</a:t>
+              <a:t>2018-11-27</a:t>
             </a:fld>
             <a:endParaRPr lang="ko-KR" altLang="en-US"/>
           </a:p>
@@ -672,7 +673,7 @@
           <a:p>
             <a:fld id="{5660B926-7AC7-45A0-B1C2-692220D8726F}" type="datetimeFigureOut">
               <a:rPr lang="ko-KR" altLang="en-US" smtClean="0"/>
-              <a:t>2018-11-25</a:t>
+              <a:t>2018-11-27</a:t>
             </a:fld>
             <a:endParaRPr lang="ko-KR" altLang="en-US"/>
           </a:p>
@@ -870,7 +871,7 @@
           <a:p>
             <a:fld id="{5660B926-7AC7-45A0-B1C2-692220D8726F}" type="datetimeFigureOut">
               <a:rPr lang="ko-KR" altLang="en-US" smtClean="0"/>
-              <a:t>2018-11-25</a:t>
+              <a:t>2018-11-27</a:t>
             </a:fld>
             <a:endParaRPr lang="ko-KR" altLang="en-US"/>
           </a:p>
@@ -1145,7 +1146,7 @@
           <a:p>
             <a:fld id="{5660B926-7AC7-45A0-B1C2-692220D8726F}" type="datetimeFigureOut">
               <a:rPr lang="ko-KR" altLang="en-US" smtClean="0"/>
-              <a:t>2018-11-25</a:t>
+              <a:t>2018-11-27</a:t>
             </a:fld>
             <a:endParaRPr lang="ko-KR" altLang="en-US"/>
           </a:p>
@@ -1410,7 +1411,7 @@
           <a:p>
             <a:fld id="{5660B926-7AC7-45A0-B1C2-692220D8726F}" type="datetimeFigureOut">
               <a:rPr lang="ko-KR" altLang="en-US" smtClean="0"/>
-              <a:t>2018-11-25</a:t>
+              <a:t>2018-11-27</a:t>
             </a:fld>
             <a:endParaRPr lang="ko-KR" altLang="en-US"/>
           </a:p>
@@ -1822,7 +1823,7 @@
           <a:p>
             <a:fld id="{5660B926-7AC7-45A0-B1C2-692220D8726F}" type="datetimeFigureOut">
               <a:rPr lang="ko-KR" altLang="en-US" smtClean="0"/>
-              <a:t>2018-11-25</a:t>
+              <a:t>2018-11-27</a:t>
             </a:fld>
             <a:endParaRPr lang="ko-KR" altLang="en-US"/>
           </a:p>
@@ -1963,7 +1964,7 @@
           <a:p>
             <a:fld id="{5660B926-7AC7-45A0-B1C2-692220D8726F}" type="datetimeFigureOut">
               <a:rPr lang="ko-KR" altLang="en-US" smtClean="0"/>
-              <a:t>2018-11-25</a:t>
+              <a:t>2018-11-27</a:t>
             </a:fld>
             <a:endParaRPr lang="ko-KR" altLang="en-US"/>
           </a:p>
@@ -2076,7 +2077,7 @@
           <a:p>
             <a:fld id="{5660B926-7AC7-45A0-B1C2-692220D8726F}" type="datetimeFigureOut">
               <a:rPr lang="ko-KR" altLang="en-US" smtClean="0"/>
-              <a:t>2018-11-25</a:t>
+              <a:t>2018-11-27</a:t>
             </a:fld>
             <a:endParaRPr lang="ko-KR" altLang="en-US"/>
           </a:p>
@@ -2387,7 +2388,7 @@
           <a:p>
             <a:fld id="{5660B926-7AC7-45A0-B1C2-692220D8726F}" type="datetimeFigureOut">
               <a:rPr lang="ko-KR" altLang="en-US" smtClean="0"/>
-              <a:t>2018-11-25</a:t>
+              <a:t>2018-11-27</a:t>
             </a:fld>
             <a:endParaRPr lang="ko-KR" altLang="en-US"/>
           </a:p>
@@ -2675,7 +2676,7 @@
           <a:p>
             <a:fld id="{5660B926-7AC7-45A0-B1C2-692220D8726F}" type="datetimeFigureOut">
               <a:rPr lang="ko-KR" altLang="en-US" smtClean="0"/>
-              <a:t>2018-11-25</a:t>
+              <a:t>2018-11-27</a:t>
             </a:fld>
             <a:endParaRPr lang="ko-KR" altLang="en-US"/>
           </a:p>
@@ -2916,7 +2917,7 @@
           <a:p>
             <a:fld id="{5660B926-7AC7-45A0-B1C2-692220D8726F}" type="datetimeFigureOut">
               <a:rPr lang="ko-KR" altLang="en-US" smtClean="0"/>
-              <a:t>2018-11-25</a:t>
+              <a:t>2018-11-27</a:t>
             </a:fld>
             <a:endParaRPr lang="ko-KR" altLang="en-US"/>
           </a:p>
@@ -4432,7 +4433,7 @@
           <p:nvPr>
             <p:extLst>
               <p:ext uri="{D42A27DB-BD31-4B8C-83A1-F6EECF244321}">
-                <p14:modId xmlns:p14="http://schemas.microsoft.com/office/powerpoint/2010/main" val="3357383291"/>
+                <p14:modId xmlns:p14="http://schemas.microsoft.com/office/powerpoint/2010/main" val="531961360"/>
               </p:ext>
             </p:extLst>
           </p:nvPr>
@@ -6179,7 +6180,7 @@
                     <a:lstStyle/>
                     <a:p>
                       <a:pPr latinLnBrk="1"/>
-                      <a:endParaRPr lang="ko-KR" altLang="en-US"/>
+                      <a:endParaRPr lang="ko-KR" altLang="en-US" dirty="0"/>
                     </a:p>
                   </a:txBody>
                   <a:tcPr>
@@ -6219,6 +6220,9 @@
                       <a:headEnd type="none" w="med" len="med"/>
                       <a:tailEnd type="none" w="med" len="med"/>
                     </a:lnB>
+                    <a:solidFill>
+                      <a:schemeClr val="tx1"/>
+                    </a:solidFill>
                   </a:tcPr>
                 </a:tc>
                 <a:tc>
@@ -6227,7 +6231,7 @@
                     <a:lstStyle/>
                     <a:p>
                       <a:pPr latinLnBrk="1"/>
-                      <a:endParaRPr lang="ko-KR" altLang="en-US"/>
+                      <a:endParaRPr lang="ko-KR" altLang="en-US" dirty="0"/>
                     </a:p>
                   </a:txBody>
                   <a:tcPr>
@@ -6267,6 +6271,9 @@
                       <a:headEnd type="none" w="med" len="med"/>
                       <a:tailEnd type="none" w="med" len="med"/>
                     </a:lnB>
+                    <a:solidFill>
+                      <a:srgbClr val="FF0000"/>
+                    </a:solidFill>
                   </a:tcPr>
                 </a:tc>
                 <a:tc>
@@ -6666,7 +6673,7 @@
                     <a:lstStyle/>
                     <a:p>
                       <a:pPr latinLnBrk="1"/>
-                      <a:endParaRPr lang="ko-KR" altLang="en-US"/>
+                      <a:endParaRPr lang="ko-KR" altLang="en-US" dirty="0"/>
                     </a:p>
                   </a:txBody>
                   <a:tcPr>
@@ -6706,6 +6713,9 @@
                       <a:headEnd type="none" w="med" len="med"/>
                       <a:tailEnd type="none" w="med" len="med"/>
                     </a:lnB>
+                    <a:solidFill>
+                      <a:srgbClr val="FFFF00"/>
+                    </a:solidFill>
                   </a:tcPr>
                 </a:tc>
                 <a:tc>
@@ -6714,7 +6724,7 @@
                     <a:lstStyle/>
                     <a:p>
                       <a:pPr latinLnBrk="1"/>
-                      <a:endParaRPr lang="ko-KR" altLang="en-US"/>
+                      <a:endParaRPr lang="ko-KR" altLang="en-US" dirty="0"/>
                     </a:p>
                   </a:txBody>
                   <a:tcPr>
@@ -6754,6 +6764,9 @@
                       <a:headEnd type="none" w="med" len="med"/>
                       <a:tailEnd type="none" w="med" len="med"/>
                     </a:lnB>
+                    <a:solidFill>
+                      <a:srgbClr val="FF0000"/>
+                    </a:solidFill>
                   </a:tcPr>
                 </a:tc>
                 <a:tc>
@@ -7193,6 +7206,9 @@
                       <a:headEnd type="none" w="med" len="med"/>
                       <a:tailEnd type="none" w="med" len="med"/>
                     </a:lnB>
+                    <a:solidFill>
+                      <a:srgbClr val="FFFF00"/>
+                    </a:solidFill>
                   </a:tcPr>
                 </a:tc>
                 <a:tc>
@@ -7201,7 +7217,7 @@
                     <a:lstStyle/>
                     <a:p>
                       <a:pPr latinLnBrk="1"/>
-                      <a:endParaRPr lang="ko-KR" altLang="en-US"/>
+                      <a:endParaRPr lang="ko-KR" altLang="en-US" dirty="0"/>
                     </a:p>
                   </a:txBody>
                   <a:tcPr>
@@ -7241,6 +7257,9 @@
                       <a:headEnd type="none" w="med" len="med"/>
                       <a:tailEnd type="none" w="med" len="med"/>
                     </a:lnB>
+                    <a:solidFill>
+                      <a:srgbClr val="FF0000"/>
+                    </a:solidFill>
                   </a:tcPr>
                 </a:tc>
                 <a:tc>
@@ -12804,6 +12823,118 @@
 </p:sld>
 </file>
 
+<file path=ppt/slides/slide9.xml><?xml version="1.0" encoding="utf-8"?>
+<p:sld xmlns:a="http://schemas.openxmlformats.org/drawingml/2006/main" xmlns:r="http://schemas.openxmlformats.org/officeDocument/2006/relationships" xmlns:p="http://schemas.openxmlformats.org/presentationml/2006/main">
+  <p:cSld>
+    <p:spTree>
+      <p:nvGrpSpPr>
+        <p:cNvPr id="1" name=""/>
+        <p:cNvGrpSpPr/>
+        <p:nvPr/>
+      </p:nvGrpSpPr>
+      <p:grpSpPr>
+        <a:xfrm>
+          <a:off x="0" y="0"/>
+          <a:ext cx="0" cy="0"/>
+          <a:chOff x="0" y="0"/>
+          <a:chExt cx="0" cy="0"/>
+        </a:xfrm>
+      </p:grpSpPr>
+      <p:sp>
+        <p:nvSpPr>
+          <p:cNvPr id="4" name="웃는 얼굴 3">
+            <a:extLst>
+              <a:ext uri="{FF2B5EF4-FFF2-40B4-BE49-F238E27FC236}">
+                <a16:creationId xmlns:a16="http://schemas.microsoft.com/office/drawing/2014/main" id="{DE93C019-F7A9-413F-8CE3-7D57E8BAB4E3}"/>
+              </a:ext>
+            </a:extLst>
+          </p:cNvPr>
+          <p:cNvSpPr/>
+          <p:nvPr/>
+        </p:nvSpPr>
+        <p:spPr>
+          <a:xfrm>
+            <a:off x="1701800" y="704850"/>
+            <a:ext cx="5448300" cy="5448300"/>
+          </a:xfrm>
+          <a:prstGeom prst="smileyFace">
+            <a:avLst/>
+          </a:prstGeom>
+          <a:solidFill>
+            <a:srgbClr val="FFFF00"/>
+          </a:solidFill>
+          <a:ln>
+            <a:solidFill>
+              <a:schemeClr val="tx1"/>
+            </a:solidFill>
+          </a:ln>
+        </p:spPr>
+        <p:style>
+          <a:lnRef idx="2">
+            <a:schemeClr val="accent1">
+              <a:shade val="50000"/>
+            </a:schemeClr>
+          </a:lnRef>
+          <a:fillRef idx="1">
+            <a:schemeClr val="accent1"/>
+          </a:fillRef>
+          <a:effectRef idx="0">
+            <a:schemeClr val="accent1"/>
+          </a:effectRef>
+          <a:fontRef idx="minor">
+            <a:schemeClr val="lt1"/>
+          </a:fontRef>
+        </p:style>
+        <p:txBody>
+          <a:bodyPr rtlCol="0" anchor="ctr"/>
+          <a:lstStyle/>
+          <a:p>
+            <a:pPr algn="ctr"/>
+            <a:r>
+              <a:rPr lang="en-US" altLang="ko-KR" dirty="0">
+                <a:solidFill>
+                  <a:sysClr val="windowText" lastClr="000000"/>
+                </a:solidFill>
+                <a:effectLst>
+                  <a:glow rad="228600">
+                    <a:schemeClr val="accent3">
+                      <a:satMod val="175000"/>
+                      <a:alpha val="40000"/>
+                    </a:schemeClr>
+                  </a:glow>
+                </a:effectLst>
+              </a:rPr>
+              <a:t>Clear!!!</a:t>
+            </a:r>
+            <a:endParaRPr lang="ko-KR" altLang="en-US" dirty="0">
+              <a:solidFill>
+                <a:sysClr val="windowText" lastClr="000000"/>
+              </a:solidFill>
+              <a:effectLst>
+                <a:glow rad="228600">
+                  <a:schemeClr val="accent3">
+                    <a:satMod val="175000"/>
+                    <a:alpha val="40000"/>
+                  </a:schemeClr>
+                </a:glow>
+              </a:effectLst>
+            </a:endParaRPr>
+          </a:p>
+        </p:txBody>
+      </p:sp>
+    </p:spTree>
+    <p:extLst>
+      <p:ext uri="{BB962C8B-B14F-4D97-AF65-F5344CB8AC3E}">
+        <p14:creationId xmlns:p14="http://schemas.microsoft.com/office/powerpoint/2010/main" val="1597394209"/>
+      </p:ext>
+    </p:extLst>
+  </p:cSld>
+  <p:clrMapOvr>
+    <a:masterClrMapping/>
+  </p:clrMapOvr>
+</p:sld>
+</file>
+
 <file path=ppt/theme/theme1.xml><?xml version="1.0" encoding="utf-8"?>
 <a:theme xmlns:a="http://schemas.openxmlformats.org/drawingml/2006/main" name="Office 테마">
   <a:themeElements>

--- a/image1.pptx
+++ b/image1.pptx
@@ -267,7 +267,7 @@
           <a:p>
             <a:fld id="{5660B926-7AC7-45A0-B1C2-692220D8726F}" type="datetimeFigureOut">
               <a:rPr lang="ko-KR" altLang="en-US" smtClean="0"/>
-              <a:t>2018-11-27</a:t>
+              <a:t>2018-12-07</a:t>
             </a:fld>
             <a:endParaRPr lang="ko-KR" altLang="en-US"/>
           </a:p>
@@ -465,7 +465,7 @@
           <a:p>
             <a:fld id="{5660B926-7AC7-45A0-B1C2-692220D8726F}" type="datetimeFigureOut">
               <a:rPr lang="ko-KR" altLang="en-US" smtClean="0"/>
-              <a:t>2018-11-27</a:t>
+              <a:t>2018-12-07</a:t>
             </a:fld>
             <a:endParaRPr lang="ko-KR" altLang="en-US"/>
           </a:p>
@@ -673,7 +673,7 @@
           <a:p>
             <a:fld id="{5660B926-7AC7-45A0-B1C2-692220D8726F}" type="datetimeFigureOut">
               <a:rPr lang="ko-KR" altLang="en-US" smtClean="0"/>
-              <a:t>2018-11-27</a:t>
+              <a:t>2018-12-07</a:t>
             </a:fld>
             <a:endParaRPr lang="ko-KR" altLang="en-US"/>
           </a:p>
@@ -871,7 +871,7 @@
           <a:p>
             <a:fld id="{5660B926-7AC7-45A0-B1C2-692220D8726F}" type="datetimeFigureOut">
               <a:rPr lang="ko-KR" altLang="en-US" smtClean="0"/>
-              <a:t>2018-11-27</a:t>
+              <a:t>2018-12-07</a:t>
             </a:fld>
             <a:endParaRPr lang="ko-KR" altLang="en-US"/>
           </a:p>
@@ -1146,7 +1146,7 @@
           <a:p>
             <a:fld id="{5660B926-7AC7-45A0-B1C2-692220D8726F}" type="datetimeFigureOut">
               <a:rPr lang="ko-KR" altLang="en-US" smtClean="0"/>
-              <a:t>2018-11-27</a:t>
+              <a:t>2018-12-07</a:t>
             </a:fld>
             <a:endParaRPr lang="ko-KR" altLang="en-US"/>
           </a:p>
@@ -1411,7 +1411,7 @@
           <a:p>
             <a:fld id="{5660B926-7AC7-45A0-B1C2-692220D8726F}" type="datetimeFigureOut">
               <a:rPr lang="ko-KR" altLang="en-US" smtClean="0"/>
-              <a:t>2018-11-27</a:t>
+              <a:t>2018-12-07</a:t>
             </a:fld>
             <a:endParaRPr lang="ko-KR" altLang="en-US"/>
           </a:p>
@@ -1823,7 +1823,7 @@
           <a:p>
             <a:fld id="{5660B926-7AC7-45A0-B1C2-692220D8726F}" type="datetimeFigureOut">
               <a:rPr lang="ko-KR" altLang="en-US" smtClean="0"/>
-              <a:t>2018-11-27</a:t>
+              <a:t>2018-12-07</a:t>
             </a:fld>
             <a:endParaRPr lang="ko-KR" altLang="en-US"/>
           </a:p>
@@ -1964,7 +1964,7 @@
           <a:p>
             <a:fld id="{5660B926-7AC7-45A0-B1C2-692220D8726F}" type="datetimeFigureOut">
               <a:rPr lang="ko-KR" altLang="en-US" smtClean="0"/>
-              <a:t>2018-11-27</a:t>
+              <a:t>2018-12-07</a:t>
             </a:fld>
             <a:endParaRPr lang="ko-KR" altLang="en-US"/>
           </a:p>
@@ -2077,7 +2077,7 @@
           <a:p>
             <a:fld id="{5660B926-7AC7-45A0-B1C2-692220D8726F}" type="datetimeFigureOut">
               <a:rPr lang="ko-KR" altLang="en-US" smtClean="0"/>
-              <a:t>2018-11-27</a:t>
+              <a:t>2018-12-07</a:t>
             </a:fld>
             <a:endParaRPr lang="ko-KR" altLang="en-US"/>
           </a:p>
@@ -2388,7 +2388,7 @@
           <a:p>
             <a:fld id="{5660B926-7AC7-45A0-B1C2-692220D8726F}" type="datetimeFigureOut">
               <a:rPr lang="ko-KR" altLang="en-US" smtClean="0"/>
-              <a:t>2018-11-27</a:t>
+              <a:t>2018-12-07</a:t>
             </a:fld>
             <a:endParaRPr lang="ko-KR" altLang="en-US"/>
           </a:p>
@@ -2676,7 +2676,7 @@
           <a:p>
             <a:fld id="{5660B926-7AC7-45A0-B1C2-692220D8726F}" type="datetimeFigureOut">
               <a:rPr lang="ko-KR" altLang="en-US" smtClean="0"/>
-              <a:t>2018-11-27</a:t>
+              <a:t>2018-12-07</a:t>
             </a:fld>
             <a:endParaRPr lang="ko-KR" altLang="en-US"/>
           </a:p>
@@ -2917,7 +2917,7 @@
           <a:p>
             <a:fld id="{5660B926-7AC7-45A0-B1C2-692220D8726F}" type="datetimeFigureOut">
               <a:rPr lang="ko-KR" altLang="en-US" smtClean="0"/>
-              <a:t>2018-11-27</a:t>
+              <a:t>2018-12-07</a:t>
             </a:fld>
             <a:endParaRPr lang="ko-KR" altLang="en-US"/>
           </a:p>
@@ -4623,7 +4623,7 @@
                     <a:lstStyle/>
                     <a:p>
                       <a:pPr latinLnBrk="1"/>
-                      <a:endParaRPr lang="ko-KR" altLang="en-US"/>
+                      <a:endParaRPr lang="ko-KR" altLang="en-US" dirty="0"/>
                     </a:p>
                   </a:txBody>
                   <a:tcPr>
@@ -5110,7 +5110,7 @@
                     <a:lstStyle/>
                     <a:p>
                       <a:pPr latinLnBrk="1"/>
-                      <a:endParaRPr lang="ko-KR" altLang="en-US"/>
+                      <a:endParaRPr lang="ko-KR" altLang="en-US" dirty="0"/>
                     </a:p>
                   </a:txBody>
                   <a:tcPr>
@@ -9412,6 +9412,451 @@
           </a:graphicData>
         </a:graphic>
       </p:graphicFrame>
+      <p:cxnSp>
+        <p:nvCxnSpPr>
+          <p:cNvPr id="13" name="직선 연결선 12">
+            <a:extLst>
+              <a:ext uri="{FF2B5EF4-FFF2-40B4-BE49-F238E27FC236}">
+                <a16:creationId xmlns:a16="http://schemas.microsoft.com/office/drawing/2014/main" id="{ADBF7EE8-D57B-4515-8B61-016D832C3EEF}"/>
+              </a:ext>
+            </a:extLst>
+          </p:cNvPr>
+          <p:cNvCxnSpPr>
+            <a:cxnSpLocks/>
+          </p:cNvCxnSpPr>
+          <p:nvPr/>
+        </p:nvCxnSpPr>
+        <p:spPr>
+          <a:xfrm>
+            <a:off x="2874017" y="1152902"/>
+            <a:ext cx="474021" cy="0"/>
+          </a:xfrm>
+          <a:prstGeom prst="line">
+            <a:avLst/>
+          </a:prstGeom>
+          <a:ln w="38100"/>
+        </p:spPr>
+        <p:style>
+          <a:lnRef idx="1">
+            <a:schemeClr val="accent1"/>
+          </a:lnRef>
+          <a:fillRef idx="0">
+            <a:schemeClr val="accent1"/>
+          </a:fillRef>
+          <a:effectRef idx="0">
+            <a:schemeClr val="accent1"/>
+          </a:effectRef>
+          <a:fontRef idx="minor">
+            <a:schemeClr val="tx1"/>
+          </a:fontRef>
+        </p:style>
+      </p:cxnSp>
+      <p:cxnSp>
+        <p:nvCxnSpPr>
+          <p:cNvPr id="14" name="직선 연결선 13">
+            <a:extLst>
+              <a:ext uri="{FF2B5EF4-FFF2-40B4-BE49-F238E27FC236}">
+                <a16:creationId xmlns:a16="http://schemas.microsoft.com/office/drawing/2014/main" id="{71839061-2297-4587-A58E-E98BA6EB1C89}"/>
+              </a:ext>
+            </a:extLst>
+          </p:cNvPr>
+          <p:cNvCxnSpPr>
+            <a:cxnSpLocks/>
+          </p:cNvCxnSpPr>
+          <p:nvPr/>
+        </p:nvCxnSpPr>
+        <p:spPr>
+          <a:xfrm rot="5400000">
+            <a:off x="2660334" y="930818"/>
+            <a:ext cx="468000" cy="0"/>
+          </a:xfrm>
+          <a:prstGeom prst="line">
+            <a:avLst/>
+          </a:prstGeom>
+          <a:ln w="38100">
+            <a:solidFill>
+              <a:srgbClr val="FC0CEB"/>
+            </a:solidFill>
+          </a:ln>
+        </p:spPr>
+        <p:style>
+          <a:lnRef idx="1">
+            <a:schemeClr val="accent1"/>
+          </a:lnRef>
+          <a:fillRef idx="0">
+            <a:schemeClr val="accent1"/>
+          </a:fillRef>
+          <a:effectRef idx="0">
+            <a:schemeClr val="accent1"/>
+          </a:effectRef>
+          <a:fontRef idx="minor">
+            <a:schemeClr val="tx1"/>
+          </a:fontRef>
+        </p:style>
+      </p:cxnSp>
+      <p:sp>
+        <p:nvSpPr>
+          <p:cNvPr id="15" name="직사각형 14">
+            <a:extLst>
+              <a:ext uri="{FF2B5EF4-FFF2-40B4-BE49-F238E27FC236}">
+                <a16:creationId xmlns:a16="http://schemas.microsoft.com/office/drawing/2014/main" id="{403DE31A-6F7E-4950-B95E-22ACB866DCC2}"/>
+              </a:ext>
+            </a:extLst>
+          </p:cNvPr>
+          <p:cNvSpPr/>
+          <p:nvPr/>
+        </p:nvSpPr>
+        <p:spPr>
+          <a:xfrm>
+            <a:off x="621354" y="768185"/>
+            <a:ext cx="468000" cy="45719"/>
+          </a:xfrm>
+          <a:prstGeom prst="rect">
+            <a:avLst/>
+          </a:prstGeom>
+          <a:solidFill>
+            <a:srgbClr val="FC0CEB"/>
+          </a:solidFill>
+          <a:ln>
+            <a:noFill/>
+          </a:ln>
+        </p:spPr>
+        <p:style>
+          <a:lnRef idx="2">
+            <a:schemeClr val="accent1">
+              <a:shade val="50000"/>
+            </a:schemeClr>
+          </a:lnRef>
+          <a:fillRef idx="1">
+            <a:schemeClr val="accent1"/>
+          </a:fillRef>
+          <a:effectRef idx="0">
+            <a:schemeClr val="accent1"/>
+          </a:effectRef>
+          <a:fontRef idx="minor">
+            <a:schemeClr val="lt1"/>
+          </a:fontRef>
+        </p:style>
+        <p:txBody>
+          <a:bodyPr rtlCol="0" anchor="ctr"/>
+          <a:lstStyle/>
+          <a:p>
+            <a:pPr algn="ctr"/>
+            <a:endParaRPr lang="ko-KR" altLang="en-US"/>
+          </a:p>
+        </p:txBody>
+      </p:sp>
+      <p:cxnSp>
+        <p:nvCxnSpPr>
+          <p:cNvPr id="3" name="직선 연결선 2">
+            <a:extLst>
+              <a:ext uri="{FF2B5EF4-FFF2-40B4-BE49-F238E27FC236}">
+                <a16:creationId xmlns:a16="http://schemas.microsoft.com/office/drawing/2014/main" id="{43956C74-6EBD-4307-8743-9096C5DE1147}"/>
+              </a:ext>
+            </a:extLst>
+          </p:cNvPr>
+          <p:cNvCxnSpPr>
+            <a:cxnSpLocks/>
+          </p:cNvCxnSpPr>
+          <p:nvPr/>
+        </p:nvCxnSpPr>
+        <p:spPr>
+          <a:xfrm>
+            <a:off x="1200152" y="791045"/>
+            <a:ext cx="468000" cy="0"/>
+          </a:xfrm>
+          <a:prstGeom prst="line">
+            <a:avLst/>
+          </a:prstGeom>
+          <a:ln w="38100">
+            <a:solidFill>
+              <a:srgbClr val="FC0CEB"/>
+            </a:solidFill>
+          </a:ln>
+        </p:spPr>
+        <p:style>
+          <a:lnRef idx="1">
+            <a:schemeClr val="accent1"/>
+          </a:lnRef>
+          <a:fillRef idx="0">
+            <a:schemeClr val="accent1"/>
+          </a:fillRef>
+          <a:effectRef idx="0">
+            <a:schemeClr val="accent1"/>
+          </a:effectRef>
+          <a:fontRef idx="minor">
+            <a:schemeClr val="tx1"/>
+          </a:fontRef>
+        </p:style>
+      </p:cxnSp>
+      <p:sp>
+        <p:nvSpPr>
+          <p:cNvPr id="16" name="직사각형 15">
+            <a:extLst>
+              <a:ext uri="{FF2B5EF4-FFF2-40B4-BE49-F238E27FC236}">
+                <a16:creationId xmlns:a16="http://schemas.microsoft.com/office/drawing/2014/main" id="{22E1E114-F40F-4461-AEC8-21898E8E93D8}"/>
+              </a:ext>
+            </a:extLst>
+          </p:cNvPr>
+          <p:cNvSpPr/>
+          <p:nvPr/>
+        </p:nvSpPr>
+        <p:spPr>
+          <a:xfrm rot="5400000">
+            <a:off x="359416" y="1001548"/>
+            <a:ext cx="468000" cy="45719"/>
+          </a:xfrm>
+          <a:prstGeom prst="rect">
+            <a:avLst/>
+          </a:prstGeom>
+          <a:solidFill>
+            <a:srgbClr val="FC0CEB"/>
+          </a:solidFill>
+          <a:ln>
+            <a:noFill/>
+          </a:ln>
+        </p:spPr>
+        <p:style>
+          <a:lnRef idx="2">
+            <a:schemeClr val="accent1">
+              <a:shade val="50000"/>
+            </a:schemeClr>
+          </a:lnRef>
+          <a:fillRef idx="1">
+            <a:schemeClr val="accent1"/>
+          </a:fillRef>
+          <a:effectRef idx="0">
+            <a:schemeClr val="accent1"/>
+          </a:effectRef>
+          <a:fontRef idx="minor">
+            <a:schemeClr val="lt1"/>
+          </a:fontRef>
+        </p:style>
+        <p:txBody>
+          <a:bodyPr rtlCol="0" anchor="ctr"/>
+          <a:lstStyle/>
+          <a:p>
+            <a:pPr algn="ctr"/>
+            <a:endParaRPr lang="ko-KR" altLang="en-US"/>
+          </a:p>
+        </p:txBody>
+      </p:sp>
+      <p:sp>
+        <p:nvSpPr>
+          <p:cNvPr id="17" name="이등변 삼각형 16">
+            <a:extLst>
+              <a:ext uri="{FF2B5EF4-FFF2-40B4-BE49-F238E27FC236}">
+                <a16:creationId xmlns:a16="http://schemas.microsoft.com/office/drawing/2014/main" id="{83826986-1925-4BA9-BBCD-6A8E0990B877}"/>
+              </a:ext>
+            </a:extLst>
+          </p:cNvPr>
+          <p:cNvSpPr/>
+          <p:nvPr/>
+        </p:nvSpPr>
+        <p:spPr>
+          <a:xfrm>
+            <a:off x="579216" y="1164818"/>
+            <a:ext cx="847240" cy="363217"/>
+          </a:xfrm>
+          <a:prstGeom prst="triangle">
+            <a:avLst/>
+          </a:prstGeom>
+          <a:solidFill>
+            <a:srgbClr val="FC0CEB"/>
+          </a:solidFill>
+          <a:ln w="28575">
+            <a:solidFill>
+              <a:schemeClr val="tx1"/>
+            </a:solidFill>
+          </a:ln>
+        </p:spPr>
+        <p:style>
+          <a:lnRef idx="2">
+            <a:schemeClr val="accent1">
+              <a:shade val="50000"/>
+            </a:schemeClr>
+          </a:lnRef>
+          <a:fillRef idx="1">
+            <a:schemeClr val="accent1"/>
+          </a:fillRef>
+          <a:effectRef idx="0">
+            <a:schemeClr val="accent1"/>
+          </a:effectRef>
+          <a:fontRef idx="minor">
+            <a:schemeClr val="lt1"/>
+          </a:fontRef>
+        </p:style>
+        <p:txBody>
+          <a:bodyPr rtlCol="0" anchor="ctr"/>
+          <a:lstStyle/>
+          <a:p>
+            <a:pPr algn="ctr"/>
+            <a:endParaRPr lang="ko-KR" altLang="en-US"/>
+          </a:p>
+        </p:txBody>
+      </p:sp>
+      <p:sp>
+        <p:nvSpPr>
+          <p:cNvPr id="18" name="이등변 삼각형 17">
+            <a:extLst>
+              <a:ext uri="{FF2B5EF4-FFF2-40B4-BE49-F238E27FC236}">
+                <a16:creationId xmlns:a16="http://schemas.microsoft.com/office/drawing/2014/main" id="{4699B815-769C-4C17-83F4-0348E0EF18A1}"/>
+              </a:ext>
+            </a:extLst>
+          </p:cNvPr>
+          <p:cNvSpPr/>
+          <p:nvPr/>
+        </p:nvSpPr>
+        <p:spPr>
+          <a:xfrm rot="5400000">
+            <a:off x="1244531" y="1843466"/>
+            <a:ext cx="847240" cy="363217"/>
+          </a:xfrm>
+          <a:prstGeom prst="triangle">
+            <a:avLst/>
+          </a:prstGeom>
+          <a:solidFill>
+            <a:srgbClr val="FC0CEB"/>
+          </a:solidFill>
+          <a:ln w="28575">
+            <a:solidFill>
+              <a:schemeClr val="tx1"/>
+            </a:solidFill>
+          </a:ln>
+        </p:spPr>
+        <p:style>
+          <a:lnRef idx="2">
+            <a:schemeClr val="accent1">
+              <a:shade val="50000"/>
+            </a:schemeClr>
+          </a:lnRef>
+          <a:fillRef idx="1">
+            <a:schemeClr val="accent1"/>
+          </a:fillRef>
+          <a:effectRef idx="0">
+            <a:schemeClr val="accent1"/>
+          </a:effectRef>
+          <a:fontRef idx="minor">
+            <a:schemeClr val="lt1"/>
+          </a:fontRef>
+        </p:style>
+        <p:txBody>
+          <a:bodyPr rtlCol="0" anchor="ctr"/>
+          <a:lstStyle/>
+          <a:p>
+            <a:pPr algn="ctr"/>
+            <a:endParaRPr lang="ko-KR" altLang="en-US"/>
+          </a:p>
+        </p:txBody>
+      </p:sp>
+      <p:sp>
+        <p:nvSpPr>
+          <p:cNvPr id="19" name="이등변 삼각형 18">
+            <a:extLst>
+              <a:ext uri="{FF2B5EF4-FFF2-40B4-BE49-F238E27FC236}">
+                <a16:creationId xmlns:a16="http://schemas.microsoft.com/office/drawing/2014/main" id="{8380F687-8DA5-4532-8BED-8846549956FD}"/>
+              </a:ext>
+            </a:extLst>
+          </p:cNvPr>
+          <p:cNvSpPr/>
+          <p:nvPr/>
+        </p:nvSpPr>
+        <p:spPr>
+          <a:xfrm rot="10800000">
+            <a:off x="570556" y="2516449"/>
+            <a:ext cx="847240" cy="363217"/>
+          </a:xfrm>
+          <a:prstGeom prst="triangle">
+            <a:avLst/>
+          </a:prstGeom>
+          <a:solidFill>
+            <a:srgbClr val="FC0CEB"/>
+          </a:solidFill>
+          <a:ln w="28575">
+            <a:solidFill>
+              <a:schemeClr val="tx1"/>
+            </a:solidFill>
+          </a:ln>
+        </p:spPr>
+        <p:style>
+          <a:lnRef idx="2">
+            <a:schemeClr val="accent1">
+              <a:shade val="50000"/>
+            </a:schemeClr>
+          </a:lnRef>
+          <a:fillRef idx="1">
+            <a:schemeClr val="accent1"/>
+          </a:fillRef>
+          <a:effectRef idx="0">
+            <a:schemeClr val="accent1"/>
+          </a:effectRef>
+          <a:fontRef idx="minor">
+            <a:schemeClr val="lt1"/>
+          </a:fontRef>
+        </p:style>
+        <p:txBody>
+          <a:bodyPr rtlCol="0" anchor="ctr"/>
+          <a:lstStyle/>
+          <a:p>
+            <a:pPr algn="ctr"/>
+            <a:endParaRPr lang="ko-KR" altLang="en-US"/>
+          </a:p>
+        </p:txBody>
+      </p:sp>
+      <p:sp>
+        <p:nvSpPr>
+          <p:cNvPr id="20" name="이등변 삼각형 19">
+            <a:extLst>
+              <a:ext uri="{FF2B5EF4-FFF2-40B4-BE49-F238E27FC236}">
+                <a16:creationId xmlns:a16="http://schemas.microsoft.com/office/drawing/2014/main" id="{8B0C918D-E089-41EF-A7EE-6D31B018CC25}"/>
+              </a:ext>
+            </a:extLst>
+          </p:cNvPr>
+          <p:cNvSpPr/>
+          <p:nvPr/>
+        </p:nvSpPr>
+        <p:spPr>
+          <a:xfrm rot="16200000">
+            <a:off x="-96193" y="1843467"/>
+            <a:ext cx="847240" cy="363217"/>
+          </a:xfrm>
+          <a:prstGeom prst="triangle">
+            <a:avLst/>
+          </a:prstGeom>
+          <a:solidFill>
+            <a:srgbClr val="FC0CEB"/>
+          </a:solidFill>
+          <a:ln w="28575">
+            <a:solidFill>
+              <a:schemeClr val="tx1"/>
+            </a:solidFill>
+          </a:ln>
+        </p:spPr>
+        <p:style>
+          <a:lnRef idx="2">
+            <a:schemeClr val="accent1">
+              <a:shade val="50000"/>
+            </a:schemeClr>
+          </a:lnRef>
+          <a:fillRef idx="1">
+            <a:schemeClr val="accent1"/>
+          </a:fillRef>
+          <a:effectRef idx="0">
+            <a:schemeClr val="accent1"/>
+          </a:effectRef>
+          <a:fontRef idx="minor">
+            <a:schemeClr val="lt1"/>
+          </a:fontRef>
+        </p:style>
+        <p:txBody>
+          <a:bodyPr rtlCol="0" anchor="ctr"/>
+          <a:lstStyle/>
+          <a:p>
+            <a:pPr algn="ctr"/>
+            <a:endParaRPr lang="ko-KR" altLang="en-US"/>
+          </a:p>
+        </p:txBody>
+      </p:sp>
     </p:spTree>
     <p:extLst>
       <p:ext uri="{BB962C8B-B14F-4D97-AF65-F5344CB8AC3E}">

--- a/image1.pptx
+++ b/image1.pptx
@@ -14,6 +14,8 @@
     <p:sldId id="262" r:id="rId8"/>
     <p:sldId id="263" r:id="rId9"/>
     <p:sldId id="264" r:id="rId10"/>
+    <p:sldId id="265" r:id="rId11"/>
+    <p:sldId id="266" r:id="rId12"/>
   </p:sldIdLst>
   <p:sldSz cx="12192000" cy="6858000"/>
   <p:notesSz cx="6858000" cy="9144000"/>
@@ -267,7 +269,7 @@
           <a:p>
             <a:fld id="{5660B926-7AC7-45A0-B1C2-692220D8726F}" type="datetimeFigureOut">
               <a:rPr lang="ko-KR" altLang="en-US" smtClean="0"/>
-              <a:t>2018-12-07</a:t>
+              <a:t>2018-12-14</a:t>
             </a:fld>
             <a:endParaRPr lang="ko-KR" altLang="en-US"/>
           </a:p>
@@ -465,7 +467,7 @@
           <a:p>
             <a:fld id="{5660B926-7AC7-45A0-B1C2-692220D8726F}" type="datetimeFigureOut">
               <a:rPr lang="ko-KR" altLang="en-US" smtClean="0"/>
-              <a:t>2018-12-07</a:t>
+              <a:t>2018-12-14</a:t>
             </a:fld>
             <a:endParaRPr lang="ko-KR" altLang="en-US"/>
           </a:p>
@@ -673,7 +675,7 @@
           <a:p>
             <a:fld id="{5660B926-7AC7-45A0-B1C2-692220D8726F}" type="datetimeFigureOut">
               <a:rPr lang="ko-KR" altLang="en-US" smtClean="0"/>
-              <a:t>2018-12-07</a:t>
+              <a:t>2018-12-14</a:t>
             </a:fld>
             <a:endParaRPr lang="ko-KR" altLang="en-US"/>
           </a:p>
@@ -871,7 +873,7 @@
           <a:p>
             <a:fld id="{5660B926-7AC7-45A0-B1C2-692220D8726F}" type="datetimeFigureOut">
               <a:rPr lang="ko-KR" altLang="en-US" smtClean="0"/>
-              <a:t>2018-12-07</a:t>
+              <a:t>2018-12-14</a:t>
             </a:fld>
             <a:endParaRPr lang="ko-KR" altLang="en-US"/>
           </a:p>
@@ -1146,7 +1148,7 @@
           <a:p>
             <a:fld id="{5660B926-7AC7-45A0-B1C2-692220D8726F}" type="datetimeFigureOut">
               <a:rPr lang="ko-KR" altLang="en-US" smtClean="0"/>
-              <a:t>2018-12-07</a:t>
+              <a:t>2018-12-14</a:t>
             </a:fld>
             <a:endParaRPr lang="ko-KR" altLang="en-US"/>
           </a:p>
@@ -1411,7 +1413,7 @@
           <a:p>
             <a:fld id="{5660B926-7AC7-45A0-B1C2-692220D8726F}" type="datetimeFigureOut">
               <a:rPr lang="ko-KR" altLang="en-US" smtClean="0"/>
-              <a:t>2018-12-07</a:t>
+              <a:t>2018-12-14</a:t>
             </a:fld>
             <a:endParaRPr lang="ko-KR" altLang="en-US"/>
           </a:p>
@@ -1823,7 +1825,7 @@
           <a:p>
             <a:fld id="{5660B926-7AC7-45A0-B1C2-692220D8726F}" type="datetimeFigureOut">
               <a:rPr lang="ko-KR" altLang="en-US" smtClean="0"/>
-              <a:t>2018-12-07</a:t>
+              <a:t>2018-12-14</a:t>
             </a:fld>
             <a:endParaRPr lang="ko-KR" altLang="en-US"/>
           </a:p>
@@ -1964,7 +1966,7 @@
           <a:p>
             <a:fld id="{5660B926-7AC7-45A0-B1C2-692220D8726F}" type="datetimeFigureOut">
               <a:rPr lang="ko-KR" altLang="en-US" smtClean="0"/>
-              <a:t>2018-12-07</a:t>
+              <a:t>2018-12-14</a:t>
             </a:fld>
             <a:endParaRPr lang="ko-KR" altLang="en-US"/>
           </a:p>
@@ -2077,7 +2079,7 @@
           <a:p>
             <a:fld id="{5660B926-7AC7-45A0-B1C2-692220D8726F}" type="datetimeFigureOut">
               <a:rPr lang="ko-KR" altLang="en-US" smtClean="0"/>
-              <a:t>2018-12-07</a:t>
+              <a:t>2018-12-14</a:t>
             </a:fld>
             <a:endParaRPr lang="ko-KR" altLang="en-US"/>
           </a:p>
@@ -2388,7 +2390,7 @@
           <a:p>
             <a:fld id="{5660B926-7AC7-45A0-B1C2-692220D8726F}" type="datetimeFigureOut">
               <a:rPr lang="ko-KR" altLang="en-US" smtClean="0"/>
-              <a:t>2018-12-07</a:t>
+              <a:t>2018-12-14</a:t>
             </a:fld>
             <a:endParaRPr lang="ko-KR" altLang="en-US"/>
           </a:p>
@@ -2676,7 +2678,7 @@
           <a:p>
             <a:fld id="{5660B926-7AC7-45A0-B1C2-692220D8726F}" type="datetimeFigureOut">
               <a:rPr lang="ko-KR" altLang="en-US" smtClean="0"/>
-              <a:t>2018-12-07</a:t>
+              <a:t>2018-12-14</a:t>
             </a:fld>
             <a:endParaRPr lang="ko-KR" altLang="en-US"/>
           </a:p>
@@ -2917,7 +2919,7 @@
           <a:p>
             <a:fld id="{5660B926-7AC7-45A0-B1C2-692220D8726F}" type="datetimeFigureOut">
               <a:rPr lang="ko-KR" altLang="en-US" smtClean="0"/>
-              <a:t>2018-12-07</a:t>
+              <a:t>2018-12-14</a:t>
             </a:fld>
             <a:endParaRPr lang="ko-KR" altLang="en-US"/>
           </a:p>
@@ -4191,6 +4193,1197 @@
     <p:extLst>
       <p:ext uri="{BB962C8B-B14F-4D97-AF65-F5344CB8AC3E}">
         <p14:creationId xmlns:p14="http://schemas.microsoft.com/office/powerpoint/2010/main" val="2076821025"/>
+      </p:ext>
+    </p:extLst>
+  </p:cSld>
+  <p:clrMapOvr>
+    <a:masterClrMapping/>
+  </p:clrMapOvr>
+</p:sld>
+</file>
+
+<file path=ppt/slides/slide10.xml><?xml version="1.0" encoding="utf-8"?>
+<p:sld xmlns:a="http://schemas.openxmlformats.org/drawingml/2006/main" xmlns:r="http://schemas.openxmlformats.org/officeDocument/2006/relationships" xmlns:p="http://schemas.openxmlformats.org/presentationml/2006/main">
+  <p:cSld>
+    <p:spTree>
+      <p:nvGrpSpPr>
+        <p:cNvPr id="1" name=""/>
+        <p:cNvGrpSpPr/>
+        <p:nvPr/>
+      </p:nvGrpSpPr>
+      <p:grpSpPr>
+        <a:xfrm>
+          <a:off x="0" y="0"/>
+          <a:ext cx="0" cy="0"/>
+          <a:chOff x="0" y="0"/>
+          <a:chExt cx="0" cy="0"/>
+        </a:xfrm>
+      </p:grpSpPr>
+      <p:sp>
+        <p:nvSpPr>
+          <p:cNvPr id="4" name="직사각형 3">
+            <a:extLst>
+              <a:ext uri="{FF2B5EF4-FFF2-40B4-BE49-F238E27FC236}">
+                <a16:creationId xmlns:a16="http://schemas.microsoft.com/office/drawing/2014/main" id="{A6F0949C-7B14-4E09-9E44-EBA43CE6DA7E}"/>
+              </a:ext>
+            </a:extLst>
+          </p:cNvPr>
+          <p:cNvSpPr/>
+          <p:nvPr/>
+        </p:nvSpPr>
+        <p:spPr>
+          <a:xfrm>
+            <a:off x="1829786" y="1249720"/>
+            <a:ext cx="2451690" cy="4358560"/>
+          </a:xfrm>
+          <a:prstGeom prst="rect">
+            <a:avLst/>
+          </a:prstGeom>
+        </p:spPr>
+        <p:style>
+          <a:lnRef idx="2">
+            <a:schemeClr val="accent1">
+              <a:shade val="50000"/>
+            </a:schemeClr>
+          </a:lnRef>
+          <a:fillRef idx="1">
+            <a:schemeClr val="accent1"/>
+          </a:fillRef>
+          <a:effectRef idx="0">
+            <a:schemeClr val="accent1"/>
+          </a:effectRef>
+          <a:fontRef idx="minor">
+            <a:schemeClr val="lt1"/>
+          </a:fontRef>
+        </p:style>
+        <p:txBody>
+          <a:bodyPr rtlCol="0" anchor="ctr"/>
+          <a:lstStyle/>
+          <a:p>
+            <a:pPr algn="ctr"/>
+            <a:r>
+              <a:rPr lang="ko-KR" altLang="en-US" dirty="0"/>
+              <a:t>타이틀</a:t>
+            </a:r>
+            <a:endParaRPr lang="en-US" altLang="ko-KR" dirty="0"/>
+          </a:p>
+          <a:p>
+            <a:pPr algn="ctr"/>
+            <a:endParaRPr lang="en-US" altLang="ko-KR" dirty="0"/>
+          </a:p>
+          <a:p>
+            <a:pPr algn="ctr"/>
+            <a:endParaRPr lang="en-US" altLang="ko-KR" dirty="0"/>
+          </a:p>
+          <a:p>
+            <a:pPr algn="ctr"/>
+            <a:endParaRPr lang="en-US" altLang="ko-KR" dirty="0"/>
+          </a:p>
+          <a:p>
+            <a:pPr algn="ctr"/>
+            <a:endParaRPr lang="en-US" altLang="ko-KR" dirty="0"/>
+          </a:p>
+          <a:p>
+            <a:pPr algn="ctr"/>
+            <a:endParaRPr lang="en-US" altLang="ko-KR" dirty="0"/>
+          </a:p>
+          <a:p>
+            <a:pPr algn="ctr"/>
+            <a:endParaRPr lang="en-US" altLang="ko-KR" dirty="0"/>
+          </a:p>
+          <a:p>
+            <a:pPr algn="ctr"/>
+            <a:endParaRPr lang="en-US" altLang="ko-KR" dirty="0"/>
+          </a:p>
+          <a:p>
+            <a:pPr algn="ctr"/>
+            <a:endParaRPr lang="en-US" altLang="ko-KR" dirty="0"/>
+          </a:p>
+          <a:p>
+            <a:pPr algn="ctr"/>
+            <a:endParaRPr lang="en-US" altLang="ko-KR" dirty="0"/>
+          </a:p>
+          <a:p>
+            <a:pPr algn="ctr"/>
+            <a:endParaRPr lang="ko-KR" altLang="en-US" dirty="0"/>
+          </a:p>
+        </p:txBody>
+      </p:sp>
+      <p:pic>
+        <p:nvPicPr>
+          <p:cNvPr id="5" name="그래픽 4">
+            <a:extLst>
+              <a:ext uri="{FF2B5EF4-FFF2-40B4-BE49-F238E27FC236}">
+                <a16:creationId xmlns:a16="http://schemas.microsoft.com/office/drawing/2014/main" id="{361DD6FA-2881-419A-B6C6-734CC30BF357}"/>
+              </a:ext>
+            </a:extLst>
+          </p:cNvPr>
+          <p:cNvPicPr>
+            <a:picLocks noChangeAspect="1"/>
+          </p:cNvPicPr>
+          <p:nvPr/>
+        </p:nvPicPr>
+        <p:blipFill>
+          <a:blip r:embed="rId2">
+            <a:extLst>
+              <a:ext uri="{96DAC541-7B7A-43D3-8B79-37D633B846F1}">
+                <asvg:svgBlip xmlns:asvg="http://schemas.microsoft.com/office/drawing/2016/SVG/main" r:embed="rId3"/>
+              </a:ext>
+            </a:extLst>
+          </a:blip>
+          <a:stretch>
+            <a:fillRect/>
+          </a:stretch>
+        </p:blipFill>
+        <p:spPr>
+          <a:xfrm>
+            <a:off x="2237705" y="4337109"/>
+            <a:ext cx="817926" cy="817926"/>
+          </a:xfrm>
+          <a:prstGeom prst="rect">
+            <a:avLst/>
+          </a:prstGeom>
+        </p:spPr>
+      </p:pic>
+      <p:pic>
+        <p:nvPicPr>
+          <p:cNvPr id="12" name="그림 11">
+            <a:extLst>
+              <a:ext uri="{FF2B5EF4-FFF2-40B4-BE49-F238E27FC236}">
+                <a16:creationId xmlns:a16="http://schemas.microsoft.com/office/drawing/2014/main" id="{2AEDC9E2-CF99-47B8-91FC-6BA8AD1304BA}"/>
+              </a:ext>
+            </a:extLst>
+          </p:cNvPr>
+          <p:cNvPicPr>
+            <a:picLocks noChangeAspect="1"/>
+          </p:cNvPicPr>
+          <p:nvPr/>
+        </p:nvPicPr>
+        <p:blipFill>
+          <a:blip r:embed="rId4">
+            <a:extLst>
+              <a:ext uri="{28A0092B-C50C-407E-A947-70E740481C1C}">
+                <a14:useLocalDpi xmlns:a14="http://schemas.microsoft.com/office/drawing/2010/main" val="0"/>
+              </a:ext>
+            </a:extLst>
+          </a:blip>
+          <a:stretch>
+            <a:fillRect/>
+          </a:stretch>
+        </p:blipFill>
+        <p:spPr>
+          <a:xfrm>
+            <a:off x="3130113" y="4337109"/>
+            <a:ext cx="753990" cy="753990"/>
+          </a:xfrm>
+          <a:prstGeom prst="rect">
+            <a:avLst/>
+          </a:prstGeom>
+        </p:spPr>
+      </p:pic>
+      <p:sp>
+        <p:nvSpPr>
+          <p:cNvPr id="17" name="사각형: 둥근 모서리 16">
+            <a:extLst>
+              <a:ext uri="{FF2B5EF4-FFF2-40B4-BE49-F238E27FC236}">
+                <a16:creationId xmlns:a16="http://schemas.microsoft.com/office/drawing/2014/main" id="{9BA787F8-A254-480B-BDA9-574DDA28A39A}"/>
+              </a:ext>
+            </a:extLst>
+          </p:cNvPr>
+          <p:cNvSpPr/>
+          <p:nvPr/>
+        </p:nvSpPr>
+        <p:spPr>
+          <a:xfrm>
+            <a:off x="4984888" y="1320247"/>
+            <a:ext cx="2339488" cy="4159090"/>
+          </a:xfrm>
+          <a:prstGeom prst="roundRect">
+            <a:avLst/>
+          </a:prstGeom>
+          <a:solidFill>
+            <a:schemeClr val="bg1"/>
+          </a:solidFill>
+          <a:ln w="57150">
+            <a:solidFill>
+              <a:schemeClr val="tx1"/>
+            </a:solidFill>
+          </a:ln>
+        </p:spPr>
+        <p:style>
+          <a:lnRef idx="2">
+            <a:schemeClr val="accent1">
+              <a:shade val="50000"/>
+            </a:schemeClr>
+          </a:lnRef>
+          <a:fillRef idx="1">
+            <a:schemeClr val="accent1"/>
+          </a:fillRef>
+          <a:effectRef idx="0">
+            <a:schemeClr val="accent1"/>
+          </a:effectRef>
+          <a:fontRef idx="minor">
+            <a:schemeClr val="lt1"/>
+          </a:fontRef>
+        </p:style>
+        <p:txBody>
+          <a:bodyPr rtlCol="0" anchor="ctr"/>
+          <a:lstStyle/>
+          <a:p>
+            <a:pPr algn="ctr"/>
+            <a:endParaRPr lang="ko-KR" altLang="en-US"/>
+          </a:p>
+        </p:txBody>
+      </p:sp>
+      <p:grpSp>
+        <p:nvGrpSpPr>
+          <p:cNvPr id="16" name="그룹 15">
+            <a:extLst>
+              <a:ext uri="{FF2B5EF4-FFF2-40B4-BE49-F238E27FC236}">
+                <a16:creationId xmlns:a16="http://schemas.microsoft.com/office/drawing/2014/main" id="{D8A9A985-1516-4765-ACB5-40C15BF2C294}"/>
+              </a:ext>
+            </a:extLst>
+          </p:cNvPr>
+          <p:cNvGrpSpPr/>
+          <p:nvPr/>
+        </p:nvGrpSpPr>
+        <p:grpSpPr>
+          <a:xfrm>
+            <a:off x="7195548" y="1378663"/>
+            <a:ext cx="343948" cy="400110"/>
+            <a:chOff x="8380602" y="1034407"/>
+            <a:chExt cx="343948" cy="400110"/>
+          </a:xfrm>
+        </p:grpSpPr>
+        <p:sp>
+          <p:nvSpPr>
+            <p:cNvPr id="14" name="타원 13">
+              <a:extLst>
+                <a:ext uri="{FF2B5EF4-FFF2-40B4-BE49-F238E27FC236}">
+                  <a16:creationId xmlns:a16="http://schemas.microsoft.com/office/drawing/2014/main" id="{F4B31872-1A1E-4E26-914E-48DBC6EFB096}"/>
+                </a:ext>
+              </a:extLst>
+            </p:cNvPr>
+            <p:cNvSpPr/>
+            <p:nvPr/>
+          </p:nvSpPr>
+          <p:spPr>
+            <a:xfrm>
+              <a:off x="8380602" y="1090569"/>
+              <a:ext cx="343948" cy="343948"/>
+            </a:xfrm>
+            <a:prstGeom prst="ellipse">
+              <a:avLst/>
+            </a:prstGeom>
+            <a:solidFill>
+              <a:schemeClr val="bg1"/>
+            </a:solidFill>
+            <a:ln w="38100">
+              <a:solidFill>
+                <a:schemeClr val="tx1"/>
+              </a:solidFill>
+            </a:ln>
+          </p:spPr>
+          <p:style>
+            <a:lnRef idx="2">
+              <a:schemeClr val="accent1">
+                <a:shade val="50000"/>
+              </a:schemeClr>
+            </a:lnRef>
+            <a:fillRef idx="1">
+              <a:schemeClr val="accent1"/>
+            </a:fillRef>
+            <a:effectRef idx="0">
+              <a:schemeClr val="accent1"/>
+            </a:effectRef>
+            <a:fontRef idx="minor">
+              <a:schemeClr val="lt1"/>
+            </a:fontRef>
+          </p:style>
+          <p:txBody>
+            <a:bodyPr rtlCol="0" anchor="ctr"/>
+            <a:lstStyle/>
+            <a:p>
+              <a:pPr algn="ctr"/>
+              <a:endParaRPr lang="ko-KR" altLang="en-US"/>
+            </a:p>
+          </p:txBody>
+        </p:sp>
+        <p:sp>
+          <p:nvSpPr>
+            <p:cNvPr id="15" name="TextBox 14">
+              <a:extLst>
+                <a:ext uri="{FF2B5EF4-FFF2-40B4-BE49-F238E27FC236}">
+                  <a16:creationId xmlns:a16="http://schemas.microsoft.com/office/drawing/2014/main" id="{118619A6-9C10-4C80-878B-4A814C343CDD}"/>
+                </a:ext>
+              </a:extLst>
+            </p:cNvPr>
+            <p:cNvSpPr txBox="1"/>
+            <p:nvPr/>
+          </p:nvSpPr>
+          <p:spPr>
+            <a:xfrm>
+              <a:off x="8442499" y="1034407"/>
+              <a:ext cx="220154" cy="400110"/>
+            </a:xfrm>
+            <a:prstGeom prst="rect">
+              <a:avLst/>
+            </a:prstGeom>
+            <a:noFill/>
+          </p:spPr>
+          <p:txBody>
+            <a:bodyPr wrap="square" rtlCol="0">
+              <a:spAutoFit/>
+            </a:bodyPr>
+            <a:lstStyle/>
+            <a:p>
+              <a:pPr algn="ctr"/>
+              <a:r>
+                <a:rPr lang="en-US" altLang="ko-KR" sz="2000" b="1" dirty="0"/>
+                <a:t>×</a:t>
+              </a:r>
+              <a:endParaRPr lang="ko-KR" altLang="en-US" sz="2000" b="1" dirty="0"/>
+            </a:p>
+          </p:txBody>
+        </p:sp>
+      </p:grpSp>
+      <p:sp>
+        <p:nvSpPr>
+          <p:cNvPr id="18" name="직사각형 17">
+            <a:extLst>
+              <a:ext uri="{FF2B5EF4-FFF2-40B4-BE49-F238E27FC236}">
+                <a16:creationId xmlns:a16="http://schemas.microsoft.com/office/drawing/2014/main" id="{82E4A0D3-4F1B-468F-920B-473C5D316768}"/>
+              </a:ext>
+            </a:extLst>
+          </p:cNvPr>
+          <p:cNvSpPr/>
+          <p:nvPr/>
+        </p:nvSpPr>
+        <p:spPr>
+          <a:xfrm>
+            <a:off x="8070209" y="1578718"/>
+            <a:ext cx="1434518" cy="1122537"/>
+          </a:xfrm>
+          <a:prstGeom prst="rect">
+            <a:avLst/>
+          </a:prstGeom>
+        </p:spPr>
+        <p:style>
+          <a:lnRef idx="2">
+            <a:schemeClr val="accent4">
+              <a:shade val="50000"/>
+            </a:schemeClr>
+          </a:lnRef>
+          <a:fillRef idx="1">
+            <a:schemeClr val="accent4"/>
+          </a:fillRef>
+          <a:effectRef idx="0">
+            <a:schemeClr val="accent4"/>
+          </a:effectRef>
+          <a:fontRef idx="minor">
+            <a:schemeClr val="lt1"/>
+          </a:fontRef>
+        </p:style>
+        <p:txBody>
+          <a:bodyPr rtlCol="0" anchor="ctr"/>
+          <a:lstStyle/>
+          <a:p>
+            <a:pPr algn="ctr"/>
+            <a:r>
+              <a:rPr lang="ko-KR" altLang="en-US" dirty="0"/>
+              <a:t>쉬움</a:t>
+            </a:r>
+            <a:endParaRPr lang="en-US" altLang="ko-KR" dirty="0"/>
+          </a:p>
+        </p:txBody>
+      </p:sp>
+      <p:sp>
+        <p:nvSpPr>
+          <p:cNvPr id="19" name="직사각형 18">
+            <a:extLst>
+              <a:ext uri="{FF2B5EF4-FFF2-40B4-BE49-F238E27FC236}">
+                <a16:creationId xmlns:a16="http://schemas.microsoft.com/office/drawing/2014/main" id="{430BF49A-3F7C-4A54-B998-2D1BEB45048F}"/>
+              </a:ext>
+            </a:extLst>
+          </p:cNvPr>
+          <p:cNvSpPr/>
+          <p:nvPr/>
+        </p:nvSpPr>
+        <p:spPr>
+          <a:xfrm>
+            <a:off x="9713812" y="1578718"/>
+            <a:ext cx="1434518" cy="1122537"/>
+          </a:xfrm>
+          <a:prstGeom prst="rect">
+            <a:avLst/>
+          </a:prstGeom>
+        </p:spPr>
+        <p:style>
+          <a:lnRef idx="2">
+            <a:schemeClr val="accent6">
+              <a:shade val="50000"/>
+            </a:schemeClr>
+          </a:lnRef>
+          <a:fillRef idx="1">
+            <a:schemeClr val="accent6"/>
+          </a:fillRef>
+          <a:effectRef idx="0">
+            <a:schemeClr val="accent6"/>
+          </a:effectRef>
+          <a:fontRef idx="minor">
+            <a:schemeClr val="lt1"/>
+          </a:fontRef>
+        </p:style>
+        <p:txBody>
+          <a:bodyPr rtlCol="0" anchor="ctr"/>
+          <a:lstStyle/>
+          <a:p>
+            <a:pPr algn="ctr"/>
+            <a:r>
+              <a:rPr lang="ko-KR" altLang="en-US" dirty="0"/>
+              <a:t>보통</a:t>
+            </a:r>
+            <a:endParaRPr lang="en-US" altLang="ko-KR" dirty="0"/>
+          </a:p>
+        </p:txBody>
+      </p:sp>
+      <p:sp>
+        <p:nvSpPr>
+          <p:cNvPr id="20" name="직사각형 19">
+            <a:extLst>
+              <a:ext uri="{FF2B5EF4-FFF2-40B4-BE49-F238E27FC236}">
+                <a16:creationId xmlns:a16="http://schemas.microsoft.com/office/drawing/2014/main" id="{D685F423-D32D-407C-AF84-2D09E92BAE43}"/>
+              </a:ext>
+            </a:extLst>
+          </p:cNvPr>
+          <p:cNvSpPr/>
+          <p:nvPr/>
+        </p:nvSpPr>
+        <p:spPr>
+          <a:xfrm>
+            <a:off x="8070209" y="3034209"/>
+            <a:ext cx="1434518" cy="1122537"/>
+          </a:xfrm>
+          <a:prstGeom prst="rect">
+            <a:avLst/>
+          </a:prstGeom>
+          <a:solidFill>
+            <a:srgbClr val="FF0000"/>
+          </a:solidFill>
+          <a:ln>
+            <a:solidFill>
+              <a:srgbClr val="C00000"/>
+            </a:solidFill>
+          </a:ln>
+        </p:spPr>
+        <p:style>
+          <a:lnRef idx="2">
+            <a:schemeClr val="accent5">
+              <a:shade val="50000"/>
+            </a:schemeClr>
+          </a:lnRef>
+          <a:fillRef idx="1">
+            <a:schemeClr val="accent5"/>
+          </a:fillRef>
+          <a:effectRef idx="0">
+            <a:schemeClr val="accent5"/>
+          </a:effectRef>
+          <a:fontRef idx="minor">
+            <a:schemeClr val="lt1"/>
+          </a:fontRef>
+        </p:style>
+        <p:txBody>
+          <a:bodyPr rtlCol="0" anchor="ctr"/>
+          <a:lstStyle/>
+          <a:p>
+            <a:pPr algn="ctr"/>
+            <a:r>
+              <a:rPr lang="ko-KR" altLang="en-US" dirty="0"/>
+              <a:t>어려움</a:t>
+            </a:r>
+            <a:endParaRPr lang="en-US" altLang="ko-KR" dirty="0"/>
+          </a:p>
+        </p:txBody>
+      </p:sp>
+      <p:sp>
+        <p:nvSpPr>
+          <p:cNvPr id="21" name="직사각형 20">
+            <a:extLst>
+              <a:ext uri="{FF2B5EF4-FFF2-40B4-BE49-F238E27FC236}">
+                <a16:creationId xmlns:a16="http://schemas.microsoft.com/office/drawing/2014/main" id="{6772DD58-4B98-4567-B1CC-10016274EAA9}"/>
+              </a:ext>
+            </a:extLst>
+          </p:cNvPr>
+          <p:cNvSpPr/>
+          <p:nvPr/>
+        </p:nvSpPr>
+        <p:spPr>
+          <a:xfrm>
+            <a:off x="9713812" y="3034209"/>
+            <a:ext cx="1434518" cy="1122537"/>
+          </a:xfrm>
+          <a:prstGeom prst="rect">
+            <a:avLst/>
+          </a:prstGeom>
+          <a:solidFill>
+            <a:schemeClr val="tx1">
+              <a:lumMod val="85000"/>
+              <a:lumOff val="15000"/>
+            </a:schemeClr>
+          </a:solidFill>
+          <a:ln>
+            <a:solidFill>
+              <a:schemeClr val="tx1"/>
+            </a:solidFill>
+          </a:ln>
+        </p:spPr>
+        <p:style>
+          <a:lnRef idx="2">
+            <a:schemeClr val="accent2">
+              <a:shade val="50000"/>
+            </a:schemeClr>
+          </a:lnRef>
+          <a:fillRef idx="1">
+            <a:schemeClr val="accent2"/>
+          </a:fillRef>
+          <a:effectRef idx="0">
+            <a:schemeClr val="accent2"/>
+          </a:effectRef>
+          <a:fontRef idx="minor">
+            <a:schemeClr val="lt1"/>
+          </a:fontRef>
+        </p:style>
+        <p:txBody>
+          <a:bodyPr rtlCol="0" anchor="ctr"/>
+          <a:lstStyle/>
+          <a:p>
+            <a:pPr algn="ctr"/>
+            <a:r>
+              <a:rPr lang="ko-KR" altLang="en-US" dirty="0"/>
+              <a:t>극악</a:t>
+            </a:r>
+            <a:endParaRPr lang="en-US" altLang="ko-KR" dirty="0"/>
+          </a:p>
+        </p:txBody>
+      </p:sp>
+      <p:sp>
+        <p:nvSpPr>
+          <p:cNvPr id="22" name="사각형: 둥근 모서리 21">
+            <a:extLst>
+              <a:ext uri="{FF2B5EF4-FFF2-40B4-BE49-F238E27FC236}">
+                <a16:creationId xmlns:a16="http://schemas.microsoft.com/office/drawing/2014/main" id="{CB4C6EF6-4A5C-467D-9029-D1CA62659B7D}"/>
+              </a:ext>
+            </a:extLst>
+          </p:cNvPr>
+          <p:cNvSpPr/>
+          <p:nvPr/>
+        </p:nvSpPr>
+        <p:spPr>
+          <a:xfrm>
+            <a:off x="7743038" y="4918555"/>
+            <a:ext cx="889233" cy="889233"/>
+          </a:xfrm>
+          <a:prstGeom prst="roundRect">
+            <a:avLst/>
+          </a:prstGeom>
+        </p:spPr>
+        <p:style>
+          <a:lnRef idx="2">
+            <a:schemeClr val="accent4">
+              <a:shade val="50000"/>
+            </a:schemeClr>
+          </a:lnRef>
+          <a:fillRef idx="1">
+            <a:schemeClr val="accent4"/>
+          </a:fillRef>
+          <a:effectRef idx="0">
+            <a:schemeClr val="accent4"/>
+          </a:effectRef>
+          <a:fontRef idx="minor">
+            <a:schemeClr val="lt1"/>
+          </a:fontRef>
+        </p:style>
+        <p:txBody>
+          <a:bodyPr rtlCol="0" anchor="ctr"/>
+          <a:lstStyle/>
+          <a:p>
+            <a:pPr algn="ctr"/>
+            <a:r>
+              <a:rPr lang="en-US" altLang="ko-KR" dirty="0"/>
+              <a:t>1</a:t>
+            </a:r>
+          </a:p>
+          <a:p>
+            <a:pPr algn="ctr"/>
+            <a:endParaRPr lang="ko-KR" altLang="en-US" dirty="0"/>
+          </a:p>
+        </p:txBody>
+      </p:sp>
+      <p:sp>
+        <p:nvSpPr>
+          <p:cNvPr id="23" name="사각형: 둥근 모서리 22">
+            <a:extLst>
+              <a:ext uri="{FF2B5EF4-FFF2-40B4-BE49-F238E27FC236}">
+                <a16:creationId xmlns:a16="http://schemas.microsoft.com/office/drawing/2014/main" id="{E943D072-BCA0-47B7-AAC0-4B67D3B3A7EB}"/>
+              </a:ext>
+            </a:extLst>
+          </p:cNvPr>
+          <p:cNvSpPr/>
+          <p:nvPr/>
+        </p:nvSpPr>
+        <p:spPr>
+          <a:xfrm>
+            <a:off x="8787468" y="4918555"/>
+            <a:ext cx="889233" cy="889233"/>
+          </a:xfrm>
+          <a:prstGeom prst="roundRect">
+            <a:avLst/>
+          </a:prstGeom>
+        </p:spPr>
+        <p:style>
+          <a:lnRef idx="2">
+            <a:schemeClr val="accent4">
+              <a:shade val="50000"/>
+            </a:schemeClr>
+          </a:lnRef>
+          <a:fillRef idx="1">
+            <a:schemeClr val="accent4"/>
+          </a:fillRef>
+          <a:effectRef idx="0">
+            <a:schemeClr val="accent4"/>
+          </a:effectRef>
+          <a:fontRef idx="minor">
+            <a:schemeClr val="lt1"/>
+          </a:fontRef>
+        </p:style>
+        <p:txBody>
+          <a:bodyPr rtlCol="0" anchor="ctr"/>
+          <a:lstStyle/>
+          <a:p>
+            <a:pPr algn="ctr"/>
+            <a:r>
+              <a:rPr lang="en-US" altLang="ko-KR" dirty="0"/>
+              <a:t>2</a:t>
+            </a:r>
+          </a:p>
+          <a:p>
+            <a:pPr algn="ctr"/>
+            <a:endParaRPr lang="ko-KR" altLang="en-US" dirty="0"/>
+          </a:p>
+        </p:txBody>
+      </p:sp>
+      <p:sp>
+        <p:nvSpPr>
+          <p:cNvPr id="24" name="사각형: 둥근 모서리 23">
+            <a:extLst>
+              <a:ext uri="{FF2B5EF4-FFF2-40B4-BE49-F238E27FC236}">
+                <a16:creationId xmlns:a16="http://schemas.microsoft.com/office/drawing/2014/main" id="{FB9959D7-2F57-4708-B4BB-3BA7FFF69228}"/>
+              </a:ext>
+            </a:extLst>
+          </p:cNvPr>
+          <p:cNvSpPr/>
+          <p:nvPr/>
+        </p:nvSpPr>
+        <p:spPr>
+          <a:xfrm>
+            <a:off x="9854760" y="4918555"/>
+            <a:ext cx="889233" cy="889233"/>
+          </a:xfrm>
+          <a:prstGeom prst="roundRect">
+            <a:avLst/>
+          </a:prstGeom>
+        </p:spPr>
+        <p:style>
+          <a:lnRef idx="2">
+            <a:schemeClr val="accent4">
+              <a:shade val="50000"/>
+            </a:schemeClr>
+          </a:lnRef>
+          <a:fillRef idx="1">
+            <a:schemeClr val="accent4"/>
+          </a:fillRef>
+          <a:effectRef idx="0">
+            <a:schemeClr val="accent4"/>
+          </a:effectRef>
+          <a:fontRef idx="minor">
+            <a:schemeClr val="lt1"/>
+          </a:fontRef>
+        </p:style>
+        <p:txBody>
+          <a:bodyPr rtlCol="0" anchor="ctr"/>
+          <a:lstStyle/>
+          <a:p>
+            <a:pPr algn="ctr"/>
+            <a:r>
+              <a:rPr lang="en-US" altLang="ko-KR" dirty="0"/>
+              <a:t>3</a:t>
+            </a:r>
+          </a:p>
+          <a:p>
+            <a:pPr algn="ctr"/>
+            <a:endParaRPr lang="ko-KR" altLang="en-US" dirty="0"/>
+          </a:p>
+        </p:txBody>
+      </p:sp>
+    </p:spTree>
+    <p:extLst>
+      <p:ext uri="{BB962C8B-B14F-4D97-AF65-F5344CB8AC3E}">
+        <p14:creationId xmlns:p14="http://schemas.microsoft.com/office/powerpoint/2010/main" val="3796135161"/>
+      </p:ext>
+    </p:extLst>
+  </p:cSld>
+  <p:clrMapOvr>
+    <a:masterClrMapping/>
+  </p:clrMapOvr>
+</p:sld>
+</file>
+
+<file path=ppt/slides/slide11.xml><?xml version="1.0" encoding="utf-8"?>
+<p:sld xmlns:a="http://schemas.openxmlformats.org/drawingml/2006/main" xmlns:r="http://schemas.openxmlformats.org/officeDocument/2006/relationships" xmlns:p="http://schemas.openxmlformats.org/presentationml/2006/main">
+  <p:cSld>
+    <p:spTree>
+      <p:nvGrpSpPr>
+        <p:cNvPr id="1" name=""/>
+        <p:cNvGrpSpPr/>
+        <p:nvPr/>
+      </p:nvGrpSpPr>
+      <p:grpSpPr>
+        <a:xfrm>
+          <a:off x="0" y="0"/>
+          <a:ext cx="0" cy="0"/>
+          <a:chOff x="0" y="0"/>
+          <a:chExt cx="0" cy="0"/>
+        </a:xfrm>
+      </p:grpSpPr>
+      <p:pic>
+        <p:nvPicPr>
+          <p:cNvPr id="4" name="그림 3">
+            <a:extLst>
+              <a:ext uri="{FF2B5EF4-FFF2-40B4-BE49-F238E27FC236}">
+                <a16:creationId xmlns:a16="http://schemas.microsoft.com/office/drawing/2014/main" id="{271C964C-4030-42BA-9A51-7C4421EF8332}"/>
+              </a:ext>
+            </a:extLst>
+          </p:cNvPr>
+          <p:cNvPicPr>
+            <a:picLocks noChangeAspect="1"/>
+          </p:cNvPicPr>
+          <p:nvPr/>
+        </p:nvPicPr>
+        <p:blipFill rotWithShape="1">
+          <a:blip r:embed="rId2"/>
+          <a:srcRect l="31032" t="16024" r="57890" b="50000"/>
+          <a:stretch/>
+        </p:blipFill>
+        <p:spPr>
+          <a:xfrm>
+            <a:off x="3171038" y="201336"/>
+            <a:ext cx="3212983" cy="5542892"/>
+          </a:xfrm>
+          <a:prstGeom prst="rect">
+            <a:avLst/>
+          </a:prstGeom>
+        </p:spPr>
+      </p:pic>
+      <p:grpSp>
+        <p:nvGrpSpPr>
+          <p:cNvPr id="13" name="그룹 12">
+            <a:extLst>
+              <a:ext uri="{FF2B5EF4-FFF2-40B4-BE49-F238E27FC236}">
+                <a16:creationId xmlns:a16="http://schemas.microsoft.com/office/drawing/2014/main" id="{7E1A8ECE-1761-46AD-B21A-D31D882BE070}"/>
+              </a:ext>
+            </a:extLst>
+          </p:cNvPr>
+          <p:cNvGrpSpPr/>
+          <p:nvPr/>
+        </p:nvGrpSpPr>
+        <p:grpSpPr>
+          <a:xfrm>
+            <a:off x="3171036" y="201336"/>
+            <a:ext cx="3212985" cy="5542892"/>
+            <a:chOff x="3171036" y="201336"/>
+            <a:chExt cx="3212985" cy="5542892"/>
+          </a:xfrm>
+          <a:solidFill>
+            <a:schemeClr val="bg1"/>
+          </a:solidFill>
+        </p:grpSpPr>
+        <p:sp>
+          <p:nvSpPr>
+            <p:cNvPr id="6" name="직사각형 5">
+              <a:extLst>
+                <a:ext uri="{FF2B5EF4-FFF2-40B4-BE49-F238E27FC236}">
+                  <a16:creationId xmlns:a16="http://schemas.microsoft.com/office/drawing/2014/main" id="{5263757B-A106-40DF-B180-49EC03D27161}"/>
+                </a:ext>
+              </a:extLst>
+            </p:cNvPr>
+            <p:cNvSpPr/>
+            <p:nvPr/>
+          </p:nvSpPr>
+          <p:spPr>
+            <a:xfrm>
+              <a:off x="3380763" y="4244828"/>
+              <a:ext cx="2715237" cy="1499399"/>
+            </a:xfrm>
+            <a:prstGeom prst="rect">
+              <a:avLst/>
+            </a:prstGeom>
+            <a:grpFill/>
+            <a:ln>
+              <a:noFill/>
+            </a:ln>
+          </p:spPr>
+          <p:style>
+            <a:lnRef idx="2">
+              <a:schemeClr val="accent1">
+                <a:shade val="50000"/>
+              </a:schemeClr>
+            </a:lnRef>
+            <a:fillRef idx="1">
+              <a:schemeClr val="accent1"/>
+            </a:fillRef>
+            <a:effectRef idx="0">
+              <a:schemeClr val="accent1"/>
+            </a:effectRef>
+            <a:fontRef idx="minor">
+              <a:schemeClr val="lt1"/>
+            </a:fontRef>
+          </p:style>
+          <p:txBody>
+            <a:bodyPr rtlCol="0" anchor="ctr"/>
+            <a:lstStyle/>
+            <a:p>
+              <a:pPr algn="ctr"/>
+              <a:endParaRPr lang="ko-KR" altLang="en-US"/>
+            </a:p>
+          </p:txBody>
+        </p:sp>
+        <p:grpSp>
+          <p:nvGrpSpPr>
+            <p:cNvPr id="12" name="그룹 11">
+              <a:extLst>
+                <a:ext uri="{FF2B5EF4-FFF2-40B4-BE49-F238E27FC236}">
+                  <a16:creationId xmlns:a16="http://schemas.microsoft.com/office/drawing/2014/main" id="{ABC9A573-691E-4D43-B393-2F68F164F93F}"/>
+                </a:ext>
+              </a:extLst>
+            </p:cNvPr>
+            <p:cNvGrpSpPr/>
+            <p:nvPr/>
+          </p:nvGrpSpPr>
+          <p:grpSpPr>
+            <a:xfrm>
+              <a:off x="3171036" y="201336"/>
+              <a:ext cx="3212985" cy="5542892"/>
+              <a:chOff x="3171036" y="201336"/>
+              <a:chExt cx="3212985" cy="5542892"/>
+            </a:xfrm>
+            <a:grpFill/>
+          </p:grpSpPr>
+          <p:sp>
+            <p:nvSpPr>
+              <p:cNvPr id="5" name="직사각형 4">
+                <a:extLst>
+                  <a:ext uri="{FF2B5EF4-FFF2-40B4-BE49-F238E27FC236}">
+                    <a16:creationId xmlns:a16="http://schemas.microsoft.com/office/drawing/2014/main" id="{FA6E9174-8A54-4B44-9ABE-3440CF2C0345}"/>
+                  </a:ext>
+                </a:extLst>
+              </p:cNvPr>
+              <p:cNvSpPr/>
+              <p:nvPr/>
+            </p:nvSpPr>
+            <p:spPr>
+              <a:xfrm>
+                <a:off x="3171038" y="1510018"/>
+                <a:ext cx="209725" cy="4234210"/>
+              </a:xfrm>
+              <a:prstGeom prst="rect">
+                <a:avLst/>
+              </a:prstGeom>
+              <a:grpFill/>
+              <a:ln>
+                <a:noFill/>
+              </a:ln>
+            </p:spPr>
+            <p:style>
+              <a:lnRef idx="2">
+                <a:schemeClr val="accent1">
+                  <a:shade val="50000"/>
+                </a:schemeClr>
+              </a:lnRef>
+              <a:fillRef idx="1">
+                <a:schemeClr val="accent1"/>
+              </a:fillRef>
+              <a:effectRef idx="0">
+                <a:schemeClr val="accent1"/>
+              </a:effectRef>
+              <a:fontRef idx="minor">
+                <a:schemeClr val="lt1"/>
+              </a:fontRef>
+            </p:style>
+            <p:txBody>
+              <a:bodyPr rtlCol="0" anchor="ctr"/>
+              <a:lstStyle/>
+              <a:p>
+                <a:pPr algn="ctr"/>
+                <a:endParaRPr lang="ko-KR" altLang="en-US"/>
+              </a:p>
+            </p:txBody>
+          </p:sp>
+          <p:sp>
+            <p:nvSpPr>
+              <p:cNvPr id="7" name="직사각형 6">
+                <a:extLst>
+                  <a:ext uri="{FF2B5EF4-FFF2-40B4-BE49-F238E27FC236}">
+                    <a16:creationId xmlns:a16="http://schemas.microsoft.com/office/drawing/2014/main" id="{7DB47644-EDA4-456D-A764-5C37C8C4A3EA}"/>
+                  </a:ext>
+                </a:extLst>
+              </p:cNvPr>
+              <p:cNvSpPr/>
+              <p:nvPr/>
+            </p:nvSpPr>
+            <p:spPr>
+              <a:xfrm>
+                <a:off x="6096002" y="1510018"/>
+                <a:ext cx="288019" cy="4234209"/>
+              </a:xfrm>
+              <a:prstGeom prst="rect">
+                <a:avLst/>
+              </a:prstGeom>
+              <a:grpFill/>
+              <a:ln>
+                <a:noFill/>
+              </a:ln>
+            </p:spPr>
+            <p:style>
+              <a:lnRef idx="2">
+                <a:schemeClr val="accent1">
+                  <a:shade val="50000"/>
+                </a:schemeClr>
+              </a:lnRef>
+              <a:fillRef idx="1">
+                <a:schemeClr val="accent1"/>
+              </a:fillRef>
+              <a:effectRef idx="0">
+                <a:schemeClr val="accent1"/>
+              </a:effectRef>
+              <a:fontRef idx="minor">
+                <a:schemeClr val="lt1"/>
+              </a:fontRef>
+            </p:style>
+            <p:txBody>
+              <a:bodyPr rtlCol="0" anchor="ctr"/>
+              <a:lstStyle/>
+              <a:p>
+                <a:pPr algn="ctr"/>
+                <a:endParaRPr lang="ko-KR" altLang="en-US"/>
+              </a:p>
+            </p:txBody>
+          </p:sp>
+          <p:sp>
+            <p:nvSpPr>
+              <p:cNvPr id="8" name="직사각형 7">
+                <a:extLst>
+                  <a:ext uri="{FF2B5EF4-FFF2-40B4-BE49-F238E27FC236}">
+                    <a16:creationId xmlns:a16="http://schemas.microsoft.com/office/drawing/2014/main" id="{CCFC5E70-A19F-4B27-89EE-B3A7288CE729}"/>
+                  </a:ext>
+                </a:extLst>
+              </p:cNvPr>
+              <p:cNvSpPr/>
+              <p:nvPr/>
+            </p:nvSpPr>
+            <p:spPr>
+              <a:xfrm>
+                <a:off x="3171038" y="1392572"/>
+                <a:ext cx="3212983" cy="117445"/>
+              </a:xfrm>
+              <a:prstGeom prst="rect">
+                <a:avLst/>
+              </a:prstGeom>
+              <a:grpFill/>
+              <a:ln>
+                <a:noFill/>
+              </a:ln>
+            </p:spPr>
+            <p:style>
+              <a:lnRef idx="2">
+                <a:schemeClr val="accent1">
+                  <a:shade val="50000"/>
+                </a:schemeClr>
+              </a:lnRef>
+              <a:fillRef idx="1">
+                <a:schemeClr val="accent1"/>
+              </a:fillRef>
+              <a:effectRef idx="0">
+                <a:schemeClr val="accent1"/>
+              </a:effectRef>
+              <a:fontRef idx="minor">
+                <a:schemeClr val="lt1"/>
+              </a:fontRef>
+            </p:style>
+            <p:txBody>
+              <a:bodyPr rtlCol="0" anchor="ctr"/>
+              <a:lstStyle/>
+              <a:p>
+                <a:pPr algn="ctr"/>
+                <a:endParaRPr lang="ko-KR" altLang="en-US"/>
+              </a:p>
+            </p:txBody>
+          </p:sp>
+          <p:sp>
+            <p:nvSpPr>
+              <p:cNvPr id="9" name="직사각형 8">
+                <a:extLst>
+                  <a:ext uri="{FF2B5EF4-FFF2-40B4-BE49-F238E27FC236}">
+                    <a16:creationId xmlns:a16="http://schemas.microsoft.com/office/drawing/2014/main" id="{0D8D2772-8272-408E-AE5E-50A3B36647E9}"/>
+                  </a:ext>
+                </a:extLst>
+              </p:cNvPr>
+              <p:cNvSpPr/>
+              <p:nvPr/>
+            </p:nvSpPr>
+            <p:spPr>
+              <a:xfrm>
+                <a:off x="4345497" y="201336"/>
+                <a:ext cx="2038524" cy="1191235"/>
+              </a:xfrm>
+              <a:prstGeom prst="rect">
+                <a:avLst/>
+              </a:prstGeom>
+              <a:grpFill/>
+              <a:ln>
+                <a:noFill/>
+              </a:ln>
+            </p:spPr>
+            <p:style>
+              <a:lnRef idx="2">
+                <a:schemeClr val="accent1">
+                  <a:shade val="50000"/>
+                </a:schemeClr>
+              </a:lnRef>
+              <a:fillRef idx="1">
+                <a:schemeClr val="accent1"/>
+              </a:fillRef>
+              <a:effectRef idx="0">
+                <a:schemeClr val="accent1"/>
+              </a:effectRef>
+              <a:fontRef idx="minor">
+                <a:schemeClr val="lt1"/>
+              </a:fontRef>
+            </p:style>
+            <p:txBody>
+              <a:bodyPr rtlCol="0" anchor="ctr"/>
+              <a:lstStyle/>
+              <a:p>
+                <a:pPr algn="ctr"/>
+                <a:endParaRPr lang="ko-KR" altLang="en-US"/>
+              </a:p>
+            </p:txBody>
+          </p:sp>
+          <p:sp>
+            <p:nvSpPr>
+              <p:cNvPr id="10" name="직사각형 9">
+                <a:extLst>
+                  <a:ext uri="{FF2B5EF4-FFF2-40B4-BE49-F238E27FC236}">
+                    <a16:creationId xmlns:a16="http://schemas.microsoft.com/office/drawing/2014/main" id="{6633E912-A7BC-428B-9363-7B451772D40C}"/>
+                  </a:ext>
+                </a:extLst>
+              </p:cNvPr>
+              <p:cNvSpPr/>
+              <p:nvPr/>
+            </p:nvSpPr>
+            <p:spPr>
+              <a:xfrm>
+                <a:off x="3171037" y="201336"/>
+                <a:ext cx="1174459" cy="226504"/>
+              </a:xfrm>
+              <a:prstGeom prst="rect">
+                <a:avLst/>
+              </a:prstGeom>
+              <a:grpFill/>
+              <a:ln>
+                <a:noFill/>
+              </a:ln>
+            </p:spPr>
+            <p:style>
+              <a:lnRef idx="2">
+                <a:schemeClr val="accent1">
+                  <a:shade val="50000"/>
+                </a:schemeClr>
+              </a:lnRef>
+              <a:fillRef idx="1">
+                <a:schemeClr val="accent1"/>
+              </a:fillRef>
+              <a:effectRef idx="0">
+                <a:schemeClr val="accent1"/>
+              </a:effectRef>
+              <a:fontRef idx="minor">
+                <a:schemeClr val="lt1"/>
+              </a:fontRef>
+            </p:style>
+            <p:txBody>
+              <a:bodyPr rtlCol="0" anchor="ctr"/>
+              <a:lstStyle/>
+              <a:p>
+                <a:pPr algn="ctr"/>
+                <a:endParaRPr lang="ko-KR" altLang="en-US"/>
+              </a:p>
+            </p:txBody>
+          </p:sp>
+          <p:sp>
+            <p:nvSpPr>
+              <p:cNvPr id="11" name="직사각형 10">
+                <a:extLst>
+                  <a:ext uri="{FF2B5EF4-FFF2-40B4-BE49-F238E27FC236}">
+                    <a16:creationId xmlns:a16="http://schemas.microsoft.com/office/drawing/2014/main" id="{633337C5-4D2B-454B-BD4D-DCF00E308AB3}"/>
+                  </a:ext>
+                </a:extLst>
+              </p:cNvPr>
+              <p:cNvSpPr/>
+              <p:nvPr/>
+            </p:nvSpPr>
+            <p:spPr>
+              <a:xfrm>
+                <a:off x="3171036" y="427840"/>
+                <a:ext cx="184560" cy="1057011"/>
+              </a:xfrm>
+              <a:prstGeom prst="rect">
+                <a:avLst/>
+              </a:prstGeom>
+              <a:grpFill/>
+              <a:ln>
+                <a:noFill/>
+              </a:ln>
+            </p:spPr>
+            <p:style>
+              <a:lnRef idx="2">
+                <a:schemeClr val="accent1">
+                  <a:shade val="50000"/>
+                </a:schemeClr>
+              </a:lnRef>
+              <a:fillRef idx="1">
+                <a:schemeClr val="accent1"/>
+              </a:fillRef>
+              <a:effectRef idx="0">
+                <a:schemeClr val="accent1"/>
+              </a:effectRef>
+              <a:fontRef idx="minor">
+                <a:schemeClr val="lt1"/>
+              </a:fontRef>
+            </p:style>
+            <p:txBody>
+              <a:bodyPr rtlCol="0" anchor="ctr"/>
+              <a:lstStyle/>
+              <a:p>
+                <a:pPr algn="ctr"/>
+                <a:endParaRPr lang="ko-KR" altLang="en-US"/>
+              </a:p>
+            </p:txBody>
+          </p:sp>
+        </p:grpSp>
+      </p:grpSp>
+    </p:spTree>
+    <p:extLst>
+      <p:ext uri="{BB962C8B-B14F-4D97-AF65-F5344CB8AC3E}">
+        <p14:creationId xmlns:p14="http://schemas.microsoft.com/office/powerpoint/2010/main" val="3521500064"/>
       </p:ext>
     </p:extLst>
   </p:cSld>

--- a/image1.pptx
+++ b/image1.pptx
@@ -269,7 +269,7 @@
           <a:p>
             <a:fld id="{5660B926-7AC7-45A0-B1C2-692220D8726F}" type="datetimeFigureOut">
               <a:rPr lang="ko-KR" altLang="en-US" smtClean="0"/>
-              <a:t>2018-12-14</a:t>
+              <a:t>2018-12-16</a:t>
             </a:fld>
             <a:endParaRPr lang="ko-KR" altLang="en-US"/>
           </a:p>
@@ -467,7 +467,7 @@
           <a:p>
             <a:fld id="{5660B926-7AC7-45A0-B1C2-692220D8726F}" type="datetimeFigureOut">
               <a:rPr lang="ko-KR" altLang="en-US" smtClean="0"/>
-              <a:t>2018-12-14</a:t>
+              <a:t>2018-12-16</a:t>
             </a:fld>
             <a:endParaRPr lang="ko-KR" altLang="en-US"/>
           </a:p>
@@ -675,7 +675,7 @@
           <a:p>
             <a:fld id="{5660B926-7AC7-45A0-B1C2-692220D8726F}" type="datetimeFigureOut">
               <a:rPr lang="ko-KR" altLang="en-US" smtClean="0"/>
-              <a:t>2018-12-14</a:t>
+              <a:t>2018-12-16</a:t>
             </a:fld>
             <a:endParaRPr lang="ko-KR" altLang="en-US"/>
           </a:p>
@@ -873,7 +873,7 @@
           <a:p>
             <a:fld id="{5660B926-7AC7-45A0-B1C2-692220D8726F}" type="datetimeFigureOut">
               <a:rPr lang="ko-KR" altLang="en-US" smtClean="0"/>
-              <a:t>2018-12-14</a:t>
+              <a:t>2018-12-16</a:t>
             </a:fld>
             <a:endParaRPr lang="ko-KR" altLang="en-US"/>
           </a:p>
@@ -1148,7 +1148,7 @@
           <a:p>
             <a:fld id="{5660B926-7AC7-45A0-B1C2-692220D8726F}" type="datetimeFigureOut">
               <a:rPr lang="ko-KR" altLang="en-US" smtClean="0"/>
-              <a:t>2018-12-14</a:t>
+              <a:t>2018-12-16</a:t>
             </a:fld>
             <a:endParaRPr lang="ko-KR" altLang="en-US"/>
           </a:p>
@@ -1413,7 +1413,7 @@
           <a:p>
             <a:fld id="{5660B926-7AC7-45A0-B1C2-692220D8726F}" type="datetimeFigureOut">
               <a:rPr lang="ko-KR" altLang="en-US" smtClean="0"/>
-              <a:t>2018-12-14</a:t>
+              <a:t>2018-12-16</a:t>
             </a:fld>
             <a:endParaRPr lang="ko-KR" altLang="en-US"/>
           </a:p>
@@ -1825,7 +1825,7 @@
           <a:p>
             <a:fld id="{5660B926-7AC7-45A0-B1C2-692220D8726F}" type="datetimeFigureOut">
               <a:rPr lang="ko-KR" altLang="en-US" smtClean="0"/>
-              <a:t>2018-12-14</a:t>
+              <a:t>2018-12-16</a:t>
             </a:fld>
             <a:endParaRPr lang="ko-KR" altLang="en-US"/>
           </a:p>
@@ -1966,7 +1966,7 @@
           <a:p>
             <a:fld id="{5660B926-7AC7-45A0-B1C2-692220D8726F}" type="datetimeFigureOut">
               <a:rPr lang="ko-KR" altLang="en-US" smtClean="0"/>
-              <a:t>2018-12-14</a:t>
+              <a:t>2018-12-16</a:t>
             </a:fld>
             <a:endParaRPr lang="ko-KR" altLang="en-US"/>
           </a:p>
@@ -2079,7 +2079,7 @@
           <a:p>
             <a:fld id="{5660B926-7AC7-45A0-B1C2-692220D8726F}" type="datetimeFigureOut">
               <a:rPr lang="ko-KR" altLang="en-US" smtClean="0"/>
-              <a:t>2018-12-14</a:t>
+              <a:t>2018-12-16</a:t>
             </a:fld>
             <a:endParaRPr lang="ko-KR" altLang="en-US"/>
           </a:p>
@@ -2390,7 +2390,7 @@
           <a:p>
             <a:fld id="{5660B926-7AC7-45A0-B1C2-692220D8726F}" type="datetimeFigureOut">
               <a:rPr lang="ko-KR" altLang="en-US" smtClean="0"/>
-              <a:t>2018-12-14</a:t>
+              <a:t>2018-12-16</a:t>
             </a:fld>
             <a:endParaRPr lang="ko-KR" altLang="en-US"/>
           </a:p>
@@ -2678,7 +2678,7 @@
           <a:p>
             <a:fld id="{5660B926-7AC7-45A0-B1C2-692220D8726F}" type="datetimeFigureOut">
               <a:rPr lang="ko-KR" altLang="en-US" smtClean="0"/>
-              <a:t>2018-12-14</a:t>
+              <a:t>2018-12-16</a:t>
             </a:fld>
             <a:endParaRPr lang="ko-KR" altLang="en-US"/>
           </a:p>
@@ -2919,7 +2919,7 @@
           <a:p>
             <a:fld id="{5660B926-7AC7-45A0-B1C2-692220D8726F}" type="datetimeFigureOut">
               <a:rPr lang="ko-KR" altLang="en-US" smtClean="0"/>
-              <a:t>2018-12-14</a:t>
+              <a:t>2018-12-16</a:t>
             </a:fld>
             <a:endParaRPr lang="ko-KR" altLang="en-US"/>
           </a:p>
@@ -4186,6 +4186,120 @@
                 <a:schemeClr val="tx1"/>
               </a:solidFill>
             </a:endParaRPr>
+          </a:p>
+        </p:txBody>
+      </p:sp>
+      <p:sp>
+        <p:nvSpPr>
+          <p:cNvPr id="24" name="사각형: 둥근 모서리 23">
+            <a:extLst>
+              <a:ext uri="{FF2B5EF4-FFF2-40B4-BE49-F238E27FC236}">
+                <a16:creationId xmlns:a16="http://schemas.microsoft.com/office/drawing/2014/main" id="{D2CF7939-369E-409D-9105-91A54C9D6ED4}"/>
+              </a:ext>
+            </a:extLst>
+          </p:cNvPr>
+          <p:cNvSpPr/>
+          <p:nvPr/>
+        </p:nvSpPr>
+        <p:spPr>
+          <a:xfrm>
+            <a:off x="5153446" y="0"/>
+            <a:ext cx="1549400" cy="1549400"/>
+          </a:xfrm>
+          <a:prstGeom prst="roundRect">
+            <a:avLst/>
+          </a:prstGeom>
+          <a:solidFill>
+            <a:schemeClr val="bg1">
+              <a:lumMod val="95000"/>
+              <a:alpha val="70000"/>
+            </a:schemeClr>
+          </a:solidFill>
+          <a:ln w="76200">
+            <a:noFill/>
+          </a:ln>
+        </p:spPr>
+        <p:style>
+          <a:lnRef idx="2">
+            <a:schemeClr val="accent1">
+              <a:shade val="50000"/>
+            </a:schemeClr>
+          </a:lnRef>
+          <a:fillRef idx="1">
+            <a:schemeClr val="accent1"/>
+          </a:fillRef>
+          <a:effectRef idx="0">
+            <a:schemeClr val="accent1"/>
+          </a:effectRef>
+          <a:fontRef idx="minor">
+            <a:schemeClr val="lt1"/>
+          </a:fontRef>
+        </p:style>
+        <p:txBody>
+          <a:bodyPr rtlCol="0" anchor="ctr"/>
+          <a:lstStyle/>
+          <a:p>
+            <a:pPr algn="ctr"/>
+            <a:endParaRPr lang="ko-KR" altLang="en-US" sz="8800" dirty="0">
+              <a:solidFill>
+                <a:schemeClr val="tx1"/>
+              </a:solidFill>
+            </a:endParaRPr>
+          </a:p>
+        </p:txBody>
+      </p:sp>
+      <p:sp>
+        <p:nvSpPr>
+          <p:cNvPr id="3" name="직사각형 2">
+            <a:extLst>
+              <a:ext uri="{FF2B5EF4-FFF2-40B4-BE49-F238E27FC236}">
+                <a16:creationId xmlns:a16="http://schemas.microsoft.com/office/drawing/2014/main" id="{B3CADB5A-4B3C-4DD9-803B-29F4D04417D7}"/>
+              </a:ext>
+            </a:extLst>
+          </p:cNvPr>
+          <p:cNvSpPr/>
+          <p:nvPr/>
+        </p:nvSpPr>
+        <p:spPr>
+          <a:xfrm>
+            <a:off x="5153446" y="0"/>
+            <a:ext cx="1549400" cy="1549400"/>
+          </a:xfrm>
+          <a:prstGeom prst="rect">
+            <a:avLst/>
+          </a:prstGeom>
+          <a:solidFill>
+            <a:schemeClr val="bg1">
+              <a:lumMod val="95000"/>
+              <a:alpha val="70000"/>
+            </a:schemeClr>
+          </a:solidFill>
+          <a:ln>
+            <a:noFill/>
+          </a:ln>
+        </p:spPr>
+        <p:style>
+          <a:lnRef idx="2">
+            <a:schemeClr val="accent1">
+              <a:shade val="50000"/>
+            </a:schemeClr>
+          </a:lnRef>
+          <a:fillRef idx="1">
+            <a:schemeClr val="accent1"/>
+          </a:fillRef>
+          <a:effectRef idx="0">
+            <a:schemeClr val="accent1"/>
+          </a:effectRef>
+          <a:fontRef idx="minor">
+            <a:schemeClr val="lt1"/>
+          </a:fontRef>
+        </p:style>
+        <p:txBody>
+          <a:bodyPr rtlCol="0" anchor="ctr"/>
+          <a:lstStyle/>
+          <a:p>
+            <a:pPr algn="ctr"/>
+            <a:endParaRPr lang="ko-KR" altLang="en-US"/>
           </a:p>
         </p:txBody>
       </p:sp>

--- a/image1.pptx
+++ b/image1.pptx
@@ -269,7 +269,7 @@
           <a:p>
             <a:fld id="{5660B926-7AC7-45A0-B1C2-692220D8726F}" type="datetimeFigureOut">
               <a:rPr lang="ko-KR" altLang="en-US" smtClean="0"/>
-              <a:t>2018-12-16</a:t>
+              <a:t>2018-12-17</a:t>
             </a:fld>
             <a:endParaRPr lang="ko-KR" altLang="en-US"/>
           </a:p>
@@ -467,7 +467,7 @@
           <a:p>
             <a:fld id="{5660B926-7AC7-45A0-B1C2-692220D8726F}" type="datetimeFigureOut">
               <a:rPr lang="ko-KR" altLang="en-US" smtClean="0"/>
-              <a:t>2018-12-16</a:t>
+              <a:t>2018-12-17</a:t>
             </a:fld>
             <a:endParaRPr lang="ko-KR" altLang="en-US"/>
           </a:p>
@@ -675,7 +675,7 @@
           <a:p>
             <a:fld id="{5660B926-7AC7-45A0-B1C2-692220D8726F}" type="datetimeFigureOut">
               <a:rPr lang="ko-KR" altLang="en-US" smtClean="0"/>
-              <a:t>2018-12-16</a:t>
+              <a:t>2018-12-17</a:t>
             </a:fld>
             <a:endParaRPr lang="ko-KR" altLang="en-US"/>
           </a:p>
@@ -873,7 +873,7 @@
           <a:p>
             <a:fld id="{5660B926-7AC7-45A0-B1C2-692220D8726F}" type="datetimeFigureOut">
               <a:rPr lang="ko-KR" altLang="en-US" smtClean="0"/>
-              <a:t>2018-12-16</a:t>
+              <a:t>2018-12-17</a:t>
             </a:fld>
             <a:endParaRPr lang="ko-KR" altLang="en-US"/>
           </a:p>
@@ -1148,7 +1148,7 @@
           <a:p>
             <a:fld id="{5660B926-7AC7-45A0-B1C2-692220D8726F}" type="datetimeFigureOut">
               <a:rPr lang="ko-KR" altLang="en-US" smtClean="0"/>
-              <a:t>2018-12-16</a:t>
+              <a:t>2018-12-17</a:t>
             </a:fld>
             <a:endParaRPr lang="ko-KR" altLang="en-US"/>
           </a:p>
@@ -1413,7 +1413,7 @@
           <a:p>
             <a:fld id="{5660B926-7AC7-45A0-B1C2-692220D8726F}" type="datetimeFigureOut">
               <a:rPr lang="ko-KR" altLang="en-US" smtClean="0"/>
-              <a:t>2018-12-16</a:t>
+              <a:t>2018-12-17</a:t>
             </a:fld>
             <a:endParaRPr lang="ko-KR" altLang="en-US"/>
           </a:p>
@@ -1825,7 +1825,7 @@
           <a:p>
             <a:fld id="{5660B926-7AC7-45A0-B1C2-692220D8726F}" type="datetimeFigureOut">
               <a:rPr lang="ko-KR" altLang="en-US" smtClean="0"/>
-              <a:t>2018-12-16</a:t>
+              <a:t>2018-12-17</a:t>
             </a:fld>
             <a:endParaRPr lang="ko-KR" altLang="en-US"/>
           </a:p>
@@ -1966,7 +1966,7 @@
           <a:p>
             <a:fld id="{5660B926-7AC7-45A0-B1C2-692220D8726F}" type="datetimeFigureOut">
               <a:rPr lang="ko-KR" altLang="en-US" smtClean="0"/>
-              <a:t>2018-12-16</a:t>
+              <a:t>2018-12-17</a:t>
             </a:fld>
             <a:endParaRPr lang="ko-KR" altLang="en-US"/>
           </a:p>
@@ -2079,7 +2079,7 @@
           <a:p>
             <a:fld id="{5660B926-7AC7-45A0-B1C2-692220D8726F}" type="datetimeFigureOut">
               <a:rPr lang="ko-KR" altLang="en-US" smtClean="0"/>
-              <a:t>2018-12-16</a:t>
+              <a:t>2018-12-17</a:t>
             </a:fld>
             <a:endParaRPr lang="ko-KR" altLang="en-US"/>
           </a:p>
@@ -2390,7 +2390,7 @@
           <a:p>
             <a:fld id="{5660B926-7AC7-45A0-B1C2-692220D8726F}" type="datetimeFigureOut">
               <a:rPr lang="ko-KR" altLang="en-US" smtClean="0"/>
-              <a:t>2018-12-16</a:t>
+              <a:t>2018-12-17</a:t>
             </a:fld>
             <a:endParaRPr lang="ko-KR" altLang="en-US"/>
           </a:p>
@@ -2678,7 +2678,7 @@
           <a:p>
             <a:fld id="{5660B926-7AC7-45A0-B1C2-692220D8726F}" type="datetimeFigureOut">
               <a:rPr lang="ko-KR" altLang="en-US" smtClean="0"/>
-              <a:t>2018-12-16</a:t>
+              <a:t>2018-12-17</a:t>
             </a:fld>
             <a:endParaRPr lang="ko-KR" altLang="en-US"/>
           </a:p>
@@ -2919,7 +2919,7 @@
           <a:p>
             <a:fld id="{5660B926-7AC7-45A0-B1C2-692220D8726F}" type="datetimeFigureOut">
               <a:rPr lang="ko-KR" altLang="en-US" smtClean="0"/>
-              <a:t>2018-12-16</a:t>
+              <a:t>2018-12-17</a:t>
             </a:fld>
             <a:endParaRPr lang="ko-KR" altLang="en-US"/>
           </a:p>
@@ -4347,8 +4347,8 @@
         </p:nvSpPr>
         <p:spPr>
           <a:xfrm>
-            <a:off x="1829786" y="1249720"/>
-            <a:ext cx="2451690" cy="4358560"/>
+            <a:off x="238854" y="285291"/>
+            <a:ext cx="7948800" cy="4471200"/>
           </a:xfrm>
           <a:prstGeom prst="rect">
             <a:avLst/>
@@ -4379,18 +4379,6 @@
               <a:rPr lang="ko-KR" altLang="en-US" dirty="0"/>
               <a:t>타이틀</a:t>
             </a:r>
-            <a:endParaRPr lang="en-US" altLang="ko-KR" dirty="0"/>
-          </a:p>
-          <a:p>
-            <a:pPr algn="ctr"/>
-            <a:endParaRPr lang="en-US" altLang="ko-KR" dirty="0"/>
-          </a:p>
-          <a:p>
-            <a:pPr algn="ctr"/>
-            <a:endParaRPr lang="en-US" altLang="ko-KR" dirty="0"/>
-          </a:p>
-          <a:p>
-            <a:pPr algn="ctr"/>
             <a:endParaRPr lang="en-US" altLang="ko-KR" dirty="0"/>
           </a:p>
           <a:p>
@@ -5069,35 +5057,6 @@
           <a:chExt cx="0" cy="0"/>
         </a:xfrm>
       </p:grpSpPr>
-      <p:pic>
-        <p:nvPicPr>
-          <p:cNvPr id="4" name="그림 3">
-            <a:extLst>
-              <a:ext uri="{FF2B5EF4-FFF2-40B4-BE49-F238E27FC236}">
-                <a16:creationId xmlns:a16="http://schemas.microsoft.com/office/drawing/2014/main" id="{271C964C-4030-42BA-9A51-7C4421EF8332}"/>
-              </a:ext>
-            </a:extLst>
-          </p:cNvPr>
-          <p:cNvPicPr>
-            <a:picLocks noChangeAspect="1"/>
-          </p:cNvPicPr>
-          <p:nvPr/>
-        </p:nvPicPr>
-        <p:blipFill rotWithShape="1">
-          <a:blip r:embed="rId2"/>
-          <a:srcRect l="31032" t="16024" r="57890" b="50000"/>
-          <a:stretch/>
-        </p:blipFill>
-        <p:spPr>
-          <a:xfrm>
-            <a:off x="3171038" y="201336"/>
-            <a:ext cx="3212983" cy="5542892"/>
-          </a:xfrm>
-          <a:prstGeom prst="rect">
-            <a:avLst/>
-          </a:prstGeom>
-        </p:spPr>
-      </p:pic>
       <p:grpSp>
         <p:nvGrpSpPr>
           <p:cNvPr id="13" name="그룹 12">
@@ -5494,6 +5453,322 @@
           </p:sp>
         </p:grpSp>
       </p:grpSp>
+      <p:grpSp>
+        <p:nvGrpSpPr>
+          <p:cNvPr id="3" name="그룹 2">
+            <a:extLst>
+              <a:ext uri="{FF2B5EF4-FFF2-40B4-BE49-F238E27FC236}">
+                <a16:creationId xmlns:a16="http://schemas.microsoft.com/office/drawing/2014/main" id="{C3FF0BDE-3C7F-4393-94A8-616EA267CDF4}"/>
+              </a:ext>
+            </a:extLst>
+          </p:cNvPr>
+          <p:cNvGrpSpPr/>
+          <p:nvPr/>
+        </p:nvGrpSpPr>
+        <p:grpSpPr>
+          <a:xfrm>
+            <a:off x="1562799" y="922090"/>
+            <a:ext cx="7948800" cy="4471200"/>
+            <a:chOff x="1562799" y="922090"/>
+            <a:chExt cx="7948800" cy="4471200"/>
+          </a:xfrm>
+        </p:grpSpPr>
+        <p:sp>
+          <p:nvSpPr>
+            <p:cNvPr id="14" name="직사각형 13">
+              <a:extLst>
+                <a:ext uri="{FF2B5EF4-FFF2-40B4-BE49-F238E27FC236}">
+                  <a16:creationId xmlns:a16="http://schemas.microsoft.com/office/drawing/2014/main" id="{5EA68F9B-412A-4EE7-86E7-7DDDBDAFBA1B}"/>
+                </a:ext>
+              </a:extLst>
+            </p:cNvPr>
+            <p:cNvSpPr/>
+            <p:nvPr/>
+          </p:nvSpPr>
+          <p:spPr>
+            <a:xfrm>
+              <a:off x="1562799" y="922090"/>
+              <a:ext cx="7948800" cy="4471200"/>
+            </a:xfrm>
+            <a:prstGeom prst="rect">
+              <a:avLst/>
+            </a:prstGeom>
+            <a:solidFill>
+              <a:srgbClr val="00B050"/>
+            </a:solidFill>
+            <a:ln w="76200">
+              <a:solidFill>
+                <a:srgbClr val="92D050"/>
+              </a:solidFill>
+            </a:ln>
+          </p:spPr>
+          <p:style>
+            <a:lnRef idx="2">
+              <a:schemeClr val="accent1">
+                <a:shade val="50000"/>
+              </a:schemeClr>
+            </a:lnRef>
+            <a:fillRef idx="1">
+              <a:schemeClr val="accent1"/>
+            </a:fillRef>
+            <a:effectRef idx="0">
+              <a:schemeClr val="accent1"/>
+            </a:effectRef>
+            <a:fontRef idx="minor">
+              <a:schemeClr val="lt1"/>
+            </a:fontRef>
+          </p:style>
+          <p:txBody>
+            <a:bodyPr rtlCol="0" anchor="ctr"/>
+            <a:lstStyle/>
+            <a:p>
+              <a:pPr algn="ctr"/>
+              <a:endParaRPr lang="en-US" altLang="ko-KR" dirty="0"/>
+            </a:p>
+            <a:p>
+              <a:pPr algn="ctr"/>
+              <a:endParaRPr lang="en-US" altLang="ko-KR" dirty="0"/>
+            </a:p>
+            <a:p>
+              <a:pPr algn="ctr"/>
+              <a:endParaRPr lang="en-US" altLang="ko-KR" dirty="0"/>
+            </a:p>
+            <a:p>
+              <a:pPr algn="ctr"/>
+              <a:endParaRPr lang="en-US" altLang="ko-KR" dirty="0"/>
+            </a:p>
+            <a:p>
+              <a:pPr algn="ctr"/>
+              <a:endParaRPr lang="en-US" altLang="ko-KR" dirty="0"/>
+            </a:p>
+            <a:p>
+              <a:pPr algn="ctr"/>
+              <a:endParaRPr lang="en-US" altLang="ko-KR" dirty="0"/>
+            </a:p>
+            <a:p>
+              <a:pPr algn="ctr"/>
+              <a:endParaRPr lang="en-US" altLang="ko-KR" dirty="0"/>
+            </a:p>
+            <a:p>
+              <a:pPr algn="ctr"/>
+              <a:endParaRPr lang="ko-KR" altLang="en-US" dirty="0"/>
+            </a:p>
+          </p:txBody>
+        </p:sp>
+        <p:sp>
+          <p:nvSpPr>
+            <p:cNvPr id="2" name="직사각형 1">
+              <a:extLst>
+                <a:ext uri="{FF2B5EF4-FFF2-40B4-BE49-F238E27FC236}">
+                  <a16:creationId xmlns:a16="http://schemas.microsoft.com/office/drawing/2014/main" id="{9032F54E-9DA1-4483-A2D2-94EF4AC58B28}"/>
+                </a:ext>
+              </a:extLst>
+            </p:cNvPr>
+            <p:cNvSpPr/>
+            <p:nvPr/>
+          </p:nvSpPr>
+          <p:spPr>
+            <a:xfrm>
+              <a:off x="4122913" y="2244006"/>
+              <a:ext cx="2823209" cy="923330"/>
+            </a:xfrm>
+            <a:prstGeom prst="rect">
+              <a:avLst/>
+            </a:prstGeom>
+            <a:noFill/>
+          </p:spPr>
+          <p:txBody>
+            <a:bodyPr wrap="none" lIns="91440" tIns="45720" rIns="91440" bIns="45720">
+              <a:spAutoFit/>
+            </a:bodyPr>
+            <a:lstStyle/>
+            <a:p>
+              <a:pPr algn="ctr"/>
+              <a:r>
+                <a:rPr lang="en-US" altLang="ko-KR" sz="5400" b="1" cap="none" spc="50" dirty="0">
+                  <a:ln w="0"/>
+                  <a:solidFill>
+                    <a:schemeClr val="bg2"/>
+                  </a:solidFill>
+                  <a:effectLst>
+                    <a:innerShdw blurRad="63500" dist="50800" dir="13500000">
+                      <a:srgbClr val="000000">
+                        <a:alpha val="50000"/>
+                      </a:srgbClr>
+                    </a:innerShdw>
+                  </a:effectLst>
+                </a:rPr>
+                <a:t>Clear !!!</a:t>
+              </a:r>
+            </a:p>
+          </p:txBody>
+        </p:sp>
+      </p:grpSp>
+      <p:sp>
+        <p:nvSpPr>
+          <p:cNvPr id="15" name="직사각형 14">
+            <a:extLst>
+              <a:ext uri="{FF2B5EF4-FFF2-40B4-BE49-F238E27FC236}">
+                <a16:creationId xmlns:a16="http://schemas.microsoft.com/office/drawing/2014/main" id="{1A040487-499E-4EAB-8A28-F61B581DB00F}"/>
+              </a:ext>
+            </a:extLst>
+          </p:cNvPr>
+          <p:cNvSpPr/>
+          <p:nvPr/>
+        </p:nvSpPr>
+        <p:spPr>
+          <a:xfrm>
+            <a:off x="2453777" y="3709485"/>
+            <a:ext cx="1434518" cy="1122537"/>
+          </a:xfrm>
+          <a:prstGeom prst="rect">
+            <a:avLst/>
+          </a:prstGeom>
+          <a:ln w="57150">
+            <a:solidFill>
+              <a:srgbClr val="FFFF00"/>
+            </a:solidFill>
+          </a:ln>
+        </p:spPr>
+        <p:style>
+          <a:lnRef idx="2">
+            <a:schemeClr val="accent4">
+              <a:shade val="50000"/>
+            </a:schemeClr>
+          </a:lnRef>
+          <a:fillRef idx="1">
+            <a:schemeClr val="accent4"/>
+          </a:fillRef>
+          <a:effectRef idx="0">
+            <a:schemeClr val="accent4"/>
+          </a:effectRef>
+          <a:fontRef idx="minor">
+            <a:schemeClr val="lt1"/>
+          </a:fontRef>
+        </p:style>
+        <p:txBody>
+          <a:bodyPr rtlCol="0" anchor="ctr"/>
+          <a:lstStyle/>
+          <a:p>
+            <a:pPr algn="ctr"/>
+            <a:r>
+              <a:rPr lang="ko-KR" altLang="en-US" dirty="0"/>
+              <a:t>타이틀로</a:t>
+            </a:r>
+            <a:endParaRPr lang="en-US" altLang="ko-KR" dirty="0"/>
+          </a:p>
+        </p:txBody>
+      </p:sp>
+      <p:sp>
+        <p:nvSpPr>
+          <p:cNvPr id="16" name="직사각형 15">
+            <a:extLst>
+              <a:ext uri="{FF2B5EF4-FFF2-40B4-BE49-F238E27FC236}">
+                <a16:creationId xmlns:a16="http://schemas.microsoft.com/office/drawing/2014/main" id="{57E29272-D7DA-4C68-ADD2-2F53BB69A542}"/>
+              </a:ext>
+            </a:extLst>
+          </p:cNvPr>
+          <p:cNvSpPr/>
+          <p:nvPr/>
+        </p:nvSpPr>
+        <p:spPr>
+          <a:xfrm>
+            <a:off x="4817259" y="3683558"/>
+            <a:ext cx="1434518" cy="1122537"/>
+          </a:xfrm>
+          <a:prstGeom prst="rect">
+            <a:avLst/>
+          </a:prstGeom>
+          <a:ln w="57150">
+            <a:solidFill>
+              <a:srgbClr val="FFFF00"/>
+            </a:solidFill>
+          </a:ln>
+        </p:spPr>
+        <p:style>
+          <a:lnRef idx="2">
+            <a:schemeClr val="accent4">
+              <a:shade val="50000"/>
+            </a:schemeClr>
+          </a:lnRef>
+          <a:fillRef idx="1">
+            <a:schemeClr val="accent4"/>
+          </a:fillRef>
+          <a:effectRef idx="0">
+            <a:schemeClr val="accent4"/>
+          </a:effectRef>
+          <a:fontRef idx="minor">
+            <a:schemeClr val="lt1"/>
+          </a:fontRef>
+        </p:style>
+        <p:txBody>
+          <a:bodyPr rtlCol="0" anchor="ctr"/>
+          <a:lstStyle/>
+          <a:p>
+            <a:pPr algn="ctr"/>
+            <a:r>
+              <a:rPr lang="ko-KR" altLang="en-US" dirty="0"/>
+              <a:t>다음문제</a:t>
+            </a:r>
+            <a:endParaRPr lang="en-US" altLang="ko-KR" dirty="0"/>
+          </a:p>
+        </p:txBody>
+      </p:sp>
+      <p:sp>
+        <p:nvSpPr>
+          <p:cNvPr id="17" name="직사각형 16">
+            <a:extLst>
+              <a:ext uri="{FF2B5EF4-FFF2-40B4-BE49-F238E27FC236}">
+                <a16:creationId xmlns:a16="http://schemas.microsoft.com/office/drawing/2014/main" id="{4C55C6AE-5D02-46B9-B22A-27781B7E9CD1}"/>
+              </a:ext>
+            </a:extLst>
+          </p:cNvPr>
+          <p:cNvSpPr/>
+          <p:nvPr/>
+        </p:nvSpPr>
+        <p:spPr>
+          <a:xfrm>
+            <a:off x="7180741" y="3683558"/>
+            <a:ext cx="1434518" cy="1122537"/>
+          </a:xfrm>
+          <a:prstGeom prst="rect">
+            <a:avLst/>
+          </a:prstGeom>
+          <a:ln w="57150">
+            <a:solidFill>
+              <a:srgbClr val="FFFF00"/>
+            </a:solidFill>
+          </a:ln>
+        </p:spPr>
+        <p:style>
+          <a:lnRef idx="2">
+            <a:schemeClr val="accent4">
+              <a:shade val="50000"/>
+            </a:schemeClr>
+          </a:lnRef>
+          <a:fillRef idx="1">
+            <a:schemeClr val="accent4"/>
+          </a:fillRef>
+          <a:effectRef idx="0">
+            <a:schemeClr val="accent4"/>
+          </a:effectRef>
+          <a:fontRef idx="minor">
+            <a:schemeClr val="lt1"/>
+          </a:fontRef>
+        </p:style>
+        <p:txBody>
+          <a:bodyPr rtlCol="0" anchor="ctr"/>
+          <a:lstStyle/>
+          <a:p>
+            <a:pPr algn="ctr"/>
+            <a:r>
+              <a:rPr lang="ko-KR" altLang="en-US" dirty="0"/>
+              <a:t>다시하기</a:t>
+            </a:r>
+            <a:endParaRPr lang="en-US" altLang="ko-KR" dirty="0"/>
+          </a:p>
+        </p:txBody>
+      </p:sp>
     </p:spTree>
     <p:extLst>
       <p:ext uri="{BB962C8B-B14F-4D97-AF65-F5344CB8AC3E}">
@@ -14562,6 +14837,6282 @@
           </a:p>
         </p:txBody>
       </p:sp>
+      <p:graphicFrame>
+        <p:nvGraphicFramePr>
+          <p:cNvPr id="2" name="표 1">
+            <a:extLst>
+              <a:ext uri="{FF2B5EF4-FFF2-40B4-BE49-F238E27FC236}">
+                <a16:creationId xmlns:a16="http://schemas.microsoft.com/office/drawing/2014/main" id="{8CE94A6E-6748-4A57-A5D7-2FA4C5B18C5D}"/>
+              </a:ext>
+            </a:extLst>
+          </p:cNvPr>
+          <p:cNvGraphicFramePr>
+            <a:graphicFrameLocks noGrp="1"/>
+          </p:cNvGraphicFramePr>
+          <p:nvPr>
+            <p:extLst>
+              <p:ext uri="{D42A27DB-BD31-4B8C-83A1-F6EECF244321}">
+                <p14:modId xmlns:p14="http://schemas.microsoft.com/office/powerpoint/2010/main" val="2220605493"/>
+              </p:ext>
+            </p:extLst>
+          </p:nvPr>
+        </p:nvGraphicFramePr>
+        <p:xfrm>
+          <a:off x="879200" y="2449280"/>
+          <a:ext cx="2880000" cy="2880000"/>
+        </p:xfrm>
+        <a:graphic>
+          <a:graphicData uri="http://schemas.openxmlformats.org/drawingml/2006/table">
+            <a:tbl>
+              <a:tblPr firstRow="1" bandRow="1">
+                <a:tableStyleId>{5C22544A-7EE6-4342-B048-85BDC9FD1C3A}</a:tableStyleId>
+              </a:tblPr>
+              <a:tblGrid>
+                <a:gridCol w="720000">
+                  <a:extLst>
+                    <a:ext uri="{9D8B030D-6E8A-4147-A177-3AD203B41FA5}">
+                      <a16:colId xmlns:a16="http://schemas.microsoft.com/office/drawing/2014/main" val="990016755"/>
+                    </a:ext>
+                  </a:extLst>
+                </a:gridCol>
+                <a:gridCol w="720000">
+                  <a:extLst>
+                    <a:ext uri="{9D8B030D-6E8A-4147-A177-3AD203B41FA5}">
+                      <a16:colId xmlns:a16="http://schemas.microsoft.com/office/drawing/2014/main" val="3795682206"/>
+                    </a:ext>
+                  </a:extLst>
+                </a:gridCol>
+                <a:gridCol w="720000">
+                  <a:extLst>
+                    <a:ext uri="{9D8B030D-6E8A-4147-A177-3AD203B41FA5}">
+                      <a16:colId xmlns:a16="http://schemas.microsoft.com/office/drawing/2014/main" val="3886690110"/>
+                    </a:ext>
+                  </a:extLst>
+                </a:gridCol>
+                <a:gridCol w="720000">
+                  <a:extLst>
+                    <a:ext uri="{9D8B030D-6E8A-4147-A177-3AD203B41FA5}">
+                      <a16:colId xmlns:a16="http://schemas.microsoft.com/office/drawing/2014/main" val="313731031"/>
+                    </a:ext>
+                  </a:extLst>
+                </a:gridCol>
+              </a:tblGrid>
+              <a:tr h="720000">
+                <a:tc>
+                  <a:txBody>
+                    <a:bodyPr/>
+                    <a:lstStyle/>
+                    <a:p>
+                      <a:pPr latinLnBrk="1"/>
+                      <a:endParaRPr lang="ko-KR" altLang="en-US" sz="2100" dirty="0"/>
+                    </a:p>
+                  </a:txBody>
+                  <a:tcPr marL="109429" marR="109429" marT="54715" marB="54715">
+                    <a:lnL w="12700" cap="flat" cmpd="sng" algn="ctr">
+                      <a:solidFill>
+                        <a:schemeClr val="tx1"/>
+                      </a:solidFill>
+                      <a:prstDash val="solid"/>
+                      <a:round/>
+                      <a:headEnd type="none" w="med" len="med"/>
+                      <a:tailEnd type="none" w="med" len="med"/>
+                    </a:lnL>
+                    <a:lnR w="12700" cap="flat" cmpd="sng" algn="ctr">
+                      <a:solidFill>
+                        <a:schemeClr val="tx1"/>
+                      </a:solidFill>
+                      <a:prstDash val="solid"/>
+                      <a:round/>
+                      <a:headEnd type="none" w="med" len="med"/>
+                      <a:tailEnd type="none" w="med" len="med"/>
+                    </a:lnR>
+                    <a:lnT w="12700" cap="flat" cmpd="sng" algn="ctr">
+                      <a:solidFill>
+                        <a:schemeClr val="tx1"/>
+                      </a:solidFill>
+                      <a:prstDash val="solid"/>
+                      <a:round/>
+                      <a:headEnd type="none" w="med" len="med"/>
+                      <a:tailEnd type="none" w="med" len="med"/>
+                    </a:lnT>
+                    <a:lnB w="12700" cap="flat" cmpd="sng" algn="ctr">
+                      <a:solidFill>
+                        <a:schemeClr val="tx1"/>
+                      </a:solidFill>
+                      <a:prstDash val="solid"/>
+                      <a:round/>
+                      <a:headEnd type="none" w="med" len="med"/>
+                      <a:tailEnd type="none" w="med" len="med"/>
+                    </a:lnB>
+                    <a:solidFill>
+                      <a:schemeClr val="bg1"/>
+                    </a:solidFill>
+                  </a:tcPr>
+                </a:tc>
+                <a:tc>
+                  <a:txBody>
+                    <a:bodyPr/>
+                    <a:lstStyle/>
+                    <a:p>
+                      <a:pPr latinLnBrk="1"/>
+                      <a:endParaRPr lang="ko-KR" altLang="en-US" sz="2100"/>
+                    </a:p>
+                  </a:txBody>
+                  <a:tcPr marL="109429" marR="109429" marT="54715" marB="54715">
+                    <a:lnL w="12700" cap="flat" cmpd="sng" algn="ctr">
+                      <a:solidFill>
+                        <a:schemeClr val="tx1"/>
+                      </a:solidFill>
+                      <a:prstDash val="solid"/>
+                      <a:round/>
+                      <a:headEnd type="none" w="med" len="med"/>
+                      <a:tailEnd type="none" w="med" len="med"/>
+                    </a:lnL>
+                    <a:lnR w="12700" cap="flat" cmpd="sng" algn="ctr">
+                      <a:solidFill>
+                        <a:schemeClr val="tx1"/>
+                      </a:solidFill>
+                      <a:prstDash val="solid"/>
+                      <a:round/>
+                      <a:headEnd type="none" w="med" len="med"/>
+                      <a:tailEnd type="none" w="med" len="med"/>
+                    </a:lnR>
+                    <a:lnT w="12700" cap="flat" cmpd="sng" algn="ctr">
+                      <a:solidFill>
+                        <a:schemeClr val="tx1"/>
+                      </a:solidFill>
+                      <a:prstDash val="solid"/>
+                      <a:round/>
+                      <a:headEnd type="none" w="med" len="med"/>
+                      <a:tailEnd type="none" w="med" len="med"/>
+                    </a:lnT>
+                    <a:lnB w="12700" cap="flat" cmpd="sng" algn="ctr">
+                      <a:solidFill>
+                        <a:schemeClr val="tx1"/>
+                      </a:solidFill>
+                      <a:prstDash val="solid"/>
+                      <a:round/>
+                      <a:headEnd type="none" w="med" len="med"/>
+                      <a:tailEnd type="none" w="med" len="med"/>
+                    </a:lnB>
+                    <a:solidFill>
+                      <a:schemeClr val="bg1"/>
+                    </a:solidFill>
+                  </a:tcPr>
+                </a:tc>
+                <a:tc>
+                  <a:txBody>
+                    <a:bodyPr/>
+                    <a:lstStyle/>
+                    <a:p>
+                      <a:pPr latinLnBrk="1"/>
+                      <a:endParaRPr lang="ko-KR" altLang="en-US" sz="2100"/>
+                    </a:p>
+                  </a:txBody>
+                  <a:tcPr marL="109429" marR="109429" marT="54715" marB="54715">
+                    <a:lnL w="12700" cap="flat" cmpd="sng" algn="ctr">
+                      <a:solidFill>
+                        <a:schemeClr val="tx1"/>
+                      </a:solidFill>
+                      <a:prstDash val="solid"/>
+                      <a:round/>
+                      <a:headEnd type="none" w="med" len="med"/>
+                      <a:tailEnd type="none" w="med" len="med"/>
+                    </a:lnL>
+                    <a:lnR w="12700" cap="flat" cmpd="sng" algn="ctr">
+                      <a:solidFill>
+                        <a:schemeClr val="tx1"/>
+                      </a:solidFill>
+                      <a:prstDash val="solid"/>
+                      <a:round/>
+                      <a:headEnd type="none" w="med" len="med"/>
+                      <a:tailEnd type="none" w="med" len="med"/>
+                    </a:lnR>
+                    <a:lnT w="12700" cap="flat" cmpd="sng" algn="ctr">
+                      <a:solidFill>
+                        <a:schemeClr val="tx1"/>
+                      </a:solidFill>
+                      <a:prstDash val="solid"/>
+                      <a:round/>
+                      <a:headEnd type="none" w="med" len="med"/>
+                      <a:tailEnd type="none" w="med" len="med"/>
+                    </a:lnT>
+                    <a:lnB w="12700" cap="flat" cmpd="sng" algn="ctr">
+                      <a:solidFill>
+                        <a:schemeClr val="tx1"/>
+                      </a:solidFill>
+                      <a:prstDash val="solid"/>
+                      <a:round/>
+                      <a:headEnd type="none" w="med" len="med"/>
+                      <a:tailEnd type="none" w="med" len="med"/>
+                    </a:lnB>
+                    <a:solidFill>
+                      <a:schemeClr val="bg1"/>
+                    </a:solidFill>
+                  </a:tcPr>
+                </a:tc>
+                <a:tc>
+                  <a:txBody>
+                    <a:bodyPr/>
+                    <a:lstStyle/>
+                    <a:p>
+                      <a:pPr latinLnBrk="1"/>
+                      <a:endParaRPr lang="ko-KR" altLang="en-US" sz="2100"/>
+                    </a:p>
+                  </a:txBody>
+                  <a:tcPr marL="109429" marR="109429" marT="54715" marB="54715">
+                    <a:lnL w="12700" cap="flat" cmpd="sng" algn="ctr">
+                      <a:solidFill>
+                        <a:schemeClr val="tx1"/>
+                      </a:solidFill>
+                      <a:prstDash val="solid"/>
+                      <a:round/>
+                      <a:headEnd type="none" w="med" len="med"/>
+                      <a:tailEnd type="none" w="med" len="med"/>
+                    </a:lnL>
+                    <a:lnR w="12700" cap="flat" cmpd="sng" algn="ctr">
+                      <a:solidFill>
+                        <a:schemeClr val="tx1"/>
+                      </a:solidFill>
+                      <a:prstDash val="solid"/>
+                      <a:round/>
+                      <a:headEnd type="none" w="med" len="med"/>
+                      <a:tailEnd type="none" w="med" len="med"/>
+                    </a:lnR>
+                    <a:lnT w="12700" cap="flat" cmpd="sng" algn="ctr">
+                      <a:solidFill>
+                        <a:schemeClr val="tx1"/>
+                      </a:solidFill>
+                      <a:prstDash val="solid"/>
+                      <a:round/>
+                      <a:headEnd type="none" w="med" len="med"/>
+                      <a:tailEnd type="none" w="med" len="med"/>
+                    </a:lnT>
+                    <a:lnB w="12700" cap="flat" cmpd="sng" algn="ctr">
+                      <a:solidFill>
+                        <a:schemeClr val="tx1"/>
+                      </a:solidFill>
+                      <a:prstDash val="solid"/>
+                      <a:round/>
+                      <a:headEnd type="none" w="med" len="med"/>
+                      <a:tailEnd type="none" w="med" len="med"/>
+                    </a:lnB>
+                    <a:solidFill>
+                      <a:schemeClr val="bg1"/>
+                    </a:solidFill>
+                  </a:tcPr>
+                </a:tc>
+                <a:extLst>
+                  <a:ext uri="{0D108BD9-81ED-4DB2-BD59-A6C34878D82A}">
+                    <a16:rowId xmlns:a16="http://schemas.microsoft.com/office/drawing/2014/main" val="3193051487"/>
+                  </a:ext>
+                </a:extLst>
+              </a:tr>
+              <a:tr h="720000">
+                <a:tc>
+                  <a:txBody>
+                    <a:bodyPr/>
+                    <a:lstStyle/>
+                    <a:p>
+                      <a:pPr latinLnBrk="1"/>
+                      <a:endParaRPr lang="ko-KR" altLang="en-US" sz="2100"/>
+                    </a:p>
+                  </a:txBody>
+                  <a:tcPr marL="109429" marR="109429" marT="54715" marB="54715">
+                    <a:lnL w="12700" cap="flat" cmpd="sng" algn="ctr">
+                      <a:solidFill>
+                        <a:schemeClr val="tx1"/>
+                      </a:solidFill>
+                      <a:prstDash val="solid"/>
+                      <a:round/>
+                      <a:headEnd type="none" w="med" len="med"/>
+                      <a:tailEnd type="none" w="med" len="med"/>
+                    </a:lnL>
+                    <a:lnR w="12700" cap="flat" cmpd="sng" algn="ctr">
+                      <a:solidFill>
+                        <a:schemeClr val="tx1"/>
+                      </a:solidFill>
+                      <a:prstDash val="solid"/>
+                      <a:round/>
+                      <a:headEnd type="none" w="med" len="med"/>
+                      <a:tailEnd type="none" w="med" len="med"/>
+                    </a:lnR>
+                    <a:lnT w="12700" cap="flat" cmpd="sng" algn="ctr">
+                      <a:solidFill>
+                        <a:schemeClr val="tx1"/>
+                      </a:solidFill>
+                      <a:prstDash val="solid"/>
+                      <a:round/>
+                      <a:headEnd type="none" w="med" len="med"/>
+                      <a:tailEnd type="none" w="med" len="med"/>
+                    </a:lnT>
+                    <a:lnB w="12700" cap="flat" cmpd="sng" algn="ctr">
+                      <a:solidFill>
+                        <a:schemeClr val="tx1"/>
+                      </a:solidFill>
+                      <a:prstDash val="solid"/>
+                      <a:round/>
+                      <a:headEnd type="none" w="med" len="med"/>
+                      <a:tailEnd type="none" w="med" len="med"/>
+                    </a:lnB>
+                    <a:solidFill>
+                      <a:schemeClr val="bg1"/>
+                    </a:solidFill>
+                  </a:tcPr>
+                </a:tc>
+                <a:tc>
+                  <a:txBody>
+                    <a:bodyPr/>
+                    <a:lstStyle/>
+                    <a:p>
+                      <a:pPr latinLnBrk="1"/>
+                      <a:endParaRPr lang="ko-KR" altLang="en-US" sz="2100"/>
+                    </a:p>
+                  </a:txBody>
+                  <a:tcPr marL="109429" marR="109429" marT="54715" marB="54715">
+                    <a:lnL w="12700" cap="flat" cmpd="sng" algn="ctr">
+                      <a:solidFill>
+                        <a:schemeClr val="tx1"/>
+                      </a:solidFill>
+                      <a:prstDash val="solid"/>
+                      <a:round/>
+                      <a:headEnd type="none" w="med" len="med"/>
+                      <a:tailEnd type="none" w="med" len="med"/>
+                    </a:lnL>
+                    <a:lnR w="12700" cap="flat" cmpd="sng" algn="ctr">
+                      <a:solidFill>
+                        <a:schemeClr val="tx1"/>
+                      </a:solidFill>
+                      <a:prstDash val="solid"/>
+                      <a:round/>
+                      <a:headEnd type="none" w="med" len="med"/>
+                      <a:tailEnd type="none" w="med" len="med"/>
+                    </a:lnR>
+                    <a:lnT w="12700" cap="flat" cmpd="sng" algn="ctr">
+                      <a:solidFill>
+                        <a:schemeClr val="tx1"/>
+                      </a:solidFill>
+                      <a:prstDash val="solid"/>
+                      <a:round/>
+                      <a:headEnd type="none" w="med" len="med"/>
+                      <a:tailEnd type="none" w="med" len="med"/>
+                    </a:lnT>
+                    <a:lnB w="12700" cap="flat" cmpd="sng" algn="ctr">
+                      <a:solidFill>
+                        <a:schemeClr val="tx1"/>
+                      </a:solidFill>
+                      <a:prstDash val="solid"/>
+                      <a:round/>
+                      <a:headEnd type="none" w="med" len="med"/>
+                      <a:tailEnd type="none" w="med" len="med"/>
+                    </a:lnB>
+                    <a:solidFill>
+                      <a:schemeClr val="bg1"/>
+                    </a:solidFill>
+                  </a:tcPr>
+                </a:tc>
+                <a:tc>
+                  <a:txBody>
+                    <a:bodyPr/>
+                    <a:lstStyle/>
+                    <a:p>
+                      <a:pPr latinLnBrk="1"/>
+                      <a:endParaRPr lang="ko-KR" altLang="en-US" sz="2100"/>
+                    </a:p>
+                  </a:txBody>
+                  <a:tcPr marL="109429" marR="109429" marT="54715" marB="54715">
+                    <a:lnL w="12700" cap="flat" cmpd="sng" algn="ctr">
+                      <a:solidFill>
+                        <a:schemeClr val="tx1"/>
+                      </a:solidFill>
+                      <a:prstDash val="solid"/>
+                      <a:round/>
+                      <a:headEnd type="none" w="med" len="med"/>
+                      <a:tailEnd type="none" w="med" len="med"/>
+                    </a:lnL>
+                    <a:lnR w="12700" cap="flat" cmpd="sng" algn="ctr">
+                      <a:solidFill>
+                        <a:schemeClr val="tx1"/>
+                      </a:solidFill>
+                      <a:prstDash val="solid"/>
+                      <a:round/>
+                      <a:headEnd type="none" w="med" len="med"/>
+                      <a:tailEnd type="none" w="med" len="med"/>
+                    </a:lnR>
+                    <a:lnT w="12700" cap="flat" cmpd="sng" algn="ctr">
+                      <a:solidFill>
+                        <a:schemeClr val="tx1"/>
+                      </a:solidFill>
+                      <a:prstDash val="solid"/>
+                      <a:round/>
+                      <a:headEnd type="none" w="med" len="med"/>
+                      <a:tailEnd type="none" w="med" len="med"/>
+                    </a:lnT>
+                    <a:lnB w="12700" cap="flat" cmpd="sng" algn="ctr">
+                      <a:solidFill>
+                        <a:schemeClr val="tx1"/>
+                      </a:solidFill>
+                      <a:prstDash val="solid"/>
+                      <a:round/>
+                      <a:headEnd type="none" w="med" len="med"/>
+                      <a:tailEnd type="none" w="med" len="med"/>
+                    </a:lnB>
+                    <a:solidFill>
+                      <a:schemeClr val="bg1"/>
+                    </a:solidFill>
+                  </a:tcPr>
+                </a:tc>
+                <a:tc>
+                  <a:txBody>
+                    <a:bodyPr/>
+                    <a:lstStyle/>
+                    <a:p>
+                      <a:pPr latinLnBrk="1"/>
+                      <a:endParaRPr lang="ko-KR" altLang="en-US" sz="2100"/>
+                    </a:p>
+                  </a:txBody>
+                  <a:tcPr marL="109429" marR="109429" marT="54715" marB="54715">
+                    <a:lnL w="12700" cap="flat" cmpd="sng" algn="ctr">
+                      <a:solidFill>
+                        <a:schemeClr val="tx1"/>
+                      </a:solidFill>
+                      <a:prstDash val="solid"/>
+                      <a:round/>
+                      <a:headEnd type="none" w="med" len="med"/>
+                      <a:tailEnd type="none" w="med" len="med"/>
+                    </a:lnL>
+                    <a:lnR w="12700" cap="flat" cmpd="sng" algn="ctr">
+                      <a:solidFill>
+                        <a:schemeClr val="tx1"/>
+                      </a:solidFill>
+                      <a:prstDash val="solid"/>
+                      <a:round/>
+                      <a:headEnd type="none" w="med" len="med"/>
+                      <a:tailEnd type="none" w="med" len="med"/>
+                    </a:lnR>
+                    <a:lnT w="12700" cap="flat" cmpd="sng" algn="ctr">
+                      <a:solidFill>
+                        <a:schemeClr val="tx1"/>
+                      </a:solidFill>
+                      <a:prstDash val="solid"/>
+                      <a:round/>
+                      <a:headEnd type="none" w="med" len="med"/>
+                      <a:tailEnd type="none" w="med" len="med"/>
+                    </a:lnT>
+                    <a:lnB w="12700" cap="flat" cmpd="sng" algn="ctr">
+                      <a:solidFill>
+                        <a:schemeClr val="tx1"/>
+                      </a:solidFill>
+                      <a:prstDash val="solid"/>
+                      <a:round/>
+                      <a:headEnd type="none" w="med" len="med"/>
+                      <a:tailEnd type="none" w="med" len="med"/>
+                    </a:lnB>
+                    <a:solidFill>
+                      <a:schemeClr val="bg1"/>
+                    </a:solidFill>
+                  </a:tcPr>
+                </a:tc>
+                <a:extLst>
+                  <a:ext uri="{0D108BD9-81ED-4DB2-BD59-A6C34878D82A}">
+                    <a16:rowId xmlns:a16="http://schemas.microsoft.com/office/drawing/2014/main" val="4280028939"/>
+                  </a:ext>
+                </a:extLst>
+              </a:tr>
+              <a:tr h="720000">
+                <a:tc>
+                  <a:txBody>
+                    <a:bodyPr/>
+                    <a:lstStyle/>
+                    <a:p>
+                      <a:pPr latinLnBrk="1"/>
+                      <a:endParaRPr lang="ko-KR" altLang="en-US" sz="2100"/>
+                    </a:p>
+                  </a:txBody>
+                  <a:tcPr marL="109429" marR="109429" marT="54715" marB="54715">
+                    <a:lnL w="12700" cap="flat" cmpd="sng" algn="ctr">
+                      <a:solidFill>
+                        <a:schemeClr val="tx1"/>
+                      </a:solidFill>
+                      <a:prstDash val="solid"/>
+                      <a:round/>
+                      <a:headEnd type="none" w="med" len="med"/>
+                      <a:tailEnd type="none" w="med" len="med"/>
+                    </a:lnL>
+                    <a:lnR w="12700" cap="flat" cmpd="sng" algn="ctr">
+                      <a:solidFill>
+                        <a:schemeClr val="tx1"/>
+                      </a:solidFill>
+                      <a:prstDash val="solid"/>
+                      <a:round/>
+                      <a:headEnd type="none" w="med" len="med"/>
+                      <a:tailEnd type="none" w="med" len="med"/>
+                    </a:lnR>
+                    <a:lnT w="12700" cap="flat" cmpd="sng" algn="ctr">
+                      <a:solidFill>
+                        <a:schemeClr val="tx1"/>
+                      </a:solidFill>
+                      <a:prstDash val="solid"/>
+                      <a:round/>
+                      <a:headEnd type="none" w="med" len="med"/>
+                      <a:tailEnd type="none" w="med" len="med"/>
+                    </a:lnT>
+                    <a:lnB w="12700" cap="flat" cmpd="sng" algn="ctr">
+                      <a:solidFill>
+                        <a:schemeClr val="tx1"/>
+                      </a:solidFill>
+                      <a:prstDash val="solid"/>
+                      <a:round/>
+                      <a:headEnd type="none" w="med" len="med"/>
+                      <a:tailEnd type="none" w="med" len="med"/>
+                    </a:lnB>
+                    <a:solidFill>
+                      <a:schemeClr val="bg1"/>
+                    </a:solidFill>
+                  </a:tcPr>
+                </a:tc>
+                <a:tc>
+                  <a:txBody>
+                    <a:bodyPr/>
+                    <a:lstStyle/>
+                    <a:p>
+                      <a:pPr latinLnBrk="1"/>
+                      <a:endParaRPr lang="ko-KR" altLang="en-US" sz="2100"/>
+                    </a:p>
+                  </a:txBody>
+                  <a:tcPr marL="109429" marR="109429" marT="54715" marB="54715">
+                    <a:lnL w="12700" cap="flat" cmpd="sng" algn="ctr">
+                      <a:solidFill>
+                        <a:schemeClr val="tx1"/>
+                      </a:solidFill>
+                      <a:prstDash val="solid"/>
+                      <a:round/>
+                      <a:headEnd type="none" w="med" len="med"/>
+                      <a:tailEnd type="none" w="med" len="med"/>
+                    </a:lnL>
+                    <a:lnR w="12700" cap="flat" cmpd="sng" algn="ctr">
+                      <a:solidFill>
+                        <a:schemeClr val="tx1"/>
+                      </a:solidFill>
+                      <a:prstDash val="solid"/>
+                      <a:round/>
+                      <a:headEnd type="none" w="med" len="med"/>
+                      <a:tailEnd type="none" w="med" len="med"/>
+                    </a:lnR>
+                    <a:lnT w="12700" cap="flat" cmpd="sng" algn="ctr">
+                      <a:solidFill>
+                        <a:schemeClr val="tx1"/>
+                      </a:solidFill>
+                      <a:prstDash val="solid"/>
+                      <a:round/>
+                      <a:headEnd type="none" w="med" len="med"/>
+                      <a:tailEnd type="none" w="med" len="med"/>
+                    </a:lnT>
+                    <a:lnB w="12700" cap="flat" cmpd="sng" algn="ctr">
+                      <a:solidFill>
+                        <a:schemeClr val="tx1"/>
+                      </a:solidFill>
+                      <a:prstDash val="solid"/>
+                      <a:round/>
+                      <a:headEnd type="none" w="med" len="med"/>
+                      <a:tailEnd type="none" w="med" len="med"/>
+                    </a:lnB>
+                    <a:solidFill>
+                      <a:schemeClr val="bg1"/>
+                    </a:solidFill>
+                  </a:tcPr>
+                </a:tc>
+                <a:tc>
+                  <a:txBody>
+                    <a:bodyPr/>
+                    <a:lstStyle/>
+                    <a:p>
+                      <a:pPr latinLnBrk="1"/>
+                      <a:endParaRPr lang="ko-KR" altLang="en-US" sz="2100"/>
+                    </a:p>
+                  </a:txBody>
+                  <a:tcPr marL="109429" marR="109429" marT="54715" marB="54715">
+                    <a:lnL w="12700" cap="flat" cmpd="sng" algn="ctr">
+                      <a:solidFill>
+                        <a:schemeClr val="tx1"/>
+                      </a:solidFill>
+                      <a:prstDash val="solid"/>
+                      <a:round/>
+                      <a:headEnd type="none" w="med" len="med"/>
+                      <a:tailEnd type="none" w="med" len="med"/>
+                    </a:lnL>
+                    <a:lnR w="12700" cap="flat" cmpd="sng" algn="ctr">
+                      <a:solidFill>
+                        <a:schemeClr val="tx1"/>
+                      </a:solidFill>
+                      <a:prstDash val="solid"/>
+                      <a:round/>
+                      <a:headEnd type="none" w="med" len="med"/>
+                      <a:tailEnd type="none" w="med" len="med"/>
+                    </a:lnR>
+                    <a:lnT w="12700" cap="flat" cmpd="sng" algn="ctr">
+                      <a:solidFill>
+                        <a:schemeClr val="tx1"/>
+                      </a:solidFill>
+                      <a:prstDash val="solid"/>
+                      <a:round/>
+                      <a:headEnd type="none" w="med" len="med"/>
+                      <a:tailEnd type="none" w="med" len="med"/>
+                    </a:lnT>
+                    <a:lnB w="12700" cap="flat" cmpd="sng" algn="ctr">
+                      <a:solidFill>
+                        <a:schemeClr val="tx1"/>
+                      </a:solidFill>
+                      <a:prstDash val="solid"/>
+                      <a:round/>
+                      <a:headEnd type="none" w="med" len="med"/>
+                      <a:tailEnd type="none" w="med" len="med"/>
+                    </a:lnB>
+                    <a:solidFill>
+                      <a:schemeClr val="bg1"/>
+                    </a:solidFill>
+                  </a:tcPr>
+                </a:tc>
+                <a:tc>
+                  <a:txBody>
+                    <a:bodyPr/>
+                    <a:lstStyle/>
+                    <a:p>
+                      <a:pPr latinLnBrk="1"/>
+                      <a:endParaRPr lang="ko-KR" altLang="en-US" sz="2100"/>
+                    </a:p>
+                  </a:txBody>
+                  <a:tcPr marL="109429" marR="109429" marT="54715" marB="54715">
+                    <a:lnL w="12700" cap="flat" cmpd="sng" algn="ctr">
+                      <a:solidFill>
+                        <a:schemeClr val="tx1"/>
+                      </a:solidFill>
+                      <a:prstDash val="solid"/>
+                      <a:round/>
+                      <a:headEnd type="none" w="med" len="med"/>
+                      <a:tailEnd type="none" w="med" len="med"/>
+                    </a:lnL>
+                    <a:lnR w="12700" cap="flat" cmpd="sng" algn="ctr">
+                      <a:solidFill>
+                        <a:schemeClr val="tx1"/>
+                      </a:solidFill>
+                      <a:prstDash val="solid"/>
+                      <a:round/>
+                      <a:headEnd type="none" w="med" len="med"/>
+                      <a:tailEnd type="none" w="med" len="med"/>
+                    </a:lnR>
+                    <a:lnT w="12700" cap="flat" cmpd="sng" algn="ctr">
+                      <a:solidFill>
+                        <a:schemeClr val="tx1"/>
+                      </a:solidFill>
+                      <a:prstDash val="solid"/>
+                      <a:round/>
+                      <a:headEnd type="none" w="med" len="med"/>
+                      <a:tailEnd type="none" w="med" len="med"/>
+                    </a:lnT>
+                    <a:lnB w="12700" cap="flat" cmpd="sng" algn="ctr">
+                      <a:solidFill>
+                        <a:schemeClr val="tx1"/>
+                      </a:solidFill>
+                      <a:prstDash val="solid"/>
+                      <a:round/>
+                      <a:headEnd type="none" w="med" len="med"/>
+                      <a:tailEnd type="none" w="med" len="med"/>
+                    </a:lnB>
+                    <a:solidFill>
+                      <a:schemeClr val="bg1"/>
+                    </a:solidFill>
+                  </a:tcPr>
+                </a:tc>
+                <a:extLst>
+                  <a:ext uri="{0D108BD9-81ED-4DB2-BD59-A6C34878D82A}">
+                    <a16:rowId xmlns:a16="http://schemas.microsoft.com/office/drawing/2014/main" val="395064213"/>
+                  </a:ext>
+                </a:extLst>
+              </a:tr>
+              <a:tr h="720000">
+                <a:tc>
+                  <a:txBody>
+                    <a:bodyPr/>
+                    <a:lstStyle/>
+                    <a:p>
+                      <a:pPr latinLnBrk="1"/>
+                      <a:endParaRPr lang="ko-KR" altLang="en-US" sz="2100"/>
+                    </a:p>
+                  </a:txBody>
+                  <a:tcPr marL="109429" marR="109429" marT="54715" marB="54715">
+                    <a:lnL w="12700" cap="flat" cmpd="sng" algn="ctr">
+                      <a:solidFill>
+                        <a:schemeClr val="tx1"/>
+                      </a:solidFill>
+                      <a:prstDash val="solid"/>
+                      <a:round/>
+                      <a:headEnd type="none" w="med" len="med"/>
+                      <a:tailEnd type="none" w="med" len="med"/>
+                    </a:lnL>
+                    <a:lnR w="12700" cap="flat" cmpd="sng" algn="ctr">
+                      <a:solidFill>
+                        <a:schemeClr val="tx1"/>
+                      </a:solidFill>
+                      <a:prstDash val="solid"/>
+                      <a:round/>
+                      <a:headEnd type="none" w="med" len="med"/>
+                      <a:tailEnd type="none" w="med" len="med"/>
+                    </a:lnR>
+                    <a:lnT w="12700" cap="flat" cmpd="sng" algn="ctr">
+                      <a:solidFill>
+                        <a:schemeClr val="tx1"/>
+                      </a:solidFill>
+                      <a:prstDash val="solid"/>
+                      <a:round/>
+                      <a:headEnd type="none" w="med" len="med"/>
+                      <a:tailEnd type="none" w="med" len="med"/>
+                    </a:lnT>
+                    <a:lnB w="12700" cap="flat" cmpd="sng" algn="ctr">
+                      <a:solidFill>
+                        <a:schemeClr val="tx1"/>
+                      </a:solidFill>
+                      <a:prstDash val="solid"/>
+                      <a:round/>
+                      <a:headEnd type="none" w="med" len="med"/>
+                      <a:tailEnd type="none" w="med" len="med"/>
+                    </a:lnB>
+                    <a:solidFill>
+                      <a:schemeClr val="bg1"/>
+                    </a:solidFill>
+                  </a:tcPr>
+                </a:tc>
+                <a:tc>
+                  <a:txBody>
+                    <a:bodyPr/>
+                    <a:lstStyle/>
+                    <a:p>
+                      <a:pPr latinLnBrk="1"/>
+                      <a:endParaRPr lang="ko-KR" altLang="en-US" sz="2100" dirty="0"/>
+                    </a:p>
+                  </a:txBody>
+                  <a:tcPr marL="109429" marR="109429" marT="54715" marB="54715">
+                    <a:lnL w="12700" cap="flat" cmpd="sng" algn="ctr">
+                      <a:solidFill>
+                        <a:schemeClr val="tx1"/>
+                      </a:solidFill>
+                      <a:prstDash val="solid"/>
+                      <a:round/>
+                      <a:headEnd type="none" w="med" len="med"/>
+                      <a:tailEnd type="none" w="med" len="med"/>
+                    </a:lnL>
+                    <a:lnR w="12700" cap="flat" cmpd="sng" algn="ctr">
+                      <a:solidFill>
+                        <a:schemeClr val="tx1"/>
+                      </a:solidFill>
+                      <a:prstDash val="solid"/>
+                      <a:round/>
+                      <a:headEnd type="none" w="med" len="med"/>
+                      <a:tailEnd type="none" w="med" len="med"/>
+                    </a:lnR>
+                    <a:lnT w="12700" cap="flat" cmpd="sng" algn="ctr">
+                      <a:solidFill>
+                        <a:schemeClr val="tx1"/>
+                      </a:solidFill>
+                      <a:prstDash val="solid"/>
+                      <a:round/>
+                      <a:headEnd type="none" w="med" len="med"/>
+                      <a:tailEnd type="none" w="med" len="med"/>
+                    </a:lnT>
+                    <a:lnB w="12700" cap="flat" cmpd="sng" algn="ctr">
+                      <a:solidFill>
+                        <a:schemeClr val="tx1"/>
+                      </a:solidFill>
+                      <a:prstDash val="solid"/>
+                      <a:round/>
+                      <a:headEnd type="none" w="med" len="med"/>
+                      <a:tailEnd type="none" w="med" len="med"/>
+                    </a:lnB>
+                    <a:solidFill>
+                      <a:schemeClr val="bg1"/>
+                    </a:solidFill>
+                  </a:tcPr>
+                </a:tc>
+                <a:tc>
+                  <a:txBody>
+                    <a:bodyPr/>
+                    <a:lstStyle/>
+                    <a:p>
+                      <a:pPr latinLnBrk="1"/>
+                      <a:endParaRPr lang="ko-KR" altLang="en-US" sz="2100"/>
+                    </a:p>
+                  </a:txBody>
+                  <a:tcPr marL="109429" marR="109429" marT="54715" marB="54715">
+                    <a:lnL w="12700" cap="flat" cmpd="sng" algn="ctr">
+                      <a:solidFill>
+                        <a:schemeClr val="tx1"/>
+                      </a:solidFill>
+                      <a:prstDash val="solid"/>
+                      <a:round/>
+                      <a:headEnd type="none" w="med" len="med"/>
+                      <a:tailEnd type="none" w="med" len="med"/>
+                    </a:lnL>
+                    <a:lnR w="12700" cap="flat" cmpd="sng" algn="ctr">
+                      <a:solidFill>
+                        <a:schemeClr val="tx1"/>
+                      </a:solidFill>
+                      <a:prstDash val="solid"/>
+                      <a:round/>
+                      <a:headEnd type="none" w="med" len="med"/>
+                      <a:tailEnd type="none" w="med" len="med"/>
+                    </a:lnR>
+                    <a:lnT w="12700" cap="flat" cmpd="sng" algn="ctr">
+                      <a:solidFill>
+                        <a:schemeClr val="tx1"/>
+                      </a:solidFill>
+                      <a:prstDash val="solid"/>
+                      <a:round/>
+                      <a:headEnd type="none" w="med" len="med"/>
+                      <a:tailEnd type="none" w="med" len="med"/>
+                    </a:lnT>
+                    <a:lnB w="12700" cap="flat" cmpd="sng" algn="ctr">
+                      <a:solidFill>
+                        <a:schemeClr val="tx1"/>
+                      </a:solidFill>
+                      <a:prstDash val="solid"/>
+                      <a:round/>
+                      <a:headEnd type="none" w="med" len="med"/>
+                      <a:tailEnd type="none" w="med" len="med"/>
+                    </a:lnB>
+                    <a:solidFill>
+                      <a:schemeClr val="bg1"/>
+                    </a:solidFill>
+                  </a:tcPr>
+                </a:tc>
+                <a:tc>
+                  <a:txBody>
+                    <a:bodyPr/>
+                    <a:lstStyle/>
+                    <a:p>
+                      <a:pPr latinLnBrk="1"/>
+                      <a:endParaRPr lang="ko-KR" altLang="en-US" sz="2100" dirty="0"/>
+                    </a:p>
+                  </a:txBody>
+                  <a:tcPr marL="109429" marR="109429" marT="54715" marB="54715">
+                    <a:lnL w="12700" cap="flat" cmpd="sng" algn="ctr">
+                      <a:solidFill>
+                        <a:schemeClr val="tx1"/>
+                      </a:solidFill>
+                      <a:prstDash val="solid"/>
+                      <a:round/>
+                      <a:headEnd type="none" w="med" len="med"/>
+                      <a:tailEnd type="none" w="med" len="med"/>
+                    </a:lnL>
+                    <a:lnR w="12700" cap="flat" cmpd="sng" algn="ctr">
+                      <a:solidFill>
+                        <a:schemeClr val="tx1"/>
+                      </a:solidFill>
+                      <a:prstDash val="solid"/>
+                      <a:round/>
+                      <a:headEnd type="none" w="med" len="med"/>
+                      <a:tailEnd type="none" w="med" len="med"/>
+                    </a:lnR>
+                    <a:lnT w="12700" cap="flat" cmpd="sng" algn="ctr">
+                      <a:solidFill>
+                        <a:schemeClr val="tx1"/>
+                      </a:solidFill>
+                      <a:prstDash val="solid"/>
+                      <a:round/>
+                      <a:headEnd type="none" w="med" len="med"/>
+                      <a:tailEnd type="none" w="med" len="med"/>
+                    </a:lnT>
+                    <a:lnB w="12700" cap="flat" cmpd="sng" algn="ctr">
+                      <a:solidFill>
+                        <a:schemeClr val="tx1"/>
+                      </a:solidFill>
+                      <a:prstDash val="solid"/>
+                      <a:round/>
+                      <a:headEnd type="none" w="med" len="med"/>
+                      <a:tailEnd type="none" w="med" len="med"/>
+                    </a:lnB>
+                    <a:solidFill>
+                      <a:schemeClr val="bg1"/>
+                    </a:solidFill>
+                  </a:tcPr>
+                </a:tc>
+                <a:extLst>
+                  <a:ext uri="{0D108BD9-81ED-4DB2-BD59-A6C34878D82A}">
+                    <a16:rowId xmlns:a16="http://schemas.microsoft.com/office/drawing/2014/main" val="1845245862"/>
+                  </a:ext>
+                </a:extLst>
+              </a:tr>
+            </a:tbl>
+          </a:graphicData>
+        </a:graphic>
+      </p:graphicFrame>
+      <p:graphicFrame>
+        <p:nvGraphicFramePr>
+          <p:cNvPr id="3" name="표 2">
+            <a:extLst>
+              <a:ext uri="{FF2B5EF4-FFF2-40B4-BE49-F238E27FC236}">
+                <a16:creationId xmlns:a16="http://schemas.microsoft.com/office/drawing/2014/main" id="{8EF4C1E6-43AA-41A8-BB9A-D3B975DEDE34}"/>
+              </a:ext>
+            </a:extLst>
+          </p:cNvPr>
+          <p:cNvGraphicFramePr>
+            <a:graphicFrameLocks noGrp="1"/>
+          </p:cNvGraphicFramePr>
+          <p:nvPr>
+            <p:extLst>
+              <p:ext uri="{D42A27DB-BD31-4B8C-83A1-F6EECF244321}">
+                <p14:modId xmlns:p14="http://schemas.microsoft.com/office/powerpoint/2010/main" val="1339639365"/>
+              </p:ext>
+            </p:extLst>
+          </p:nvPr>
+        </p:nvGraphicFramePr>
+        <p:xfrm>
+          <a:off x="4140200" y="2443840"/>
+          <a:ext cx="2880000" cy="2880000"/>
+        </p:xfrm>
+        <a:graphic>
+          <a:graphicData uri="http://schemas.openxmlformats.org/drawingml/2006/table">
+            <a:tbl>
+              <a:tblPr firstRow="1" bandRow="1">
+                <a:tableStyleId>{5C22544A-7EE6-4342-B048-85BDC9FD1C3A}</a:tableStyleId>
+              </a:tblPr>
+              <a:tblGrid>
+                <a:gridCol w="480000">
+                  <a:extLst>
+                    <a:ext uri="{9D8B030D-6E8A-4147-A177-3AD203B41FA5}">
+                      <a16:colId xmlns:a16="http://schemas.microsoft.com/office/drawing/2014/main" val="550463091"/>
+                    </a:ext>
+                  </a:extLst>
+                </a:gridCol>
+                <a:gridCol w="480000">
+                  <a:extLst>
+                    <a:ext uri="{9D8B030D-6E8A-4147-A177-3AD203B41FA5}">
+                      <a16:colId xmlns:a16="http://schemas.microsoft.com/office/drawing/2014/main" val="1656615526"/>
+                    </a:ext>
+                  </a:extLst>
+                </a:gridCol>
+                <a:gridCol w="480000">
+                  <a:extLst>
+                    <a:ext uri="{9D8B030D-6E8A-4147-A177-3AD203B41FA5}">
+                      <a16:colId xmlns:a16="http://schemas.microsoft.com/office/drawing/2014/main" val="859603634"/>
+                    </a:ext>
+                  </a:extLst>
+                </a:gridCol>
+                <a:gridCol w="480000">
+                  <a:extLst>
+                    <a:ext uri="{9D8B030D-6E8A-4147-A177-3AD203B41FA5}">
+                      <a16:colId xmlns:a16="http://schemas.microsoft.com/office/drawing/2014/main" val="763547633"/>
+                    </a:ext>
+                  </a:extLst>
+                </a:gridCol>
+                <a:gridCol w="480000">
+                  <a:extLst>
+                    <a:ext uri="{9D8B030D-6E8A-4147-A177-3AD203B41FA5}">
+                      <a16:colId xmlns:a16="http://schemas.microsoft.com/office/drawing/2014/main" val="1131175637"/>
+                    </a:ext>
+                  </a:extLst>
+                </a:gridCol>
+                <a:gridCol w="480000">
+                  <a:extLst>
+                    <a:ext uri="{9D8B030D-6E8A-4147-A177-3AD203B41FA5}">
+                      <a16:colId xmlns:a16="http://schemas.microsoft.com/office/drawing/2014/main" val="925079019"/>
+                    </a:ext>
+                  </a:extLst>
+                </a:gridCol>
+              </a:tblGrid>
+              <a:tr h="480000">
+                <a:tc>
+                  <a:txBody>
+                    <a:bodyPr/>
+                    <a:lstStyle/>
+                    <a:p>
+                      <a:pPr latinLnBrk="1"/>
+                      <a:endParaRPr lang="ko-KR" altLang="en-US" dirty="0"/>
+                    </a:p>
+                  </a:txBody>
+                  <a:tcPr>
+                    <a:lnL w="12700" cap="flat" cmpd="sng" algn="ctr">
+                      <a:solidFill>
+                        <a:schemeClr val="tx1"/>
+                      </a:solidFill>
+                      <a:prstDash val="solid"/>
+                      <a:round/>
+                      <a:headEnd type="none" w="med" len="med"/>
+                      <a:tailEnd type="none" w="med" len="med"/>
+                    </a:lnL>
+                    <a:lnR w="12700" cap="flat" cmpd="sng" algn="ctr">
+                      <a:solidFill>
+                        <a:schemeClr val="tx1"/>
+                      </a:solidFill>
+                      <a:prstDash val="solid"/>
+                      <a:round/>
+                      <a:headEnd type="none" w="med" len="med"/>
+                      <a:tailEnd type="none" w="med" len="med"/>
+                    </a:lnR>
+                    <a:lnT w="12700" cap="flat" cmpd="sng" algn="ctr">
+                      <a:solidFill>
+                        <a:schemeClr val="tx1"/>
+                      </a:solidFill>
+                      <a:prstDash val="solid"/>
+                      <a:round/>
+                      <a:headEnd type="none" w="med" len="med"/>
+                      <a:tailEnd type="none" w="med" len="med"/>
+                    </a:lnT>
+                    <a:lnB w="12700" cap="flat" cmpd="sng" algn="ctr">
+                      <a:solidFill>
+                        <a:schemeClr val="tx1"/>
+                      </a:solidFill>
+                      <a:prstDash val="solid"/>
+                      <a:round/>
+                      <a:headEnd type="none" w="med" len="med"/>
+                      <a:tailEnd type="none" w="med" len="med"/>
+                    </a:lnB>
+                    <a:solidFill>
+                      <a:schemeClr val="bg1"/>
+                    </a:solidFill>
+                  </a:tcPr>
+                </a:tc>
+                <a:tc>
+                  <a:txBody>
+                    <a:bodyPr/>
+                    <a:lstStyle/>
+                    <a:p>
+                      <a:pPr latinLnBrk="1"/>
+                      <a:endParaRPr lang="ko-KR" altLang="en-US"/>
+                    </a:p>
+                  </a:txBody>
+                  <a:tcPr>
+                    <a:lnL w="12700" cap="flat" cmpd="sng" algn="ctr">
+                      <a:solidFill>
+                        <a:schemeClr val="tx1"/>
+                      </a:solidFill>
+                      <a:prstDash val="solid"/>
+                      <a:round/>
+                      <a:headEnd type="none" w="med" len="med"/>
+                      <a:tailEnd type="none" w="med" len="med"/>
+                    </a:lnL>
+                    <a:lnR w="12700" cap="flat" cmpd="sng" algn="ctr">
+                      <a:solidFill>
+                        <a:schemeClr val="tx1"/>
+                      </a:solidFill>
+                      <a:prstDash val="solid"/>
+                      <a:round/>
+                      <a:headEnd type="none" w="med" len="med"/>
+                      <a:tailEnd type="none" w="med" len="med"/>
+                    </a:lnR>
+                    <a:lnT w="12700" cap="flat" cmpd="sng" algn="ctr">
+                      <a:solidFill>
+                        <a:schemeClr val="tx1"/>
+                      </a:solidFill>
+                      <a:prstDash val="solid"/>
+                      <a:round/>
+                      <a:headEnd type="none" w="med" len="med"/>
+                      <a:tailEnd type="none" w="med" len="med"/>
+                    </a:lnT>
+                    <a:lnB w="12700" cap="flat" cmpd="sng" algn="ctr">
+                      <a:solidFill>
+                        <a:schemeClr val="tx1"/>
+                      </a:solidFill>
+                      <a:prstDash val="solid"/>
+                      <a:round/>
+                      <a:headEnd type="none" w="med" len="med"/>
+                      <a:tailEnd type="none" w="med" len="med"/>
+                    </a:lnB>
+                    <a:solidFill>
+                      <a:schemeClr val="bg1"/>
+                    </a:solidFill>
+                  </a:tcPr>
+                </a:tc>
+                <a:tc>
+                  <a:txBody>
+                    <a:bodyPr/>
+                    <a:lstStyle/>
+                    <a:p>
+                      <a:pPr latinLnBrk="1"/>
+                      <a:endParaRPr lang="ko-KR" altLang="en-US"/>
+                    </a:p>
+                  </a:txBody>
+                  <a:tcPr>
+                    <a:lnL w="12700" cap="flat" cmpd="sng" algn="ctr">
+                      <a:solidFill>
+                        <a:schemeClr val="tx1"/>
+                      </a:solidFill>
+                      <a:prstDash val="solid"/>
+                      <a:round/>
+                      <a:headEnd type="none" w="med" len="med"/>
+                      <a:tailEnd type="none" w="med" len="med"/>
+                    </a:lnL>
+                    <a:lnR w="12700" cap="flat" cmpd="sng" algn="ctr">
+                      <a:solidFill>
+                        <a:schemeClr val="tx1"/>
+                      </a:solidFill>
+                      <a:prstDash val="solid"/>
+                      <a:round/>
+                      <a:headEnd type="none" w="med" len="med"/>
+                      <a:tailEnd type="none" w="med" len="med"/>
+                    </a:lnR>
+                    <a:lnT w="12700" cap="flat" cmpd="sng" algn="ctr">
+                      <a:solidFill>
+                        <a:schemeClr val="tx1"/>
+                      </a:solidFill>
+                      <a:prstDash val="solid"/>
+                      <a:round/>
+                      <a:headEnd type="none" w="med" len="med"/>
+                      <a:tailEnd type="none" w="med" len="med"/>
+                    </a:lnT>
+                    <a:lnB w="12700" cap="flat" cmpd="sng" algn="ctr">
+                      <a:solidFill>
+                        <a:schemeClr val="tx1"/>
+                      </a:solidFill>
+                      <a:prstDash val="solid"/>
+                      <a:round/>
+                      <a:headEnd type="none" w="med" len="med"/>
+                      <a:tailEnd type="none" w="med" len="med"/>
+                    </a:lnB>
+                    <a:solidFill>
+                      <a:schemeClr val="bg1"/>
+                    </a:solidFill>
+                  </a:tcPr>
+                </a:tc>
+                <a:tc>
+                  <a:txBody>
+                    <a:bodyPr/>
+                    <a:lstStyle/>
+                    <a:p>
+                      <a:pPr latinLnBrk="1"/>
+                      <a:endParaRPr lang="ko-KR" altLang="en-US"/>
+                    </a:p>
+                  </a:txBody>
+                  <a:tcPr>
+                    <a:lnL w="12700" cap="flat" cmpd="sng" algn="ctr">
+                      <a:solidFill>
+                        <a:schemeClr val="tx1"/>
+                      </a:solidFill>
+                      <a:prstDash val="solid"/>
+                      <a:round/>
+                      <a:headEnd type="none" w="med" len="med"/>
+                      <a:tailEnd type="none" w="med" len="med"/>
+                    </a:lnL>
+                    <a:lnR w="12700" cap="flat" cmpd="sng" algn="ctr">
+                      <a:solidFill>
+                        <a:schemeClr val="tx1"/>
+                      </a:solidFill>
+                      <a:prstDash val="solid"/>
+                      <a:round/>
+                      <a:headEnd type="none" w="med" len="med"/>
+                      <a:tailEnd type="none" w="med" len="med"/>
+                    </a:lnR>
+                    <a:lnT w="12700" cap="flat" cmpd="sng" algn="ctr">
+                      <a:solidFill>
+                        <a:schemeClr val="tx1"/>
+                      </a:solidFill>
+                      <a:prstDash val="solid"/>
+                      <a:round/>
+                      <a:headEnd type="none" w="med" len="med"/>
+                      <a:tailEnd type="none" w="med" len="med"/>
+                    </a:lnT>
+                    <a:lnB w="12700" cap="flat" cmpd="sng" algn="ctr">
+                      <a:solidFill>
+                        <a:schemeClr val="tx1"/>
+                      </a:solidFill>
+                      <a:prstDash val="solid"/>
+                      <a:round/>
+                      <a:headEnd type="none" w="med" len="med"/>
+                      <a:tailEnd type="none" w="med" len="med"/>
+                    </a:lnB>
+                    <a:solidFill>
+                      <a:schemeClr val="bg1"/>
+                    </a:solidFill>
+                  </a:tcPr>
+                </a:tc>
+                <a:tc>
+                  <a:txBody>
+                    <a:bodyPr/>
+                    <a:lstStyle/>
+                    <a:p>
+                      <a:pPr latinLnBrk="1"/>
+                      <a:endParaRPr lang="ko-KR" altLang="en-US"/>
+                    </a:p>
+                  </a:txBody>
+                  <a:tcPr>
+                    <a:lnL w="12700" cap="flat" cmpd="sng" algn="ctr">
+                      <a:solidFill>
+                        <a:schemeClr val="tx1"/>
+                      </a:solidFill>
+                      <a:prstDash val="solid"/>
+                      <a:round/>
+                      <a:headEnd type="none" w="med" len="med"/>
+                      <a:tailEnd type="none" w="med" len="med"/>
+                    </a:lnL>
+                    <a:lnR w="12700" cap="flat" cmpd="sng" algn="ctr">
+                      <a:solidFill>
+                        <a:schemeClr val="tx1"/>
+                      </a:solidFill>
+                      <a:prstDash val="solid"/>
+                      <a:round/>
+                      <a:headEnd type="none" w="med" len="med"/>
+                      <a:tailEnd type="none" w="med" len="med"/>
+                    </a:lnR>
+                    <a:lnT w="12700" cap="flat" cmpd="sng" algn="ctr">
+                      <a:solidFill>
+                        <a:schemeClr val="tx1"/>
+                      </a:solidFill>
+                      <a:prstDash val="solid"/>
+                      <a:round/>
+                      <a:headEnd type="none" w="med" len="med"/>
+                      <a:tailEnd type="none" w="med" len="med"/>
+                    </a:lnT>
+                    <a:lnB w="12700" cap="flat" cmpd="sng" algn="ctr">
+                      <a:solidFill>
+                        <a:schemeClr val="tx1"/>
+                      </a:solidFill>
+                      <a:prstDash val="solid"/>
+                      <a:round/>
+                      <a:headEnd type="none" w="med" len="med"/>
+                      <a:tailEnd type="none" w="med" len="med"/>
+                    </a:lnB>
+                    <a:solidFill>
+                      <a:schemeClr val="bg1"/>
+                    </a:solidFill>
+                  </a:tcPr>
+                </a:tc>
+                <a:tc>
+                  <a:txBody>
+                    <a:bodyPr/>
+                    <a:lstStyle/>
+                    <a:p>
+                      <a:pPr latinLnBrk="1"/>
+                      <a:endParaRPr lang="ko-KR" altLang="en-US"/>
+                    </a:p>
+                  </a:txBody>
+                  <a:tcPr>
+                    <a:lnL w="12700" cap="flat" cmpd="sng" algn="ctr">
+                      <a:solidFill>
+                        <a:schemeClr val="tx1"/>
+                      </a:solidFill>
+                      <a:prstDash val="solid"/>
+                      <a:round/>
+                      <a:headEnd type="none" w="med" len="med"/>
+                      <a:tailEnd type="none" w="med" len="med"/>
+                    </a:lnL>
+                    <a:lnR w="12700" cap="flat" cmpd="sng" algn="ctr">
+                      <a:solidFill>
+                        <a:schemeClr val="tx1"/>
+                      </a:solidFill>
+                      <a:prstDash val="solid"/>
+                      <a:round/>
+                      <a:headEnd type="none" w="med" len="med"/>
+                      <a:tailEnd type="none" w="med" len="med"/>
+                    </a:lnR>
+                    <a:lnT w="12700" cap="flat" cmpd="sng" algn="ctr">
+                      <a:solidFill>
+                        <a:schemeClr val="tx1"/>
+                      </a:solidFill>
+                      <a:prstDash val="solid"/>
+                      <a:round/>
+                      <a:headEnd type="none" w="med" len="med"/>
+                      <a:tailEnd type="none" w="med" len="med"/>
+                    </a:lnT>
+                    <a:lnB w="12700" cap="flat" cmpd="sng" algn="ctr">
+                      <a:solidFill>
+                        <a:schemeClr val="tx1"/>
+                      </a:solidFill>
+                      <a:prstDash val="solid"/>
+                      <a:round/>
+                      <a:headEnd type="none" w="med" len="med"/>
+                      <a:tailEnd type="none" w="med" len="med"/>
+                    </a:lnB>
+                    <a:solidFill>
+                      <a:schemeClr val="bg1"/>
+                    </a:solidFill>
+                  </a:tcPr>
+                </a:tc>
+                <a:extLst>
+                  <a:ext uri="{0D108BD9-81ED-4DB2-BD59-A6C34878D82A}">
+                    <a16:rowId xmlns:a16="http://schemas.microsoft.com/office/drawing/2014/main" val="2684795594"/>
+                  </a:ext>
+                </a:extLst>
+              </a:tr>
+              <a:tr h="480000">
+                <a:tc>
+                  <a:txBody>
+                    <a:bodyPr/>
+                    <a:lstStyle/>
+                    <a:p>
+                      <a:pPr latinLnBrk="1"/>
+                      <a:endParaRPr lang="ko-KR" altLang="en-US"/>
+                    </a:p>
+                  </a:txBody>
+                  <a:tcPr>
+                    <a:lnL w="12700" cap="flat" cmpd="sng" algn="ctr">
+                      <a:solidFill>
+                        <a:schemeClr val="tx1"/>
+                      </a:solidFill>
+                      <a:prstDash val="solid"/>
+                      <a:round/>
+                      <a:headEnd type="none" w="med" len="med"/>
+                      <a:tailEnd type="none" w="med" len="med"/>
+                    </a:lnL>
+                    <a:lnR w="12700" cap="flat" cmpd="sng" algn="ctr">
+                      <a:solidFill>
+                        <a:schemeClr val="tx1"/>
+                      </a:solidFill>
+                      <a:prstDash val="solid"/>
+                      <a:round/>
+                      <a:headEnd type="none" w="med" len="med"/>
+                      <a:tailEnd type="none" w="med" len="med"/>
+                    </a:lnR>
+                    <a:lnT w="12700" cap="flat" cmpd="sng" algn="ctr">
+                      <a:solidFill>
+                        <a:schemeClr val="tx1"/>
+                      </a:solidFill>
+                      <a:prstDash val="solid"/>
+                      <a:round/>
+                      <a:headEnd type="none" w="med" len="med"/>
+                      <a:tailEnd type="none" w="med" len="med"/>
+                    </a:lnT>
+                    <a:lnB w="12700" cap="flat" cmpd="sng" algn="ctr">
+                      <a:solidFill>
+                        <a:schemeClr val="tx1"/>
+                      </a:solidFill>
+                      <a:prstDash val="solid"/>
+                      <a:round/>
+                      <a:headEnd type="none" w="med" len="med"/>
+                      <a:tailEnd type="none" w="med" len="med"/>
+                    </a:lnB>
+                    <a:solidFill>
+                      <a:schemeClr val="bg1"/>
+                    </a:solidFill>
+                  </a:tcPr>
+                </a:tc>
+                <a:tc>
+                  <a:txBody>
+                    <a:bodyPr/>
+                    <a:lstStyle/>
+                    <a:p>
+                      <a:pPr latinLnBrk="1"/>
+                      <a:endParaRPr lang="ko-KR" altLang="en-US"/>
+                    </a:p>
+                  </a:txBody>
+                  <a:tcPr>
+                    <a:lnL w="12700" cap="flat" cmpd="sng" algn="ctr">
+                      <a:solidFill>
+                        <a:schemeClr val="tx1"/>
+                      </a:solidFill>
+                      <a:prstDash val="solid"/>
+                      <a:round/>
+                      <a:headEnd type="none" w="med" len="med"/>
+                      <a:tailEnd type="none" w="med" len="med"/>
+                    </a:lnL>
+                    <a:lnR w="12700" cap="flat" cmpd="sng" algn="ctr">
+                      <a:solidFill>
+                        <a:schemeClr val="tx1"/>
+                      </a:solidFill>
+                      <a:prstDash val="solid"/>
+                      <a:round/>
+                      <a:headEnd type="none" w="med" len="med"/>
+                      <a:tailEnd type="none" w="med" len="med"/>
+                    </a:lnR>
+                    <a:lnT w="12700" cap="flat" cmpd="sng" algn="ctr">
+                      <a:solidFill>
+                        <a:schemeClr val="tx1"/>
+                      </a:solidFill>
+                      <a:prstDash val="solid"/>
+                      <a:round/>
+                      <a:headEnd type="none" w="med" len="med"/>
+                      <a:tailEnd type="none" w="med" len="med"/>
+                    </a:lnT>
+                    <a:lnB w="12700" cap="flat" cmpd="sng" algn="ctr">
+                      <a:solidFill>
+                        <a:schemeClr val="tx1"/>
+                      </a:solidFill>
+                      <a:prstDash val="solid"/>
+                      <a:round/>
+                      <a:headEnd type="none" w="med" len="med"/>
+                      <a:tailEnd type="none" w="med" len="med"/>
+                    </a:lnB>
+                    <a:solidFill>
+                      <a:schemeClr val="bg1"/>
+                    </a:solidFill>
+                  </a:tcPr>
+                </a:tc>
+                <a:tc>
+                  <a:txBody>
+                    <a:bodyPr/>
+                    <a:lstStyle/>
+                    <a:p>
+                      <a:pPr latinLnBrk="1"/>
+                      <a:endParaRPr lang="ko-KR" altLang="en-US"/>
+                    </a:p>
+                  </a:txBody>
+                  <a:tcPr>
+                    <a:lnL w="12700" cap="flat" cmpd="sng" algn="ctr">
+                      <a:solidFill>
+                        <a:schemeClr val="tx1"/>
+                      </a:solidFill>
+                      <a:prstDash val="solid"/>
+                      <a:round/>
+                      <a:headEnd type="none" w="med" len="med"/>
+                      <a:tailEnd type="none" w="med" len="med"/>
+                    </a:lnL>
+                    <a:lnR w="12700" cap="flat" cmpd="sng" algn="ctr">
+                      <a:solidFill>
+                        <a:schemeClr val="tx1"/>
+                      </a:solidFill>
+                      <a:prstDash val="solid"/>
+                      <a:round/>
+                      <a:headEnd type="none" w="med" len="med"/>
+                      <a:tailEnd type="none" w="med" len="med"/>
+                    </a:lnR>
+                    <a:lnT w="12700" cap="flat" cmpd="sng" algn="ctr">
+                      <a:solidFill>
+                        <a:schemeClr val="tx1"/>
+                      </a:solidFill>
+                      <a:prstDash val="solid"/>
+                      <a:round/>
+                      <a:headEnd type="none" w="med" len="med"/>
+                      <a:tailEnd type="none" w="med" len="med"/>
+                    </a:lnT>
+                    <a:lnB w="12700" cap="flat" cmpd="sng" algn="ctr">
+                      <a:solidFill>
+                        <a:schemeClr val="tx1"/>
+                      </a:solidFill>
+                      <a:prstDash val="solid"/>
+                      <a:round/>
+                      <a:headEnd type="none" w="med" len="med"/>
+                      <a:tailEnd type="none" w="med" len="med"/>
+                    </a:lnB>
+                    <a:solidFill>
+                      <a:schemeClr val="bg1"/>
+                    </a:solidFill>
+                  </a:tcPr>
+                </a:tc>
+                <a:tc>
+                  <a:txBody>
+                    <a:bodyPr/>
+                    <a:lstStyle/>
+                    <a:p>
+                      <a:pPr latinLnBrk="1"/>
+                      <a:endParaRPr lang="ko-KR" altLang="en-US"/>
+                    </a:p>
+                  </a:txBody>
+                  <a:tcPr>
+                    <a:lnL w="12700" cap="flat" cmpd="sng" algn="ctr">
+                      <a:solidFill>
+                        <a:schemeClr val="tx1"/>
+                      </a:solidFill>
+                      <a:prstDash val="solid"/>
+                      <a:round/>
+                      <a:headEnd type="none" w="med" len="med"/>
+                      <a:tailEnd type="none" w="med" len="med"/>
+                    </a:lnL>
+                    <a:lnR w="12700" cap="flat" cmpd="sng" algn="ctr">
+                      <a:solidFill>
+                        <a:schemeClr val="tx1"/>
+                      </a:solidFill>
+                      <a:prstDash val="solid"/>
+                      <a:round/>
+                      <a:headEnd type="none" w="med" len="med"/>
+                      <a:tailEnd type="none" w="med" len="med"/>
+                    </a:lnR>
+                    <a:lnT w="12700" cap="flat" cmpd="sng" algn="ctr">
+                      <a:solidFill>
+                        <a:schemeClr val="tx1"/>
+                      </a:solidFill>
+                      <a:prstDash val="solid"/>
+                      <a:round/>
+                      <a:headEnd type="none" w="med" len="med"/>
+                      <a:tailEnd type="none" w="med" len="med"/>
+                    </a:lnT>
+                    <a:lnB w="12700" cap="flat" cmpd="sng" algn="ctr">
+                      <a:solidFill>
+                        <a:schemeClr val="tx1"/>
+                      </a:solidFill>
+                      <a:prstDash val="solid"/>
+                      <a:round/>
+                      <a:headEnd type="none" w="med" len="med"/>
+                      <a:tailEnd type="none" w="med" len="med"/>
+                    </a:lnB>
+                    <a:solidFill>
+                      <a:schemeClr val="bg1"/>
+                    </a:solidFill>
+                  </a:tcPr>
+                </a:tc>
+                <a:tc>
+                  <a:txBody>
+                    <a:bodyPr/>
+                    <a:lstStyle/>
+                    <a:p>
+                      <a:pPr latinLnBrk="1"/>
+                      <a:endParaRPr lang="ko-KR" altLang="en-US"/>
+                    </a:p>
+                  </a:txBody>
+                  <a:tcPr>
+                    <a:lnL w="12700" cap="flat" cmpd="sng" algn="ctr">
+                      <a:solidFill>
+                        <a:schemeClr val="tx1"/>
+                      </a:solidFill>
+                      <a:prstDash val="solid"/>
+                      <a:round/>
+                      <a:headEnd type="none" w="med" len="med"/>
+                      <a:tailEnd type="none" w="med" len="med"/>
+                    </a:lnL>
+                    <a:lnR w="12700" cap="flat" cmpd="sng" algn="ctr">
+                      <a:solidFill>
+                        <a:schemeClr val="tx1"/>
+                      </a:solidFill>
+                      <a:prstDash val="solid"/>
+                      <a:round/>
+                      <a:headEnd type="none" w="med" len="med"/>
+                      <a:tailEnd type="none" w="med" len="med"/>
+                    </a:lnR>
+                    <a:lnT w="12700" cap="flat" cmpd="sng" algn="ctr">
+                      <a:solidFill>
+                        <a:schemeClr val="tx1"/>
+                      </a:solidFill>
+                      <a:prstDash val="solid"/>
+                      <a:round/>
+                      <a:headEnd type="none" w="med" len="med"/>
+                      <a:tailEnd type="none" w="med" len="med"/>
+                    </a:lnT>
+                    <a:lnB w="12700" cap="flat" cmpd="sng" algn="ctr">
+                      <a:solidFill>
+                        <a:schemeClr val="tx1"/>
+                      </a:solidFill>
+                      <a:prstDash val="solid"/>
+                      <a:round/>
+                      <a:headEnd type="none" w="med" len="med"/>
+                      <a:tailEnd type="none" w="med" len="med"/>
+                    </a:lnB>
+                    <a:solidFill>
+                      <a:schemeClr val="bg1"/>
+                    </a:solidFill>
+                  </a:tcPr>
+                </a:tc>
+                <a:tc>
+                  <a:txBody>
+                    <a:bodyPr/>
+                    <a:lstStyle/>
+                    <a:p>
+                      <a:pPr latinLnBrk="1"/>
+                      <a:endParaRPr lang="ko-KR" altLang="en-US"/>
+                    </a:p>
+                  </a:txBody>
+                  <a:tcPr>
+                    <a:lnL w="12700" cap="flat" cmpd="sng" algn="ctr">
+                      <a:solidFill>
+                        <a:schemeClr val="tx1"/>
+                      </a:solidFill>
+                      <a:prstDash val="solid"/>
+                      <a:round/>
+                      <a:headEnd type="none" w="med" len="med"/>
+                      <a:tailEnd type="none" w="med" len="med"/>
+                    </a:lnL>
+                    <a:lnR w="12700" cap="flat" cmpd="sng" algn="ctr">
+                      <a:solidFill>
+                        <a:schemeClr val="tx1"/>
+                      </a:solidFill>
+                      <a:prstDash val="solid"/>
+                      <a:round/>
+                      <a:headEnd type="none" w="med" len="med"/>
+                      <a:tailEnd type="none" w="med" len="med"/>
+                    </a:lnR>
+                    <a:lnT w="12700" cap="flat" cmpd="sng" algn="ctr">
+                      <a:solidFill>
+                        <a:schemeClr val="tx1"/>
+                      </a:solidFill>
+                      <a:prstDash val="solid"/>
+                      <a:round/>
+                      <a:headEnd type="none" w="med" len="med"/>
+                      <a:tailEnd type="none" w="med" len="med"/>
+                    </a:lnT>
+                    <a:lnB w="12700" cap="flat" cmpd="sng" algn="ctr">
+                      <a:solidFill>
+                        <a:schemeClr val="tx1"/>
+                      </a:solidFill>
+                      <a:prstDash val="solid"/>
+                      <a:round/>
+                      <a:headEnd type="none" w="med" len="med"/>
+                      <a:tailEnd type="none" w="med" len="med"/>
+                    </a:lnB>
+                    <a:solidFill>
+                      <a:schemeClr val="bg1"/>
+                    </a:solidFill>
+                  </a:tcPr>
+                </a:tc>
+                <a:extLst>
+                  <a:ext uri="{0D108BD9-81ED-4DB2-BD59-A6C34878D82A}">
+                    <a16:rowId xmlns:a16="http://schemas.microsoft.com/office/drawing/2014/main" val="22061205"/>
+                  </a:ext>
+                </a:extLst>
+              </a:tr>
+              <a:tr h="480000">
+                <a:tc>
+                  <a:txBody>
+                    <a:bodyPr/>
+                    <a:lstStyle/>
+                    <a:p>
+                      <a:pPr latinLnBrk="1"/>
+                      <a:endParaRPr lang="ko-KR" altLang="en-US"/>
+                    </a:p>
+                  </a:txBody>
+                  <a:tcPr>
+                    <a:lnL w="12700" cap="flat" cmpd="sng" algn="ctr">
+                      <a:solidFill>
+                        <a:schemeClr val="tx1"/>
+                      </a:solidFill>
+                      <a:prstDash val="solid"/>
+                      <a:round/>
+                      <a:headEnd type="none" w="med" len="med"/>
+                      <a:tailEnd type="none" w="med" len="med"/>
+                    </a:lnL>
+                    <a:lnR w="12700" cap="flat" cmpd="sng" algn="ctr">
+                      <a:solidFill>
+                        <a:schemeClr val="tx1"/>
+                      </a:solidFill>
+                      <a:prstDash val="solid"/>
+                      <a:round/>
+                      <a:headEnd type="none" w="med" len="med"/>
+                      <a:tailEnd type="none" w="med" len="med"/>
+                    </a:lnR>
+                    <a:lnT w="12700" cap="flat" cmpd="sng" algn="ctr">
+                      <a:solidFill>
+                        <a:schemeClr val="tx1"/>
+                      </a:solidFill>
+                      <a:prstDash val="solid"/>
+                      <a:round/>
+                      <a:headEnd type="none" w="med" len="med"/>
+                      <a:tailEnd type="none" w="med" len="med"/>
+                    </a:lnT>
+                    <a:lnB w="12700" cap="flat" cmpd="sng" algn="ctr">
+                      <a:solidFill>
+                        <a:schemeClr val="tx1"/>
+                      </a:solidFill>
+                      <a:prstDash val="solid"/>
+                      <a:round/>
+                      <a:headEnd type="none" w="med" len="med"/>
+                      <a:tailEnd type="none" w="med" len="med"/>
+                    </a:lnB>
+                    <a:solidFill>
+                      <a:schemeClr val="bg1"/>
+                    </a:solidFill>
+                  </a:tcPr>
+                </a:tc>
+                <a:tc>
+                  <a:txBody>
+                    <a:bodyPr/>
+                    <a:lstStyle/>
+                    <a:p>
+                      <a:pPr latinLnBrk="1"/>
+                      <a:endParaRPr lang="ko-KR" altLang="en-US"/>
+                    </a:p>
+                  </a:txBody>
+                  <a:tcPr>
+                    <a:lnL w="12700" cap="flat" cmpd="sng" algn="ctr">
+                      <a:solidFill>
+                        <a:schemeClr val="tx1"/>
+                      </a:solidFill>
+                      <a:prstDash val="solid"/>
+                      <a:round/>
+                      <a:headEnd type="none" w="med" len="med"/>
+                      <a:tailEnd type="none" w="med" len="med"/>
+                    </a:lnL>
+                    <a:lnR w="12700" cap="flat" cmpd="sng" algn="ctr">
+                      <a:solidFill>
+                        <a:schemeClr val="tx1"/>
+                      </a:solidFill>
+                      <a:prstDash val="solid"/>
+                      <a:round/>
+                      <a:headEnd type="none" w="med" len="med"/>
+                      <a:tailEnd type="none" w="med" len="med"/>
+                    </a:lnR>
+                    <a:lnT w="12700" cap="flat" cmpd="sng" algn="ctr">
+                      <a:solidFill>
+                        <a:schemeClr val="tx1"/>
+                      </a:solidFill>
+                      <a:prstDash val="solid"/>
+                      <a:round/>
+                      <a:headEnd type="none" w="med" len="med"/>
+                      <a:tailEnd type="none" w="med" len="med"/>
+                    </a:lnT>
+                    <a:lnB w="12700" cap="flat" cmpd="sng" algn="ctr">
+                      <a:solidFill>
+                        <a:schemeClr val="tx1"/>
+                      </a:solidFill>
+                      <a:prstDash val="solid"/>
+                      <a:round/>
+                      <a:headEnd type="none" w="med" len="med"/>
+                      <a:tailEnd type="none" w="med" len="med"/>
+                    </a:lnB>
+                    <a:solidFill>
+                      <a:schemeClr val="bg1"/>
+                    </a:solidFill>
+                  </a:tcPr>
+                </a:tc>
+                <a:tc>
+                  <a:txBody>
+                    <a:bodyPr/>
+                    <a:lstStyle/>
+                    <a:p>
+                      <a:pPr latinLnBrk="1"/>
+                      <a:endParaRPr lang="ko-KR" altLang="en-US"/>
+                    </a:p>
+                  </a:txBody>
+                  <a:tcPr>
+                    <a:lnL w="12700" cap="flat" cmpd="sng" algn="ctr">
+                      <a:solidFill>
+                        <a:schemeClr val="tx1"/>
+                      </a:solidFill>
+                      <a:prstDash val="solid"/>
+                      <a:round/>
+                      <a:headEnd type="none" w="med" len="med"/>
+                      <a:tailEnd type="none" w="med" len="med"/>
+                    </a:lnL>
+                    <a:lnR w="12700" cap="flat" cmpd="sng" algn="ctr">
+                      <a:solidFill>
+                        <a:schemeClr val="tx1"/>
+                      </a:solidFill>
+                      <a:prstDash val="solid"/>
+                      <a:round/>
+                      <a:headEnd type="none" w="med" len="med"/>
+                      <a:tailEnd type="none" w="med" len="med"/>
+                    </a:lnR>
+                    <a:lnT w="12700" cap="flat" cmpd="sng" algn="ctr">
+                      <a:solidFill>
+                        <a:schemeClr val="tx1"/>
+                      </a:solidFill>
+                      <a:prstDash val="solid"/>
+                      <a:round/>
+                      <a:headEnd type="none" w="med" len="med"/>
+                      <a:tailEnd type="none" w="med" len="med"/>
+                    </a:lnT>
+                    <a:lnB w="12700" cap="flat" cmpd="sng" algn="ctr">
+                      <a:solidFill>
+                        <a:schemeClr val="tx1"/>
+                      </a:solidFill>
+                      <a:prstDash val="solid"/>
+                      <a:round/>
+                      <a:headEnd type="none" w="med" len="med"/>
+                      <a:tailEnd type="none" w="med" len="med"/>
+                    </a:lnB>
+                    <a:solidFill>
+                      <a:schemeClr val="bg1"/>
+                    </a:solidFill>
+                  </a:tcPr>
+                </a:tc>
+                <a:tc>
+                  <a:txBody>
+                    <a:bodyPr/>
+                    <a:lstStyle/>
+                    <a:p>
+                      <a:pPr latinLnBrk="1"/>
+                      <a:endParaRPr lang="ko-KR" altLang="en-US"/>
+                    </a:p>
+                  </a:txBody>
+                  <a:tcPr>
+                    <a:lnL w="12700" cap="flat" cmpd="sng" algn="ctr">
+                      <a:solidFill>
+                        <a:schemeClr val="tx1"/>
+                      </a:solidFill>
+                      <a:prstDash val="solid"/>
+                      <a:round/>
+                      <a:headEnd type="none" w="med" len="med"/>
+                      <a:tailEnd type="none" w="med" len="med"/>
+                    </a:lnL>
+                    <a:lnR w="12700" cap="flat" cmpd="sng" algn="ctr">
+                      <a:solidFill>
+                        <a:schemeClr val="tx1"/>
+                      </a:solidFill>
+                      <a:prstDash val="solid"/>
+                      <a:round/>
+                      <a:headEnd type="none" w="med" len="med"/>
+                      <a:tailEnd type="none" w="med" len="med"/>
+                    </a:lnR>
+                    <a:lnT w="12700" cap="flat" cmpd="sng" algn="ctr">
+                      <a:solidFill>
+                        <a:schemeClr val="tx1"/>
+                      </a:solidFill>
+                      <a:prstDash val="solid"/>
+                      <a:round/>
+                      <a:headEnd type="none" w="med" len="med"/>
+                      <a:tailEnd type="none" w="med" len="med"/>
+                    </a:lnT>
+                    <a:lnB w="12700" cap="flat" cmpd="sng" algn="ctr">
+                      <a:solidFill>
+                        <a:schemeClr val="tx1"/>
+                      </a:solidFill>
+                      <a:prstDash val="solid"/>
+                      <a:round/>
+                      <a:headEnd type="none" w="med" len="med"/>
+                      <a:tailEnd type="none" w="med" len="med"/>
+                    </a:lnB>
+                    <a:solidFill>
+                      <a:schemeClr val="bg1"/>
+                    </a:solidFill>
+                  </a:tcPr>
+                </a:tc>
+                <a:tc>
+                  <a:txBody>
+                    <a:bodyPr/>
+                    <a:lstStyle/>
+                    <a:p>
+                      <a:pPr latinLnBrk="1"/>
+                      <a:endParaRPr lang="ko-KR" altLang="en-US"/>
+                    </a:p>
+                  </a:txBody>
+                  <a:tcPr>
+                    <a:lnL w="12700" cap="flat" cmpd="sng" algn="ctr">
+                      <a:solidFill>
+                        <a:schemeClr val="tx1"/>
+                      </a:solidFill>
+                      <a:prstDash val="solid"/>
+                      <a:round/>
+                      <a:headEnd type="none" w="med" len="med"/>
+                      <a:tailEnd type="none" w="med" len="med"/>
+                    </a:lnL>
+                    <a:lnR w="12700" cap="flat" cmpd="sng" algn="ctr">
+                      <a:solidFill>
+                        <a:schemeClr val="tx1"/>
+                      </a:solidFill>
+                      <a:prstDash val="solid"/>
+                      <a:round/>
+                      <a:headEnd type="none" w="med" len="med"/>
+                      <a:tailEnd type="none" w="med" len="med"/>
+                    </a:lnR>
+                    <a:lnT w="12700" cap="flat" cmpd="sng" algn="ctr">
+                      <a:solidFill>
+                        <a:schemeClr val="tx1"/>
+                      </a:solidFill>
+                      <a:prstDash val="solid"/>
+                      <a:round/>
+                      <a:headEnd type="none" w="med" len="med"/>
+                      <a:tailEnd type="none" w="med" len="med"/>
+                    </a:lnT>
+                    <a:lnB w="12700" cap="flat" cmpd="sng" algn="ctr">
+                      <a:solidFill>
+                        <a:schemeClr val="tx1"/>
+                      </a:solidFill>
+                      <a:prstDash val="solid"/>
+                      <a:round/>
+                      <a:headEnd type="none" w="med" len="med"/>
+                      <a:tailEnd type="none" w="med" len="med"/>
+                    </a:lnB>
+                    <a:solidFill>
+                      <a:schemeClr val="bg1"/>
+                    </a:solidFill>
+                  </a:tcPr>
+                </a:tc>
+                <a:tc>
+                  <a:txBody>
+                    <a:bodyPr/>
+                    <a:lstStyle/>
+                    <a:p>
+                      <a:pPr latinLnBrk="1"/>
+                      <a:endParaRPr lang="ko-KR" altLang="en-US"/>
+                    </a:p>
+                  </a:txBody>
+                  <a:tcPr>
+                    <a:lnL w="12700" cap="flat" cmpd="sng" algn="ctr">
+                      <a:solidFill>
+                        <a:schemeClr val="tx1"/>
+                      </a:solidFill>
+                      <a:prstDash val="solid"/>
+                      <a:round/>
+                      <a:headEnd type="none" w="med" len="med"/>
+                      <a:tailEnd type="none" w="med" len="med"/>
+                    </a:lnL>
+                    <a:lnR w="12700" cap="flat" cmpd="sng" algn="ctr">
+                      <a:solidFill>
+                        <a:schemeClr val="tx1"/>
+                      </a:solidFill>
+                      <a:prstDash val="solid"/>
+                      <a:round/>
+                      <a:headEnd type="none" w="med" len="med"/>
+                      <a:tailEnd type="none" w="med" len="med"/>
+                    </a:lnR>
+                    <a:lnT w="12700" cap="flat" cmpd="sng" algn="ctr">
+                      <a:solidFill>
+                        <a:schemeClr val="tx1"/>
+                      </a:solidFill>
+                      <a:prstDash val="solid"/>
+                      <a:round/>
+                      <a:headEnd type="none" w="med" len="med"/>
+                      <a:tailEnd type="none" w="med" len="med"/>
+                    </a:lnT>
+                    <a:lnB w="12700" cap="flat" cmpd="sng" algn="ctr">
+                      <a:solidFill>
+                        <a:schemeClr val="tx1"/>
+                      </a:solidFill>
+                      <a:prstDash val="solid"/>
+                      <a:round/>
+                      <a:headEnd type="none" w="med" len="med"/>
+                      <a:tailEnd type="none" w="med" len="med"/>
+                    </a:lnB>
+                    <a:solidFill>
+                      <a:schemeClr val="bg1"/>
+                    </a:solidFill>
+                  </a:tcPr>
+                </a:tc>
+                <a:extLst>
+                  <a:ext uri="{0D108BD9-81ED-4DB2-BD59-A6C34878D82A}">
+                    <a16:rowId xmlns:a16="http://schemas.microsoft.com/office/drawing/2014/main" val="2185316338"/>
+                  </a:ext>
+                </a:extLst>
+              </a:tr>
+              <a:tr h="480000">
+                <a:tc>
+                  <a:txBody>
+                    <a:bodyPr/>
+                    <a:lstStyle/>
+                    <a:p>
+                      <a:pPr latinLnBrk="1"/>
+                      <a:endParaRPr lang="ko-KR" altLang="en-US"/>
+                    </a:p>
+                  </a:txBody>
+                  <a:tcPr>
+                    <a:lnL w="12700" cap="flat" cmpd="sng" algn="ctr">
+                      <a:solidFill>
+                        <a:schemeClr val="tx1"/>
+                      </a:solidFill>
+                      <a:prstDash val="solid"/>
+                      <a:round/>
+                      <a:headEnd type="none" w="med" len="med"/>
+                      <a:tailEnd type="none" w="med" len="med"/>
+                    </a:lnL>
+                    <a:lnR w="12700" cap="flat" cmpd="sng" algn="ctr">
+                      <a:solidFill>
+                        <a:schemeClr val="tx1"/>
+                      </a:solidFill>
+                      <a:prstDash val="solid"/>
+                      <a:round/>
+                      <a:headEnd type="none" w="med" len="med"/>
+                      <a:tailEnd type="none" w="med" len="med"/>
+                    </a:lnR>
+                    <a:lnT w="12700" cap="flat" cmpd="sng" algn="ctr">
+                      <a:solidFill>
+                        <a:schemeClr val="tx1"/>
+                      </a:solidFill>
+                      <a:prstDash val="solid"/>
+                      <a:round/>
+                      <a:headEnd type="none" w="med" len="med"/>
+                      <a:tailEnd type="none" w="med" len="med"/>
+                    </a:lnT>
+                    <a:lnB w="12700" cap="flat" cmpd="sng" algn="ctr">
+                      <a:solidFill>
+                        <a:schemeClr val="tx1"/>
+                      </a:solidFill>
+                      <a:prstDash val="solid"/>
+                      <a:round/>
+                      <a:headEnd type="none" w="med" len="med"/>
+                      <a:tailEnd type="none" w="med" len="med"/>
+                    </a:lnB>
+                    <a:solidFill>
+                      <a:schemeClr val="bg1"/>
+                    </a:solidFill>
+                  </a:tcPr>
+                </a:tc>
+                <a:tc>
+                  <a:txBody>
+                    <a:bodyPr/>
+                    <a:lstStyle/>
+                    <a:p>
+                      <a:pPr latinLnBrk="1"/>
+                      <a:endParaRPr lang="ko-KR" altLang="en-US"/>
+                    </a:p>
+                  </a:txBody>
+                  <a:tcPr>
+                    <a:lnL w="12700" cap="flat" cmpd="sng" algn="ctr">
+                      <a:solidFill>
+                        <a:schemeClr val="tx1"/>
+                      </a:solidFill>
+                      <a:prstDash val="solid"/>
+                      <a:round/>
+                      <a:headEnd type="none" w="med" len="med"/>
+                      <a:tailEnd type="none" w="med" len="med"/>
+                    </a:lnL>
+                    <a:lnR w="12700" cap="flat" cmpd="sng" algn="ctr">
+                      <a:solidFill>
+                        <a:schemeClr val="tx1"/>
+                      </a:solidFill>
+                      <a:prstDash val="solid"/>
+                      <a:round/>
+                      <a:headEnd type="none" w="med" len="med"/>
+                      <a:tailEnd type="none" w="med" len="med"/>
+                    </a:lnR>
+                    <a:lnT w="12700" cap="flat" cmpd="sng" algn="ctr">
+                      <a:solidFill>
+                        <a:schemeClr val="tx1"/>
+                      </a:solidFill>
+                      <a:prstDash val="solid"/>
+                      <a:round/>
+                      <a:headEnd type="none" w="med" len="med"/>
+                      <a:tailEnd type="none" w="med" len="med"/>
+                    </a:lnT>
+                    <a:lnB w="12700" cap="flat" cmpd="sng" algn="ctr">
+                      <a:solidFill>
+                        <a:schemeClr val="tx1"/>
+                      </a:solidFill>
+                      <a:prstDash val="solid"/>
+                      <a:round/>
+                      <a:headEnd type="none" w="med" len="med"/>
+                      <a:tailEnd type="none" w="med" len="med"/>
+                    </a:lnB>
+                    <a:solidFill>
+                      <a:schemeClr val="bg1"/>
+                    </a:solidFill>
+                  </a:tcPr>
+                </a:tc>
+                <a:tc>
+                  <a:txBody>
+                    <a:bodyPr/>
+                    <a:lstStyle/>
+                    <a:p>
+                      <a:pPr latinLnBrk="1"/>
+                      <a:endParaRPr lang="ko-KR" altLang="en-US"/>
+                    </a:p>
+                  </a:txBody>
+                  <a:tcPr>
+                    <a:lnL w="12700" cap="flat" cmpd="sng" algn="ctr">
+                      <a:solidFill>
+                        <a:schemeClr val="tx1"/>
+                      </a:solidFill>
+                      <a:prstDash val="solid"/>
+                      <a:round/>
+                      <a:headEnd type="none" w="med" len="med"/>
+                      <a:tailEnd type="none" w="med" len="med"/>
+                    </a:lnL>
+                    <a:lnR w="12700" cap="flat" cmpd="sng" algn="ctr">
+                      <a:solidFill>
+                        <a:schemeClr val="tx1"/>
+                      </a:solidFill>
+                      <a:prstDash val="solid"/>
+                      <a:round/>
+                      <a:headEnd type="none" w="med" len="med"/>
+                      <a:tailEnd type="none" w="med" len="med"/>
+                    </a:lnR>
+                    <a:lnT w="12700" cap="flat" cmpd="sng" algn="ctr">
+                      <a:solidFill>
+                        <a:schemeClr val="tx1"/>
+                      </a:solidFill>
+                      <a:prstDash val="solid"/>
+                      <a:round/>
+                      <a:headEnd type="none" w="med" len="med"/>
+                      <a:tailEnd type="none" w="med" len="med"/>
+                    </a:lnT>
+                    <a:lnB w="12700" cap="flat" cmpd="sng" algn="ctr">
+                      <a:solidFill>
+                        <a:schemeClr val="tx1"/>
+                      </a:solidFill>
+                      <a:prstDash val="solid"/>
+                      <a:round/>
+                      <a:headEnd type="none" w="med" len="med"/>
+                      <a:tailEnd type="none" w="med" len="med"/>
+                    </a:lnB>
+                    <a:solidFill>
+                      <a:schemeClr val="bg1"/>
+                    </a:solidFill>
+                  </a:tcPr>
+                </a:tc>
+                <a:tc>
+                  <a:txBody>
+                    <a:bodyPr/>
+                    <a:lstStyle/>
+                    <a:p>
+                      <a:pPr latinLnBrk="1"/>
+                      <a:endParaRPr lang="ko-KR" altLang="en-US"/>
+                    </a:p>
+                  </a:txBody>
+                  <a:tcPr>
+                    <a:lnL w="12700" cap="flat" cmpd="sng" algn="ctr">
+                      <a:solidFill>
+                        <a:schemeClr val="tx1"/>
+                      </a:solidFill>
+                      <a:prstDash val="solid"/>
+                      <a:round/>
+                      <a:headEnd type="none" w="med" len="med"/>
+                      <a:tailEnd type="none" w="med" len="med"/>
+                    </a:lnL>
+                    <a:lnR w="12700" cap="flat" cmpd="sng" algn="ctr">
+                      <a:solidFill>
+                        <a:schemeClr val="tx1"/>
+                      </a:solidFill>
+                      <a:prstDash val="solid"/>
+                      <a:round/>
+                      <a:headEnd type="none" w="med" len="med"/>
+                      <a:tailEnd type="none" w="med" len="med"/>
+                    </a:lnR>
+                    <a:lnT w="12700" cap="flat" cmpd="sng" algn="ctr">
+                      <a:solidFill>
+                        <a:schemeClr val="tx1"/>
+                      </a:solidFill>
+                      <a:prstDash val="solid"/>
+                      <a:round/>
+                      <a:headEnd type="none" w="med" len="med"/>
+                      <a:tailEnd type="none" w="med" len="med"/>
+                    </a:lnT>
+                    <a:lnB w="12700" cap="flat" cmpd="sng" algn="ctr">
+                      <a:solidFill>
+                        <a:schemeClr val="tx1"/>
+                      </a:solidFill>
+                      <a:prstDash val="solid"/>
+                      <a:round/>
+                      <a:headEnd type="none" w="med" len="med"/>
+                      <a:tailEnd type="none" w="med" len="med"/>
+                    </a:lnB>
+                    <a:solidFill>
+                      <a:schemeClr val="bg1"/>
+                    </a:solidFill>
+                  </a:tcPr>
+                </a:tc>
+                <a:tc>
+                  <a:txBody>
+                    <a:bodyPr/>
+                    <a:lstStyle/>
+                    <a:p>
+                      <a:pPr latinLnBrk="1"/>
+                      <a:endParaRPr lang="ko-KR" altLang="en-US"/>
+                    </a:p>
+                  </a:txBody>
+                  <a:tcPr>
+                    <a:lnL w="12700" cap="flat" cmpd="sng" algn="ctr">
+                      <a:solidFill>
+                        <a:schemeClr val="tx1"/>
+                      </a:solidFill>
+                      <a:prstDash val="solid"/>
+                      <a:round/>
+                      <a:headEnd type="none" w="med" len="med"/>
+                      <a:tailEnd type="none" w="med" len="med"/>
+                    </a:lnL>
+                    <a:lnR w="12700" cap="flat" cmpd="sng" algn="ctr">
+                      <a:solidFill>
+                        <a:schemeClr val="tx1"/>
+                      </a:solidFill>
+                      <a:prstDash val="solid"/>
+                      <a:round/>
+                      <a:headEnd type="none" w="med" len="med"/>
+                      <a:tailEnd type="none" w="med" len="med"/>
+                    </a:lnR>
+                    <a:lnT w="12700" cap="flat" cmpd="sng" algn="ctr">
+                      <a:solidFill>
+                        <a:schemeClr val="tx1"/>
+                      </a:solidFill>
+                      <a:prstDash val="solid"/>
+                      <a:round/>
+                      <a:headEnd type="none" w="med" len="med"/>
+                      <a:tailEnd type="none" w="med" len="med"/>
+                    </a:lnT>
+                    <a:lnB w="12700" cap="flat" cmpd="sng" algn="ctr">
+                      <a:solidFill>
+                        <a:schemeClr val="tx1"/>
+                      </a:solidFill>
+                      <a:prstDash val="solid"/>
+                      <a:round/>
+                      <a:headEnd type="none" w="med" len="med"/>
+                      <a:tailEnd type="none" w="med" len="med"/>
+                    </a:lnB>
+                    <a:solidFill>
+                      <a:schemeClr val="bg1"/>
+                    </a:solidFill>
+                  </a:tcPr>
+                </a:tc>
+                <a:tc>
+                  <a:txBody>
+                    <a:bodyPr/>
+                    <a:lstStyle/>
+                    <a:p>
+                      <a:pPr latinLnBrk="1"/>
+                      <a:endParaRPr lang="ko-KR" altLang="en-US"/>
+                    </a:p>
+                  </a:txBody>
+                  <a:tcPr>
+                    <a:lnL w="12700" cap="flat" cmpd="sng" algn="ctr">
+                      <a:solidFill>
+                        <a:schemeClr val="tx1"/>
+                      </a:solidFill>
+                      <a:prstDash val="solid"/>
+                      <a:round/>
+                      <a:headEnd type="none" w="med" len="med"/>
+                      <a:tailEnd type="none" w="med" len="med"/>
+                    </a:lnL>
+                    <a:lnR w="12700" cap="flat" cmpd="sng" algn="ctr">
+                      <a:solidFill>
+                        <a:schemeClr val="tx1"/>
+                      </a:solidFill>
+                      <a:prstDash val="solid"/>
+                      <a:round/>
+                      <a:headEnd type="none" w="med" len="med"/>
+                      <a:tailEnd type="none" w="med" len="med"/>
+                    </a:lnR>
+                    <a:lnT w="12700" cap="flat" cmpd="sng" algn="ctr">
+                      <a:solidFill>
+                        <a:schemeClr val="tx1"/>
+                      </a:solidFill>
+                      <a:prstDash val="solid"/>
+                      <a:round/>
+                      <a:headEnd type="none" w="med" len="med"/>
+                      <a:tailEnd type="none" w="med" len="med"/>
+                    </a:lnT>
+                    <a:lnB w="12700" cap="flat" cmpd="sng" algn="ctr">
+                      <a:solidFill>
+                        <a:schemeClr val="tx1"/>
+                      </a:solidFill>
+                      <a:prstDash val="solid"/>
+                      <a:round/>
+                      <a:headEnd type="none" w="med" len="med"/>
+                      <a:tailEnd type="none" w="med" len="med"/>
+                    </a:lnB>
+                    <a:solidFill>
+                      <a:schemeClr val="bg1"/>
+                    </a:solidFill>
+                  </a:tcPr>
+                </a:tc>
+                <a:extLst>
+                  <a:ext uri="{0D108BD9-81ED-4DB2-BD59-A6C34878D82A}">
+                    <a16:rowId xmlns:a16="http://schemas.microsoft.com/office/drawing/2014/main" val="3921980767"/>
+                  </a:ext>
+                </a:extLst>
+              </a:tr>
+              <a:tr h="480000">
+                <a:tc>
+                  <a:txBody>
+                    <a:bodyPr/>
+                    <a:lstStyle/>
+                    <a:p>
+                      <a:pPr latinLnBrk="1"/>
+                      <a:endParaRPr lang="ko-KR" altLang="en-US"/>
+                    </a:p>
+                  </a:txBody>
+                  <a:tcPr>
+                    <a:lnL w="12700" cap="flat" cmpd="sng" algn="ctr">
+                      <a:solidFill>
+                        <a:schemeClr val="tx1"/>
+                      </a:solidFill>
+                      <a:prstDash val="solid"/>
+                      <a:round/>
+                      <a:headEnd type="none" w="med" len="med"/>
+                      <a:tailEnd type="none" w="med" len="med"/>
+                    </a:lnL>
+                    <a:lnR w="12700" cap="flat" cmpd="sng" algn="ctr">
+                      <a:solidFill>
+                        <a:schemeClr val="tx1"/>
+                      </a:solidFill>
+                      <a:prstDash val="solid"/>
+                      <a:round/>
+                      <a:headEnd type="none" w="med" len="med"/>
+                      <a:tailEnd type="none" w="med" len="med"/>
+                    </a:lnR>
+                    <a:lnT w="12700" cap="flat" cmpd="sng" algn="ctr">
+                      <a:solidFill>
+                        <a:schemeClr val="tx1"/>
+                      </a:solidFill>
+                      <a:prstDash val="solid"/>
+                      <a:round/>
+                      <a:headEnd type="none" w="med" len="med"/>
+                      <a:tailEnd type="none" w="med" len="med"/>
+                    </a:lnT>
+                    <a:lnB w="12700" cap="flat" cmpd="sng" algn="ctr">
+                      <a:solidFill>
+                        <a:schemeClr val="tx1"/>
+                      </a:solidFill>
+                      <a:prstDash val="solid"/>
+                      <a:round/>
+                      <a:headEnd type="none" w="med" len="med"/>
+                      <a:tailEnd type="none" w="med" len="med"/>
+                    </a:lnB>
+                    <a:solidFill>
+                      <a:schemeClr val="bg1"/>
+                    </a:solidFill>
+                  </a:tcPr>
+                </a:tc>
+                <a:tc>
+                  <a:txBody>
+                    <a:bodyPr/>
+                    <a:lstStyle/>
+                    <a:p>
+                      <a:pPr latinLnBrk="1"/>
+                      <a:endParaRPr lang="ko-KR" altLang="en-US"/>
+                    </a:p>
+                  </a:txBody>
+                  <a:tcPr>
+                    <a:lnL w="12700" cap="flat" cmpd="sng" algn="ctr">
+                      <a:solidFill>
+                        <a:schemeClr val="tx1"/>
+                      </a:solidFill>
+                      <a:prstDash val="solid"/>
+                      <a:round/>
+                      <a:headEnd type="none" w="med" len="med"/>
+                      <a:tailEnd type="none" w="med" len="med"/>
+                    </a:lnL>
+                    <a:lnR w="12700" cap="flat" cmpd="sng" algn="ctr">
+                      <a:solidFill>
+                        <a:schemeClr val="tx1"/>
+                      </a:solidFill>
+                      <a:prstDash val="solid"/>
+                      <a:round/>
+                      <a:headEnd type="none" w="med" len="med"/>
+                      <a:tailEnd type="none" w="med" len="med"/>
+                    </a:lnR>
+                    <a:lnT w="12700" cap="flat" cmpd="sng" algn="ctr">
+                      <a:solidFill>
+                        <a:schemeClr val="tx1"/>
+                      </a:solidFill>
+                      <a:prstDash val="solid"/>
+                      <a:round/>
+                      <a:headEnd type="none" w="med" len="med"/>
+                      <a:tailEnd type="none" w="med" len="med"/>
+                    </a:lnT>
+                    <a:lnB w="12700" cap="flat" cmpd="sng" algn="ctr">
+                      <a:solidFill>
+                        <a:schemeClr val="tx1"/>
+                      </a:solidFill>
+                      <a:prstDash val="solid"/>
+                      <a:round/>
+                      <a:headEnd type="none" w="med" len="med"/>
+                      <a:tailEnd type="none" w="med" len="med"/>
+                    </a:lnB>
+                    <a:solidFill>
+                      <a:schemeClr val="bg1"/>
+                    </a:solidFill>
+                  </a:tcPr>
+                </a:tc>
+                <a:tc>
+                  <a:txBody>
+                    <a:bodyPr/>
+                    <a:lstStyle/>
+                    <a:p>
+                      <a:pPr latinLnBrk="1"/>
+                      <a:endParaRPr lang="ko-KR" altLang="en-US"/>
+                    </a:p>
+                  </a:txBody>
+                  <a:tcPr>
+                    <a:lnL w="12700" cap="flat" cmpd="sng" algn="ctr">
+                      <a:solidFill>
+                        <a:schemeClr val="tx1"/>
+                      </a:solidFill>
+                      <a:prstDash val="solid"/>
+                      <a:round/>
+                      <a:headEnd type="none" w="med" len="med"/>
+                      <a:tailEnd type="none" w="med" len="med"/>
+                    </a:lnL>
+                    <a:lnR w="12700" cap="flat" cmpd="sng" algn="ctr">
+                      <a:solidFill>
+                        <a:schemeClr val="tx1"/>
+                      </a:solidFill>
+                      <a:prstDash val="solid"/>
+                      <a:round/>
+                      <a:headEnd type="none" w="med" len="med"/>
+                      <a:tailEnd type="none" w="med" len="med"/>
+                    </a:lnR>
+                    <a:lnT w="12700" cap="flat" cmpd="sng" algn="ctr">
+                      <a:solidFill>
+                        <a:schemeClr val="tx1"/>
+                      </a:solidFill>
+                      <a:prstDash val="solid"/>
+                      <a:round/>
+                      <a:headEnd type="none" w="med" len="med"/>
+                      <a:tailEnd type="none" w="med" len="med"/>
+                    </a:lnT>
+                    <a:lnB w="12700" cap="flat" cmpd="sng" algn="ctr">
+                      <a:solidFill>
+                        <a:schemeClr val="tx1"/>
+                      </a:solidFill>
+                      <a:prstDash val="solid"/>
+                      <a:round/>
+                      <a:headEnd type="none" w="med" len="med"/>
+                      <a:tailEnd type="none" w="med" len="med"/>
+                    </a:lnB>
+                    <a:solidFill>
+                      <a:schemeClr val="bg1"/>
+                    </a:solidFill>
+                  </a:tcPr>
+                </a:tc>
+                <a:tc>
+                  <a:txBody>
+                    <a:bodyPr/>
+                    <a:lstStyle/>
+                    <a:p>
+                      <a:pPr latinLnBrk="1"/>
+                      <a:endParaRPr lang="ko-KR" altLang="en-US" dirty="0"/>
+                    </a:p>
+                  </a:txBody>
+                  <a:tcPr>
+                    <a:lnL w="12700" cap="flat" cmpd="sng" algn="ctr">
+                      <a:solidFill>
+                        <a:schemeClr val="tx1"/>
+                      </a:solidFill>
+                      <a:prstDash val="solid"/>
+                      <a:round/>
+                      <a:headEnd type="none" w="med" len="med"/>
+                      <a:tailEnd type="none" w="med" len="med"/>
+                    </a:lnL>
+                    <a:lnR w="12700" cap="flat" cmpd="sng" algn="ctr">
+                      <a:solidFill>
+                        <a:schemeClr val="tx1"/>
+                      </a:solidFill>
+                      <a:prstDash val="solid"/>
+                      <a:round/>
+                      <a:headEnd type="none" w="med" len="med"/>
+                      <a:tailEnd type="none" w="med" len="med"/>
+                    </a:lnR>
+                    <a:lnT w="12700" cap="flat" cmpd="sng" algn="ctr">
+                      <a:solidFill>
+                        <a:schemeClr val="tx1"/>
+                      </a:solidFill>
+                      <a:prstDash val="solid"/>
+                      <a:round/>
+                      <a:headEnd type="none" w="med" len="med"/>
+                      <a:tailEnd type="none" w="med" len="med"/>
+                    </a:lnT>
+                    <a:lnB w="12700" cap="flat" cmpd="sng" algn="ctr">
+                      <a:solidFill>
+                        <a:schemeClr val="tx1"/>
+                      </a:solidFill>
+                      <a:prstDash val="solid"/>
+                      <a:round/>
+                      <a:headEnd type="none" w="med" len="med"/>
+                      <a:tailEnd type="none" w="med" len="med"/>
+                    </a:lnB>
+                    <a:solidFill>
+                      <a:schemeClr val="bg1"/>
+                    </a:solidFill>
+                  </a:tcPr>
+                </a:tc>
+                <a:tc>
+                  <a:txBody>
+                    <a:bodyPr/>
+                    <a:lstStyle/>
+                    <a:p>
+                      <a:pPr latinLnBrk="1"/>
+                      <a:endParaRPr lang="ko-KR" altLang="en-US" dirty="0"/>
+                    </a:p>
+                  </a:txBody>
+                  <a:tcPr>
+                    <a:lnL w="12700" cap="flat" cmpd="sng" algn="ctr">
+                      <a:solidFill>
+                        <a:schemeClr val="tx1"/>
+                      </a:solidFill>
+                      <a:prstDash val="solid"/>
+                      <a:round/>
+                      <a:headEnd type="none" w="med" len="med"/>
+                      <a:tailEnd type="none" w="med" len="med"/>
+                    </a:lnL>
+                    <a:lnR w="12700" cap="flat" cmpd="sng" algn="ctr">
+                      <a:solidFill>
+                        <a:schemeClr val="tx1"/>
+                      </a:solidFill>
+                      <a:prstDash val="solid"/>
+                      <a:round/>
+                      <a:headEnd type="none" w="med" len="med"/>
+                      <a:tailEnd type="none" w="med" len="med"/>
+                    </a:lnR>
+                    <a:lnT w="12700" cap="flat" cmpd="sng" algn="ctr">
+                      <a:solidFill>
+                        <a:schemeClr val="tx1"/>
+                      </a:solidFill>
+                      <a:prstDash val="solid"/>
+                      <a:round/>
+                      <a:headEnd type="none" w="med" len="med"/>
+                      <a:tailEnd type="none" w="med" len="med"/>
+                    </a:lnT>
+                    <a:lnB w="12700" cap="flat" cmpd="sng" algn="ctr">
+                      <a:solidFill>
+                        <a:schemeClr val="tx1"/>
+                      </a:solidFill>
+                      <a:prstDash val="solid"/>
+                      <a:round/>
+                      <a:headEnd type="none" w="med" len="med"/>
+                      <a:tailEnd type="none" w="med" len="med"/>
+                    </a:lnB>
+                    <a:solidFill>
+                      <a:schemeClr val="bg1"/>
+                    </a:solidFill>
+                  </a:tcPr>
+                </a:tc>
+                <a:tc>
+                  <a:txBody>
+                    <a:bodyPr/>
+                    <a:lstStyle/>
+                    <a:p>
+                      <a:pPr latinLnBrk="1"/>
+                      <a:endParaRPr lang="ko-KR" altLang="en-US"/>
+                    </a:p>
+                  </a:txBody>
+                  <a:tcPr>
+                    <a:lnL w="12700" cap="flat" cmpd="sng" algn="ctr">
+                      <a:solidFill>
+                        <a:schemeClr val="tx1"/>
+                      </a:solidFill>
+                      <a:prstDash val="solid"/>
+                      <a:round/>
+                      <a:headEnd type="none" w="med" len="med"/>
+                      <a:tailEnd type="none" w="med" len="med"/>
+                    </a:lnL>
+                    <a:lnR w="12700" cap="flat" cmpd="sng" algn="ctr">
+                      <a:solidFill>
+                        <a:schemeClr val="tx1"/>
+                      </a:solidFill>
+                      <a:prstDash val="solid"/>
+                      <a:round/>
+                      <a:headEnd type="none" w="med" len="med"/>
+                      <a:tailEnd type="none" w="med" len="med"/>
+                    </a:lnR>
+                    <a:lnT w="12700" cap="flat" cmpd="sng" algn="ctr">
+                      <a:solidFill>
+                        <a:schemeClr val="tx1"/>
+                      </a:solidFill>
+                      <a:prstDash val="solid"/>
+                      <a:round/>
+                      <a:headEnd type="none" w="med" len="med"/>
+                      <a:tailEnd type="none" w="med" len="med"/>
+                    </a:lnT>
+                    <a:lnB w="12700" cap="flat" cmpd="sng" algn="ctr">
+                      <a:solidFill>
+                        <a:schemeClr val="tx1"/>
+                      </a:solidFill>
+                      <a:prstDash val="solid"/>
+                      <a:round/>
+                      <a:headEnd type="none" w="med" len="med"/>
+                      <a:tailEnd type="none" w="med" len="med"/>
+                    </a:lnB>
+                    <a:solidFill>
+                      <a:schemeClr val="bg1"/>
+                    </a:solidFill>
+                  </a:tcPr>
+                </a:tc>
+                <a:extLst>
+                  <a:ext uri="{0D108BD9-81ED-4DB2-BD59-A6C34878D82A}">
+                    <a16:rowId xmlns:a16="http://schemas.microsoft.com/office/drawing/2014/main" val="1829429104"/>
+                  </a:ext>
+                </a:extLst>
+              </a:tr>
+              <a:tr h="480000">
+                <a:tc>
+                  <a:txBody>
+                    <a:bodyPr/>
+                    <a:lstStyle/>
+                    <a:p>
+                      <a:pPr latinLnBrk="1"/>
+                      <a:endParaRPr lang="ko-KR" altLang="en-US"/>
+                    </a:p>
+                  </a:txBody>
+                  <a:tcPr>
+                    <a:lnL w="12700" cap="flat" cmpd="sng" algn="ctr">
+                      <a:solidFill>
+                        <a:schemeClr val="tx1"/>
+                      </a:solidFill>
+                      <a:prstDash val="solid"/>
+                      <a:round/>
+                      <a:headEnd type="none" w="med" len="med"/>
+                      <a:tailEnd type="none" w="med" len="med"/>
+                    </a:lnL>
+                    <a:lnR w="12700" cap="flat" cmpd="sng" algn="ctr">
+                      <a:solidFill>
+                        <a:schemeClr val="tx1"/>
+                      </a:solidFill>
+                      <a:prstDash val="solid"/>
+                      <a:round/>
+                      <a:headEnd type="none" w="med" len="med"/>
+                      <a:tailEnd type="none" w="med" len="med"/>
+                    </a:lnR>
+                    <a:lnT w="12700" cap="flat" cmpd="sng" algn="ctr">
+                      <a:solidFill>
+                        <a:schemeClr val="tx1"/>
+                      </a:solidFill>
+                      <a:prstDash val="solid"/>
+                      <a:round/>
+                      <a:headEnd type="none" w="med" len="med"/>
+                      <a:tailEnd type="none" w="med" len="med"/>
+                    </a:lnT>
+                    <a:lnB w="12700" cap="flat" cmpd="sng" algn="ctr">
+                      <a:solidFill>
+                        <a:schemeClr val="tx1"/>
+                      </a:solidFill>
+                      <a:prstDash val="solid"/>
+                      <a:round/>
+                      <a:headEnd type="none" w="med" len="med"/>
+                      <a:tailEnd type="none" w="med" len="med"/>
+                    </a:lnB>
+                    <a:solidFill>
+                      <a:schemeClr val="bg1"/>
+                    </a:solidFill>
+                  </a:tcPr>
+                </a:tc>
+                <a:tc>
+                  <a:txBody>
+                    <a:bodyPr/>
+                    <a:lstStyle/>
+                    <a:p>
+                      <a:pPr latinLnBrk="1"/>
+                      <a:endParaRPr lang="ko-KR" altLang="en-US"/>
+                    </a:p>
+                  </a:txBody>
+                  <a:tcPr>
+                    <a:lnL w="12700" cap="flat" cmpd="sng" algn="ctr">
+                      <a:solidFill>
+                        <a:schemeClr val="tx1"/>
+                      </a:solidFill>
+                      <a:prstDash val="solid"/>
+                      <a:round/>
+                      <a:headEnd type="none" w="med" len="med"/>
+                      <a:tailEnd type="none" w="med" len="med"/>
+                    </a:lnL>
+                    <a:lnR w="12700" cap="flat" cmpd="sng" algn="ctr">
+                      <a:solidFill>
+                        <a:schemeClr val="tx1"/>
+                      </a:solidFill>
+                      <a:prstDash val="solid"/>
+                      <a:round/>
+                      <a:headEnd type="none" w="med" len="med"/>
+                      <a:tailEnd type="none" w="med" len="med"/>
+                    </a:lnR>
+                    <a:lnT w="12700" cap="flat" cmpd="sng" algn="ctr">
+                      <a:solidFill>
+                        <a:schemeClr val="tx1"/>
+                      </a:solidFill>
+                      <a:prstDash val="solid"/>
+                      <a:round/>
+                      <a:headEnd type="none" w="med" len="med"/>
+                      <a:tailEnd type="none" w="med" len="med"/>
+                    </a:lnT>
+                    <a:lnB w="12700" cap="flat" cmpd="sng" algn="ctr">
+                      <a:solidFill>
+                        <a:schemeClr val="tx1"/>
+                      </a:solidFill>
+                      <a:prstDash val="solid"/>
+                      <a:round/>
+                      <a:headEnd type="none" w="med" len="med"/>
+                      <a:tailEnd type="none" w="med" len="med"/>
+                    </a:lnB>
+                    <a:solidFill>
+                      <a:schemeClr val="bg1"/>
+                    </a:solidFill>
+                  </a:tcPr>
+                </a:tc>
+                <a:tc>
+                  <a:txBody>
+                    <a:bodyPr/>
+                    <a:lstStyle/>
+                    <a:p>
+                      <a:pPr latinLnBrk="1"/>
+                      <a:endParaRPr lang="ko-KR" altLang="en-US" dirty="0"/>
+                    </a:p>
+                  </a:txBody>
+                  <a:tcPr>
+                    <a:lnL w="12700" cap="flat" cmpd="sng" algn="ctr">
+                      <a:solidFill>
+                        <a:schemeClr val="tx1"/>
+                      </a:solidFill>
+                      <a:prstDash val="solid"/>
+                      <a:round/>
+                      <a:headEnd type="none" w="med" len="med"/>
+                      <a:tailEnd type="none" w="med" len="med"/>
+                    </a:lnL>
+                    <a:lnR w="12700" cap="flat" cmpd="sng" algn="ctr">
+                      <a:solidFill>
+                        <a:schemeClr val="tx1"/>
+                      </a:solidFill>
+                      <a:prstDash val="solid"/>
+                      <a:round/>
+                      <a:headEnd type="none" w="med" len="med"/>
+                      <a:tailEnd type="none" w="med" len="med"/>
+                    </a:lnR>
+                    <a:lnT w="12700" cap="flat" cmpd="sng" algn="ctr">
+                      <a:solidFill>
+                        <a:schemeClr val="tx1"/>
+                      </a:solidFill>
+                      <a:prstDash val="solid"/>
+                      <a:round/>
+                      <a:headEnd type="none" w="med" len="med"/>
+                      <a:tailEnd type="none" w="med" len="med"/>
+                    </a:lnT>
+                    <a:lnB w="12700" cap="flat" cmpd="sng" algn="ctr">
+                      <a:solidFill>
+                        <a:schemeClr val="tx1"/>
+                      </a:solidFill>
+                      <a:prstDash val="solid"/>
+                      <a:round/>
+                      <a:headEnd type="none" w="med" len="med"/>
+                      <a:tailEnd type="none" w="med" len="med"/>
+                    </a:lnB>
+                    <a:solidFill>
+                      <a:schemeClr val="bg1"/>
+                    </a:solidFill>
+                  </a:tcPr>
+                </a:tc>
+                <a:tc>
+                  <a:txBody>
+                    <a:bodyPr/>
+                    <a:lstStyle/>
+                    <a:p>
+                      <a:pPr latinLnBrk="1"/>
+                      <a:endParaRPr lang="ko-KR" altLang="en-US"/>
+                    </a:p>
+                  </a:txBody>
+                  <a:tcPr>
+                    <a:lnL w="12700" cap="flat" cmpd="sng" algn="ctr">
+                      <a:solidFill>
+                        <a:schemeClr val="tx1"/>
+                      </a:solidFill>
+                      <a:prstDash val="solid"/>
+                      <a:round/>
+                      <a:headEnd type="none" w="med" len="med"/>
+                      <a:tailEnd type="none" w="med" len="med"/>
+                    </a:lnL>
+                    <a:lnR w="12700" cap="flat" cmpd="sng" algn="ctr">
+                      <a:solidFill>
+                        <a:schemeClr val="tx1"/>
+                      </a:solidFill>
+                      <a:prstDash val="solid"/>
+                      <a:round/>
+                      <a:headEnd type="none" w="med" len="med"/>
+                      <a:tailEnd type="none" w="med" len="med"/>
+                    </a:lnR>
+                    <a:lnT w="12700" cap="flat" cmpd="sng" algn="ctr">
+                      <a:solidFill>
+                        <a:schemeClr val="tx1"/>
+                      </a:solidFill>
+                      <a:prstDash val="solid"/>
+                      <a:round/>
+                      <a:headEnd type="none" w="med" len="med"/>
+                      <a:tailEnd type="none" w="med" len="med"/>
+                    </a:lnT>
+                    <a:lnB w="12700" cap="flat" cmpd="sng" algn="ctr">
+                      <a:solidFill>
+                        <a:schemeClr val="tx1"/>
+                      </a:solidFill>
+                      <a:prstDash val="solid"/>
+                      <a:round/>
+                      <a:headEnd type="none" w="med" len="med"/>
+                      <a:tailEnd type="none" w="med" len="med"/>
+                    </a:lnB>
+                    <a:solidFill>
+                      <a:schemeClr val="bg1"/>
+                    </a:solidFill>
+                  </a:tcPr>
+                </a:tc>
+                <a:tc>
+                  <a:txBody>
+                    <a:bodyPr/>
+                    <a:lstStyle/>
+                    <a:p>
+                      <a:pPr latinLnBrk="1"/>
+                      <a:endParaRPr lang="ko-KR" altLang="en-US" dirty="0"/>
+                    </a:p>
+                  </a:txBody>
+                  <a:tcPr>
+                    <a:lnL w="12700" cap="flat" cmpd="sng" algn="ctr">
+                      <a:solidFill>
+                        <a:schemeClr val="tx1"/>
+                      </a:solidFill>
+                      <a:prstDash val="solid"/>
+                      <a:round/>
+                      <a:headEnd type="none" w="med" len="med"/>
+                      <a:tailEnd type="none" w="med" len="med"/>
+                    </a:lnL>
+                    <a:lnR w="12700" cap="flat" cmpd="sng" algn="ctr">
+                      <a:solidFill>
+                        <a:schemeClr val="tx1"/>
+                      </a:solidFill>
+                      <a:prstDash val="solid"/>
+                      <a:round/>
+                      <a:headEnd type="none" w="med" len="med"/>
+                      <a:tailEnd type="none" w="med" len="med"/>
+                    </a:lnR>
+                    <a:lnT w="12700" cap="flat" cmpd="sng" algn="ctr">
+                      <a:solidFill>
+                        <a:schemeClr val="tx1"/>
+                      </a:solidFill>
+                      <a:prstDash val="solid"/>
+                      <a:round/>
+                      <a:headEnd type="none" w="med" len="med"/>
+                      <a:tailEnd type="none" w="med" len="med"/>
+                    </a:lnT>
+                    <a:lnB w="12700" cap="flat" cmpd="sng" algn="ctr">
+                      <a:solidFill>
+                        <a:schemeClr val="tx1"/>
+                      </a:solidFill>
+                      <a:prstDash val="solid"/>
+                      <a:round/>
+                      <a:headEnd type="none" w="med" len="med"/>
+                      <a:tailEnd type="none" w="med" len="med"/>
+                    </a:lnB>
+                    <a:solidFill>
+                      <a:schemeClr val="bg1"/>
+                    </a:solidFill>
+                  </a:tcPr>
+                </a:tc>
+                <a:tc>
+                  <a:txBody>
+                    <a:bodyPr/>
+                    <a:lstStyle/>
+                    <a:p>
+                      <a:pPr latinLnBrk="1"/>
+                      <a:endParaRPr lang="ko-KR" altLang="en-US" dirty="0"/>
+                    </a:p>
+                  </a:txBody>
+                  <a:tcPr>
+                    <a:lnL w="12700" cap="flat" cmpd="sng" algn="ctr">
+                      <a:solidFill>
+                        <a:schemeClr val="tx1"/>
+                      </a:solidFill>
+                      <a:prstDash val="solid"/>
+                      <a:round/>
+                      <a:headEnd type="none" w="med" len="med"/>
+                      <a:tailEnd type="none" w="med" len="med"/>
+                    </a:lnL>
+                    <a:lnR w="12700" cap="flat" cmpd="sng" algn="ctr">
+                      <a:solidFill>
+                        <a:schemeClr val="tx1"/>
+                      </a:solidFill>
+                      <a:prstDash val="solid"/>
+                      <a:round/>
+                      <a:headEnd type="none" w="med" len="med"/>
+                      <a:tailEnd type="none" w="med" len="med"/>
+                    </a:lnR>
+                    <a:lnT w="12700" cap="flat" cmpd="sng" algn="ctr">
+                      <a:solidFill>
+                        <a:schemeClr val="tx1"/>
+                      </a:solidFill>
+                      <a:prstDash val="solid"/>
+                      <a:round/>
+                      <a:headEnd type="none" w="med" len="med"/>
+                      <a:tailEnd type="none" w="med" len="med"/>
+                    </a:lnT>
+                    <a:lnB w="12700" cap="flat" cmpd="sng" algn="ctr">
+                      <a:solidFill>
+                        <a:schemeClr val="tx1"/>
+                      </a:solidFill>
+                      <a:prstDash val="solid"/>
+                      <a:round/>
+                      <a:headEnd type="none" w="med" len="med"/>
+                      <a:tailEnd type="none" w="med" len="med"/>
+                    </a:lnB>
+                    <a:solidFill>
+                      <a:schemeClr val="bg1"/>
+                    </a:solidFill>
+                  </a:tcPr>
+                </a:tc>
+                <a:extLst>
+                  <a:ext uri="{0D108BD9-81ED-4DB2-BD59-A6C34878D82A}">
+                    <a16:rowId xmlns:a16="http://schemas.microsoft.com/office/drawing/2014/main" val="4150040140"/>
+                  </a:ext>
+                </a:extLst>
+              </a:tr>
+            </a:tbl>
+          </a:graphicData>
+        </a:graphic>
+      </p:graphicFrame>
+      <p:graphicFrame>
+        <p:nvGraphicFramePr>
+          <p:cNvPr id="6" name="표 5">
+            <a:extLst>
+              <a:ext uri="{FF2B5EF4-FFF2-40B4-BE49-F238E27FC236}">
+                <a16:creationId xmlns:a16="http://schemas.microsoft.com/office/drawing/2014/main" id="{7164B216-F06A-4C35-A1C0-899144178CAE}"/>
+              </a:ext>
+            </a:extLst>
+          </p:cNvPr>
+          <p:cNvGraphicFramePr>
+            <a:graphicFrameLocks noGrp="1"/>
+          </p:cNvGraphicFramePr>
+          <p:nvPr>
+            <p:extLst>
+              <p:ext uri="{D42A27DB-BD31-4B8C-83A1-F6EECF244321}">
+                <p14:modId xmlns:p14="http://schemas.microsoft.com/office/powerpoint/2010/main" val="2884525371"/>
+              </p:ext>
+            </p:extLst>
+          </p:nvPr>
+        </p:nvGraphicFramePr>
+        <p:xfrm>
+          <a:off x="7264400" y="2397760"/>
+          <a:ext cx="2880000" cy="2926080"/>
+        </p:xfrm>
+        <a:graphic>
+          <a:graphicData uri="http://schemas.openxmlformats.org/drawingml/2006/table">
+            <a:tbl>
+              <a:tblPr firstRow="1" bandRow="1">
+                <a:tableStyleId>{5C22544A-7EE6-4342-B048-85BDC9FD1C3A}</a:tableStyleId>
+              </a:tblPr>
+              <a:tblGrid>
+                <a:gridCol w="360000">
+                  <a:extLst>
+                    <a:ext uri="{9D8B030D-6E8A-4147-A177-3AD203B41FA5}">
+                      <a16:colId xmlns:a16="http://schemas.microsoft.com/office/drawing/2014/main" val="1437964437"/>
+                    </a:ext>
+                  </a:extLst>
+                </a:gridCol>
+                <a:gridCol w="360000">
+                  <a:extLst>
+                    <a:ext uri="{9D8B030D-6E8A-4147-A177-3AD203B41FA5}">
+                      <a16:colId xmlns:a16="http://schemas.microsoft.com/office/drawing/2014/main" val="517532757"/>
+                    </a:ext>
+                  </a:extLst>
+                </a:gridCol>
+                <a:gridCol w="360000">
+                  <a:extLst>
+                    <a:ext uri="{9D8B030D-6E8A-4147-A177-3AD203B41FA5}">
+                      <a16:colId xmlns:a16="http://schemas.microsoft.com/office/drawing/2014/main" val="2355690496"/>
+                    </a:ext>
+                  </a:extLst>
+                </a:gridCol>
+                <a:gridCol w="360000">
+                  <a:extLst>
+                    <a:ext uri="{9D8B030D-6E8A-4147-A177-3AD203B41FA5}">
+                      <a16:colId xmlns:a16="http://schemas.microsoft.com/office/drawing/2014/main" val="3212107832"/>
+                    </a:ext>
+                  </a:extLst>
+                </a:gridCol>
+                <a:gridCol w="360000">
+                  <a:extLst>
+                    <a:ext uri="{9D8B030D-6E8A-4147-A177-3AD203B41FA5}">
+                      <a16:colId xmlns:a16="http://schemas.microsoft.com/office/drawing/2014/main" val="680961254"/>
+                    </a:ext>
+                  </a:extLst>
+                </a:gridCol>
+                <a:gridCol w="360000">
+                  <a:extLst>
+                    <a:ext uri="{9D8B030D-6E8A-4147-A177-3AD203B41FA5}">
+                      <a16:colId xmlns:a16="http://schemas.microsoft.com/office/drawing/2014/main" val="979072415"/>
+                    </a:ext>
+                  </a:extLst>
+                </a:gridCol>
+                <a:gridCol w="360000">
+                  <a:extLst>
+                    <a:ext uri="{9D8B030D-6E8A-4147-A177-3AD203B41FA5}">
+                      <a16:colId xmlns:a16="http://schemas.microsoft.com/office/drawing/2014/main" val="3556402287"/>
+                    </a:ext>
+                  </a:extLst>
+                </a:gridCol>
+                <a:gridCol w="360000">
+                  <a:extLst>
+                    <a:ext uri="{9D8B030D-6E8A-4147-A177-3AD203B41FA5}">
+                      <a16:colId xmlns:a16="http://schemas.microsoft.com/office/drawing/2014/main" val="2852753309"/>
+                    </a:ext>
+                  </a:extLst>
+                </a:gridCol>
+              </a:tblGrid>
+              <a:tr h="360000">
+                <a:tc>
+                  <a:txBody>
+                    <a:bodyPr/>
+                    <a:lstStyle/>
+                    <a:p>
+                      <a:pPr latinLnBrk="1"/>
+                      <a:endParaRPr lang="ko-KR" altLang="en-US" dirty="0"/>
+                    </a:p>
+                  </a:txBody>
+                  <a:tcPr>
+                    <a:lnL w="12700" cap="flat" cmpd="sng" algn="ctr">
+                      <a:solidFill>
+                        <a:schemeClr val="tx1"/>
+                      </a:solidFill>
+                      <a:prstDash val="solid"/>
+                      <a:round/>
+                      <a:headEnd type="none" w="med" len="med"/>
+                      <a:tailEnd type="none" w="med" len="med"/>
+                    </a:lnL>
+                    <a:lnR w="12700" cap="flat" cmpd="sng" algn="ctr">
+                      <a:solidFill>
+                        <a:schemeClr val="tx1"/>
+                      </a:solidFill>
+                      <a:prstDash val="solid"/>
+                      <a:round/>
+                      <a:headEnd type="none" w="med" len="med"/>
+                      <a:tailEnd type="none" w="med" len="med"/>
+                    </a:lnR>
+                    <a:lnT w="12700" cap="flat" cmpd="sng" algn="ctr">
+                      <a:solidFill>
+                        <a:schemeClr val="tx1"/>
+                      </a:solidFill>
+                      <a:prstDash val="solid"/>
+                      <a:round/>
+                      <a:headEnd type="none" w="med" len="med"/>
+                      <a:tailEnd type="none" w="med" len="med"/>
+                    </a:lnT>
+                    <a:lnB w="12700" cap="flat" cmpd="sng" algn="ctr">
+                      <a:solidFill>
+                        <a:schemeClr val="tx1"/>
+                      </a:solidFill>
+                      <a:prstDash val="solid"/>
+                      <a:round/>
+                      <a:headEnd type="none" w="med" len="med"/>
+                      <a:tailEnd type="none" w="med" len="med"/>
+                    </a:lnB>
+                    <a:solidFill>
+                      <a:schemeClr val="bg1"/>
+                    </a:solidFill>
+                  </a:tcPr>
+                </a:tc>
+                <a:tc>
+                  <a:txBody>
+                    <a:bodyPr/>
+                    <a:lstStyle/>
+                    <a:p>
+                      <a:pPr latinLnBrk="1"/>
+                      <a:endParaRPr lang="ko-KR" altLang="en-US"/>
+                    </a:p>
+                  </a:txBody>
+                  <a:tcPr>
+                    <a:lnL w="12700" cap="flat" cmpd="sng" algn="ctr">
+                      <a:solidFill>
+                        <a:schemeClr val="tx1"/>
+                      </a:solidFill>
+                      <a:prstDash val="solid"/>
+                      <a:round/>
+                      <a:headEnd type="none" w="med" len="med"/>
+                      <a:tailEnd type="none" w="med" len="med"/>
+                    </a:lnL>
+                    <a:lnR w="12700" cap="flat" cmpd="sng" algn="ctr">
+                      <a:solidFill>
+                        <a:schemeClr val="tx1"/>
+                      </a:solidFill>
+                      <a:prstDash val="solid"/>
+                      <a:round/>
+                      <a:headEnd type="none" w="med" len="med"/>
+                      <a:tailEnd type="none" w="med" len="med"/>
+                    </a:lnR>
+                    <a:lnT w="12700" cap="flat" cmpd="sng" algn="ctr">
+                      <a:solidFill>
+                        <a:schemeClr val="tx1"/>
+                      </a:solidFill>
+                      <a:prstDash val="solid"/>
+                      <a:round/>
+                      <a:headEnd type="none" w="med" len="med"/>
+                      <a:tailEnd type="none" w="med" len="med"/>
+                    </a:lnT>
+                    <a:lnB w="12700" cap="flat" cmpd="sng" algn="ctr">
+                      <a:solidFill>
+                        <a:schemeClr val="tx1"/>
+                      </a:solidFill>
+                      <a:prstDash val="solid"/>
+                      <a:round/>
+                      <a:headEnd type="none" w="med" len="med"/>
+                      <a:tailEnd type="none" w="med" len="med"/>
+                    </a:lnB>
+                    <a:solidFill>
+                      <a:schemeClr val="bg1"/>
+                    </a:solidFill>
+                  </a:tcPr>
+                </a:tc>
+                <a:tc>
+                  <a:txBody>
+                    <a:bodyPr/>
+                    <a:lstStyle/>
+                    <a:p>
+                      <a:pPr latinLnBrk="1"/>
+                      <a:endParaRPr lang="ko-KR" altLang="en-US"/>
+                    </a:p>
+                  </a:txBody>
+                  <a:tcPr>
+                    <a:lnL w="12700" cap="flat" cmpd="sng" algn="ctr">
+                      <a:solidFill>
+                        <a:schemeClr val="tx1"/>
+                      </a:solidFill>
+                      <a:prstDash val="solid"/>
+                      <a:round/>
+                      <a:headEnd type="none" w="med" len="med"/>
+                      <a:tailEnd type="none" w="med" len="med"/>
+                    </a:lnL>
+                    <a:lnR w="12700" cap="flat" cmpd="sng" algn="ctr">
+                      <a:solidFill>
+                        <a:schemeClr val="tx1"/>
+                      </a:solidFill>
+                      <a:prstDash val="solid"/>
+                      <a:round/>
+                      <a:headEnd type="none" w="med" len="med"/>
+                      <a:tailEnd type="none" w="med" len="med"/>
+                    </a:lnR>
+                    <a:lnT w="12700" cap="flat" cmpd="sng" algn="ctr">
+                      <a:solidFill>
+                        <a:schemeClr val="tx1"/>
+                      </a:solidFill>
+                      <a:prstDash val="solid"/>
+                      <a:round/>
+                      <a:headEnd type="none" w="med" len="med"/>
+                      <a:tailEnd type="none" w="med" len="med"/>
+                    </a:lnT>
+                    <a:lnB w="12700" cap="flat" cmpd="sng" algn="ctr">
+                      <a:solidFill>
+                        <a:schemeClr val="tx1"/>
+                      </a:solidFill>
+                      <a:prstDash val="solid"/>
+                      <a:round/>
+                      <a:headEnd type="none" w="med" len="med"/>
+                      <a:tailEnd type="none" w="med" len="med"/>
+                    </a:lnB>
+                    <a:solidFill>
+                      <a:schemeClr val="bg1"/>
+                    </a:solidFill>
+                  </a:tcPr>
+                </a:tc>
+                <a:tc>
+                  <a:txBody>
+                    <a:bodyPr/>
+                    <a:lstStyle/>
+                    <a:p>
+                      <a:pPr latinLnBrk="1"/>
+                      <a:endParaRPr lang="ko-KR" altLang="en-US"/>
+                    </a:p>
+                  </a:txBody>
+                  <a:tcPr>
+                    <a:lnL w="12700" cap="flat" cmpd="sng" algn="ctr">
+                      <a:solidFill>
+                        <a:schemeClr val="tx1"/>
+                      </a:solidFill>
+                      <a:prstDash val="solid"/>
+                      <a:round/>
+                      <a:headEnd type="none" w="med" len="med"/>
+                      <a:tailEnd type="none" w="med" len="med"/>
+                    </a:lnL>
+                    <a:lnR w="12700" cap="flat" cmpd="sng" algn="ctr">
+                      <a:solidFill>
+                        <a:schemeClr val="tx1"/>
+                      </a:solidFill>
+                      <a:prstDash val="solid"/>
+                      <a:round/>
+                      <a:headEnd type="none" w="med" len="med"/>
+                      <a:tailEnd type="none" w="med" len="med"/>
+                    </a:lnR>
+                    <a:lnT w="12700" cap="flat" cmpd="sng" algn="ctr">
+                      <a:solidFill>
+                        <a:schemeClr val="tx1"/>
+                      </a:solidFill>
+                      <a:prstDash val="solid"/>
+                      <a:round/>
+                      <a:headEnd type="none" w="med" len="med"/>
+                      <a:tailEnd type="none" w="med" len="med"/>
+                    </a:lnT>
+                    <a:lnB w="12700" cap="flat" cmpd="sng" algn="ctr">
+                      <a:solidFill>
+                        <a:schemeClr val="tx1"/>
+                      </a:solidFill>
+                      <a:prstDash val="solid"/>
+                      <a:round/>
+                      <a:headEnd type="none" w="med" len="med"/>
+                      <a:tailEnd type="none" w="med" len="med"/>
+                    </a:lnB>
+                    <a:solidFill>
+                      <a:schemeClr val="bg1"/>
+                    </a:solidFill>
+                  </a:tcPr>
+                </a:tc>
+                <a:tc>
+                  <a:txBody>
+                    <a:bodyPr/>
+                    <a:lstStyle/>
+                    <a:p>
+                      <a:pPr latinLnBrk="1"/>
+                      <a:endParaRPr lang="ko-KR" altLang="en-US" dirty="0"/>
+                    </a:p>
+                  </a:txBody>
+                  <a:tcPr>
+                    <a:lnL w="12700" cap="flat" cmpd="sng" algn="ctr">
+                      <a:solidFill>
+                        <a:schemeClr val="tx1"/>
+                      </a:solidFill>
+                      <a:prstDash val="solid"/>
+                      <a:round/>
+                      <a:headEnd type="none" w="med" len="med"/>
+                      <a:tailEnd type="none" w="med" len="med"/>
+                    </a:lnL>
+                    <a:lnR w="12700" cap="flat" cmpd="sng" algn="ctr">
+                      <a:solidFill>
+                        <a:schemeClr val="tx1"/>
+                      </a:solidFill>
+                      <a:prstDash val="solid"/>
+                      <a:round/>
+                      <a:headEnd type="none" w="med" len="med"/>
+                      <a:tailEnd type="none" w="med" len="med"/>
+                    </a:lnR>
+                    <a:lnT w="12700" cap="flat" cmpd="sng" algn="ctr">
+                      <a:solidFill>
+                        <a:schemeClr val="tx1"/>
+                      </a:solidFill>
+                      <a:prstDash val="solid"/>
+                      <a:round/>
+                      <a:headEnd type="none" w="med" len="med"/>
+                      <a:tailEnd type="none" w="med" len="med"/>
+                    </a:lnT>
+                    <a:lnB w="12700" cap="flat" cmpd="sng" algn="ctr">
+                      <a:solidFill>
+                        <a:schemeClr val="tx1"/>
+                      </a:solidFill>
+                      <a:prstDash val="solid"/>
+                      <a:round/>
+                      <a:headEnd type="none" w="med" len="med"/>
+                      <a:tailEnd type="none" w="med" len="med"/>
+                    </a:lnB>
+                    <a:solidFill>
+                      <a:schemeClr val="bg1"/>
+                    </a:solidFill>
+                  </a:tcPr>
+                </a:tc>
+                <a:tc>
+                  <a:txBody>
+                    <a:bodyPr/>
+                    <a:lstStyle/>
+                    <a:p>
+                      <a:pPr latinLnBrk="1"/>
+                      <a:endParaRPr lang="ko-KR" altLang="en-US"/>
+                    </a:p>
+                  </a:txBody>
+                  <a:tcPr>
+                    <a:lnL w="12700" cap="flat" cmpd="sng" algn="ctr">
+                      <a:solidFill>
+                        <a:schemeClr val="tx1"/>
+                      </a:solidFill>
+                      <a:prstDash val="solid"/>
+                      <a:round/>
+                      <a:headEnd type="none" w="med" len="med"/>
+                      <a:tailEnd type="none" w="med" len="med"/>
+                    </a:lnL>
+                    <a:lnR w="12700" cap="flat" cmpd="sng" algn="ctr">
+                      <a:solidFill>
+                        <a:schemeClr val="tx1"/>
+                      </a:solidFill>
+                      <a:prstDash val="solid"/>
+                      <a:round/>
+                      <a:headEnd type="none" w="med" len="med"/>
+                      <a:tailEnd type="none" w="med" len="med"/>
+                    </a:lnR>
+                    <a:lnT w="12700" cap="flat" cmpd="sng" algn="ctr">
+                      <a:solidFill>
+                        <a:schemeClr val="tx1"/>
+                      </a:solidFill>
+                      <a:prstDash val="solid"/>
+                      <a:round/>
+                      <a:headEnd type="none" w="med" len="med"/>
+                      <a:tailEnd type="none" w="med" len="med"/>
+                    </a:lnT>
+                    <a:lnB w="12700" cap="flat" cmpd="sng" algn="ctr">
+                      <a:solidFill>
+                        <a:schemeClr val="tx1"/>
+                      </a:solidFill>
+                      <a:prstDash val="solid"/>
+                      <a:round/>
+                      <a:headEnd type="none" w="med" len="med"/>
+                      <a:tailEnd type="none" w="med" len="med"/>
+                    </a:lnB>
+                    <a:solidFill>
+                      <a:schemeClr val="bg1"/>
+                    </a:solidFill>
+                  </a:tcPr>
+                </a:tc>
+                <a:tc>
+                  <a:txBody>
+                    <a:bodyPr/>
+                    <a:lstStyle/>
+                    <a:p>
+                      <a:pPr latinLnBrk="1"/>
+                      <a:endParaRPr lang="ko-KR" altLang="en-US"/>
+                    </a:p>
+                  </a:txBody>
+                  <a:tcPr>
+                    <a:lnL w="12700" cap="flat" cmpd="sng" algn="ctr">
+                      <a:solidFill>
+                        <a:schemeClr val="tx1"/>
+                      </a:solidFill>
+                      <a:prstDash val="solid"/>
+                      <a:round/>
+                      <a:headEnd type="none" w="med" len="med"/>
+                      <a:tailEnd type="none" w="med" len="med"/>
+                    </a:lnL>
+                    <a:lnR w="12700" cap="flat" cmpd="sng" algn="ctr">
+                      <a:solidFill>
+                        <a:schemeClr val="tx1"/>
+                      </a:solidFill>
+                      <a:prstDash val="solid"/>
+                      <a:round/>
+                      <a:headEnd type="none" w="med" len="med"/>
+                      <a:tailEnd type="none" w="med" len="med"/>
+                    </a:lnR>
+                    <a:lnT w="12700" cap="flat" cmpd="sng" algn="ctr">
+                      <a:solidFill>
+                        <a:schemeClr val="tx1"/>
+                      </a:solidFill>
+                      <a:prstDash val="solid"/>
+                      <a:round/>
+                      <a:headEnd type="none" w="med" len="med"/>
+                      <a:tailEnd type="none" w="med" len="med"/>
+                    </a:lnT>
+                    <a:lnB w="12700" cap="flat" cmpd="sng" algn="ctr">
+                      <a:solidFill>
+                        <a:schemeClr val="tx1"/>
+                      </a:solidFill>
+                      <a:prstDash val="solid"/>
+                      <a:round/>
+                      <a:headEnd type="none" w="med" len="med"/>
+                      <a:tailEnd type="none" w="med" len="med"/>
+                    </a:lnB>
+                    <a:solidFill>
+                      <a:schemeClr val="bg1"/>
+                    </a:solidFill>
+                  </a:tcPr>
+                </a:tc>
+                <a:tc>
+                  <a:txBody>
+                    <a:bodyPr/>
+                    <a:lstStyle/>
+                    <a:p>
+                      <a:pPr latinLnBrk="1"/>
+                      <a:endParaRPr lang="ko-KR" altLang="en-US"/>
+                    </a:p>
+                  </a:txBody>
+                  <a:tcPr>
+                    <a:lnL w="12700" cap="flat" cmpd="sng" algn="ctr">
+                      <a:solidFill>
+                        <a:schemeClr val="tx1"/>
+                      </a:solidFill>
+                      <a:prstDash val="solid"/>
+                      <a:round/>
+                      <a:headEnd type="none" w="med" len="med"/>
+                      <a:tailEnd type="none" w="med" len="med"/>
+                    </a:lnL>
+                    <a:lnR w="12700" cap="flat" cmpd="sng" algn="ctr">
+                      <a:solidFill>
+                        <a:schemeClr val="tx1"/>
+                      </a:solidFill>
+                      <a:prstDash val="solid"/>
+                      <a:round/>
+                      <a:headEnd type="none" w="med" len="med"/>
+                      <a:tailEnd type="none" w="med" len="med"/>
+                    </a:lnR>
+                    <a:lnT w="12700" cap="flat" cmpd="sng" algn="ctr">
+                      <a:solidFill>
+                        <a:schemeClr val="tx1"/>
+                      </a:solidFill>
+                      <a:prstDash val="solid"/>
+                      <a:round/>
+                      <a:headEnd type="none" w="med" len="med"/>
+                      <a:tailEnd type="none" w="med" len="med"/>
+                    </a:lnT>
+                    <a:lnB w="12700" cap="flat" cmpd="sng" algn="ctr">
+                      <a:solidFill>
+                        <a:schemeClr val="tx1"/>
+                      </a:solidFill>
+                      <a:prstDash val="solid"/>
+                      <a:round/>
+                      <a:headEnd type="none" w="med" len="med"/>
+                      <a:tailEnd type="none" w="med" len="med"/>
+                    </a:lnB>
+                    <a:solidFill>
+                      <a:schemeClr val="bg1"/>
+                    </a:solidFill>
+                  </a:tcPr>
+                </a:tc>
+                <a:extLst>
+                  <a:ext uri="{0D108BD9-81ED-4DB2-BD59-A6C34878D82A}">
+                    <a16:rowId xmlns:a16="http://schemas.microsoft.com/office/drawing/2014/main" val="3451686832"/>
+                  </a:ext>
+                </a:extLst>
+              </a:tr>
+              <a:tr h="360000">
+                <a:tc>
+                  <a:txBody>
+                    <a:bodyPr/>
+                    <a:lstStyle/>
+                    <a:p>
+                      <a:pPr latinLnBrk="1"/>
+                      <a:endParaRPr lang="ko-KR" altLang="en-US"/>
+                    </a:p>
+                  </a:txBody>
+                  <a:tcPr>
+                    <a:lnL w="12700" cap="flat" cmpd="sng" algn="ctr">
+                      <a:solidFill>
+                        <a:schemeClr val="tx1"/>
+                      </a:solidFill>
+                      <a:prstDash val="solid"/>
+                      <a:round/>
+                      <a:headEnd type="none" w="med" len="med"/>
+                      <a:tailEnd type="none" w="med" len="med"/>
+                    </a:lnL>
+                    <a:lnR w="12700" cap="flat" cmpd="sng" algn="ctr">
+                      <a:solidFill>
+                        <a:schemeClr val="tx1"/>
+                      </a:solidFill>
+                      <a:prstDash val="solid"/>
+                      <a:round/>
+                      <a:headEnd type="none" w="med" len="med"/>
+                      <a:tailEnd type="none" w="med" len="med"/>
+                    </a:lnR>
+                    <a:lnT w="12700" cap="flat" cmpd="sng" algn="ctr">
+                      <a:solidFill>
+                        <a:schemeClr val="tx1"/>
+                      </a:solidFill>
+                      <a:prstDash val="solid"/>
+                      <a:round/>
+                      <a:headEnd type="none" w="med" len="med"/>
+                      <a:tailEnd type="none" w="med" len="med"/>
+                    </a:lnT>
+                    <a:lnB w="12700" cap="flat" cmpd="sng" algn="ctr">
+                      <a:solidFill>
+                        <a:schemeClr val="tx1"/>
+                      </a:solidFill>
+                      <a:prstDash val="solid"/>
+                      <a:round/>
+                      <a:headEnd type="none" w="med" len="med"/>
+                      <a:tailEnd type="none" w="med" len="med"/>
+                    </a:lnB>
+                    <a:solidFill>
+                      <a:schemeClr val="bg1"/>
+                    </a:solidFill>
+                  </a:tcPr>
+                </a:tc>
+                <a:tc>
+                  <a:txBody>
+                    <a:bodyPr/>
+                    <a:lstStyle/>
+                    <a:p>
+                      <a:pPr latinLnBrk="1"/>
+                      <a:endParaRPr lang="ko-KR" altLang="en-US" dirty="0"/>
+                    </a:p>
+                  </a:txBody>
+                  <a:tcPr>
+                    <a:lnL w="12700" cap="flat" cmpd="sng" algn="ctr">
+                      <a:solidFill>
+                        <a:schemeClr val="tx1"/>
+                      </a:solidFill>
+                      <a:prstDash val="solid"/>
+                      <a:round/>
+                      <a:headEnd type="none" w="med" len="med"/>
+                      <a:tailEnd type="none" w="med" len="med"/>
+                    </a:lnL>
+                    <a:lnR w="12700" cap="flat" cmpd="sng" algn="ctr">
+                      <a:solidFill>
+                        <a:schemeClr val="tx1"/>
+                      </a:solidFill>
+                      <a:prstDash val="solid"/>
+                      <a:round/>
+                      <a:headEnd type="none" w="med" len="med"/>
+                      <a:tailEnd type="none" w="med" len="med"/>
+                    </a:lnR>
+                    <a:lnT w="12700" cap="flat" cmpd="sng" algn="ctr">
+                      <a:solidFill>
+                        <a:schemeClr val="tx1"/>
+                      </a:solidFill>
+                      <a:prstDash val="solid"/>
+                      <a:round/>
+                      <a:headEnd type="none" w="med" len="med"/>
+                      <a:tailEnd type="none" w="med" len="med"/>
+                    </a:lnT>
+                    <a:lnB w="12700" cap="flat" cmpd="sng" algn="ctr">
+                      <a:solidFill>
+                        <a:schemeClr val="tx1"/>
+                      </a:solidFill>
+                      <a:prstDash val="solid"/>
+                      <a:round/>
+                      <a:headEnd type="none" w="med" len="med"/>
+                      <a:tailEnd type="none" w="med" len="med"/>
+                    </a:lnB>
+                    <a:solidFill>
+                      <a:schemeClr val="bg1"/>
+                    </a:solidFill>
+                  </a:tcPr>
+                </a:tc>
+                <a:tc>
+                  <a:txBody>
+                    <a:bodyPr/>
+                    <a:lstStyle/>
+                    <a:p>
+                      <a:pPr latinLnBrk="1"/>
+                      <a:endParaRPr lang="ko-KR" altLang="en-US"/>
+                    </a:p>
+                  </a:txBody>
+                  <a:tcPr>
+                    <a:lnL w="12700" cap="flat" cmpd="sng" algn="ctr">
+                      <a:solidFill>
+                        <a:schemeClr val="tx1"/>
+                      </a:solidFill>
+                      <a:prstDash val="solid"/>
+                      <a:round/>
+                      <a:headEnd type="none" w="med" len="med"/>
+                      <a:tailEnd type="none" w="med" len="med"/>
+                    </a:lnL>
+                    <a:lnR w="12700" cap="flat" cmpd="sng" algn="ctr">
+                      <a:solidFill>
+                        <a:schemeClr val="tx1"/>
+                      </a:solidFill>
+                      <a:prstDash val="solid"/>
+                      <a:round/>
+                      <a:headEnd type="none" w="med" len="med"/>
+                      <a:tailEnd type="none" w="med" len="med"/>
+                    </a:lnR>
+                    <a:lnT w="12700" cap="flat" cmpd="sng" algn="ctr">
+                      <a:solidFill>
+                        <a:schemeClr val="tx1"/>
+                      </a:solidFill>
+                      <a:prstDash val="solid"/>
+                      <a:round/>
+                      <a:headEnd type="none" w="med" len="med"/>
+                      <a:tailEnd type="none" w="med" len="med"/>
+                    </a:lnT>
+                    <a:lnB w="12700" cap="flat" cmpd="sng" algn="ctr">
+                      <a:solidFill>
+                        <a:schemeClr val="tx1"/>
+                      </a:solidFill>
+                      <a:prstDash val="solid"/>
+                      <a:round/>
+                      <a:headEnd type="none" w="med" len="med"/>
+                      <a:tailEnd type="none" w="med" len="med"/>
+                    </a:lnB>
+                    <a:solidFill>
+                      <a:schemeClr val="bg1"/>
+                    </a:solidFill>
+                  </a:tcPr>
+                </a:tc>
+                <a:tc>
+                  <a:txBody>
+                    <a:bodyPr/>
+                    <a:lstStyle/>
+                    <a:p>
+                      <a:pPr latinLnBrk="1"/>
+                      <a:endParaRPr lang="ko-KR" altLang="en-US"/>
+                    </a:p>
+                  </a:txBody>
+                  <a:tcPr>
+                    <a:lnL w="12700" cap="flat" cmpd="sng" algn="ctr">
+                      <a:solidFill>
+                        <a:schemeClr val="tx1"/>
+                      </a:solidFill>
+                      <a:prstDash val="solid"/>
+                      <a:round/>
+                      <a:headEnd type="none" w="med" len="med"/>
+                      <a:tailEnd type="none" w="med" len="med"/>
+                    </a:lnL>
+                    <a:lnR w="12700" cap="flat" cmpd="sng" algn="ctr">
+                      <a:solidFill>
+                        <a:schemeClr val="tx1"/>
+                      </a:solidFill>
+                      <a:prstDash val="solid"/>
+                      <a:round/>
+                      <a:headEnd type="none" w="med" len="med"/>
+                      <a:tailEnd type="none" w="med" len="med"/>
+                    </a:lnR>
+                    <a:lnT w="12700" cap="flat" cmpd="sng" algn="ctr">
+                      <a:solidFill>
+                        <a:schemeClr val="tx1"/>
+                      </a:solidFill>
+                      <a:prstDash val="solid"/>
+                      <a:round/>
+                      <a:headEnd type="none" w="med" len="med"/>
+                      <a:tailEnd type="none" w="med" len="med"/>
+                    </a:lnT>
+                    <a:lnB w="12700" cap="flat" cmpd="sng" algn="ctr">
+                      <a:solidFill>
+                        <a:schemeClr val="tx1"/>
+                      </a:solidFill>
+                      <a:prstDash val="solid"/>
+                      <a:round/>
+                      <a:headEnd type="none" w="med" len="med"/>
+                      <a:tailEnd type="none" w="med" len="med"/>
+                    </a:lnB>
+                    <a:solidFill>
+                      <a:schemeClr val="bg1"/>
+                    </a:solidFill>
+                  </a:tcPr>
+                </a:tc>
+                <a:tc>
+                  <a:txBody>
+                    <a:bodyPr/>
+                    <a:lstStyle/>
+                    <a:p>
+                      <a:pPr latinLnBrk="1"/>
+                      <a:endParaRPr lang="ko-KR" altLang="en-US"/>
+                    </a:p>
+                  </a:txBody>
+                  <a:tcPr>
+                    <a:lnL w="12700" cap="flat" cmpd="sng" algn="ctr">
+                      <a:solidFill>
+                        <a:schemeClr val="tx1"/>
+                      </a:solidFill>
+                      <a:prstDash val="solid"/>
+                      <a:round/>
+                      <a:headEnd type="none" w="med" len="med"/>
+                      <a:tailEnd type="none" w="med" len="med"/>
+                    </a:lnL>
+                    <a:lnR w="12700" cap="flat" cmpd="sng" algn="ctr">
+                      <a:solidFill>
+                        <a:schemeClr val="tx1"/>
+                      </a:solidFill>
+                      <a:prstDash val="solid"/>
+                      <a:round/>
+                      <a:headEnd type="none" w="med" len="med"/>
+                      <a:tailEnd type="none" w="med" len="med"/>
+                    </a:lnR>
+                    <a:lnT w="12700" cap="flat" cmpd="sng" algn="ctr">
+                      <a:solidFill>
+                        <a:schemeClr val="tx1"/>
+                      </a:solidFill>
+                      <a:prstDash val="solid"/>
+                      <a:round/>
+                      <a:headEnd type="none" w="med" len="med"/>
+                      <a:tailEnd type="none" w="med" len="med"/>
+                    </a:lnT>
+                    <a:lnB w="12700" cap="flat" cmpd="sng" algn="ctr">
+                      <a:solidFill>
+                        <a:schemeClr val="tx1"/>
+                      </a:solidFill>
+                      <a:prstDash val="solid"/>
+                      <a:round/>
+                      <a:headEnd type="none" w="med" len="med"/>
+                      <a:tailEnd type="none" w="med" len="med"/>
+                    </a:lnB>
+                    <a:solidFill>
+                      <a:schemeClr val="bg1"/>
+                    </a:solidFill>
+                  </a:tcPr>
+                </a:tc>
+                <a:tc>
+                  <a:txBody>
+                    <a:bodyPr/>
+                    <a:lstStyle/>
+                    <a:p>
+                      <a:pPr latinLnBrk="1"/>
+                      <a:endParaRPr lang="ko-KR" altLang="en-US"/>
+                    </a:p>
+                  </a:txBody>
+                  <a:tcPr>
+                    <a:lnL w="12700" cap="flat" cmpd="sng" algn="ctr">
+                      <a:solidFill>
+                        <a:schemeClr val="tx1"/>
+                      </a:solidFill>
+                      <a:prstDash val="solid"/>
+                      <a:round/>
+                      <a:headEnd type="none" w="med" len="med"/>
+                      <a:tailEnd type="none" w="med" len="med"/>
+                    </a:lnL>
+                    <a:lnR w="12700" cap="flat" cmpd="sng" algn="ctr">
+                      <a:solidFill>
+                        <a:schemeClr val="tx1"/>
+                      </a:solidFill>
+                      <a:prstDash val="solid"/>
+                      <a:round/>
+                      <a:headEnd type="none" w="med" len="med"/>
+                      <a:tailEnd type="none" w="med" len="med"/>
+                    </a:lnR>
+                    <a:lnT w="12700" cap="flat" cmpd="sng" algn="ctr">
+                      <a:solidFill>
+                        <a:schemeClr val="tx1"/>
+                      </a:solidFill>
+                      <a:prstDash val="solid"/>
+                      <a:round/>
+                      <a:headEnd type="none" w="med" len="med"/>
+                      <a:tailEnd type="none" w="med" len="med"/>
+                    </a:lnT>
+                    <a:lnB w="12700" cap="flat" cmpd="sng" algn="ctr">
+                      <a:solidFill>
+                        <a:schemeClr val="tx1"/>
+                      </a:solidFill>
+                      <a:prstDash val="solid"/>
+                      <a:round/>
+                      <a:headEnd type="none" w="med" len="med"/>
+                      <a:tailEnd type="none" w="med" len="med"/>
+                    </a:lnB>
+                    <a:solidFill>
+                      <a:schemeClr val="bg1"/>
+                    </a:solidFill>
+                  </a:tcPr>
+                </a:tc>
+                <a:tc>
+                  <a:txBody>
+                    <a:bodyPr/>
+                    <a:lstStyle/>
+                    <a:p>
+                      <a:pPr latinLnBrk="1"/>
+                      <a:endParaRPr lang="ko-KR" altLang="en-US"/>
+                    </a:p>
+                  </a:txBody>
+                  <a:tcPr>
+                    <a:lnL w="12700" cap="flat" cmpd="sng" algn="ctr">
+                      <a:solidFill>
+                        <a:schemeClr val="tx1"/>
+                      </a:solidFill>
+                      <a:prstDash val="solid"/>
+                      <a:round/>
+                      <a:headEnd type="none" w="med" len="med"/>
+                      <a:tailEnd type="none" w="med" len="med"/>
+                    </a:lnL>
+                    <a:lnR w="12700" cap="flat" cmpd="sng" algn="ctr">
+                      <a:solidFill>
+                        <a:schemeClr val="tx1"/>
+                      </a:solidFill>
+                      <a:prstDash val="solid"/>
+                      <a:round/>
+                      <a:headEnd type="none" w="med" len="med"/>
+                      <a:tailEnd type="none" w="med" len="med"/>
+                    </a:lnR>
+                    <a:lnT w="12700" cap="flat" cmpd="sng" algn="ctr">
+                      <a:solidFill>
+                        <a:schemeClr val="tx1"/>
+                      </a:solidFill>
+                      <a:prstDash val="solid"/>
+                      <a:round/>
+                      <a:headEnd type="none" w="med" len="med"/>
+                      <a:tailEnd type="none" w="med" len="med"/>
+                    </a:lnT>
+                    <a:lnB w="12700" cap="flat" cmpd="sng" algn="ctr">
+                      <a:solidFill>
+                        <a:schemeClr val="tx1"/>
+                      </a:solidFill>
+                      <a:prstDash val="solid"/>
+                      <a:round/>
+                      <a:headEnd type="none" w="med" len="med"/>
+                      <a:tailEnd type="none" w="med" len="med"/>
+                    </a:lnB>
+                    <a:solidFill>
+                      <a:schemeClr val="bg1"/>
+                    </a:solidFill>
+                  </a:tcPr>
+                </a:tc>
+                <a:tc>
+                  <a:txBody>
+                    <a:bodyPr/>
+                    <a:lstStyle/>
+                    <a:p>
+                      <a:pPr latinLnBrk="1"/>
+                      <a:endParaRPr lang="ko-KR" altLang="en-US"/>
+                    </a:p>
+                  </a:txBody>
+                  <a:tcPr>
+                    <a:lnL w="12700" cap="flat" cmpd="sng" algn="ctr">
+                      <a:solidFill>
+                        <a:schemeClr val="tx1"/>
+                      </a:solidFill>
+                      <a:prstDash val="solid"/>
+                      <a:round/>
+                      <a:headEnd type="none" w="med" len="med"/>
+                      <a:tailEnd type="none" w="med" len="med"/>
+                    </a:lnL>
+                    <a:lnR w="12700" cap="flat" cmpd="sng" algn="ctr">
+                      <a:solidFill>
+                        <a:schemeClr val="tx1"/>
+                      </a:solidFill>
+                      <a:prstDash val="solid"/>
+                      <a:round/>
+                      <a:headEnd type="none" w="med" len="med"/>
+                      <a:tailEnd type="none" w="med" len="med"/>
+                    </a:lnR>
+                    <a:lnT w="12700" cap="flat" cmpd="sng" algn="ctr">
+                      <a:solidFill>
+                        <a:schemeClr val="tx1"/>
+                      </a:solidFill>
+                      <a:prstDash val="solid"/>
+                      <a:round/>
+                      <a:headEnd type="none" w="med" len="med"/>
+                      <a:tailEnd type="none" w="med" len="med"/>
+                    </a:lnT>
+                    <a:lnB w="12700" cap="flat" cmpd="sng" algn="ctr">
+                      <a:solidFill>
+                        <a:schemeClr val="tx1"/>
+                      </a:solidFill>
+                      <a:prstDash val="solid"/>
+                      <a:round/>
+                      <a:headEnd type="none" w="med" len="med"/>
+                      <a:tailEnd type="none" w="med" len="med"/>
+                    </a:lnB>
+                    <a:solidFill>
+                      <a:schemeClr val="bg1"/>
+                    </a:solidFill>
+                  </a:tcPr>
+                </a:tc>
+                <a:extLst>
+                  <a:ext uri="{0D108BD9-81ED-4DB2-BD59-A6C34878D82A}">
+                    <a16:rowId xmlns:a16="http://schemas.microsoft.com/office/drawing/2014/main" val="2545174233"/>
+                  </a:ext>
+                </a:extLst>
+              </a:tr>
+              <a:tr h="360000">
+                <a:tc>
+                  <a:txBody>
+                    <a:bodyPr/>
+                    <a:lstStyle/>
+                    <a:p>
+                      <a:pPr latinLnBrk="1"/>
+                      <a:endParaRPr lang="ko-KR" altLang="en-US"/>
+                    </a:p>
+                  </a:txBody>
+                  <a:tcPr>
+                    <a:lnL w="12700" cap="flat" cmpd="sng" algn="ctr">
+                      <a:solidFill>
+                        <a:schemeClr val="tx1"/>
+                      </a:solidFill>
+                      <a:prstDash val="solid"/>
+                      <a:round/>
+                      <a:headEnd type="none" w="med" len="med"/>
+                      <a:tailEnd type="none" w="med" len="med"/>
+                    </a:lnL>
+                    <a:lnR w="12700" cap="flat" cmpd="sng" algn="ctr">
+                      <a:solidFill>
+                        <a:schemeClr val="tx1"/>
+                      </a:solidFill>
+                      <a:prstDash val="solid"/>
+                      <a:round/>
+                      <a:headEnd type="none" w="med" len="med"/>
+                      <a:tailEnd type="none" w="med" len="med"/>
+                    </a:lnR>
+                    <a:lnT w="12700" cap="flat" cmpd="sng" algn="ctr">
+                      <a:solidFill>
+                        <a:schemeClr val="tx1"/>
+                      </a:solidFill>
+                      <a:prstDash val="solid"/>
+                      <a:round/>
+                      <a:headEnd type="none" w="med" len="med"/>
+                      <a:tailEnd type="none" w="med" len="med"/>
+                    </a:lnT>
+                    <a:lnB w="12700" cap="flat" cmpd="sng" algn="ctr">
+                      <a:solidFill>
+                        <a:schemeClr val="tx1"/>
+                      </a:solidFill>
+                      <a:prstDash val="solid"/>
+                      <a:round/>
+                      <a:headEnd type="none" w="med" len="med"/>
+                      <a:tailEnd type="none" w="med" len="med"/>
+                    </a:lnB>
+                    <a:solidFill>
+                      <a:schemeClr val="bg1"/>
+                    </a:solidFill>
+                  </a:tcPr>
+                </a:tc>
+                <a:tc>
+                  <a:txBody>
+                    <a:bodyPr/>
+                    <a:lstStyle/>
+                    <a:p>
+                      <a:pPr latinLnBrk="1"/>
+                      <a:endParaRPr lang="ko-KR" altLang="en-US" dirty="0"/>
+                    </a:p>
+                  </a:txBody>
+                  <a:tcPr>
+                    <a:lnL w="12700" cap="flat" cmpd="sng" algn="ctr">
+                      <a:solidFill>
+                        <a:schemeClr val="tx1"/>
+                      </a:solidFill>
+                      <a:prstDash val="solid"/>
+                      <a:round/>
+                      <a:headEnd type="none" w="med" len="med"/>
+                      <a:tailEnd type="none" w="med" len="med"/>
+                    </a:lnL>
+                    <a:lnR w="12700" cap="flat" cmpd="sng" algn="ctr">
+                      <a:solidFill>
+                        <a:schemeClr val="tx1"/>
+                      </a:solidFill>
+                      <a:prstDash val="solid"/>
+                      <a:round/>
+                      <a:headEnd type="none" w="med" len="med"/>
+                      <a:tailEnd type="none" w="med" len="med"/>
+                    </a:lnR>
+                    <a:lnT w="12700" cap="flat" cmpd="sng" algn="ctr">
+                      <a:solidFill>
+                        <a:schemeClr val="tx1"/>
+                      </a:solidFill>
+                      <a:prstDash val="solid"/>
+                      <a:round/>
+                      <a:headEnd type="none" w="med" len="med"/>
+                      <a:tailEnd type="none" w="med" len="med"/>
+                    </a:lnT>
+                    <a:lnB w="12700" cap="flat" cmpd="sng" algn="ctr">
+                      <a:solidFill>
+                        <a:schemeClr val="tx1"/>
+                      </a:solidFill>
+                      <a:prstDash val="solid"/>
+                      <a:round/>
+                      <a:headEnd type="none" w="med" len="med"/>
+                      <a:tailEnd type="none" w="med" len="med"/>
+                    </a:lnB>
+                    <a:solidFill>
+                      <a:schemeClr val="bg1"/>
+                    </a:solidFill>
+                  </a:tcPr>
+                </a:tc>
+                <a:tc>
+                  <a:txBody>
+                    <a:bodyPr/>
+                    <a:lstStyle/>
+                    <a:p>
+                      <a:pPr latinLnBrk="1"/>
+                      <a:endParaRPr lang="ko-KR" altLang="en-US" dirty="0"/>
+                    </a:p>
+                  </a:txBody>
+                  <a:tcPr>
+                    <a:lnL w="12700" cap="flat" cmpd="sng" algn="ctr">
+                      <a:solidFill>
+                        <a:schemeClr val="tx1"/>
+                      </a:solidFill>
+                      <a:prstDash val="solid"/>
+                      <a:round/>
+                      <a:headEnd type="none" w="med" len="med"/>
+                      <a:tailEnd type="none" w="med" len="med"/>
+                    </a:lnL>
+                    <a:lnR w="12700" cap="flat" cmpd="sng" algn="ctr">
+                      <a:solidFill>
+                        <a:schemeClr val="tx1"/>
+                      </a:solidFill>
+                      <a:prstDash val="solid"/>
+                      <a:round/>
+                      <a:headEnd type="none" w="med" len="med"/>
+                      <a:tailEnd type="none" w="med" len="med"/>
+                    </a:lnR>
+                    <a:lnT w="12700" cap="flat" cmpd="sng" algn="ctr">
+                      <a:solidFill>
+                        <a:schemeClr val="tx1"/>
+                      </a:solidFill>
+                      <a:prstDash val="solid"/>
+                      <a:round/>
+                      <a:headEnd type="none" w="med" len="med"/>
+                      <a:tailEnd type="none" w="med" len="med"/>
+                    </a:lnT>
+                    <a:lnB w="12700" cap="flat" cmpd="sng" algn="ctr">
+                      <a:solidFill>
+                        <a:schemeClr val="tx1"/>
+                      </a:solidFill>
+                      <a:prstDash val="solid"/>
+                      <a:round/>
+                      <a:headEnd type="none" w="med" len="med"/>
+                      <a:tailEnd type="none" w="med" len="med"/>
+                    </a:lnB>
+                    <a:solidFill>
+                      <a:schemeClr val="bg1"/>
+                    </a:solidFill>
+                  </a:tcPr>
+                </a:tc>
+                <a:tc>
+                  <a:txBody>
+                    <a:bodyPr/>
+                    <a:lstStyle/>
+                    <a:p>
+                      <a:pPr latinLnBrk="1"/>
+                      <a:endParaRPr lang="ko-KR" altLang="en-US"/>
+                    </a:p>
+                  </a:txBody>
+                  <a:tcPr>
+                    <a:lnL w="12700" cap="flat" cmpd="sng" algn="ctr">
+                      <a:solidFill>
+                        <a:schemeClr val="tx1"/>
+                      </a:solidFill>
+                      <a:prstDash val="solid"/>
+                      <a:round/>
+                      <a:headEnd type="none" w="med" len="med"/>
+                      <a:tailEnd type="none" w="med" len="med"/>
+                    </a:lnL>
+                    <a:lnR w="12700" cap="flat" cmpd="sng" algn="ctr">
+                      <a:solidFill>
+                        <a:schemeClr val="tx1"/>
+                      </a:solidFill>
+                      <a:prstDash val="solid"/>
+                      <a:round/>
+                      <a:headEnd type="none" w="med" len="med"/>
+                      <a:tailEnd type="none" w="med" len="med"/>
+                    </a:lnR>
+                    <a:lnT w="12700" cap="flat" cmpd="sng" algn="ctr">
+                      <a:solidFill>
+                        <a:schemeClr val="tx1"/>
+                      </a:solidFill>
+                      <a:prstDash val="solid"/>
+                      <a:round/>
+                      <a:headEnd type="none" w="med" len="med"/>
+                      <a:tailEnd type="none" w="med" len="med"/>
+                    </a:lnT>
+                    <a:lnB w="12700" cap="flat" cmpd="sng" algn="ctr">
+                      <a:solidFill>
+                        <a:schemeClr val="tx1"/>
+                      </a:solidFill>
+                      <a:prstDash val="solid"/>
+                      <a:round/>
+                      <a:headEnd type="none" w="med" len="med"/>
+                      <a:tailEnd type="none" w="med" len="med"/>
+                    </a:lnB>
+                    <a:solidFill>
+                      <a:schemeClr val="bg1"/>
+                    </a:solidFill>
+                  </a:tcPr>
+                </a:tc>
+                <a:tc>
+                  <a:txBody>
+                    <a:bodyPr/>
+                    <a:lstStyle/>
+                    <a:p>
+                      <a:pPr latinLnBrk="1"/>
+                      <a:endParaRPr lang="ko-KR" altLang="en-US"/>
+                    </a:p>
+                  </a:txBody>
+                  <a:tcPr>
+                    <a:lnL w="12700" cap="flat" cmpd="sng" algn="ctr">
+                      <a:solidFill>
+                        <a:schemeClr val="tx1"/>
+                      </a:solidFill>
+                      <a:prstDash val="solid"/>
+                      <a:round/>
+                      <a:headEnd type="none" w="med" len="med"/>
+                      <a:tailEnd type="none" w="med" len="med"/>
+                    </a:lnL>
+                    <a:lnR w="12700" cap="flat" cmpd="sng" algn="ctr">
+                      <a:solidFill>
+                        <a:schemeClr val="tx1"/>
+                      </a:solidFill>
+                      <a:prstDash val="solid"/>
+                      <a:round/>
+                      <a:headEnd type="none" w="med" len="med"/>
+                      <a:tailEnd type="none" w="med" len="med"/>
+                    </a:lnR>
+                    <a:lnT w="12700" cap="flat" cmpd="sng" algn="ctr">
+                      <a:solidFill>
+                        <a:schemeClr val="tx1"/>
+                      </a:solidFill>
+                      <a:prstDash val="solid"/>
+                      <a:round/>
+                      <a:headEnd type="none" w="med" len="med"/>
+                      <a:tailEnd type="none" w="med" len="med"/>
+                    </a:lnT>
+                    <a:lnB w="12700" cap="flat" cmpd="sng" algn="ctr">
+                      <a:solidFill>
+                        <a:schemeClr val="tx1"/>
+                      </a:solidFill>
+                      <a:prstDash val="solid"/>
+                      <a:round/>
+                      <a:headEnd type="none" w="med" len="med"/>
+                      <a:tailEnd type="none" w="med" len="med"/>
+                    </a:lnB>
+                    <a:solidFill>
+                      <a:schemeClr val="bg1"/>
+                    </a:solidFill>
+                  </a:tcPr>
+                </a:tc>
+                <a:tc>
+                  <a:txBody>
+                    <a:bodyPr/>
+                    <a:lstStyle/>
+                    <a:p>
+                      <a:pPr latinLnBrk="1"/>
+                      <a:endParaRPr lang="ko-KR" altLang="en-US"/>
+                    </a:p>
+                  </a:txBody>
+                  <a:tcPr>
+                    <a:lnL w="12700" cap="flat" cmpd="sng" algn="ctr">
+                      <a:solidFill>
+                        <a:schemeClr val="tx1"/>
+                      </a:solidFill>
+                      <a:prstDash val="solid"/>
+                      <a:round/>
+                      <a:headEnd type="none" w="med" len="med"/>
+                      <a:tailEnd type="none" w="med" len="med"/>
+                    </a:lnL>
+                    <a:lnR w="12700" cap="flat" cmpd="sng" algn="ctr">
+                      <a:solidFill>
+                        <a:schemeClr val="tx1"/>
+                      </a:solidFill>
+                      <a:prstDash val="solid"/>
+                      <a:round/>
+                      <a:headEnd type="none" w="med" len="med"/>
+                      <a:tailEnd type="none" w="med" len="med"/>
+                    </a:lnR>
+                    <a:lnT w="12700" cap="flat" cmpd="sng" algn="ctr">
+                      <a:solidFill>
+                        <a:schemeClr val="tx1"/>
+                      </a:solidFill>
+                      <a:prstDash val="solid"/>
+                      <a:round/>
+                      <a:headEnd type="none" w="med" len="med"/>
+                      <a:tailEnd type="none" w="med" len="med"/>
+                    </a:lnT>
+                    <a:lnB w="12700" cap="flat" cmpd="sng" algn="ctr">
+                      <a:solidFill>
+                        <a:schemeClr val="tx1"/>
+                      </a:solidFill>
+                      <a:prstDash val="solid"/>
+                      <a:round/>
+                      <a:headEnd type="none" w="med" len="med"/>
+                      <a:tailEnd type="none" w="med" len="med"/>
+                    </a:lnB>
+                    <a:solidFill>
+                      <a:schemeClr val="bg1"/>
+                    </a:solidFill>
+                  </a:tcPr>
+                </a:tc>
+                <a:tc>
+                  <a:txBody>
+                    <a:bodyPr/>
+                    <a:lstStyle/>
+                    <a:p>
+                      <a:pPr latinLnBrk="1"/>
+                      <a:endParaRPr lang="ko-KR" altLang="en-US"/>
+                    </a:p>
+                  </a:txBody>
+                  <a:tcPr>
+                    <a:lnL w="12700" cap="flat" cmpd="sng" algn="ctr">
+                      <a:solidFill>
+                        <a:schemeClr val="tx1"/>
+                      </a:solidFill>
+                      <a:prstDash val="solid"/>
+                      <a:round/>
+                      <a:headEnd type="none" w="med" len="med"/>
+                      <a:tailEnd type="none" w="med" len="med"/>
+                    </a:lnL>
+                    <a:lnR w="12700" cap="flat" cmpd="sng" algn="ctr">
+                      <a:solidFill>
+                        <a:schemeClr val="tx1"/>
+                      </a:solidFill>
+                      <a:prstDash val="solid"/>
+                      <a:round/>
+                      <a:headEnd type="none" w="med" len="med"/>
+                      <a:tailEnd type="none" w="med" len="med"/>
+                    </a:lnR>
+                    <a:lnT w="12700" cap="flat" cmpd="sng" algn="ctr">
+                      <a:solidFill>
+                        <a:schemeClr val="tx1"/>
+                      </a:solidFill>
+                      <a:prstDash val="solid"/>
+                      <a:round/>
+                      <a:headEnd type="none" w="med" len="med"/>
+                      <a:tailEnd type="none" w="med" len="med"/>
+                    </a:lnT>
+                    <a:lnB w="12700" cap="flat" cmpd="sng" algn="ctr">
+                      <a:solidFill>
+                        <a:schemeClr val="tx1"/>
+                      </a:solidFill>
+                      <a:prstDash val="solid"/>
+                      <a:round/>
+                      <a:headEnd type="none" w="med" len="med"/>
+                      <a:tailEnd type="none" w="med" len="med"/>
+                    </a:lnB>
+                    <a:solidFill>
+                      <a:schemeClr val="bg1"/>
+                    </a:solidFill>
+                  </a:tcPr>
+                </a:tc>
+                <a:tc>
+                  <a:txBody>
+                    <a:bodyPr/>
+                    <a:lstStyle/>
+                    <a:p>
+                      <a:pPr latinLnBrk="1"/>
+                      <a:endParaRPr lang="ko-KR" altLang="en-US"/>
+                    </a:p>
+                  </a:txBody>
+                  <a:tcPr>
+                    <a:lnL w="12700" cap="flat" cmpd="sng" algn="ctr">
+                      <a:solidFill>
+                        <a:schemeClr val="tx1"/>
+                      </a:solidFill>
+                      <a:prstDash val="solid"/>
+                      <a:round/>
+                      <a:headEnd type="none" w="med" len="med"/>
+                      <a:tailEnd type="none" w="med" len="med"/>
+                    </a:lnL>
+                    <a:lnR w="12700" cap="flat" cmpd="sng" algn="ctr">
+                      <a:solidFill>
+                        <a:schemeClr val="tx1"/>
+                      </a:solidFill>
+                      <a:prstDash val="solid"/>
+                      <a:round/>
+                      <a:headEnd type="none" w="med" len="med"/>
+                      <a:tailEnd type="none" w="med" len="med"/>
+                    </a:lnR>
+                    <a:lnT w="12700" cap="flat" cmpd="sng" algn="ctr">
+                      <a:solidFill>
+                        <a:schemeClr val="tx1"/>
+                      </a:solidFill>
+                      <a:prstDash val="solid"/>
+                      <a:round/>
+                      <a:headEnd type="none" w="med" len="med"/>
+                      <a:tailEnd type="none" w="med" len="med"/>
+                    </a:lnT>
+                    <a:lnB w="12700" cap="flat" cmpd="sng" algn="ctr">
+                      <a:solidFill>
+                        <a:schemeClr val="tx1"/>
+                      </a:solidFill>
+                      <a:prstDash val="solid"/>
+                      <a:round/>
+                      <a:headEnd type="none" w="med" len="med"/>
+                      <a:tailEnd type="none" w="med" len="med"/>
+                    </a:lnB>
+                    <a:solidFill>
+                      <a:schemeClr val="bg1"/>
+                    </a:solidFill>
+                  </a:tcPr>
+                </a:tc>
+                <a:extLst>
+                  <a:ext uri="{0D108BD9-81ED-4DB2-BD59-A6C34878D82A}">
+                    <a16:rowId xmlns:a16="http://schemas.microsoft.com/office/drawing/2014/main" val="2709773961"/>
+                  </a:ext>
+                </a:extLst>
+              </a:tr>
+              <a:tr h="360000">
+                <a:tc>
+                  <a:txBody>
+                    <a:bodyPr/>
+                    <a:lstStyle/>
+                    <a:p>
+                      <a:pPr latinLnBrk="1"/>
+                      <a:endParaRPr lang="ko-KR" altLang="en-US"/>
+                    </a:p>
+                  </a:txBody>
+                  <a:tcPr>
+                    <a:lnL w="12700" cap="flat" cmpd="sng" algn="ctr">
+                      <a:solidFill>
+                        <a:schemeClr val="tx1"/>
+                      </a:solidFill>
+                      <a:prstDash val="solid"/>
+                      <a:round/>
+                      <a:headEnd type="none" w="med" len="med"/>
+                      <a:tailEnd type="none" w="med" len="med"/>
+                    </a:lnL>
+                    <a:lnR w="12700" cap="flat" cmpd="sng" algn="ctr">
+                      <a:solidFill>
+                        <a:schemeClr val="tx1"/>
+                      </a:solidFill>
+                      <a:prstDash val="solid"/>
+                      <a:round/>
+                      <a:headEnd type="none" w="med" len="med"/>
+                      <a:tailEnd type="none" w="med" len="med"/>
+                    </a:lnR>
+                    <a:lnT w="12700" cap="flat" cmpd="sng" algn="ctr">
+                      <a:solidFill>
+                        <a:schemeClr val="tx1"/>
+                      </a:solidFill>
+                      <a:prstDash val="solid"/>
+                      <a:round/>
+                      <a:headEnd type="none" w="med" len="med"/>
+                      <a:tailEnd type="none" w="med" len="med"/>
+                    </a:lnT>
+                    <a:lnB w="12700" cap="flat" cmpd="sng" algn="ctr">
+                      <a:solidFill>
+                        <a:schemeClr val="tx1"/>
+                      </a:solidFill>
+                      <a:prstDash val="solid"/>
+                      <a:round/>
+                      <a:headEnd type="none" w="med" len="med"/>
+                      <a:tailEnd type="none" w="med" len="med"/>
+                    </a:lnB>
+                    <a:solidFill>
+                      <a:schemeClr val="bg1"/>
+                    </a:solidFill>
+                  </a:tcPr>
+                </a:tc>
+                <a:tc>
+                  <a:txBody>
+                    <a:bodyPr/>
+                    <a:lstStyle/>
+                    <a:p>
+                      <a:pPr latinLnBrk="1"/>
+                      <a:endParaRPr lang="ko-KR" altLang="en-US"/>
+                    </a:p>
+                  </a:txBody>
+                  <a:tcPr>
+                    <a:lnL w="12700" cap="flat" cmpd="sng" algn="ctr">
+                      <a:solidFill>
+                        <a:schemeClr val="tx1"/>
+                      </a:solidFill>
+                      <a:prstDash val="solid"/>
+                      <a:round/>
+                      <a:headEnd type="none" w="med" len="med"/>
+                      <a:tailEnd type="none" w="med" len="med"/>
+                    </a:lnL>
+                    <a:lnR w="12700" cap="flat" cmpd="sng" algn="ctr">
+                      <a:solidFill>
+                        <a:schemeClr val="tx1"/>
+                      </a:solidFill>
+                      <a:prstDash val="solid"/>
+                      <a:round/>
+                      <a:headEnd type="none" w="med" len="med"/>
+                      <a:tailEnd type="none" w="med" len="med"/>
+                    </a:lnR>
+                    <a:lnT w="12700" cap="flat" cmpd="sng" algn="ctr">
+                      <a:solidFill>
+                        <a:schemeClr val="tx1"/>
+                      </a:solidFill>
+                      <a:prstDash val="solid"/>
+                      <a:round/>
+                      <a:headEnd type="none" w="med" len="med"/>
+                      <a:tailEnd type="none" w="med" len="med"/>
+                    </a:lnT>
+                    <a:lnB w="12700" cap="flat" cmpd="sng" algn="ctr">
+                      <a:solidFill>
+                        <a:schemeClr val="tx1"/>
+                      </a:solidFill>
+                      <a:prstDash val="solid"/>
+                      <a:round/>
+                      <a:headEnd type="none" w="med" len="med"/>
+                      <a:tailEnd type="none" w="med" len="med"/>
+                    </a:lnB>
+                    <a:solidFill>
+                      <a:schemeClr val="bg1"/>
+                    </a:solidFill>
+                  </a:tcPr>
+                </a:tc>
+                <a:tc>
+                  <a:txBody>
+                    <a:bodyPr/>
+                    <a:lstStyle/>
+                    <a:p>
+                      <a:pPr latinLnBrk="1"/>
+                      <a:endParaRPr lang="ko-KR" altLang="en-US" dirty="0"/>
+                    </a:p>
+                  </a:txBody>
+                  <a:tcPr>
+                    <a:lnL w="12700" cap="flat" cmpd="sng" algn="ctr">
+                      <a:solidFill>
+                        <a:schemeClr val="tx1"/>
+                      </a:solidFill>
+                      <a:prstDash val="solid"/>
+                      <a:round/>
+                      <a:headEnd type="none" w="med" len="med"/>
+                      <a:tailEnd type="none" w="med" len="med"/>
+                    </a:lnL>
+                    <a:lnR w="12700" cap="flat" cmpd="sng" algn="ctr">
+                      <a:solidFill>
+                        <a:schemeClr val="tx1"/>
+                      </a:solidFill>
+                      <a:prstDash val="solid"/>
+                      <a:round/>
+                      <a:headEnd type="none" w="med" len="med"/>
+                      <a:tailEnd type="none" w="med" len="med"/>
+                    </a:lnR>
+                    <a:lnT w="12700" cap="flat" cmpd="sng" algn="ctr">
+                      <a:solidFill>
+                        <a:schemeClr val="tx1"/>
+                      </a:solidFill>
+                      <a:prstDash val="solid"/>
+                      <a:round/>
+                      <a:headEnd type="none" w="med" len="med"/>
+                      <a:tailEnd type="none" w="med" len="med"/>
+                    </a:lnT>
+                    <a:lnB w="12700" cap="flat" cmpd="sng" algn="ctr">
+                      <a:solidFill>
+                        <a:schemeClr val="tx1"/>
+                      </a:solidFill>
+                      <a:prstDash val="solid"/>
+                      <a:round/>
+                      <a:headEnd type="none" w="med" len="med"/>
+                      <a:tailEnd type="none" w="med" len="med"/>
+                    </a:lnB>
+                    <a:solidFill>
+                      <a:schemeClr val="bg1"/>
+                    </a:solidFill>
+                  </a:tcPr>
+                </a:tc>
+                <a:tc>
+                  <a:txBody>
+                    <a:bodyPr/>
+                    <a:lstStyle/>
+                    <a:p>
+                      <a:pPr latinLnBrk="1"/>
+                      <a:endParaRPr lang="ko-KR" altLang="en-US" dirty="0"/>
+                    </a:p>
+                  </a:txBody>
+                  <a:tcPr>
+                    <a:lnL w="12700" cap="flat" cmpd="sng" algn="ctr">
+                      <a:solidFill>
+                        <a:schemeClr val="tx1"/>
+                      </a:solidFill>
+                      <a:prstDash val="solid"/>
+                      <a:round/>
+                      <a:headEnd type="none" w="med" len="med"/>
+                      <a:tailEnd type="none" w="med" len="med"/>
+                    </a:lnL>
+                    <a:lnR w="12700" cap="flat" cmpd="sng" algn="ctr">
+                      <a:solidFill>
+                        <a:schemeClr val="tx1"/>
+                      </a:solidFill>
+                      <a:prstDash val="solid"/>
+                      <a:round/>
+                      <a:headEnd type="none" w="med" len="med"/>
+                      <a:tailEnd type="none" w="med" len="med"/>
+                    </a:lnR>
+                    <a:lnT w="12700" cap="flat" cmpd="sng" algn="ctr">
+                      <a:solidFill>
+                        <a:schemeClr val="tx1"/>
+                      </a:solidFill>
+                      <a:prstDash val="solid"/>
+                      <a:round/>
+                      <a:headEnd type="none" w="med" len="med"/>
+                      <a:tailEnd type="none" w="med" len="med"/>
+                    </a:lnT>
+                    <a:lnB w="12700" cap="flat" cmpd="sng" algn="ctr">
+                      <a:solidFill>
+                        <a:schemeClr val="tx1"/>
+                      </a:solidFill>
+                      <a:prstDash val="solid"/>
+                      <a:round/>
+                      <a:headEnd type="none" w="med" len="med"/>
+                      <a:tailEnd type="none" w="med" len="med"/>
+                    </a:lnB>
+                    <a:solidFill>
+                      <a:schemeClr val="bg1"/>
+                    </a:solidFill>
+                  </a:tcPr>
+                </a:tc>
+                <a:tc>
+                  <a:txBody>
+                    <a:bodyPr/>
+                    <a:lstStyle/>
+                    <a:p>
+                      <a:pPr latinLnBrk="1"/>
+                      <a:endParaRPr lang="ko-KR" altLang="en-US"/>
+                    </a:p>
+                  </a:txBody>
+                  <a:tcPr>
+                    <a:lnL w="12700" cap="flat" cmpd="sng" algn="ctr">
+                      <a:solidFill>
+                        <a:schemeClr val="tx1"/>
+                      </a:solidFill>
+                      <a:prstDash val="solid"/>
+                      <a:round/>
+                      <a:headEnd type="none" w="med" len="med"/>
+                      <a:tailEnd type="none" w="med" len="med"/>
+                    </a:lnL>
+                    <a:lnR w="12700" cap="flat" cmpd="sng" algn="ctr">
+                      <a:solidFill>
+                        <a:schemeClr val="tx1"/>
+                      </a:solidFill>
+                      <a:prstDash val="solid"/>
+                      <a:round/>
+                      <a:headEnd type="none" w="med" len="med"/>
+                      <a:tailEnd type="none" w="med" len="med"/>
+                    </a:lnR>
+                    <a:lnT w="12700" cap="flat" cmpd="sng" algn="ctr">
+                      <a:solidFill>
+                        <a:schemeClr val="tx1"/>
+                      </a:solidFill>
+                      <a:prstDash val="solid"/>
+                      <a:round/>
+                      <a:headEnd type="none" w="med" len="med"/>
+                      <a:tailEnd type="none" w="med" len="med"/>
+                    </a:lnT>
+                    <a:lnB w="12700" cap="flat" cmpd="sng" algn="ctr">
+                      <a:solidFill>
+                        <a:schemeClr val="tx1"/>
+                      </a:solidFill>
+                      <a:prstDash val="solid"/>
+                      <a:round/>
+                      <a:headEnd type="none" w="med" len="med"/>
+                      <a:tailEnd type="none" w="med" len="med"/>
+                    </a:lnB>
+                    <a:solidFill>
+                      <a:schemeClr val="bg1"/>
+                    </a:solidFill>
+                  </a:tcPr>
+                </a:tc>
+                <a:tc>
+                  <a:txBody>
+                    <a:bodyPr/>
+                    <a:lstStyle/>
+                    <a:p>
+                      <a:pPr latinLnBrk="1"/>
+                      <a:endParaRPr lang="ko-KR" altLang="en-US"/>
+                    </a:p>
+                  </a:txBody>
+                  <a:tcPr>
+                    <a:lnL w="12700" cap="flat" cmpd="sng" algn="ctr">
+                      <a:solidFill>
+                        <a:schemeClr val="tx1"/>
+                      </a:solidFill>
+                      <a:prstDash val="solid"/>
+                      <a:round/>
+                      <a:headEnd type="none" w="med" len="med"/>
+                      <a:tailEnd type="none" w="med" len="med"/>
+                    </a:lnL>
+                    <a:lnR w="12700" cap="flat" cmpd="sng" algn="ctr">
+                      <a:solidFill>
+                        <a:schemeClr val="tx1"/>
+                      </a:solidFill>
+                      <a:prstDash val="solid"/>
+                      <a:round/>
+                      <a:headEnd type="none" w="med" len="med"/>
+                      <a:tailEnd type="none" w="med" len="med"/>
+                    </a:lnR>
+                    <a:lnT w="12700" cap="flat" cmpd="sng" algn="ctr">
+                      <a:solidFill>
+                        <a:schemeClr val="tx1"/>
+                      </a:solidFill>
+                      <a:prstDash val="solid"/>
+                      <a:round/>
+                      <a:headEnd type="none" w="med" len="med"/>
+                      <a:tailEnd type="none" w="med" len="med"/>
+                    </a:lnT>
+                    <a:lnB w="12700" cap="flat" cmpd="sng" algn="ctr">
+                      <a:solidFill>
+                        <a:schemeClr val="tx1"/>
+                      </a:solidFill>
+                      <a:prstDash val="solid"/>
+                      <a:round/>
+                      <a:headEnd type="none" w="med" len="med"/>
+                      <a:tailEnd type="none" w="med" len="med"/>
+                    </a:lnB>
+                    <a:solidFill>
+                      <a:schemeClr val="bg1"/>
+                    </a:solidFill>
+                  </a:tcPr>
+                </a:tc>
+                <a:tc>
+                  <a:txBody>
+                    <a:bodyPr/>
+                    <a:lstStyle/>
+                    <a:p>
+                      <a:pPr latinLnBrk="1"/>
+                      <a:endParaRPr lang="ko-KR" altLang="en-US"/>
+                    </a:p>
+                  </a:txBody>
+                  <a:tcPr>
+                    <a:lnL w="12700" cap="flat" cmpd="sng" algn="ctr">
+                      <a:solidFill>
+                        <a:schemeClr val="tx1"/>
+                      </a:solidFill>
+                      <a:prstDash val="solid"/>
+                      <a:round/>
+                      <a:headEnd type="none" w="med" len="med"/>
+                      <a:tailEnd type="none" w="med" len="med"/>
+                    </a:lnL>
+                    <a:lnR w="12700" cap="flat" cmpd="sng" algn="ctr">
+                      <a:solidFill>
+                        <a:schemeClr val="tx1"/>
+                      </a:solidFill>
+                      <a:prstDash val="solid"/>
+                      <a:round/>
+                      <a:headEnd type="none" w="med" len="med"/>
+                      <a:tailEnd type="none" w="med" len="med"/>
+                    </a:lnR>
+                    <a:lnT w="12700" cap="flat" cmpd="sng" algn="ctr">
+                      <a:solidFill>
+                        <a:schemeClr val="tx1"/>
+                      </a:solidFill>
+                      <a:prstDash val="solid"/>
+                      <a:round/>
+                      <a:headEnd type="none" w="med" len="med"/>
+                      <a:tailEnd type="none" w="med" len="med"/>
+                    </a:lnT>
+                    <a:lnB w="12700" cap="flat" cmpd="sng" algn="ctr">
+                      <a:solidFill>
+                        <a:schemeClr val="tx1"/>
+                      </a:solidFill>
+                      <a:prstDash val="solid"/>
+                      <a:round/>
+                      <a:headEnd type="none" w="med" len="med"/>
+                      <a:tailEnd type="none" w="med" len="med"/>
+                    </a:lnB>
+                    <a:solidFill>
+                      <a:schemeClr val="bg1"/>
+                    </a:solidFill>
+                  </a:tcPr>
+                </a:tc>
+                <a:tc>
+                  <a:txBody>
+                    <a:bodyPr/>
+                    <a:lstStyle/>
+                    <a:p>
+                      <a:pPr latinLnBrk="1"/>
+                      <a:endParaRPr lang="ko-KR" altLang="en-US"/>
+                    </a:p>
+                  </a:txBody>
+                  <a:tcPr>
+                    <a:lnL w="12700" cap="flat" cmpd="sng" algn="ctr">
+                      <a:solidFill>
+                        <a:schemeClr val="tx1"/>
+                      </a:solidFill>
+                      <a:prstDash val="solid"/>
+                      <a:round/>
+                      <a:headEnd type="none" w="med" len="med"/>
+                      <a:tailEnd type="none" w="med" len="med"/>
+                    </a:lnL>
+                    <a:lnR w="12700" cap="flat" cmpd="sng" algn="ctr">
+                      <a:solidFill>
+                        <a:schemeClr val="tx1"/>
+                      </a:solidFill>
+                      <a:prstDash val="solid"/>
+                      <a:round/>
+                      <a:headEnd type="none" w="med" len="med"/>
+                      <a:tailEnd type="none" w="med" len="med"/>
+                    </a:lnR>
+                    <a:lnT w="12700" cap="flat" cmpd="sng" algn="ctr">
+                      <a:solidFill>
+                        <a:schemeClr val="tx1"/>
+                      </a:solidFill>
+                      <a:prstDash val="solid"/>
+                      <a:round/>
+                      <a:headEnd type="none" w="med" len="med"/>
+                      <a:tailEnd type="none" w="med" len="med"/>
+                    </a:lnT>
+                    <a:lnB w="12700" cap="flat" cmpd="sng" algn="ctr">
+                      <a:solidFill>
+                        <a:schemeClr val="tx1"/>
+                      </a:solidFill>
+                      <a:prstDash val="solid"/>
+                      <a:round/>
+                      <a:headEnd type="none" w="med" len="med"/>
+                      <a:tailEnd type="none" w="med" len="med"/>
+                    </a:lnB>
+                    <a:solidFill>
+                      <a:schemeClr val="bg1"/>
+                    </a:solidFill>
+                  </a:tcPr>
+                </a:tc>
+                <a:extLst>
+                  <a:ext uri="{0D108BD9-81ED-4DB2-BD59-A6C34878D82A}">
+                    <a16:rowId xmlns:a16="http://schemas.microsoft.com/office/drawing/2014/main" val="2710435345"/>
+                  </a:ext>
+                </a:extLst>
+              </a:tr>
+              <a:tr h="360000">
+                <a:tc>
+                  <a:txBody>
+                    <a:bodyPr/>
+                    <a:lstStyle/>
+                    <a:p>
+                      <a:pPr latinLnBrk="1"/>
+                      <a:endParaRPr lang="ko-KR" altLang="en-US"/>
+                    </a:p>
+                  </a:txBody>
+                  <a:tcPr>
+                    <a:lnL w="12700" cap="flat" cmpd="sng" algn="ctr">
+                      <a:solidFill>
+                        <a:schemeClr val="tx1"/>
+                      </a:solidFill>
+                      <a:prstDash val="solid"/>
+                      <a:round/>
+                      <a:headEnd type="none" w="med" len="med"/>
+                      <a:tailEnd type="none" w="med" len="med"/>
+                    </a:lnL>
+                    <a:lnR w="12700" cap="flat" cmpd="sng" algn="ctr">
+                      <a:solidFill>
+                        <a:schemeClr val="tx1"/>
+                      </a:solidFill>
+                      <a:prstDash val="solid"/>
+                      <a:round/>
+                      <a:headEnd type="none" w="med" len="med"/>
+                      <a:tailEnd type="none" w="med" len="med"/>
+                    </a:lnR>
+                    <a:lnT w="12700" cap="flat" cmpd="sng" algn="ctr">
+                      <a:solidFill>
+                        <a:schemeClr val="tx1"/>
+                      </a:solidFill>
+                      <a:prstDash val="solid"/>
+                      <a:round/>
+                      <a:headEnd type="none" w="med" len="med"/>
+                      <a:tailEnd type="none" w="med" len="med"/>
+                    </a:lnT>
+                    <a:lnB w="12700" cap="flat" cmpd="sng" algn="ctr">
+                      <a:solidFill>
+                        <a:schemeClr val="tx1"/>
+                      </a:solidFill>
+                      <a:prstDash val="solid"/>
+                      <a:round/>
+                      <a:headEnd type="none" w="med" len="med"/>
+                      <a:tailEnd type="none" w="med" len="med"/>
+                    </a:lnB>
+                    <a:solidFill>
+                      <a:schemeClr val="bg1"/>
+                    </a:solidFill>
+                  </a:tcPr>
+                </a:tc>
+                <a:tc>
+                  <a:txBody>
+                    <a:bodyPr/>
+                    <a:lstStyle/>
+                    <a:p>
+                      <a:pPr latinLnBrk="1"/>
+                      <a:endParaRPr lang="ko-KR" altLang="en-US"/>
+                    </a:p>
+                  </a:txBody>
+                  <a:tcPr>
+                    <a:lnL w="12700" cap="flat" cmpd="sng" algn="ctr">
+                      <a:solidFill>
+                        <a:schemeClr val="tx1"/>
+                      </a:solidFill>
+                      <a:prstDash val="solid"/>
+                      <a:round/>
+                      <a:headEnd type="none" w="med" len="med"/>
+                      <a:tailEnd type="none" w="med" len="med"/>
+                    </a:lnL>
+                    <a:lnR w="12700" cap="flat" cmpd="sng" algn="ctr">
+                      <a:solidFill>
+                        <a:schemeClr val="tx1"/>
+                      </a:solidFill>
+                      <a:prstDash val="solid"/>
+                      <a:round/>
+                      <a:headEnd type="none" w="med" len="med"/>
+                      <a:tailEnd type="none" w="med" len="med"/>
+                    </a:lnR>
+                    <a:lnT w="12700" cap="flat" cmpd="sng" algn="ctr">
+                      <a:solidFill>
+                        <a:schemeClr val="tx1"/>
+                      </a:solidFill>
+                      <a:prstDash val="solid"/>
+                      <a:round/>
+                      <a:headEnd type="none" w="med" len="med"/>
+                      <a:tailEnd type="none" w="med" len="med"/>
+                    </a:lnT>
+                    <a:lnB w="12700" cap="flat" cmpd="sng" algn="ctr">
+                      <a:solidFill>
+                        <a:schemeClr val="tx1"/>
+                      </a:solidFill>
+                      <a:prstDash val="solid"/>
+                      <a:round/>
+                      <a:headEnd type="none" w="med" len="med"/>
+                      <a:tailEnd type="none" w="med" len="med"/>
+                    </a:lnB>
+                    <a:solidFill>
+                      <a:schemeClr val="bg1"/>
+                    </a:solidFill>
+                  </a:tcPr>
+                </a:tc>
+                <a:tc>
+                  <a:txBody>
+                    <a:bodyPr/>
+                    <a:lstStyle/>
+                    <a:p>
+                      <a:pPr latinLnBrk="1"/>
+                      <a:endParaRPr lang="ko-KR" altLang="en-US"/>
+                    </a:p>
+                  </a:txBody>
+                  <a:tcPr>
+                    <a:lnL w="12700" cap="flat" cmpd="sng" algn="ctr">
+                      <a:solidFill>
+                        <a:schemeClr val="tx1"/>
+                      </a:solidFill>
+                      <a:prstDash val="solid"/>
+                      <a:round/>
+                      <a:headEnd type="none" w="med" len="med"/>
+                      <a:tailEnd type="none" w="med" len="med"/>
+                    </a:lnL>
+                    <a:lnR w="12700" cap="flat" cmpd="sng" algn="ctr">
+                      <a:solidFill>
+                        <a:schemeClr val="tx1"/>
+                      </a:solidFill>
+                      <a:prstDash val="solid"/>
+                      <a:round/>
+                      <a:headEnd type="none" w="med" len="med"/>
+                      <a:tailEnd type="none" w="med" len="med"/>
+                    </a:lnR>
+                    <a:lnT w="12700" cap="flat" cmpd="sng" algn="ctr">
+                      <a:solidFill>
+                        <a:schemeClr val="tx1"/>
+                      </a:solidFill>
+                      <a:prstDash val="solid"/>
+                      <a:round/>
+                      <a:headEnd type="none" w="med" len="med"/>
+                      <a:tailEnd type="none" w="med" len="med"/>
+                    </a:lnT>
+                    <a:lnB w="12700" cap="flat" cmpd="sng" algn="ctr">
+                      <a:solidFill>
+                        <a:schemeClr val="tx1"/>
+                      </a:solidFill>
+                      <a:prstDash val="solid"/>
+                      <a:round/>
+                      <a:headEnd type="none" w="med" len="med"/>
+                      <a:tailEnd type="none" w="med" len="med"/>
+                    </a:lnB>
+                    <a:solidFill>
+                      <a:schemeClr val="bg1"/>
+                    </a:solidFill>
+                  </a:tcPr>
+                </a:tc>
+                <a:tc>
+                  <a:txBody>
+                    <a:bodyPr/>
+                    <a:lstStyle/>
+                    <a:p>
+                      <a:pPr latinLnBrk="1"/>
+                      <a:endParaRPr lang="ko-KR" altLang="en-US" dirty="0"/>
+                    </a:p>
+                  </a:txBody>
+                  <a:tcPr>
+                    <a:lnL w="12700" cap="flat" cmpd="sng" algn="ctr">
+                      <a:solidFill>
+                        <a:schemeClr val="tx1"/>
+                      </a:solidFill>
+                      <a:prstDash val="solid"/>
+                      <a:round/>
+                      <a:headEnd type="none" w="med" len="med"/>
+                      <a:tailEnd type="none" w="med" len="med"/>
+                    </a:lnL>
+                    <a:lnR w="12700" cap="flat" cmpd="sng" algn="ctr">
+                      <a:solidFill>
+                        <a:schemeClr val="tx1"/>
+                      </a:solidFill>
+                      <a:prstDash val="solid"/>
+                      <a:round/>
+                      <a:headEnd type="none" w="med" len="med"/>
+                      <a:tailEnd type="none" w="med" len="med"/>
+                    </a:lnR>
+                    <a:lnT w="12700" cap="flat" cmpd="sng" algn="ctr">
+                      <a:solidFill>
+                        <a:schemeClr val="tx1"/>
+                      </a:solidFill>
+                      <a:prstDash val="solid"/>
+                      <a:round/>
+                      <a:headEnd type="none" w="med" len="med"/>
+                      <a:tailEnd type="none" w="med" len="med"/>
+                    </a:lnT>
+                    <a:lnB w="12700" cap="flat" cmpd="sng" algn="ctr">
+                      <a:solidFill>
+                        <a:schemeClr val="tx1"/>
+                      </a:solidFill>
+                      <a:prstDash val="solid"/>
+                      <a:round/>
+                      <a:headEnd type="none" w="med" len="med"/>
+                      <a:tailEnd type="none" w="med" len="med"/>
+                    </a:lnB>
+                    <a:solidFill>
+                      <a:schemeClr val="bg1"/>
+                    </a:solidFill>
+                  </a:tcPr>
+                </a:tc>
+                <a:tc>
+                  <a:txBody>
+                    <a:bodyPr/>
+                    <a:lstStyle/>
+                    <a:p>
+                      <a:pPr latinLnBrk="1"/>
+                      <a:endParaRPr lang="ko-KR" altLang="en-US" dirty="0"/>
+                    </a:p>
+                  </a:txBody>
+                  <a:tcPr>
+                    <a:lnL w="12700" cap="flat" cmpd="sng" algn="ctr">
+                      <a:solidFill>
+                        <a:schemeClr val="tx1"/>
+                      </a:solidFill>
+                      <a:prstDash val="solid"/>
+                      <a:round/>
+                      <a:headEnd type="none" w="med" len="med"/>
+                      <a:tailEnd type="none" w="med" len="med"/>
+                    </a:lnL>
+                    <a:lnR w="12700" cap="flat" cmpd="sng" algn="ctr">
+                      <a:solidFill>
+                        <a:schemeClr val="tx1"/>
+                      </a:solidFill>
+                      <a:prstDash val="solid"/>
+                      <a:round/>
+                      <a:headEnd type="none" w="med" len="med"/>
+                      <a:tailEnd type="none" w="med" len="med"/>
+                    </a:lnR>
+                    <a:lnT w="12700" cap="flat" cmpd="sng" algn="ctr">
+                      <a:solidFill>
+                        <a:schemeClr val="tx1"/>
+                      </a:solidFill>
+                      <a:prstDash val="solid"/>
+                      <a:round/>
+                      <a:headEnd type="none" w="med" len="med"/>
+                      <a:tailEnd type="none" w="med" len="med"/>
+                    </a:lnT>
+                    <a:lnB w="12700" cap="flat" cmpd="sng" algn="ctr">
+                      <a:solidFill>
+                        <a:schemeClr val="tx1"/>
+                      </a:solidFill>
+                      <a:prstDash val="solid"/>
+                      <a:round/>
+                      <a:headEnd type="none" w="med" len="med"/>
+                      <a:tailEnd type="none" w="med" len="med"/>
+                    </a:lnB>
+                    <a:solidFill>
+                      <a:schemeClr val="bg1"/>
+                    </a:solidFill>
+                  </a:tcPr>
+                </a:tc>
+                <a:tc>
+                  <a:txBody>
+                    <a:bodyPr/>
+                    <a:lstStyle/>
+                    <a:p>
+                      <a:pPr latinLnBrk="1"/>
+                      <a:endParaRPr lang="ko-KR" altLang="en-US"/>
+                    </a:p>
+                  </a:txBody>
+                  <a:tcPr>
+                    <a:lnL w="12700" cap="flat" cmpd="sng" algn="ctr">
+                      <a:solidFill>
+                        <a:schemeClr val="tx1"/>
+                      </a:solidFill>
+                      <a:prstDash val="solid"/>
+                      <a:round/>
+                      <a:headEnd type="none" w="med" len="med"/>
+                      <a:tailEnd type="none" w="med" len="med"/>
+                    </a:lnL>
+                    <a:lnR w="12700" cap="flat" cmpd="sng" algn="ctr">
+                      <a:solidFill>
+                        <a:schemeClr val="tx1"/>
+                      </a:solidFill>
+                      <a:prstDash val="solid"/>
+                      <a:round/>
+                      <a:headEnd type="none" w="med" len="med"/>
+                      <a:tailEnd type="none" w="med" len="med"/>
+                    </a:lnR>
+                    <a:lnT w="12700" cap="flat" cmpd="sng" algn="ctr">
+                      <a:solidFill>
+                        <a:schemeClr val="tx1"/>
+                      </a:solidFill>
+                      <a:prstDash val="solid"/>
+                      <a:round/>
+                      <a:headEnd type="none" w="med" len="med"/>
+                      <a:tailEnd type="none" w="med" len="med"/>
+                    </a:lnT>
+                    <a:lnB w="12700" cap="flat" cmpd="sng" algn="ctr">
+                      <a:solidFill>
+                        <a:schemeClr val="tx1"/>
+                      </a:solidFill>
+                      <a:prstDash val="solid"/>
+                      <a:round/>
+                      <a:headEnd type="none" w="med" len="med"/>
+                      <a:tailEnd type="none" w="med" len="med"/>
+                    </a:lnB>
+                    <a:solidFill>
+                      <a:schemeClr val="bg1"/>
+                    </a:solidFill>
+                  </a:tcPr>
+                </a:tc>
+                <a:tc>
+                  <a:txBody>
+                    <a:bodyPr/>
+                    <a:lstStyle/>
+                    <a:p>
+                      <a:pPr latinLnBrk="1"/>
+                      <a:endParaRPr lang="ko-KR" altLang="en-US"/>
+                    </a:p>
+                  </a:txBody>
+                  <a:tcPr>
+                    <a:lnL w="12700" cap="flat" cmpd="sng" algn="ctr">
+                      <a:solidFill>
+                        <a:schemeClr val="tx1"/>
+                      </a:solidFill>
+                      <a:prstDash val="solid"/>
+                      <a:round/>
+                      <a:headEnd type="none" w="med" len="med"/>
+                      <a:tailEnd type="none" w="med" len="med"/>
+                    </a:lnL>
+                    <a:lnR w="12700" cap="flat" cmpd="sng" algn="ctr">
+                      <a:solidFill>
+                        <a:schemeClr val="tx1"/>
+                      </a:solidFill>
+                      <a:prstDash val="solid"/>
+                      <a:round/>
+                      <a:headEnd type="none" w="med" len="med"/>
+                      <a:tailEnd type="none" w="med" len="med"/>
+                    </a:lnR>
+                    <a:lnT w="12700" cap="flat" cmpd="sng" algn="ctr">
+                      <a:solidFill>
+                        <a:schemeClr val="tx1"/>
+                      </a:solidFill>
+                      <a:prstDash val="solid"/>
+                      <a:round/>
+                      <a:headEnd type="none" w="med" len="med"/>
+                      <a:tailEnd type="none" w="med" len="med"/>
+                    </a:lnT>
+                    <a:lnB w="12700" cap="flat" cmpd="sng" algn="ctr">
+                      <a:solidFill>
+                        <a:schemeClr val="tx1"/>
+                      </a:solidFill>
+                      <a:prstDash val="solid"/>
+                      <a:round/>
+                      <a:headEnd type="none" w="med" len="med"/>
+                      <a:tailEnd type="none" w="med" len="med"/>
+                    </a:lnB>
+                    <a:solidFill>
+                      <a:schemeClr val="bg1"/>
+                    </a:solidFill>
+                  </a:tcPr>
+                </a:tc>
+                <a:tc>
+                  <a:txBody>
+                    <a:bodyPr/>
+                    <a:lstStyle/>
+                    <a:p>
+                      <a:pPr latinLnBrk="1"/>
+                      <a:endParaRPr lang="ko-KR" altLang="en-US"/>
+                    </a:p>
+                  </a:txBody>
+                  <a:tcPr>
+                    <a:lnL w="12700" cap="flat" cmpd="sng" algn="ctr">
+                      <a:solidFill>
+                        <a:schemeClr val="tx1"/>
+                      </a:solidFill>
+                      <a:prstDash val="solid"/>
+                      <a:round/>
+                      <a:headEnd type="none" w="med" len="med"/>
+                      <a:tailEnd type="none" w="med" len="med"/>
+                    </a:lnL>
+                    <a:lnR w="12700" cap="flat" cmpd="sng" algn="ctr">
+                      <a:solidFill>
+                        <a:schemeClr val="tx1"/>
+                      </a:solidFill>
+                      <a:prstDash val="solid"/>
+                      <a:round/>
+                      <a:headEnd type="none" w="med" len="med"/>
+                      <a:tailEnd type="none" w="med" len="med"/>
+                    </a:lnR>
+                    <a:lnT w="12700" cap="flat" cmpd="sng" algn="ctr">
+                      <a:solidFill>
+                        <a:schemeClr val="tx1"/>
+                      </a:solidFill>
+                      <a:prstDash val="solid"/>
+                      <a:round/>
+                      <a:headEnd type="none" w="med" len="med"/>
+                      <a:tailEnd type="none" w="med" len="med"/>
+                    </a:lnT>
+                    <a:lnB w="12700" cap="flat" cmpd="sng" algn="ctr">
+                      <a:solidFill>
+                        <a:schemeClr val="tx1"/>
+                      </a:solidFill>
+                      <a:prstDash val="solid"/>
+                      <a:round/>
+                      <a:headEnd type="none" w="med" len="med"/>
+                      <a:tailEnd type="none" w="med" len="med"/>
+                    </a:lnB>
+                    <a:solidFill>
+                      <a:schemeClr val="bg1"/>
+                    </a:solidFill>
+                  </a:tcPr>
+                </a:tc>
+                <a:extLst>
+                  <a:ext uri="{0D108BD9-81ED-4DB2-BD59-A6C34878D82A}">
+                    <a16:rowId xmlns:a16="http://schemas.microsoft.com/office/drawing/2014/main" val="1614921296"/>
+                  </a:ext>
+                </a:extLst>
+              </a:tr>
+              <a:tr h="360000">
+                <a:tc>
+                  <a:txBody>
+                    <a:bodyPr/>
+                    <a:lstStyle/>
+                    <a:p>
+                      <a:pPr latinLnBrk="1"/>
+                      <a:endParaRPr lang="ko-KR" altLang="en-US"/>
+                    </a:p>
+                  </a:txBody>
+                  <a:tcPr>
+                    <a:lnL w="12700" cap="flat" cmpd="sng" algn="ctr">
+                      <a:solidFill>
+                        <a:schemeClr val="tx1"/>
+                      </a:solidFill>
+                      <a:prstDash val="solid"/>
+                      <a:round/>
+                      <a:headEnd type="none" w="med" len="med"/>
+                      <a:tailEnd type="none" w="med" len="med"/>
+                    </a:lnL>
+                    <a:lnR w="12700" cap="flat" cmpd="sng" algn="ctr">
+                      <a:solidFill>
+                        <a:schemeClr val="tx1"/>
+                      </a:solidFill>
+                      <a:prstDash val="solid"/>
+                      <a:round/>
+                      <a:headEnd type="none" w="med" len="med"/>
+                      <a:tailEnd type="none" w="med" len="med"/>
+                    </a:lnR>
+                    <a:lnT w="12700" cap="flat" cmpd="sng" algn="ctr">
+                      <a:solidFill>
+                        <a:schemeClr val="tx1"/>
+                      </a:solidFill>
+                      <a:prstDash val="solid"/>
+                      <a:round/>
+                      <a:headEnd type="none" w="med" len="med"/>
+                      <a:tailEnd type="none" w="med" len="med"/>
+                    </a:lnT>
+                    <a:lnB w="12700" cap="flat" cmpd="sng" algn="ctr">
+                      <a:solidFill>
+                        <a:schemeClr val="tx1"/>
+                      </a:solidFill>
+                      <a:prstDash val="solid"/>
+                      <a:round/>
+                      <a:headEnd type="none" w="med" len="med"/>
+                      <a:tailEnd type="none" w="med" len="med"/>
+                    </a:lnB>
+                    <a:solidFill>
+                      <a:schemeClr val="bg1"/>
+                    </a:solidFill>
+                  </a:tcPr>
+                </a:tc>
+                <a:tc>
+                  <a:txBody>
+                    <a:bodyPr/>
+                    <a:lstStyle/>
+                    <a:p>
+                      <a:pPr latinLnBrk="1"/>
+                      <a:endParaRPr lang="ko-KR" altLang="en-US"/>
+                    </a:p>
+                  </a:txBody>
+                  <a:tcPr>
+                    <a:lnL w="12700" cap="flat" cmpd="sng" algn="ctr">
+                      <a:solidFill>
+                        <a:schemeClr val="tx1"/>
+                      </a:solidFill>
+                      <a:prstDash val="solid"/>
+                      <a:round/>
+                      <a:headEnd type="none" w="med" len="med"/>
+                      <a:tailEnd type="none" w="med" len="med"/>
+                    </a:lnL>
+                    <a:lnR w="12700" cap="flat" cmpd="sng" algn="ctr">
+                      <a:solidFill>
+                        <a:schemeClr val="tx1"/>
+                      </a:solidFill>
+                      <a:prstDash val="solid"/>
+                      <a:round/>
+                      <a:headEnd type="none" w="med" len="med"/>
+                      <a:tailEnd type="none" w="med" len="med"/>
+                    </a:lnR>
+                    <a:lnT w="12700" cap="flat" cmpd="sng" algn="ctr">
+                      <a:solidFill>
+                        <a:schemeClr val="tx1"/>
+                      </a:solidFill>
+                      <a:prstDash val="solid"/>
+                      <a:round/>
+                      <a:headEnd type="none" w="med" len="med"/>
+                      <a:tailEnd type="none" w="med" len="med"/>
+                    </a:lnT>
+                    <a:lnB w="12700" cap="flat" cmpd="sng" algn="ctr">
+                      <a:solidFill>
+                        <a:schemeClr val="tx1"/>
+                      </a:solidFill>
+                      <a:prstDash val="solid"/>
+                      <a:round/>
+                      <a:headEnd type="none" w="med" len="med"/>
+                      <a:tailEnd type="none" w="med" len="med"/>
+                    </a:lnB>
+                    <a:solidFill>
+                      <a:schemeClr val="bg1"/>
+                    </a:solidFill>
+                  </a:tcPr>
+                </a:tc>
+                <a:tc>
+                  <a:txBody>
+                    <a:bodyPr/>
+                    <a:lstStyle/>
+                    <a:p>
+                      <a:pPr latinLnBrk="1"/>
+                      <a:endParaRPr lang="ko-KR" altLang="en-US"/>
+                    </a:p>
+                  </a:txBody>
+                  <a:tcPr>
+                    <a:lnL w="12700" cap="flat" cmpd="sng" algn="ctr">
+                      <a:solidFill>
+                        <a:schemeClr val="tx1"/>
+                      </a:solidFill>
+                      <a:prstDash val="solid"/>
+                      <a:round/>
+                      <a:headEnd type="none" w="med" len="med"/>
+                      <a:tailEnd type="none" w="med" len="med"/>
+                    </a:lnL>
+                    <a:lnR w="12700" cap="flat" cmpd="sng" algn="ctr">
+                      <a:solidFill>
+                        <a:schemeClr val="tx1"/>
+                      </a:solidFill>
+                      <a:prstDash val="solid"/>
+                      <a:round/>
+                      <a:headEnd type="none" w="med" len="med"/>
+                      <a:tailEnd type="none" w="med" len="med"/>
+                    </a:lnR>
+                    <a:lnT w="12700" cap="flat" cmpd="sng" algn="ctr">
+                      <a:solidFill>
+                        <a:schemeClr val="tx1"/>
+                      </a:solidFill>
+                      <a:prstDash val="solid"/>
+                      <a:round/>
+                      <a:headEnd type="none" w="med" len="med"/>
+                      <a:tailEnd type="none" w="med" len="med"/>
+                    </a:lnT>
+                    <a:lnB w="12700" cap="flat" cmpd="sng" algn="ctr">
+                      <a:solidFill>
+                        <a:schemeClr val="tx1"/>
+                      </a:solidFill>
+                      <a:prstDash val="solid"/>
+                      <a:round/>
+                      <a:headEnd type="none" w="med" len="med"/>
+                      <a:tailEnd type="none" w="med" len="med"/>
+                    </a:lnB>
+                    <a:solidFill>
+                      <a:schemeClr val="bg1"/>
+                    </a:solidFill>
+                  </a:tcPr>
+                </a:tc>
+                <a:tc>
+                  <a:txBody>
+                    <a:bodyPr/>
+                    <a:lstStyle/>
+                    <a:p>
+                      <a:pPr latinLnBrk="1"/>
+                      <a:endParaRPr lang="ko-KR" altLang="en-US"/>
+                    </a:p>
+                  </a:txBody>
+                  <a:tcPr>
+                    <a:lnL w="12700" cap="flat" cmpd="sng" algn="ctr">
+                      <a:solidFill>
+                        <a:schemeClr val="tx1"/>
+                      </a:solidFill>
+                      <a:prstDash val="solid"/>
+                      <a:round/>
+                      <a:headEnd type="none" w="med" len="med"/>
+                      <a:tailEnd type="none" w="med" len="med"/>
+                    </a:lnL>
+                    <a:lnR w="12700" cap="flat" cmpd="sng" algn="ctr">
+                      <a:solidFill>
+                        <a:schemeClr val="tx1"/>
+                      </a:solidFill>
+                      <a:prstDash val="solid"/>
+                      <a:round/>
+                      <a:headEnd type="none" w="med" len="med"/>
+                      <a:tailEnd type="none" w="med" len="med"/>
+                    </a:lnR>
+                    <a:lnT w="12700" cap="flat" cmpd="sng" algn="ctr">
+                      <a:solidFill>
+                        <a:schemeClr val="tx1"/>
+                      </a:solidFill>
+                      <a:prstDash val="solid"/>
+                      <a:round/>
+                      <a:headEnd type="none" w="med" len="med"/>
+                      <a:tailEnd type="none" w="med" len="med"/>
+                    </a:lnT>
+                    <a:lnB w="12700" cap="flat" cmpd="sng" algn="ctr">
+                      <a:solidFill>
+                        <a:schemeClr val="tx1"/>
+                      </a:solidFill>
+                      <a:prstDash val="solid"/>
+                      <a:round/>
+                      <a:headEnd type="none" w="med" len="med"/>
+                      <a:tailEnd type="none" w="med" len="med"/>
+                    </a:lnB>
+                    <a:solidFill>
+                      <a:schemeClr val="bg1"/>
+                    </a:solidFill>
+                  </a:tcPr>
+                </a:tc>
+                <a:tc>
+                  <a:txBody>
+                    <a:bodyPr/>
+                    <a:lstStyle/>
+                    <a:p>
+                      <a:pPr latinLnBrk="1"/>
+                      <a:endParaRPr lang="ko-KR" altLang="en-US" dirty="0"/>
+                    </a:p>
+                  </a:txBody>
+                  <a:tcPr>
+                    <a:lnL w="12700" cap="flat" cmpd="sng" algn="ctr">
+                      <a:solidFill>
+                        <a:schemeClr val="tx1"/>
+                      </a:solidFill>
+                      <a:prstDash val="solid"/>
+                      <a:round/>
+                      <a:headEnd type="none" w="med" len="med"/>
+                      <a:tailEnd type="none" w="med" len="med"/>
+                    </a:lnL>
+                    <a:lnR w="12700" cap="flat" cmpd="sng" algn="ctr">
+                      <a:solidFill>
+                        <a:schemeClr val="tx1"/>
+                      </a:solidFill>
+                      <a:prstDash val="solid"/>
+                      <a:round/>
+                      <a:headEnd type="none" w="med" len="med"/>
+                      <a:tailEnd type="none" w="med" len="med"/>
+                    </a:lnR>
+                    <a:lnT w="12700" cap="flat" cmpd="sng" algn="ctr">
+                      <a:solidFill>
+                        <a:schemeClr val="tx1"/>
+                      </a:solidFill>
+                      <a:prstDash val="solid"/>
+                      <a:round/>
+                      <a:headEnd type="none" w="med" len="med"/>
+                      <a:tailEnd type="none" w="med" len="med"/>
+                    </a:lnT>
+                    <a:lnB w="12700" cap="flat" cmpd="sng" algn="ctr">
+                      <a:solidFill>
+                        <a:schemeClr val="tx1"/>
+                      </a:solidFill>
+                      <a:prstDash val="solid"/>
+                      <a:round/>
+                      <a:headEnd type="none" w="med" len="med"/>
+                      <a:tailEnd type="none" w="med" len="med"/>
+                    </a:lnB>
+                    <a:solidFill>
+                      <a:schemeClr val="bg1"/>
+                    </a:solidFill>
+                  </a:tcPr>
+                </a:tc>
+                <a:tc>
+                  <a:txBody>
+                    <a:bodyPr/>
+                    <a:lstStyle/>
+                    <a:p>
+                      <a:pPr latinLnBrk="1"/>
+                      <a:endParaRPr lang="ko-KR" altLang="en-US" dirty="0"/>
+                    </a:p>
+                  </a:txBody>
+                  <a:tcPr>
+                    <a:lnL w="12700" cap="flat" cmpd="sng" algn="ctr">
+                      <a:solidFill>
+                        <a:schemeClr val="tx1"/>
+                      </a:solidFill>
+                      <a:prstDash val="solid"/>
+                      <a:round/>
+                      <a:headEnd type="none" w="med" len="med"/>
+                      <a:tailEnd type="none" w="med" len="med"/>
+                    </a:lnL>
+                    <a:lnR w="12700" cap="flat" cmpd="sng" algn="ctr">
+                      <a:solidFill>
+                        <a:schemeClr val="tx1"/>
+                      </a:solidFill>
+                      <a:prstDash val="solid"/>
+                      <a:round/>
+                      <a:headEnd type="none" w="med" len="med"/>
+                      <a:tailEnd type="none" w="med" len="med"/>
+                    </a:lnR>
+                    <a:lnT w="12700" cap="flat" cmpd="sng" algn="ctr">
+                      <a:solidFill>
+                        <a:schemeClr val="tx1"/>
+                      </a:solidFill>
+                      <a:prstDash val="solid"/>
+                      <a:round/>
+                      <a:headEnd type="none" w="med" len="med"/>
+                      <a:tailEnd type="none" w="med" len="med"/>
+                    </a:lnT>
+                    <a:lnB w="12700" cap="flat" cmpd="sng" algn="ctr">
+                      <a:solidFill>
+                        <a:schemeClr val="tx1"/>
+                      </a:solidFill>
+                      <a:prstDash val="solid"/>
+                      <a:round/>
+                      <a:headEnd type="none" w="med" len="med"/>
+                      <a:tailEnd type="none" w="med" len="med"/>
+                    </a:lnB>
+                    <a:solidFill>
+                      <a:schemeClr val="bg1"/>
+                    </a:solidFill>
+                  </a:tcPr>
+                </a:tc>
+                <a:tc>
+                  <a:txBody>
+                    <a:bodyPr/>
+                    <a:lstStyle/>
+                    <a:p>
+                      <a:pPr latinLnBrk="1"/>
+                      <a:endParaRPr lang="ko-KR" altLang="en-US"/>
+                    </a:p>
+                  </a:txBody>
+                  <a:tcPr>
+                    <a:lnL w="12700" cap="flat" cmpd="sng" algn="ctr">
+                      <a:solidFill>
+                        <a:schemeClr val="tx1"/>
+                      </a:solidFill>
+                      <a:prstDash val="solid"/>
+                      <a:round/>
+                      <a:headEnd type="none" w="med" len="med"/>
+                      <a:tailEnd type="none" w="med" len="med"/>
+                    </a:lnL>
+                    <a:lnR w="12700" cap="flat" cmpd="sng" algn="ctr">
+                      <a:solidFill>
+                        <a:schemeClr val="tx1"/>
+                      </a:solidFill>
+                      <a:prstDash val="solid"/>
+                      <a:round/>
+                      <a:headEnd type="none" w="med" len="med"/>
+                      <a:tailEnd type="none" w="med" len="med"/>
+                    </a:lnR>
+                    <a:lnT w="12700" cap="flat" cmpd="sng" algn="ctr">
+                      <a:solidFill>
+                        <a:schemeClr val="tx1"/>
+                      </a:solidFill>
+                      <a:prstDash val="solid"/>
+                      <a:round/>
+                      <a:headEnd type="none" w="med" len="med"/>
+                      <a:tailEnd type="none" w="med" len="med"/>
+                    </a:lnT>
+                    <a:lnB w="12700" cap="flat" cmpd="sng" algn="ctr">
+                      <a:solidFill>
+                        <a:schemeClr val="tx1"/>
+                      </a:solidFill>
+                      <a:prstDash val="solid"/>
+                      <a:round/>
+                      <a:headEnd type="none" w="med" len="med"/>
+                      <a:tailEnd type="none" w="med" len="med"/>
+                    </a:lnB>
+                    <a:solidFill>
+                      <a:schemeClr val="bg1"/>
+                    </a:solidFill>
+                  </a:tcPr>
+                </a:tc>
+                <a:tc>
+                  <a:txBody>
+                    <a:bodyPr/>
+                    <a:lstStyle/>
+                    <a:p>
+                      <a:pPr latinLnBrk="1"/>
+                      <a:endParaRPr lang="ko-KR" altLang="en-US"/>
+                    </a:p>
+                  </a:txBody>
+                  <a:tcPr>
+                    <a:lnL w="12700" cap="flat" cmpd="sng" algn="ctr">
+                      <a:solidFill>
+                        <a:schemeClr val="tx1"/>
+                      </a:solidFill>
+                      <a:prstDash val="solid"/>
+                      <a:round/>
+                      <a:headEnd type="none" w="med" len="med"/>
+                      <a:tailEnd type="none" w="med" len="med"/>
+                    </a:lnL>
+                    <a:lnR w="12700" cap="flat" cmpd="sng" algn="ctr">
+                      <a:solidFill>
+                        <a:schemeClr val="tx1"/>
+                      </a:solidFill>
+                      <a:prstDash val="solid"/>
+                      <a:round/>
+                      <a:headEnd type="none" w="med" len="med"/>
+                      <a:tailEnd type="none" w="med" len="med"/>
+                    </a:lnR>
+                    <a:lnT w="12700" cap="flat" cmpd="sng" algn="ctr">
+                      <a:solidFill>
+                        <a:schemeClr val="tx1"/>
+                      </a:solidFill>
+                      <a:prstDash val="solid"/>
+                      <a:round/>
+                      <a:headEnd type="none" w="med" len="med"/>
+                      <a:tailEnd type="none" w="med" len="med"/>
+                    </a:lnT>
+                    <a:lnB w="12700" cap="flat" cmpd="sng" algn="ctr">
+                      <a:solidFill>
+                        <a:schemeClr val="tx1"/>
+                      </a:solidFill>
+                      <a:prstDash val="solid"/>
+                      <a:round/>
+                      <a:headEnd type="none" w="med" len="med"/>
+                      <a:tailEnd type="none" w="med" len="med"/>
+                    </a:lnB>
+                    <a:solidFill>
+                      <a:schemeClr val="bg1"/>
+                    </a:solidFill>
+                  </a:tcPr>
+                </a:tc>
+                <a:extLst>
+                  <a:ext uri="{0D108BD9-81ED-4DB2-BD59-A6C34878D82A}">
+                    <a16:rowId xmlns:a16="http://schemas.microsoft.com/office/drawing/2014/main" val="2147396251"/>
+                  </a:ext>
+                </a:extLst>
+              </a:tr>
+              <a:tr h="360000">
+                <a:tc>
+                  <a:txBody>
+                    <a:bodyPr/>
+                    <a:lstStyle/>
+                    <a:p>
+                      <a:pPr latinLnBrk="1"/>
+                      <a:endParaRPr lang="ko-KR" altLang="en-US"/>
+                    </a:p>
+                  </a:txBody>
+                  <a:tcPr>
+                    <a:lnL w="12700" cap="flat" cmpd="sng" algn="ctr">
+                      <a:solidFill>
+                        <a:schemeClr val="tx1"/>
+                      </a:solidFill>
+                      <a:prstDash val="solid"/>
+                      <a:round/>
+                      <a:headEnd type="none" w="med" len="med"/>
+                      <a:tailEnd type="none" w="med" len="med"/>
+                    </a:lnL>
+                    <a:lnR w="12700" cap="flat" cmpd="sng" algn="ctr">
+                      <a:solidFill>
+                        <a:schemeClr val="tx1"/>
+                      </a:solidFill>
+                      <a:prstDash val="solid"/>
+                      <a:round/>
+                      <a:headEnd type="none" w="med" len="med"/>
+                      <a:tailEnd type="none" w="med" len="med"/>
+                    </a:lnR>
+                    <a:lnT w="12700" cap="flat" cmpd="sng" algn="ctr">
+                      <a:solidFill>
+                        <a:schemeClr val="tx1"/>
+                      </a:solidFill>
+                      <a:prstDash val="solid"/>
+                      <a:round/>
+                      <a:headEnd type="none" w="med" len="med"/>
+                      <a:tailEnd type="none" w="med" len="med"/>
+                    </a:lnT>
+                    <a:lnB w="12700" cap="flat" cmpd="sng" algn="ctr">
+                      <a:solidFill>
+                        <a:schemeClr val="tx1"/>
+                      </a:solidFill>
+                      <a:prstDash val="solid"/>
+                      <a:round/>
+                      <a:headEnd type="none" w="med" len="med"/>
+                      <a:tailEnd type="none" w="med" len="med"/>
+                    </a:lnB>
+                    <a:solidFill>
+                      <a:schemeClr val="bg1"/>
+                    </a:solidFill>
+                  </a:tcPr>
+                </a:tc>
+                <a:tc>
+                  <a:txBody>
+                    <a:bodyPr/>
+                    <a:lstStyle/>
+                    <a:p>
+                      <a:pPr latinLnBrk="1"/>
+                      <a:endParaRPr lang="ko-KR" altLang="en-US"/>
+                    </a:p>
+                  </a:txBody>
+                  <a:tcPr>
+                    <a:lnL w="12700" cap="flat" cmpd="sng" algn="ctr">
+                      <a:solidFill>
+                        <a:schemeClr val="tx1"/>
+                      </a:solidFill>
+                      <a:prstDash val="solid"/>
+                      <a:round/>
+                      <a:headEnd type="none" w="med" len="med"/>
+                      <a:tailEnd type="none" w="med" len="med"/>
+                    </a:lnL>
+                    <a:lnR w="12700" cap="flat" cmpd="sng" algn="ctr">
+                      <a:solidFill>
+                        <a:schemeClr val="tx1"/>
+                      </a:solidFill>
+                      <a:prstDash val="solid"/>
+                      <a:round/>
+                      <a:headEnd type="none" w="med" len="med"/>
+                      <a:tailEnd type="none" w="med" len="med"/>
+                    </a:lnR>
+                    <a:lnT w="12700" cap="flat" cmpd="sng" algn="ctr">
+                      <a:solidFill>
+                        <a:schemeClr val="tx1"/>
+                      </a:solidFill>
+                      <a:prstDash val="solid"/>
+                      <a:round/>
+                      <a:headEnd type="none" w="med" len="med"/>
+                      <a:tailEnd type="none" w="med" len="med"/>
+                    </a:lnT>
+                    <a:lnB w="12700" cap="flat" cmpd="sng" algn="ctr">
+                      <a:solidFill>
+                        <a:schemeClr val="tx1"/>
+                      </a:solidFill>
+                      <a:prstDash val="solid"/>
+                      <a:round/>
+                      <a:headEnd type="none" w="med" len="med"/>
+                      <a:tailEnd type="none" w="med" len="med"/>
+                    </a:lnB>
+                    <a:solidFill>
+                      <a:schemeClr val="bg1"/>
+                    </a:solidFill>
+                  </a:tcPr>
+                </a:tc>
+                <a:tc>
+                  <a:txBody>
+                    <a:bodyPr/>
+                    <a:lstStyle/>
+                    <a:p>
+                      <a:pPr latinLnBrk="1"/>
+                      <a:endParaRPr lang="ko-KR" altLang="en-US"/>
+                    </a:p>
+                  </a:txBody>
+                  <a:tcPr>
+                    <a:lnL w="12700" cap="flat" cmpd="sng" algn="ctr">
+                      <a:solidFill>
+                        <a:schemeClr val="tx1"/>
+                      </a:solidFill>
+                      <a:prstDash val="solid"/>
+                      <a:round/>
+                      <a:headEnd type="none" w="med" len="med"/>
+                      <a:tailEnd type="none" w="med" len="med"/>
+                    </a:lnL>
+                    <a:lnR w="12700" cap="flat" cmpd="sng" algn="ctr">
+                      <a:solidFill>
+                        <a:schemeClr val="tx1"/>
+                      </a:solidFill>
+                      <a:prstDash val="solid"/>
+                      <a:round/>
+                      <a:headEnd type="none" w="med" len="med"/>
+                      <a:tailEnd type="none" w="med" len="med"/>
+                    </a:lnR>
+                    <a:lnT w="12700" cap="flat" cmpd="sng" algn="ctr">
+                      <a:solidFill>
+                        <a:schemeClr val="tx1"/>
+                      </a:solidFill>
+                      <a:prstDash val="solid"/>
+                      <a:round/>
+                      <a:headEnd type="none" w="med" len="med"/>
+                      <a:tailEnd type="none" w="med" len="med"/>
+                    </a:lnT>
+                    <a:lnB w="12700" cap="flat" cmpd="sng" algn="ctr">
+                      <a:solidFill>
+                        <a:schemeClr val="tx1"/>
+                      </a:solidFill>
+                      <a:prstDash val="solid"/>
+                      <a:round/>
+                      <a:headEnd type="none" w="med" len="med"/>
+                      <a:tailEnd type="none" w="med" len="med"/>
+                    </a:lnB>
+                    <a:solidFill>
+                      <a:schemeClr val="bg1"/>
+                    </a:solidFill>
+                  </a:tcPr>
+                </a:tc>
+                <a:tc>
+                  <a:txBody>
+                    <a:bodyPr/>
+                    <a:lstStyle/>
+                    <a:p>
+                      <a:pPr latinLnBrk="1"/>
+                      <a:endParaRPr lang="ko-KR" altLang="en-US"/>
+                    </a:p>
+                  </a:txBody>
+                  <a:tcPr>
+                    <a:lnL w="12700" cap="flat" cmpd="sng" algn="ctr">
+                      <a:solidFill>
+                        <a:schemeClr val="tx1"/>
+                      </a:solidFill>
+                      <a:prstDash val="solid"/>
+                      <a:round/>
+                      <a:headEnd type="none" w="med" len="med"/>
+                      <a:tailEnd type="none" w="med" len="med"/>
+                    </a:lnL>
+                    <a:lnR w="12700" cap="flat" cmpd="sng" algn="ctr">
+                      <a:solidFill>
+                        <a:schemeClr val="tx1"/>
+                      </a:solidFill>
+                      <a:prstDash val="solid"/>
+                      <a:round/>
+                      <a:headEnd type="none" w="med" len="med"/>
+                      <a:tailEnd type="none" w="med" len="med"/>
+                    </a:lnR>
+                    <a:lnT w="12700" cap="flat" cmpd="sng" algn="ctr">
+                      <a:solidFill>
+                        <a:schemeClr val="tx1"/>
+                      </a:solidFill>
+                      <a:prstDash val="solid"/>
+                      <a:round/>
+                      <a:headEnd type="none" w="med" len="med"/>
+                      <a:tailEnd type="none" w="med" len="med"/>
+                    </a:lnT>
+                    <a:lnB w="12700" cap="flat" cmpd="sng" algn="ctr">
+                      <a:solidFill>
+                        <a:schemeClr val="tx1"/>
+                      </a:solidFill>
+                      <a:prstDash val="solid"/>
+                      <a:round/>
+                      <a:headEnd type="none" w="med" len="med"/>
+                      <a:tailEnd type="none" w="med" len="med"/>
+                    </a:lnB>
+                    <a:solidFill>
+                      <a:schemeClr val="bg1"/>
+                    </a:solidFill>
+                  </a:tcPr>
+                </a:tc>
+                <a:tc>
+                  <a:txBody>
+                    <a:bodyPr/>
+                    <a:lstStyle/>
+                    <a:p>
+                      <a:pPr latinLnBrk="1"/>
+                      <a:endParaRPr lang="ko-KR" altLang="en-US"/>
+                    </a:p>
+                  </a:txBody>
+                  <a:tcPr>
+                    <a:lnL w="12700" cap="flat" cmpd="sng" algn="ctr">
+                      <a:solidFill>
+                        <a:schemeClr val="tx1"/>
+                      </a:solidFill>
+                      <a:prstDash val="solid"/>
+                      <a:round/>
+                      <a:headEnd type="none" w="med" len="med"/>
+                      <a:tailEnd type="none" w="med" len="med"/>
+                    </a:lnL>
+                    <a:lnR w="12700" cap="flat" cmpd="sng" algn="ctr">
+                      <a:solidFill>
+                        <a:schemeClr val="tx1"/>
+                      </a:solidFill>
+                      <a:prstDash val="solid"/>
+                      <a:round/>
+                      <a:headEnd type="none" w="med" len="med"/>
+                      <a:tailEnd type="none" w="med" len="med"/>
+                    </a:lnR>
+                    <a:lnT w="12700" cap="flat" cmpd="sng" algn="ctr">
+                      <a:solidFill>
+                        <a:schemeClr val="tx1"/>
+                      </a:solidFill>
+                      <a:prstDash val="solid"/>
+                      <a:round/>
+                      <a:headEnd type="none" w="med" len="med"/>
+                      <a:tailEnd type="none" w="med" len="med"/>
+                    </a:lnT>
+                    <a:lnB w="12700" cap="flat" cmpd="sng" algn="ctr">
+                      <a:solidFill>
+                        <a:schemeClr val="tx1"/>
+                      </a:solidFill>
+                      <a:prstDash val="solid"/>
+                      <a:round/>
+                      <a:headEnd type="none" w="med" len="med"/>
+                      <a:tailEnd type="none" w="med" len="med"/>
+                    </a:lnB>
+                    <a:solidFill>
+                      <a:schemeClr val="bg1"/>
+                    </a:solidFill>
+                  </a:tcPr>
+                </a:tc>
+                <a:tc>
+                  <a:txBody>
+                    <a:bodyPr/>
+                    <a:lstStyle/>
+                    <a:p>
+                      <a:pPr latinLnBrk="1"/>
+                      <a:endParaRPr lang="ko-KR" altLang="en-US" dirty="0"/>
+                    </a:p>
+                  </a:txBody>
+                  <a:tcPr>
+                    <a:lnL w="12700" cap="flat" cmpd="sng" algn="ctr">
+                      <a:solidFill>
+                        <a:schemeClr val="tx1"/>
+                      </a:solidFill>
+                      <a:prstDash val="solid"/>
+                      <a:round/>
+                      <a:headEnd type="none" w="med" len="med"/>
+                      <a:tailEnd type="none" w="med" len="med"/>
+                    </a:lnL>
+                    <a:lnR w="12700" cap="flat" cmpd="sng" algn="ctr">
+                      <a:solidFill>
+                        <a:schemeClr val="tx1"/>
+                      </a:solidFill>
+                      <a:prstDash val="solid"/>
+                      <a:round/>
+                      <a:headEnd type="none" w="med" len="med"/>
+                      <a:tailEnd type="none" w="med" len="med"/>
+                    </a:lnR>
+                    <a:lnT w="12700" cap="flat" cmpd="sng" algn="ctr">
+                      <a:solidFill>
+                        <a:schemeClr val="tx1"/>
+                      </a:solidFill>
+                      <a:prstDash val="solid"/>
+                      <a:round/>
+                      <a:headEnd type="none" w="med" len="med"/>
+                      <a:tailEnd type="none" w="med" len="med"/>
+                    </a:lnT>
+                    <a:lnB w="12700" cap="flat" cmpd="sng" algn="ctr">
+                      <a:solidFill>
+                        <a:schemeClr val="tx1"/>
+                      </a:solidFill>
+                      <a:prstDash val="solid"/>
+                      <a:round/>
+                      <a:headEnd type="none" w="med" len="med"/>
+                      <a:tailEnd type="none" w="med" len="med"/>
+                    </a:lnB>
+                    <a:solidFill>
+                      <a:schemeClr val="bg1"/>
+                    </a:solidFill>
+                  </a:tcPr>
+                </a:tc>
+                <a:tc>
+                  <a:txBody>
+                    <a:bodyPr/>
+                    <a:lstStyle/>
+                    <a:p>
+                      <a:pPr latinLnBrk="1"/>
+                      <a:endParaRPr lang="ko-KR" altLang="en-US" dirty="0"/>
+                    </a:p>
+                  </a:txBody>
+                  <a:tcPr>
+                    <a:lnL w="12700" cap="flat" cmpd="sng" algn="ctr">
+                      <a:solidFill>
+                        <a:schemeClr val="tx1"/>
+                      </a:solidFill>
+                      <a:prstDash val="solid"/>
+                      <a:round/>
+                      <a:headEnd type="none" w="med" len="med"/>
+                      <a:tailEnd type="none" w="med" len="med"/>
+                    </a:lnL>
+                    <a:lnR w="12700" cap="flat" cmpd="sng" algn="ctr">
+                      <a:solidFill>
+                        <a:schemeClr val="tx1"/>
+                      </a:solidFill>
+                      <a:prstDash val="solid"/>
+                      <a:round/>
+                      <a:headEnd type="none" w="med" len="med"/>
+                      <a:tailEnd type="none" w="med" len="med"/>
+                    </a:lnR>
+                    <a:lnT w="12700" cap="flat" cmpd="sng" algn="ctr">
+                      <a:solidFill>
+                        <a:schemeClr val="tx1"/>
+                      </a:solidFill>
+                      <a:prstDash val="solid"/>
+                      <a:round/>
+                      <a:headEnd type="none" w="med" len="med"/>
+                      <a:tailEnd type="none" w="med" len="med"/>
+                    </a:lnT>
+                    <a:lnB w="12700" cap="flat" cmpd="sng" algn="ctr">
+                      <a:solidFill>
+                        <a:schemeClr val="tx1"/>
+                      </a:solidFill>
+                      <a:prstDash val="solid"/>
+                      <a:round/>
+                      <a:headEnd type="none" w="med" len="med"/>
+                      <a:tailEnd type="none" w="med" len="med"/>
+                    </a:lnB>
+                    <a:solidFill>
+                      <a:schemeClr val="bg1"/>
+                    </a:solidFill>
+                  </a:tcPr>
+                </a:tc>
+                <a:tc>
+                  <a:txBody>
+                    <a:bodyPr/>
+                    <a:lstStyle/>
+                    <a:p>
+                      <a:pPr latinLnBrk="1"/>
+                      <a:endParaRPr lang="ko-KR" altLang="en-US"/>
+                    </a:p>
+                  </a:txBody>
+                  <a:tcPr>
+                    <a:lnL w="12700" cap="flat" cmpd="sng" algn="ctr">
+                      <a:solidFill>
+                        <a:schemeClr val="tx1"/>
+                      </a:solidFill>
+                      <a:prstDash val="solid"/>
+                      <a:round/>
+                      <a:headEnd type="none" w="med" len="med"/>
+                      <a:tailEnd type="none" w="med" len="med"/>
+                    </a:lnL>
+                    <a:lnR w="12700" cap="flat" cmpd="sng" algn="ctr">
+                      <a:solidFill>
+                        <a:schemeClr val="tx1"/>
+                      </a:solidFill>
+                      <a:prstDash val="solid"/>
+                      <a:round/>
+                      <a:headEnd type="none" w="med" len="med"/>
+                      <a:tailEnd type="none" w="med" len="med"/>
+                    </a:lnR>
+                    <a:lnT w="12700" cap="flat" cmpd="sng" algn="ctr">
+                      <a:solidFill>
+                        <a:schemeClr val="tx1"/>
+                      </a:solidFill>
+                      <a:prstDash val="solid"/>
+                      <a:round/>
+                      <a:headEnd type="none" w="med" len="med"/>
+                      <a:tailEnd type="none" w="med" len="med"/>
+                    </a:lnT>
+                    <a:lnB w="12700" cap="flat" cmpd="sng" algn="ctr">
+                      <a:solidFill>
+                        <a:schemeClr val="tx1"/>
+                      </a:solidFill>
+                      <a:prstDash val="solid"/>
+                      <a:round/>
+                      <a:headEnd type="none" w="med" len="med"/>
+                      <a:tailEnd type="none" w="med" len="med"/>
+                    </a:lnB>
+                    <a:solidFill>
+                      <a:schemeClr val="bg1"/>
+                    </a:solidFill>
+                  </a:tcPr>
+                </a:tc>
+                <a:extLst>
+                  <a:ext uri="{0D108BD9-81ED-4DB2-BD59-A6C34878D82A}">
+                    <a16:rowId xmlns:a16="http://schemas.microsoft.com/office/drawing/2014/main" val="28850290"/>
+                  </a:ext>
+                </a:extLst>
+              </a:tr>
+              <a:tr h="360000">
+                <a:tc>
+                  <a:txBody>
+                    <a:bodyPr/>
+                    <a:lstStyle/>
+                    <a:p>
+                      <a:pPr latinLnBrk="1"/>
+                      <a:endParaRPr lang="ko-KR" altLang="en-US"/>
+                    </a:p>
+                  </a:txBody>
+                  <a:tcPr>
+                    <a:lnL w="12700" cap="flat" cmpd="sng" algn="ctr">
+                      <a:solidFill>
+                        <a:schemeClr val="tx1"/>
+                      </a:solidFill>
+                      <a:prstDash val="solid"/>
+                      <a:round/>
+                      <a:headEnd type="none" w="med" len="med"/>
+                      <a:tailEnd type="none" w="med" len="med"/>
+                    </a:lnL>
+                    <a:lnR w="12700" cap="flat" cmpd="sng" algn="ctr">
+                      <a:solidFill>
+                        <a:schemeClr val="tx1"/>
+                      </a:solidFill>
+                      <a:prstDash val="solid"/>
+                      <a:round/>
+                      <a:headEnd type="none" w="med" len="med"/>
+                      <a:tailEnd type="none" w="med" len="med"/>
+                    </a:lnR>
+                    <a:lnT w="12700" cap="flat" cmpd="sng" algn="ctr">
+                      <a:solidFill>
+                        <a:schemeClr val="tx1"/>
+                      </a:solidFill>
+                      <a:prstDash val="solid"/>
+                      <a:round/>
+                      <a:headEnd type="none" w="med" len="med"/>
+                      <a:tailEnd type="none" w="med" len="med"/>
+                    </a:lnT>
+                    <a:lnB w="12700" cap="flat" cmpd="sng" algn="ctr">
+                      <a:solidFill>
+                        <a:schemeClr val="tx1"/>
+                      </a:solidFill>
+                      <a:prstDash val="solid"/>
+                      <a:round/>
+                      <a:headEnd type="none" w="med" len="med"/>
+                      <a:tailEnd type="none" w="med" len="med"/>
+                    </a:lnB>
+                    <a:solidFill>
+                      <a:schemeClr val="bg1"/>
+                    </a:solidFill>
+                  </a:tcPr>
+                </a:tc>
+                <a:tc>
+                  <a:txBody>
+                    <a:bodyPr/>
+                    <a:lstStyle/>
+                    <a:p>
+                      <a:pPr latinLnBrk="1"/>
+                      <a:endParaRPr lang="ko-KR" altLang="en-US"/>
+                    </a:p>
+                  </a:txBody>
+                  <a:tcPr>
+                    <a:lnL w="12700" cap="flat" cmpd="sng" algn="ctr">
+                      <a:solidFill>
+                        <a:schemeClr val="tx1"/>
+                      </a:solidFill>
+                      <a:prstDash val="solid"/>
+                      <a:round/>
+                      <a:headEnd type="none" w="med" len="med"/>
+                      <a:tailEnd type="none" w="med" len="med"/>
+                    </a:lnL>
+                    <a:lnR w="12700" cap="flat" cmpd="sng" algn="ctr">
+                      <a:solidFill>
+                        <a:schemeClr val="tx1"/>
+                      </a:solidFill>
+                      <a:prstDash val="solid"/>
+                      <a:round/>
+                      <a:headEnd type="none" w="med" len="med"/>
+                      <a:tailEnd type="none" w="med" len="med"/>
+                    </a:lnR>
+                    <a:lnT w="12700" cap="flat" cmpd="sng" algn="ctr">
+                      <a:solidFill>
+                        <a:schemeClr val="tx1"/>
+                      </a:solidFill>
+                      <a:prstDash val="solid"/>
+                      <a:round/>
+                      <a:headEnd type="none" w="med" len="med"/>
+                      <a:tailEnd type="none" w="med" len="med"/>
+                    </a:lnT>
+                    <a:lnB w="12700" cap="flat" cmpd="sng" algn="ctr">
+                      <a:solidFill>
+                        <a:schemeClr val="tx1"/>
+                      </a:solidFill>
+                      <a:prstDash val="solid"/>
+                      <a:round/>
+                      <a:headEnd type="none" w="med" len="med"/>
+                      <a:tailEnd type="none" w="med" len="med"/>
+                    </a:lnB>
+                    <a:solidFill>
+                      <a:schemeClr val="bg1"/>
+                    </a:solidFill>
+                  </a:tcPr>
+                </a:tc>
+                <a:tc>
+                  <a:txBody>
+                    <a:bodyPr/>
+                    <a:lstStyle/>
+                    <a:p>
+                      <a:pPr latinLnBrk="1"/>
+                      <a:endParaRPr lang="ko-KR" altLang="en-US"/>
+                    </a:p>
+                  </a:txBody>
+                  <a:tcPr>
+                    <a:lnL w="12700" cap="flat" cmpd="sng" algn="ctr">
+                      <a:solidFill>
+                        <a:schemeClr val="tx1"/>
+                      </a:solidFill>
+                      <a:prstDash val="solid"/>
+                      <a:round/>
+                      <a:headEnd type="none" w="med" len="med"/>
+                      <a:tailEnd type="none" w="med" len="med"/>
+                    </a:lnL>
+                    <a:lnR w="12700" cap="flat" cmpd="sng" algn="ctr">
+                      <a:solidFill>
+                        <a:schemeClr val="tx1"/>
+                      </a:solidFill>
+                      <a:prstDash val="solid"/>
+                      <a:round/>
+                      <a:headEnd type="none" w="med" len="med"/>
+                      <a:tailEnd type="none" w="med" len="med"/>
+                    </a:lnR>
+                    <a:lnT w="12700" cap="flat" cmpd="sng" algn="ctr">
+                      <a:solidFill>
+                        <a:schemeClr val="tx1"/>
+                      </a:solidFill>
+                      <a:prstDash val="solid"/>
+                      <a:round/>
+                      <a:headEnd type="none" w="med" len="med"/>
+                      <a:tailEnd type="none" w="med" len="med"/>
+                    </a:lnT>
+                    <a:lnB w="12700" cap="flat" cmpd="sng" algn="ctr">
+                      <a:solidFill>
+                        <a:schemeClr val="tx1"/>
+                      </a:solidFill>
+                      <a:prstDash val="solid"/>
+                      <a:round/>
+                      <a:headEnd type="none" w="med" len="med"/>
+                      <a:tailEnd type="none" w="med" len="med"/>
+                    </a:lnB>
+                    <a:solidFill>
+                      <a:schemeClr val="bg1"/>
+                    </a:solidFill>
+                  </a:tcPr>
+                </a:tc>
+                <a:tc>
+                  <a:txBody>
+                    <a:bodyPr/>
+                    <a:lstStyle/>
+                    <a:p>
+                      <a:pPr latinLnBrk="1"/>
+                      <a:endParaRPr lang="ko-KR" altLang="en-US"/>
+                    </a:p>
+                  </a:txBody>
+                  <a:tcPr>
+                    <a:lnL w="12700" cap="flat" cmpd="sng" algn="ctr">
+                      <a:solidFill>
+                        <a:schemeClr val="tx1"/>
+                      </a:solidFill>
+                      <a:prstDash val="solid"/>
+                      <a:round/>
+                      <a:headEnd type="none" w="med" len="med"/>
+                      <a:tailEnd type="none" w="med" len="med"/>
+                    </a:lnL>
+                    <a:lnR w="12700" cap="flat" cmpd="sng" algn="ctr">
+                      <a:solidFill>
+                        <a:schemeClr val="tx1"/>
+                      </a:solidFill>
+                      <a:prstDash val="solid"/>
+                      <a:round/>
+                      <a:headEnd type="none" w="med" len="med"/>
+                      <a:tailEnd type="none" w="med" len="med"/>
+                    </a:lnR>
+                    <a:lnT w="12700" cap="flat" cmpd="sng" algn="ctr">
+                      <a:solidFill>
+                        <a:schemeClr val="tx1"/>
+                      </a:solidFill>
+                      <a:prstDash val="solid"/>
+                      <a:round/>
+                      <a:headEnd type="none" w="med" len="med"/>
+                      <a:tailEnd type="none" w="med" len="med"/>
+                    </a:lnT>
+                    <a:lnB w="12700" cap="flat" cmpd="sng" algn="ctr">
+                      <a:solidFill>
+                        <a:schemeClr val="tx1"/>
+                      </a:solidFill>
+                      <a:prstDash val="solid"/>
+                      <a:round/>
+                      <a:headEnd type="none" w="med" len="med"/>
+                      <a:tailEnd type="none" w="med" len="med"/>
+                    </a:lnB>
+                    <a:solidFill>
+                      <a:schemeClr val="bg1"/>
+                    </a:solidFill>
+                  </a:tcPr>
+                </a:tc>
+                <a:tc>
+                  <a:txBody>
+                    <a:bodyPr/>
+                    <a:lstStyle/>
+                    <a:p>
+                      <a:pPr latinLnBrk="1"/>
+                      <a:endParaRPr lang="ko-KR" altLang="en-US"/>
+                    </a:p>
+                  </a:txBody>
+                  <a:tcPr>
+                    <a:lnL w="12700" cap="flat" cmpd="sng" algn="ctr">
+                      <a:solidFill>
+                        <a:schemeClr val="tx1"/>
+                      </a:solidFill>
+                      <a:prstDash val="solid"/>
+                      <a:round/>
+                      <a:headEnd type="none" w="med" len="med"/>
+                      <a:tailEnd type="none" w="med" len="med"/>
+                    </a:lnL>
+                    <a:lnR w="12700" cap="flat" cmpd="sng" algn="ctr">
+                      <a:solidFill>
+                        <a:schemeClr val="tx1"/>
+                      </a:solidFill>
+                      <a:prstDash val="solid"/>
+                      <a:round/>
+                      <a:headEnd type="none" w="med" len="med"/>
+                      <a:tailEnd type="none" w="med" len="med"/>
+                    </a:lnR>
+                    <a:lnT w="12700" cap="flat" cmpd="sng" algn="ctr">
+                      <a:solidFill>
+                        <a:schemeClr val="tx1"/>
+                      </a:solidFill>
+                      <a:prstDash val="solid"/>
+                      <a:round/>
+                      <a:headEnd type="none" w="med" len="med"/>
+                      <a:tailEnd type="none" w="med" len="med"/>
+                    </a:lnT>
+                    <a:lnB w="12700" cap="flat" cmpd="sng" algn="ctr">
+                      <a:solidFill>
+                        <a:schemeClr val="tx1"/>
+                      </a:solidFill>
+                      <a:prstDash val="solid"/>
+                      <a:round/>
+                      <a:headEnd type="none" w="med" len="med"/>
+                      <a:tailEnd type="none" w="med" len="med"/>
+                    </a:lnB>
+                    <a:solidFill>
+                      <a:schemeClr val="bg1"/>
+                    </a:solidFill>
+                  </a:tcPr>
+                </a:tc>
+                <a:tc>
+                  <a:txBody>
+                    <a:bodyPr/>
+                    <a:lstStyle/>
+                    <a:p>
+                      <a:pPr latinLnBrk="1"/>
+                      <a:endParaRPr lang="ko-KR" altLang="en-US"/>
+                    </a:p>
+                  </a:txBody>
+                  <a:tcPr>
+                    <a:lnL w="12700" cap="flat" cmpd="sng" algn="ctr">
+                      <a:solidFill>
+                        <a:schemeClr val="tx1"/>
+                      </a:solidFill>
+                      <a:prstDash val="solid"/>
+                      <a:round/>
+                      <a:headEnd type="none" w="med" len="med"/>
+                      <a:tailEnd type="none" w="med" len="med"/>
+                    </a:lnL>
+                    <a:lnR w="12700" cap="flat" cmpd="sng" algn="ctr">
+                      <a:solidFill>
+                        <a:schemeClr val="tx1"/>
+                      </a:solidFill>
+                      <a:prstDash val="solid"/>
+                      <a:round/>
+                      <a:headEnd type="none" w="med" len="med"/>
+                      <a:tailEnd type="none" w="med" len="med"/>
+                    </a:lnR>
+                    <a:lnT w="12700" cap="flat" cmpd="sng" algn="ctr">
+                      <a:solidFill>
+                        <a:schemeClr val="tx1"/>
+                      </a:solidFill>
+                      <a:prstDash val="solid"/>
+                      <a:round/>
+                      <a:headEnd type="none" w="med" len="med"/>
+                      <a:tailEnd type="none" w="med" len="med"/>
+                    </a:lnT>
+                    <a:lnB w="12700" cap="flat" cmpd="sng" algn="ctr">
+                      <a:solidFill>
+                        <a:schemeClr val="tx1"/>
+                      </a:solidFill>
+                      <a:prstDash val="solid"/>
+                      <a:round/>
+                      <a:headEnd type="none" w="med" len="med"/>
+                      <a:tailEnd type="none" w="med" len="med"/>
+                    </a:lnB>
+                    <a:solidFill>
+                      <a:schemeClr val="bg1"/>
+                    </a:solidFill>
+                  </a:tcPr>
+                </a:tc>
+                <a:tc>
+                  <a:txBody>
+                    <a:bodyPr/>
+                    <a:lstStyle/>
+                    <a:p>
+                      <a:pPr latinLnBrk="1"/>
+                      <a:endParaRPr lang="ko-KR" altLang="en-US" dirty="0"/>
+                    </a:p>
+                  </a:txBody>
+                  <a:tcPr>
+                    <a:lnL w="12700" cap="flat" cmpd="sng" algn="ctr">
+                      <a:solidFill>
+                        <a:schemeClr val="tx1"/>
+                      </a:solidFill>
+                      <a:prstDash val="solid"/>
+                      <a:round/>
+                      <a:headEnd type="none" w="med" len="med"/>
+                      <a:tailEnd type="none" w="med" len="med"/>
+                    </a:lnL>
+                    <a:lnR w="12700" cap="flat" cmpd="sng" algn="ctr">
+                      <a:solidFill>
+                        <a:schemeClr val="tx1"/>
+                      </a:solidFill>
+                      <a:prstDash val="solid"/>
+                      <a:round/>
+                      <a:headEnd type="none" w="med" len="med"/>
+                      <a:tailEnd type="none" w="med" len="med"/>
+                    </a:lnR>
+                    <a:lnT w="12700" cap="flat" cmpd="sng" algn="ctr">
+                      <a:solidFill>
+                        <a:schemeClr val="tx1"/>
+                      </a:solidFill>
+                      <a:prstDash val="solid"/>
+                      <a:round/>
+                      <a:headEnd type="none" w="med" len="med"/>
+                      <a:tailEnd type="none" w="med" len="med"/>
+                    </a:lnT>
+                    <a:lnB w="12700" cap="flat" cmpd="sng" algn="ctr">
+                      <a:solidFill>
+                        <a:schemeClr val="tx1"/>
+                      </a:solidFill>
+                      <a:prstDash val="solid"/>
+                      <a:round/>
+                      <a:headEnd type="none" w="med" len="med"/>
+                      <a:tailEnd type="none" w="med" len="med"/>
+                    </a:lnB>
+                    <a:solidFill>
+                      <a:schemeClr val="bg1"/>
+                    </a:solidFill>
+                  </a:tcPr>
+                </a:tc>
+                <a:tc>
+                  <a:txBody>
+                    <a:bodyPr/>
+                    <a:lstStyle/>
+                    <a:p>
+                      <a:pPr latinLnBrk="1"/>
+                      <a:endParaRPr lang="ko-KR" altLang="en-US" dirty="0"/>
+                    </a:p>
+                  </a:txBody>
+                  <a:tcPr>
+                    <a:lnL w="12700" cap="flat" cmpd="sng" algn="ctr">
+                      <a:solidFill>
+                        <a:schemeClr val="tx1"/>
+                      </a:solidFill>
+                      <a:prstDash val="solid"/>
+                      <a:round/>
+                      <a:headEnd type="none" w="med" len="med"/>
+                      <a:tailEnd type="none" w="med" len="med"/>
+                    </a:lnL>
+                    <a:lnR w="12700" cap="flat" cmpd="sng" algn="ctr">
+                      <a:solidFill>
+                        <a:schemeClr val="tx1"/>
+                      </a:solidFill>
+                      <a:prstDash val="solid"/>
+                      <a:round/>
+                      <a:headEnd type="none" w="med" len="med"/>
+                      <a:tailEnd type="none" w="med" len="med"/>
+                    </a:lnR>
+                    <a:lnT w="12700" cap="flat" cmpd="sng" algn="ctr">
+                      <a:solidFill>
+                        <a:schemeClr val="tx1"/>
+                      </a:solidFill>
+                      <a:prstDash val="solid"/>
+                      <a:round/>
+                      <a:headEnd type="none" w="med" len="med"/>
+                      <a:tailEnd type="none" w="med" len="med"/>
+                    </a:lnT>
+                    <a:lnB w="12700" cap="flat" cmpd="sng" algn="ctr">
+                      <a:solidFill>
+                        <a:schemeClr val="tx1"/>
+                      </a:solidFill>
+                      <a:prstDash val="solid"/>
+                      <a:round/>
+                      <a:headEnd type="none" w="med" len="med"/>
+                      <a:tailEnd type="none" w="med" len="med"/>
+                    </a:lnB>
+                    <a:solidFill>
+                      <a:schemeClr val="bg1"/>
+                    </a:solidFill>
+                  </a:tcPr>
+                </a:tc>
+                <a:extLst>
+                  <a:ext uri="{0D108BD9-81ED-4DB2-BD59-A6C34878D82A}">
+                    <a16:rowId xmlns:a16="http://schemas.microsoft.com/office/drawing/2014/main" val="380109753"/>
+                  </a:ext>
+                </a:extLst>
+              </a:tr>
+            </a:tbl>
+          </a:graphicData>
+        </a:graphic>
+      </p:graphicFrame>
     </p:spTree>
     <p:extLst>
       <p:ext uri="{BB962C8B-B14F-4D97-AF65-F5344CB8AC3E}">
@@ -14972,7 +21523,39 @@
       </a:bgFillStyleLst>
     </a:fmtScheme>
   </a:themeElements>
-  <a:objectDefaults/>
+  <a:objectDefaults>
+    <a:spDef>
+      <a:spPr>
+        <a:ln w="57150">
+          <a:solidFill>
+            <a:srgbClr val="FFFF00"/>
+          </a:solidFill>
+        </a:ln>
+      </a:spPr>
+      <a:bodyPr rtlCol="0" anchor="ctr"/>
+      <a:lstStyle>
+        <a:defPPr algn="ctr">
+          <a:defRPr dirty="0" smtClean="0"/>
+        </a:defPPr>
+      </a:lstStyle>
+      <a:style>
+        <a:lnRef idx="2">
+          <a:schemeClr val="accent4">
+            <a:shade val="50000"/>
+          </a:schemeClr>
+        </a:lnRef>
+        <a:fillRef idx="1">
+          <a:schemeClr val="accent4"/>
+        </a:fillRef>
+        <a:effectRef idx="0">
+          <a:schemeClr val="accent4"/>
+        </a:effectRef>
+        <a:fontRef idx="minor">
+          <a:schemeClr val="lt1"/>
+        </a:fontRef>
+      </a:style>
+    </a:spDef>
+  </a:objectDefaults>
   <a:extraClrSchemeLst/>
   <a:extLst>
     <a:ext uri="{05A4C25C-085E-4340-85A3-A5531E510DB2}">

--- a/image1.pptx
+++ b/image1.pptx
@@ -16,6 +16,7 @@
     <p:sldId id="264" r:id="rId10"/>
     <p:sldId id="265" r:id="rId11"/>
     <p:sldId id="266" r:id="rId12"/>
+    <p:sldId id="267" r:id="rId13"/>
   </p:sldIdLst>
   <p:sldSz cx="12192000" cy="6858000"/>
   <p:notesSz cx="6858000" cy="9144000"/>
@@ -269,7 +270,7 @@
           <a:p>
             <a:fld id="{5660B926-7AC7-45A0-B1C2-692220D8726F}" type="datetimeFigureOut">
               <a:rPr lang="ko-KR" altLang="en-US" smtClean="0"/>
-              <a:t>2018-12-17</a:t>
+              <a:t>2018-12-19</a:t>
             </a:fld>
             <a:endParaRPr lang="ko-KR" altLang="en-US"/>
           </a:p>
@@ -467,7 +468,7 @@
           <a:p>
             <a:fld id="{5660B926-7AC7-45A0-B1C2-692220D8726F}" type="datetimeFigureOut">
               <a:rPr lang="ko-KR" altLang="en-US" smtClean="0"/>
-              <a:t>2018-12-17</a:t>
+              <a:t>2018-12-19</a:t>
             </a:fld>
             <a:endParaRPr lang="ko-KR" altLang="en-US"/>
           </a:p>
@@ -675,7 +676,7 @@
           <a:p>
             <a:fld id="{5660B926-7AC7-45A0-B1C2-692220D8726F}" type="datetimeFigureOut">
               <a:rPr lang="ko-KR" altLang="en-US" smtClean="0"/>
-              <a:t>2018-12-17</a:t>
+              <a:t>2018-12-19</a:t>
             </a:fld>
             <a:endParaRPr lang="ko-KR" altLang="en-US"/>
           </a:p>
@@ -873,7 +874,7 @@
           <a:p>
             <a:fld id="{5660B926-7AC7-45A0-B1C2-692220D8726F}" type="datetimeFigureOut">
               <a:rPr lang="ko-KR" altLang="en-US" smtClean="0"/>
-              <a:t>2018-12-17</a:t>
+              <a:t>2018-12-19</a:t>
             </a:fld>
             <a:endParaRPr lang="ko-KR" altLang="en-US"/>
           </a:p>
@@ -1148,7 +1149,7 @@
           <a:p>
             <a:fld id="{5660B926-7AC7-45A0-B1C2-692220D8726F}" type="datetimeFigureOut">
               <a:rPr lang="ko-KR" altLang="en-US" smtClean="0"/>
-              <a:t>2018-12-17</a:t>
+              <a:t>2018-12-19</a:t>
             </a:fld>
             <a:endParaRPr lang="ko-KR" altLang="en-US"/>
           </a:p>
@@ -1413,7 +1414,7 @@
           <a:p>
             <a:fld id="{5660B926-7AC7-45A0-B1C2-692220D8726F}" type="datetimeFigureOut">
               <a:rPr lang="ko-KR" altLang="en-US" smtClean="0"/>
-              <a:t>2018-12-17</a:t>
+              <a:t>2018-12-19</a:t>
             </a:fld>
             <a:endParaRPr lang="ko-KR" altLang="en-US"/>
           </a:p>
@@ -1825,7 +1826,7 @@
           <a:p>
             <a:fld id="{5660B926-7AC7-45A0-B1C2-692220D8726F}" type="datetimeFigureOut">
               <a:rPr lang="ko-KR" altLang="en-US" smtClean="0"/>
-              <a:t>2018-12-17</a:t>
+              <a:t>2018-12-19</a:t>
             </a:fld>
             <a:endParaRPr lang="ko-KR" altLang="en-US"/>
           </a:p>
@@ -1966,7 +1967,7 @@
           <a:p>
             <a:fld id="{5660B926-7AC7-45A0-B1C2-692220D8726F}" type="datetimeFigureOut">
               <a:rPr lang="ko-KR" altLang="en-US" smtClean="0"/>
-              <a:t>2018-12-17</a:t>
+              <a:t>2018-12-19</a:t>
             </a:fld>
             <a:endParaRPr lang="ko-KR" altLang="en-US"/>
           </a:p>
@@ -2079,7 +2080,7 @@
           <a:p>
             <a:fld id="{5660B926-7AC7-45A0-B1C2-692220D8726F}" type="datetimeFigureOut">
               <a:rPr lang="ko-KR" altLang="en-US" smtClean="0"/>
-              <a:t>2018-12-17</a:t>
+              <a:t>2018-12-19</a:t>
             </a:fld>
             <a:endParaRPr lang="ko-KR" altLang="en-US"/>
           </a:p>
@@ -2390,7 +2391,7 @@
           <a:p>
             <a:fld id="{5660B926-7AC7-45A0-B1C2-692220D8726F}" type="datetimeFigureOut">
               <a:rPr lang="ko-KR" altLang="en-US" smtClean="0"/>
-              <a:t>2018-12-17</a:t>
+              <a:t>2018-12-19</a:t>
             </a:fld>
             <a:endParaRPr lang="ko-KR" altLang="en-US"/>
           </a:p>
@@ -2678,7 +2679,7 @@
           <a:p>
             <a:fld id="{5660B926-7AC7-45A0-B1C2-692220D8726F}" type="datetimeFigureOut">
               <a:rPr lang="ko-KR" altLang="en-US" smtClean="0"/>
-              <a:t>2018-12-17</a:t>
+              <a:t>2018-12-19</a:t>
             </a:fld>
             <a:endParaRPr lang="ko-KR" altLang="en-US"/>
           </a:p>
@@ -2919,7 +2920,7 @@
           <a:p>
             <a:fld id="{5660B926-7AC7-45A0-B1C2-692220D8726F}" type="datetimeFigureOut">
               <a:rPr lang="ko-KR" altLang="en-US" smtClean="0"/>
-              <a:t>2018-12-17</a:t>
+              <a:t>2018-12-19</a:t>
             </a:fld>
             <a:endParaRPr lang="ko-KR" altLang="en-US"/>
           </a:p>
@@ -5773,6 +5774,83 @@
     <p:extLst>
       <p:ext uri="{BB962C8B-B14F-4D97-AF65-F5344CB8AC3E}">
         <p14:creationId xmlns:p14="http://schemas.microsoft.com/office/powerpoint/2010/main" val="3521500064"/>
+      </p:ext>
+    </p:extLst>
+  </p:cSld>
+  <p:clrMapOvr>
+    <a:masterClrMapping/>
+  </p:clrMapOvr>
+</p:sld>
+</file>
+
+<file path=ppt/slides/slide12.xml><?xml version="1.0" encoding="utf-8"?>
+<p:sld xmlns:a="http://schemas.openxmlformats.org/drawingml/2006/main" xmlns:r="http://schemas.openxmlformats.org/officeDocument/2006/relationships" xmlns:p="http://schemas.openxmlformats.org/presentationml/2006/main">
+  <p:cSld>
+    <p:spTree>
+      <p:nvGrpSpPr>
+        <p:cNvPr id="1" name=""/>
+        <p:cNvGrpSpPr/>
+        <p:nvPr/>
+      </p:nvGrpSpPr>
+      <p:grpSpPr>
+        <a:xfrm>
+          <a:off x="0" y="0"/>
+          <a:ext cx="0" cy="0"/>
+          <a:chOff x="0" y="0"/>
+          <a:chExt cx="0" cy="0"/>
+        </a:xfrm>
+      </p:grpSpPr>
+      <p:sp>
+        <p:nvSpPr>
+          <p:cNvPr id="4" name="화살표: 왼쪽 3">
+            <a:extLst>
+              <a:ext uri="{FF2B5EF4-FFF2-40B4-BE49-F238E27FC236}">
+                <a16:creationId xmlns:a16="http://schemas.microsoft.com/office/drawing/2014/main" id="{A0FD617A-F28A-4CB0-96F4-DE2F5489CECB}"/>
+              </a:ext>
+            </a:extLst>
+          </p:cNvPr>
+          <p:cNvSpPr/>
+          <p:nvPr/>
+        </p:nvSpPr>
+        <p:spPr>
+          <a:xfrm>
+            <a:off x="1090569" y="838899"/>
+            <a:ext cx="3833769" cy="1898969"/>
+          </a:xfrm>
+          <a:prstGeom prst="leftArrow">
+            <a:avLst/>
+          </a:prstGeom>
+          <a:ln/>
+        </p:spPr>
+        <p:style>
+          <a:lnRef idx="2">
+            <a:schemeClr val="accent4">
+              <a:shade val="50000"/>
+            </a:schemeClr>
+          </a:lnRef>
+          <a:fillRef idx="1">
+            <a:schemeClr val="accent4"/>
+          </a:fillRef>
+          <a:effectRef idx="0">
+            <a:schemeClr val="accent4"/>
+          </a:effectRef>
+          <a:fontRef idx="minor">
+            <a:schemeClr val="lt1"/>
+          </a:fontRef>
+        </p:style>
+        <p:txBody>
+          <a:bodyPr rtlCol="0" anchor="ctr"/>
+          <a:lstStyle/>
+          <a:p>
+            <a:pPr algn="ctr"/>
+            <a:endParaRPr lang="ko-KR" altLang="en-US" dirty="0"/>
+          </a:p>
+        </p:txBody>
+      </p:sp>
+    </p:spTree>
+    <p:extLst>
+      <p:ext uri="{BB962C8B-B14F-4D97-AF65-F5344CB8AC3E}">
+        <p14:creationId xmlns:p14="http://schemas.microsoft.com/office/powerpoint/2010/main" val="616140504"/>
       </p:ext>
     </p:extLst>
   </p:cSld>

--- a/image1.pptx
+++ b/image1.pptx
@@ -270,7 +270,7 @@
           <a:p>
             <a:fld id="{5660B926-7AC7-45A0-B1C2-692220D8726F}" type="datetimeFigureOut">
               <a:rPr lang="ko-KR" altLang="en-US" smtClean="0"/>
-              <a:t>2018-12-19</a:t>
+              <a:t>2018-12-21</a:t>
             </a:fld>
             <a:endParaRPr lang="ko-KR" altLang="en-US"/>
           </a:p>
@@ -468,7 +468,7 @@
           <a:p>
             <a:fld id="{5660B926-7AC7-45A0-B1C2-692220D8726F}" type="datetimeFigureOut">
               <a:rPr lang="ko-KR" altLang="en-US" smtClean="0"/>
-              <a:t>2018-12-19</a:t>
+              <a:t>2018-12-21</a:t>
             </a:fld>
             <a:endParaRPr lang="ko-KR" altLang="en-US"/>
           </a:p>
@@ -676,7 +676,7 @@
           <a:p>
             <a:fld id="{5660B926-7AC7-45A0-B1C2-692220D8726F}" type="datetimeFigureOut">
               <a:rPr lang="ko-KR" altLang="en-US" smtClean="0"/>
-              <a:t>2018-12-19</a:t>
+              <a:t>2018-12-21</a:t>
             </a:fld>
             <a:endParaRPr lang="ko-KR" altLang="en-US"/>
           </a:p>
@@ -874,7 +874,7 @@
           <a:p>
             <a:fld id="{5660B926-7AC7-45A0-B1C2-692220D8726F}" type="datetimeFigureOut">
               <a:rPr lang="ko-KR" altLang="en-US" smtClean="0"/>
-              <a:t>2018-12-19</a:t>
+              <a:t>2018-12-21</a:t>
             </a:fld>
             <a:endParaRPr lang="ko-KR" altLang="en-US"/>
           </a:p>
@@ -1149,7 +1149,7 @@
           <a:p>
             <a:fld id="{5660B926-7AC7-45A0-B1C2-692220D8726F}" type="datetimeFigureOut">
               <a:rPr lang="ko-KR" altLang="en-US" smtClean="0"/>
-              <a:t>2018-12-19</a:t>
+              <a:t>2018-12-21</a:t>
             </a:fld>
             <a:endParaRPr lang="ko-KR" altLang="en-US"/>
           </a:p>
@@ -1414,7 +1414,7 @@
           <a:p>
             <a:fld id="{5660B926-7AC7-45A0-B1C2-692220D8726F}" type="datetimeFigureOut">
               <a:rPr lang="ko-KR" altLang="en-US" smtClean="0"/>
-              <a:t>2018-12-19</a:t>
+              <a:t>2018-12-21</a:t>
             </a:fld>
             <a:endParaRPr lang="ko-KR" altLang="en-US"/>
           </a:p>
@@ -1826,7 +1826,7 @@
           <a:p>
             <a:fld id="{5660B926-7AC7-45A0-B1C2-692220D8726F}" type="datetimeFigureOut">
               <a:rPr lang="ko-KR" altLang="en-US" smtClean="0"/>
-              <a:t>2018-12-19</a:t>
+              <a:t>2018-12-21</a:t>
             </a:fld>
             <a:endParaRPr lang="ko-KR" altLang="en-US"/>
           </a:p>
@@ -1967,7 +1967,7 @@
           <a:p>
             <a:fld id="{5660B926-7AC7-45A0-B1C2-692220D8726F}" type="datetimeFigureOut">
               <a:rPr lang="ko-KR" altLang="en-US" smtClean="0"/>
-              <a:t>2018-12-19</a:t>
+              <a:t>2018-12-21</a:t>
             </a:fld>
             <a:endParaRPr lang="ko-KR" altLang="en-US"/>
           </a:p>
@@ -2080,7 +2080,7 @@
           <a:p>
             <a:fld id="{5660B926-7AC7-45A0-B1C2-692220D8726F}" type="datetimeFigureOut">
               <a:rPr lang="ko-KR" altLang="en-US" smtClean="0"/>
-              <a:t>2018-12-19</a:t>
+              <a:t>2018-12-21</a:t>
             </a:fld>
             <a:endParaRPr lang="ko-KR" altLang="en-US"/>
           </a:p>
@@ -2391,7 +2391,7 @@
           <a:p>
             <a:fld id="{5660B926-7AC7-45A0-B1C2-692220D8726F}" type="datetimeFigureOut">
               <a:rPr lang="ko-KR" altLang="en-US" smtClean="0"/>
-              <a:t>2018-12-19</a:t>
+              <a:t>2018-12-21</a:t>
             </a:fld>
             <a:endParaRPr lang="ko-KR" altLang="en-US"/>
           </a:p>
@@ -2679,7 +2679,7 @@
           <a:p>
             <a:fld id="{5660B926-7AC7-45A0-B1C2-692220D8726F}" type="datetimeFigureOut">
               <a:rPr lang="ko-KR" altLang="en-US" smtClean="0"/>
-              <a:t>2018-12-19</a:t>
+              <a:t>2018-12-21</a:t>
             </a:fld>
             <a:endParaRPr lang="ko-KR" altLang="en-US"/>
           </a:p>
@@ -2920,7 +2920,7 @@
           <a:p>
             <a:fld id="{5660B926-7AC7-45A0-B1C2-692220D8726F}" type="datetimeFigureOut">
               <a:rPr lang="ko-KR" altLang="en-US" smtClean="0"/>
-              <a:t>2018-12-19</a:t>
+              <a:t>2018-12-21</a:t>
             </a:fld>
             <a:endParaRPr lang="ko-KR" altLang="en-US"/>
           </a:p>
@@ -4911,10 +4911,7 @@
           <a:lstStyle/>
           <a:p>
             <a:pPr algn="ctr"/>
-            <a:r>
-              <a:rPr lang="en-US" altLang="ko-KR" dirty="0"/>
-              <a:t>1</a:t>
-            </a:r>
+            <a:endParaRPr lang="en-US" altLang="ko-KR" dirty="0"/>
           </a:p>
           <a:p>
             <a:pPr algn="ctr"/>
@@ -5021,6 +5018,56 @@
               <a:rPr lang="en-US" altLang="ko-KR" dirty="0"/>
               <a:t>3</a:t>
             </a:r>
+          </a:p>
+          <a:p>
+            <a:pPr algn="ctr"/>
+            <a:endParaRPr lang="ko-KR" altLang="en-US" dirty="0"/>
+          </a:p>
+        </p:txBody>
+      </p:sp>
+      <p:sp>
+        <p:nvSpPr>
+          <p:cNvPr id="25" name="사각형: 둥근 모서리 24">
+            <a:extLst>
+              <a:ext uri="{FF2B5EF4-FFF2-40B4-BE49-F238E27FC236}">
+                <a16:creationId xmlns:a16="http://schemas.microsoft.com/office/drawing/2014/main" id="{7103FCAA-BEC3-4698-A873-75C4F119538C}"/>
+              </a:ext>
+            </a:extLst>
+          </p:cNvPr>
+          <p:cNvSpPr/>
+          <p:nvPr/>
+        </p:nvSpPr>
+        <p:spPr>
+          <a:xfrm>
+            <a:off x="6393198" y="5683476"/>
+            <a:ext cx="889233" cy="889233"/>
+          </a:xfrm>
+          <a:prstGeom prst="roundRect">
+            <a:avLst/>
+          </a:prstGeom>
+        </p:spPr>
+        <p:style>
+          <a:lnRef idx="2">
+            <a:schemeClr val="accent6">
+              <a:shade val="50000"/>
+            </a:schemeClr>
+          </a:lnRef>
+          <a:fillRef idx="1">
+            <a:schemeClr val="accent6"/>
+          </a:fillRef>
+          <a:effectRef idx="0">
+            <a:schemeClr val="accent6"/>
+          </a:effectRef>
+          <a:fontRef idx="minor">
+            <a:schemeClr val="lt1"/>
+          </a:fontRef>
+        </p:style>
+        <p:txBody>
+          <a:bodyPr rtlCol="0" anchor="ctr"/>
+          <a:lstStyle/>
+          <a:p>
+            <a:pPr algn="ctr"/>
+            <a:endParaRPr lang="en-US" altLang="ko-KR" dirty="0"/>
           </a:p>
           <a:p>
             <a:pPr algn="ctr"/>
